--- a/Documentation.pptx
+++ b/Documentation.pptx
@@ -177,6 +177,11 @@
       </a:defRPr>
     </a:lvl9pPr>
   </p:defaultTextStyle>
+  <p:extLst>
+    <p:ext uri="{EFAFB233-063F-42B5-8137-9DF3F51BA10A}">
+      <p15:sldGuideLst xmlns:p15="http://schemas.microsoft.com/office/powerpoint/2012/main"/>
+    </p:ext>
+  </p:extLst>
 </p:presentation>
 </file>
 
@@ -329,7 +334,7 @@
           <a:p>
             <a:fld id="{008655FA-71D0-40E3-8412-38112021179B}" type="datetimeFigureOut">
               <a:rPr lang="it-IT" smtClean="0"/>
-              <a:t>22/04/2022</a:t>
+              <a:t>22/04/22</a:t>
             </a:fld>
             <a:endParaRPr lang="it-IT"/>
           </a:p>
@@ -383,7 +388,7 @@
           <a:p>
             <a:fld id="{8E5DA70F-C40E-4C24-B845-F98421B63B2A}" type="slidenum">
               <a:rPr lang="it-IT" smtClean="0"/>
-              <a:t>‹#›</a:t>
+              <a:t>‹N›</a:t>
             </a:fld>
             <a:endParaRPr lang="it-IT"/>
           </a:p>
@@ -529,7 +534,7 @@
           <a:p>
             <a:fld id="{008655FA-71D0-40E3-8412-38112021179B}" type="datetimeFigureOut">
               <a:rPr lang="it-IT" smtClean="0"/>
-              <a:t>22/04/2022</a:t>
+              <a:t>22/04/22</a:t>
             </a:fld>
             <a:endParaRPr lang="it-IT"/>
           </a:p>
@@ -583,7 +588,7 @@
           <a:p>
             <a:fld id="{8E5DA70F-C40E-4C24-B845-F98421B63B2A}" type="slidenum">
               <a:rPr lang="it-IT" smtClean="0"/>
-              <a:t>‹#›</a:t>
+              <a:t>‹N›</a:t>
             </a:fld>
             <a:endParaRPr lang="it-IT"/>
           </a:p>
@@ -739,7 +744,7 @@
           <a:p>
             <a:fld id="{008655FA-71D0-40E3-8412-38112021179B}" type="datetimeFigureOut">
               <a:rPr lang="it-IT" smtClean="0"/>
-              <a:t>22/04/2022</a:t>
+              <a:t>22/04/22</a:t>
             </a:fld>
             <a:endParaRPr lang="it-IT"/>
           </a:p>
@@ -793,7 +798,7 @@
           <a:p>
             <a:fld id="{8E5DA70F-C40E-4C24-B845-F98421B63B2A}" type="slidenum">
               <a:rPr lang="it-IT" smtClean="0"/>
-              <a:t>‹#›</a:t>
+              <a:t>‹N›</a:t>
             </a:fld>
             <a:endParaRPr lang="it-IT"/>
           </a:p>
@@ -939,7 +944,7 @@
           <a:p>
             <a:fld id="{008655FA-71D0-40E3-8412-38112021179B}" type="datetimeFigureOut">
               <a:rPr lang="it-IT" smtClean="0"/>
-              <a:t>22/04/2022</a:t>
+              <a:t>22/04/22</a:t>
             </a:fld>
             <a:endParaRPr lang="it-IT"/>
           </a:p>
@@ -993,7 +998,7 @@
           <a:p>
             <a:fld id="{8E5DA70F-C40E-4C24-B845-F98421B63B2A}" type="slidenum">
               <a:rPr lang="it-IT" smtClean="0"/>
-              <a:t>‹#›</a:t>
+              <a:t>‹N›</a:t>
             </a:fld>
             <a:endParaRPr lang="it-IT"/>
           </a:p>
@@ -1215,7 +1220,7 @@
           <a:p>
             <a:fld id="{008655FA-71D0-40E3-8412-38112021179B}" type="datetimeFigureOut">
               <a:rPr lang="it-IT" smtClean="0"/>
-              <a:t>22/04/2022</a:t>
+              <a:t>22/04/22</a:t>
             </a:fld>
             <a:endParaRPr lang="it-IT"/>
           </a:p>
@@ -1269,7 +1274,7 @@
           <a:p>
             <a:fld id="{8E5DA70F-C40E-4C24-B845-F98421B63B2A}" type="slidenum">
               <a:rPr lang="it-IT" smtClean="0"/>
-              <a:t>‹#›</a:t>
+              <a:t>‹N›</a:t>
             </a:fld>
             <a:endParaRPr lang="it-IT"/>
           </a:p>
@@ -1483,7 +1488,7 @@
           <a:p>
             <a:fld id="{008655FA-71D0-40E3-8412-38112021179B}" type="datetimeFigureOut">
               <a:rPr lang="it-IT" smtClean="0"/>
-              <a:t>22/04/2022</a:t>
+              <a:t>22/04/22</a:t>
             </a:fld>
             <a:endParaRPr lang="it-IT"/>
           </a:p>
@@ -1537,7 +1542,7 @@
           <a:p>
             <a:fld id="{8E5DA70F-C40E-4C24-B845-F98421B63B2A}" type="slidenum">
               <a:rPr lang="it-IT" smtClean="0"/>
-              <a:t>‹#›</a:t>
+              <a:t>‹N›</a:t>
             </a:fld>
             <a:endParaRPr lang="it-IT"/>
           </a:p>
@@ -1898,7 +1903,7 @@
           <a:p>
             <a:fld id="{008655FA-71D0-40E3-8412-38112021179B}" type="datetimeFigureOut">
               <a:rPr lang="it-IT" smtClean="0"/>
-              <a:t>22/04/2022</a:t>
+              <a:t>22/04/22</a:t>
             </a:fld>
             <a:endParaRPr lang="it-IT"/>
           </a:p>
@@ -1952,7 +1957,7 @@
           <a:p>
             <a:fld id="{8E5DA70F-C40E-4C24-B845-F98421B63B2A}" type="slidenum">
               <a:rPr lang="it-IT" smtClean="0"/>
-              <a:t>‹#›</a:t>
+              <a:t>‹N›</a:t>
             </a:fld>
             <a:endParaRPr lang="it-IT"/>
           </a:p>
@@ -2040,7 +2045,7 @@
           <a:p>
             <a:fld id="{008655FA-71D0-40E3-8412-38112021179B}" type="datetimeFigureOut">
               <a:rPr lang="it-IT" smtClean="0"/>
-              <a:t>22/04/2022</a:t>
+              <a:t>22/04/22</a:t>
             </a:fld>
             <a:endParaRPr lang="it-IT"/>
           </a:p>
@@ -2094,7 +2099,7 @@
           <a:p>
             <a:fld id="{8E5DA70F-C40E-4C24-B845-F98421B63B2A}" type="slidenum">
               <a:rPr lang="it-IT" smtClean="0"/>
-              <a:t>‹#›</a:t>
+              <a:t>‹N›</a:t>
             </a:fld>
             <a:endParaRPr lang="it-IT"/>
           </a:p>
@@ -2153,7 +2158,7 @@
           <a:p>
             <a:fld id="{008655FA-71D0-40E3-8412-38112021179B}" type="datetimeFigureOut">
               <a:rPr lang="it-IT" smtClean="0"/>
-              <a:t>22/04/2022</a:t>
+              <a:t>22/04/22</a:t>
             </a:fld>
             <a:endParaRPr lang="it-IT"/>
           </a:p>
@@ -2207,7 +2212,7 @@
           <a:p>
             <a:fld id="{8E5DA70F-C40E-4C24-B845-F98421B63B2A}" type="slidenum">
               <a:rPr lang="it-IT" smtClean="0"/>
-              <a:t>‹#›</a:t>
+              <a:t>‹N›</a:t>
             </a:fld>
             <a:endParaRPr lang="it-IT"/>
           </a:p>
@@ -2466,7 +2471,7 @@
           <a:p>
             <a:fld id="{008655FA-71D0-40E3-8412-38112021179B}" type="datetimeFigureOut">
               <a:rPr lang="it-IT" smtClean="0"/>
-              <a:t>22/04/2022</a:t>
+              <a:t>22/04/22</a:t>
             </a:fld>
             <a:endParaRPr lang="it-IT"/>
           </a:p>
@@ -2520,7 +2525,7 @@
           <a:p>
             <a:fld id="{8E5DA70F-C40E-4C24-B845-F98421B63B2A}" type="slidenum">
               <a:rPr lang="it-IT" smtClean="0"/>
-              <a:t>‹#›</a:t>
+              <a:t>‹N›</a:t>
             </a:fld>
             <a:endParaRPr lang="it-IT"/>
           </a:p>
@@ -2755,7 +2760,7 @@
           <a:p>
             <a:fld id="{008655FA-71D0-40E3-8412-38112021179B}" type="datetimeFigureOut">
               <a:rPr lang="it-IT" smtClean="0"/>
-              <a:t>22/04/2022</a:t>
+              <a:t>22/04/22</a:t>
             </a:fld>
             <a:endParaRPr lang="it-IT"/>
           </a:p>
@@ -2809,7 +2814,7 @@
           <a:p>
             <a:fld id="{8E5DA70F-C40E-4C24-B845-F98421B63B2A}" type="slidenum">
               <a:rPr lang="it-IT" smtClean="0"/>
-              <a:t>‹#›</a:t>
+              <a:t>‹N›</a:t>
             </a:fld>
             <a:endParaRPr lang="it-IT"/>
           </a:p>
@@ -2998,7 +3003,7 @@
           <a:p>
             <a:fld id="{008655FA-71D0-40E3-8412-38112021179B}" type="datetimeFigureOut">
               <a:rPr lang="it-IT" smtClean="0"/>
-              <a:t>22/04/2022</a:t>
+              <a:t>22/04/22</a:t>
             </a:fld>
             <a:endParaRPr lang="it-IT"/>
           </a:p>
@@ -3088,7 +3093,7 @@
           <a:p>
             <a:fld id="{8E5DA70F-C40E-4C24-B845-F98421B63B2A}" type="slidenum">
               <a:rPr lang="it-IT" smtClean="0"/>
-              <a:t>‹#›</a:t>
+              <a:t>‹N›</a:t>
             </a:fld>
             <a:endParaRPr lang="it-IT"/>
           </a:p>
@@ -3720,7 +3725,84 @@
           <a:bodyPr/>
           <a:lstStyle/>
           <a:p>
-            <a:endParaRPr lang="it-IT"/>
+            <a:r>
+              <a:rPr lang="it-IT" dirty="0"/>
+              <a:t>ON </a:t>
+            </a:r>
+            <a:r>
+              <a:rPr lang="it-IT" dirty="0" err="1"/>
+              <a:t>orders</a:t>
+            </a:r>
+            <a:r>
+              <a:rPr lang="it-IT" dirty="0"/>
+              <a:t> BEFORE INSERT</a:t>
+            </a:r>
+          </a:p>
+          <a:p>
+            <a:r>
+              <a:rPr lang="it-IT" dirty="0" err="1"/>
+              <a:t>This</a:t>
+            </a:r>
+            <a:r>
+              <a:rPr lang="it-IT" dirty="0"/>
+              <a:t> trigger checks </a:t>
+            </a:r>
+            <a:r>
+              <a:rPr lang="it-IT" dirty="0" err="1"/>
+              <a:t>if</a:t>
+            </a:r>
+            <a:r>
+              <a:rPr lang="it-IT" dirty="0"/>
+              <a:t> the </a:t>
+            </a:r>
+            <a:r>
+              <a:rPr lang="it-IT" dirty="0" err="1"/>
+              <a:t>inserted</a:t>
+            </a:r>
+            <a:r>
+              <a:rPr lang="it-IT" dirty="0"/>
+              <a:t> </a:t>
+            </a:r>
+            <a:r>
+              <a:rPr lang="it-IT" dirty="0" err="1"/>
+              <a:t>validity</a:t>
+            </a:r>
+            <a:r>
+              <a:rPr lang="it-IT" dirty="0"/>
+              <a:t> </a:t>
+            </a:r>
+            <a:r>
+              <a:rPr lang="it-IT" dirty="0" err="1"/>
+              <a:t>period</a:t>
+            </a:r>
+            <a:r>
+              <a:rPr lang="it-IT" dirty="0"/>
+              <a:t> for the new order </a:t>
+            </a:r>
+            <a:r>
+              <a:rPr lang="it-IT" dirty="0" err="1"/>
+              <a:t>is</a:t>
+            </a:r>
+            <a:r>
+              <a:rPr lang="it-IT" dirty="0"/>
+              <a:t> </a:t>
+            </a:r>
+            <a:r>
+              <a:rPr lang="it-IT" dirty="0" err="1"/>
+              <a:t>allowed</a:t>
+            </a:r>
+            <a:r>
+              <a:rPr lang="it-IT" dirty="0"/>
+              <a:t> or </a:t>
+            </a:r>
+            <a:r>
+              <a:rPr lang="it-IT" dirty="0" err="1"/>
+              <a:t>not</a:t>
+            </a:r>
+            <a:r>
+              <a:rPr lang="it-IT" dirty="0"/>
+              <a:t>.</a:t>
+            </a:r>
           </a:p>
         </p:txBody>
       </p:sp>
@@ -4145,7 +4227,87 @@
           </a:bodyPr>
           <a:lstStyle/>
           <a:p>
-            <a:endParaRPr lang="it-IT"/>
+            <a:r>
+              <a:rPr lang="it-IT" dirty="0"/>
+              <a:t>ON </a:t>
+            </a:r>
+            <a:r>
+              <a:rPr lang="it-IT" dirty="0" err="1"/>
+              <a:t>payment_history</a:t>
+            </a:r>
+            <a:r>
+              <a:rPr lang="it-IT" dirty="0"/>
+              <a:t> AFTER INSERT</a:t>
+            </a:r>
+          </a:p>
+          <a:p>
+            <a:r>
+              <a:rPr lang="it-IT" dirty="0" err="1"/>
+              <a:t>This</a:t>
+            </a:r>
+            <a:r>
+              <a:rPr lang="it-IT" dirty="0"/>
+              <a:t> trigger </a:t>
+            </a:r>
+            <a:r>
+              <a:rPr lang="it-IT" dirty="0" err="1"/>
+              <a:t>is</a:t>
+            </a:r>
+            <a:r>
+              <a:rPr lang="it-IT" dirty="0"/>
+              <a:t> </a:t>
+            </a:r>
+            <a:r>
+              <a:rPr lang="it-IT" dirty="0" err="1"/>
+              <a:t>used</a:t>
+            </a:r>
+            <a:r>
+              <a:rPr lang="it-IT" dirty="0"/>
+              <a:t> to create </a:t>
+            </a:r>
+            <a:r>
+              <a:rPr lang="it-IT" dirty="0" err="1"/>
+              <a:t>automatically</a:t>
+            </a:r>
+            <a:r>
+              <a:rPr lang="it-IT" dirty="0"/>
+              <a:t> the activation record for the user order after a payment </a:t>
+            </a:r>
+            <a:r>
+              <a:rPr lang="it-IT" dirty="0" err="1"/>
+              <a:t>has</a:t>
+            </a:r>
+            <a:r>
+              <a:rPr lang="it-IT" dirty="0"/>
+              <a:t> </a:t>
+            </a:r>
+            <a:r>
+              <a:rPr lang="it-IT" dirty="0" err="1"/>
+              <a:t>been</a:t>
+            </a:r>
+            <a:r>
+              <a:rPr lang="it-IT" dirty="0"/>
+              <a:t> </a:t>
+            </a:r>
+            <a:r>
+              <a:rPr lang="it-IT" dirty="0" err="1"/>
+              <a:t>completed</a:t>
+            </a:r>
+            <a:r>
+              <a:rPr lang="it-IT" dirty="0"/>
+              <a:t> </a:t>
+            </a:r>
+            <a:r>
+              <a:rPr lang="it-IT" dirty="0" err="1"/>
+              <a:t>successfully</a:t>
+            </a:r>
+            <a:r>
+              <a:rPr lang="it-IT" dirty="0"/>
+              <a:t>.</a:t>
+            </a:r>
+          </a:p>
+          <a:p>
+            <a:endParaRPr lang="it-IT" dirty="0"/>
           </a:p>
         </p:txBody>
       </p:sp>
@@ -4313,7 +4475,100 @@
           <a:bodyPr/>
           <a:lstStyle/>
           <a:p>
-            <a:endParaRPr lang="it-IT"/>
+            <a:r>
+              <a:rPr lang="it-IT" dirty="0"/>
+              <a:t>ON user AFTER INSERT</a:t>
+            </a:r>
+          </a:p>
+          <a:p>
+            <a:r>
+              <a:rPr lang="it-IT" dirty="0" err="1"/>
+              <a:t>This</a:t>
+            </a:r>
+            <a:r>
+              <a:rPr lang="it-IT" dirty="0"/>
+              <a:t> trigger </a:t>
+            </a:r>
+            <a:r>
+              <a:rPr lang="it-IT" dirty="0" err="1"/>
+              <a:t>is</a:t>
+            </a:r>
+            <a:r>
+              <a:rPr lang="it-IT" dirty="0"/>
+              <a:t> </a:t>
+            </a:r>
+            <a:r>
+              <a:rPr lang="it-IT" dirty="0" err="1"/>
+              <a:t>used</a:t>
+            </a:r>
+            <a:r>
+              <a:rPr lang="it-IT" dirty="0"/>
+              <a:t> to </a:t>
+            </a:r>
+            <a:r>
+              <a:rPr lang="it-IT" dirty="0" err="1"/>
+              <a:t>populate</a:t>
+            </a:r>
+            <a:r>
+              <a:rPr lang="it-IT" dirty="0"/>
+              <a:t> the </a:t>
+            </a:r>
+            <a:r>
+              <a:rPr lang="it-IT" dirty="0" err="1"/>
+              <a:t>failed_payment</a:t>
+            </a:r>
+            <a:r>
+              <a:rPr lang="it-IT" dirty="0"/>
+              <a:t> </a:t>
+            </a:r>
+            <a:r>
+              <a:rPr lang="it-IT" dirty="0" err="1"/>
+              <a:t>table</a:t>
+            </a:r>
+            <a:r>
+              <a:rPr lang="it-IT" dirty="0"/>
+              <a:t> </a:t>
+            </a:r>
+            <a:r>
+              <a:rPr lang="it-IT" dirty="0" err="1"/>
+              <a:t>when</a:t>
+            </a:r>
+            <a:r>
+              <a:rPr lang="it-IT" dirty="0"/>
+              <a:t> a new user </a:t>
+            </a:r>
+            <a:r>
+              <a:rPr lang="it-IT" dirty="0" err="1"/>
+              <a:t>is</a:t>
+            </a:r>
+            <a:r>
+              <a:rPr lang="it-IT" dirty="0"/>
+              <a:t> </a:t>
+            </a:r>
+            <a:r>
+              <a:rPr lang="it-IT" dirty="0" err="1"/>
+              <a:t>created</a:t>
+            </a:r>
+            <a:r>
+              <a:rPr lang="it-IT" dirty="0"/>
+              <a:t>, </a:t>
+            </a:r>
+            <a:r>
+              <a:rPr lang="it-IT" dirty="0" err="1"/>
+              <a:t>initializing</a:t>
+            </a:r>
+            <a:r>
+              <a:rPr lang="it-IT" dirty="0"/>
+              <a:t> the record to 0 </a:t>
+            </a:r>
+            <a:r>
+              <a:rPr lang="it-IT" dirty="0" err="1"/>
+              <a:t>failure</a:t>
+            </a:r>
+            <a:r>
+              <a:rPr lang="it-IT" dirty="0"/>
+              <a:t>.</a:t>
+            </a:r>
           </a:p>
         </p:txBody>
       </p:sp>
@@ -4481,7 +4736,108 @@
           <a:bodyPr/>
           <a:lstStyle/>
           <a:p>
-            <a:endParaRPr lang="it-IT"/>
+            <a:r>
+              <a:rPr lang="it-IT" dirty="0"/>
+              <a:t>ON </a:t>
+            </a:r>
+            <a:r>
+              <a:rPr lang="it-IT" dirty="0" err="1"/>
+              <a:t>optional_product</a:t>
+            </a:r>
+            <a:r>
+              <a:rPr lang="it-IT" dirty="0"/>
+              <a:t> AFTER INSERT</a:t>
+            </a:r>
+          </a:p>
+          <a:p>
+            <a:r>
+              <a:rPr lang="it-IT" dirty="0" err="1"/>
+              <a:t>This</a:t>
+            </a:r>
+            <a:r>
+              <a:rPr lang="it-IT" dirty="0"/>
+              <a:t> trigger </a:t>
+            </a:r>
+            <a:r>
+              <a:rPr lang="it-IT" dirty="0" err="1"/>
+              <a:t>is</a:t>
+            </a:r>
+            <a:r>
+              <a:rPr lang="it-IT" dirty="0"/>
+              <a:t> </a:t>
+            </a:r>
+            <a:r>
+              <a:rPr lang="it-IT" dirty="0" err="1"/>
+              <a:t>used</a:t>
+            </a:r>
+            <a:r>
+              <a:rPr lang="it-IT" dirty="0"/>
+              <a:t> to </a:t>
+            </a:r>
+            <a:r>
+              <a:rPr lang="it-IT" dirty="0" err="1"/>
+              <a:t>populate</a:t>
+            </a:r>
+            <a:r>
+              <a:rPr lang="it-IT" dirty="0"/>
+              <a:t> the </a:t>
+            </a:r>
+            <a:r>
+              <a:rPr lang="it-IT" dirty="0" err="1"/>
+              <a:t>total_purchase_optional</a:t>
+            </a:r>
+            <a:r>
+              <a:rPr lang="it-IT" dirty="0"/>
+              <a:t> </a:t>
+            </a:r>
+            <a:r>
+              <a:rPr lang="it-IT" dirty="0" err="1"/>
+              <a:t>table</a:t>
+            </a:r>
+            <a:r>
+              <a:rPr lang="it-IT" dirty="0"/>
+              <a:t> for </a:t>
+            </a:r>
+            <a:r>
+              <a:rPr lang="it-IT" dirty="0" err="1"/>
+              <a:t>statistic</a:t>
+            </a:r>
+            <a:r>
+              <a:rPr lang="it-IT" dirty="0"/>
+              <a:t> </a:t>
+            </a:r>
+            <a:r>
+              <a:rPr lang="it-IT" dirty="0" err="1"/>
+              <a:t>purpouse</a:t>
+            </a:r>
+            <a:r>
+              <a:rPr lang="it-IT" dirty="0"/>
+              <a:t> </a:t>
+            </a:r>
+            <a:r>
+              <a:rPr lang="it-IT" dirty="0" err="1"/>
+              <a:t>when</a:t>
+            </a:r>
+            <a:r>
+              <a:rPr lang="it-IT" dirty="0"/>
+              <a:t> a new optional product </a:t>
+            </a:r>
+            <a:r>
+              <a:rPr lang="it-IT" dirty="0" err="1"/>
+              <a:t>is</a:t>
+            </a:r>
+            <a:r>
+              <a:rPr lang="it-IT" dirty="0"/>
+              <a:t> </a:t>
+            </a:r>
+            <a:r>
+              <a:rPr lang="it-IT" dirty="0" err="1"/>
+              <a:t>created</a:t>
+            </a:r>
+            <a:r>
+              <a:rPr lang="it-IT" dirty="0"/>
+              <a:t>.</a:t>
+            </a:r>
           </a:p>
         </p:txBody>
       </p:sp>
@@ -4648,7 +5004,111 @@
           <a:bodyPr/>
           <a:lstStyle/>
           <a:p>
-            <a:endParaRPr lang="it-IT"/>
+            <a:r>
+              <a:rPr lang="it-IT" dirty="0"/>
+              <a:t>ON </a:t>
+            </a:r>
+            <a:r>
+              <a:rPr lang="it-IT" dirty="0" err="1"/>
+              <a:t>service_package</a:t>
+            </a:r>
+            <a:r>
+              <a:rPr lang="it-IT" dirty="0"/>
+              <a:t> AFTER INSERT</a:t>
+            </a:r>
+          </a:p>
+          <a:p>
+            <a:r>
+              <a:rPr lang="it-IT" dirty="0" err="1"/>
+              <a:t>This</a:t>
+            </a:r>
+            <a:r>
+              <a:rPr lang="it-IT" dirty="0"/>
+              <a:t> trigger </a:t>
+            </a:r>
+            <a:r>
+              <a:rPr lang="it-IT" dirty="0" err="1"/>
+              <a:t>is</a:t>
+            </a:r>
+            <a:r>
+              <a:rPr lang="it-IT" dirty="0"/>
+              <a:t> </a:t>
+            </a:r>
+            <a:r>
+              <a:rPr lang="it-IT" dirty="0" err="1"/>
+              <a:t>used</a:t>
+            </a:r>
+            <a:r>
+              <a:rPr lang="it-IT" dirty="0"/>
+              <a:t> to </a:t>
+            </a:r>
+            <a:r>
+              <a:rPr lang="it-IT" dirty="0" err="1"/>
+              <a:t>populate</a:t>
+            </a:r>
+            <a:r>
+              <a:rPr lang="it-IT" dirty="0"/>
+              <a:t> the </a:t>
+            </a:r>
+            <a:r>
+              <a:rPr lang="it-IT" dirty="0" err="1"/>
+              <a:t>avarage_purchase_optional_package</a:t>
+            </a:r>
+            <a:r>
+              <a:rPr lang="it-IT" dirty="0"/>
+              <a:t> </a:t>
+            </a:r>
+            <a:r>
+              <a:rPr lang="it-IT" dirty="0" err="1"/>
+              <a:t>table</a:t>
+            </a:r>
+            <a:r>
+              <a:rPr lang="it-IT" dirty="0"/>
+              <a:t> for </a:t>
+            </a:r>
+            <a:r>
+              <a:rPr lang="it-IT" dirty="0" err="1"/>
+              <a:t>statistic</a:t>
+            </a:r>
+            <a:r>
+              <a:rPr lang="it-IT" dirty="0"/>
+              <a:t> </a:t>
+            </a:r>
+            <a:r>
+              <a:rPr lang="it-IT" dirty="0" err="1"/>
+              <a:t>purpouse</a:t>
+            </a:r>
+            <a:r>
+              <a:rPr lang="it-IT" dirty="0"/>
+              <a:t> </a:t>
+            </a:r>
+            <a:r>
+              <a:rPr lang="it-IT" dirty="0" err="1"/>
+              <a:t>when</a:t>
+            </a:r>
+            <a:r>
+              <a:rPr lang="it-IT" dirty="0"/>
+              <a:t> a new service package </a:t>
+            </a:r>
+            <a:r>
+              <a:rPr lang="it-IT" dirty="0" err="1"/>
+              <a:t>is</a:t>
+            </a:r>
+            <a:r>
+              <a:rPr lang="it-IT" dirty="0"/>
+              <a:t> </a:t>
+            </a:r>
+            <a:r>
+              <a:rPr lang="it-IT" dirty="0" err="1"/>
+              <a:t>created</a:t>
+            </a:r>
+            <a:r>
+              <a:rPr lang="it-IT" dirty="0"/>
+              <a:t>.</a:t>
+            </a:r>
+          </a:p>
+          <a:p>
+            <a:endParaRPr lang="it-IT" dirty="0"/>
           </a:p>
         </p:txBody>
       </p:sp>
@@ -4816,7 +5276,111 @@
           <a:bodyPr/>
           <a:lstStyle/>
           <a:p>
-            <a:endParaRPr lang="it-IT"/>
+            <a:r>
+              <a:rPr lang="it-IT" dirty="0"/>
+              <a:t>ON </a:t>
+            </a:r>
+            <a:r>
+              <a:rPr lang="it-IT" dirty="0" err="1"/>
+              <a:t>service_package</a:t>
+            </a:r>
+            <a:r>
+              <a:rPr lang="it-IT" dirty="0"/>
+              <a:t> AFTER INSERT</a:t>
+            </a:r>
+          </a:p>
+          <a:p>
+            <a:r>
+              <a:rPr lang="it-IT" dirty="0" err="1"/>
+              <a:t>This</a:t>
+            </a:r>
+            <a:r>
+              <a:rPr lang="it-IT" dirty="0"/>
+              <a:t> trigger </a:t>
+            </a:r>
+            <a:r>
+              <a:rPr lang="it-IT" dirty="0" err="1"/>
+              <a:t>is</a:t>
+            </a:r>
+            <a:r>
+              <a:rPr lang="it-IT" dirty="0"/>
+              <a:t> </a:t>
+            </a:r>
+            <a:r>
+              <a:rPr lang="it-IT" dirty="0" err="1"/>
+              <a:t>used</a:t>
+            </a:r>
+            <a:r>
+              <a:rPr lang="it-IT" dirty="0"/>
+              <a:t> to </a:t>
+            </a:r>
+            <a:r>
+              <a:rPr lang="it-IT" dirty="0" err="1"/>
+              <a:t>populate</a:t>
+            </a:r>
+            <a:r>
+              <a:rPr lang="it-IT" dirty="0"/>
+              <a:t> the </a:t>
+            </a:r>
+            <a:r>
+              <a:rPr lang="it-IT" dirty="0" err="1"/>
+              <a:t>total_purchase_package</a:t>
+            </a:r>
+            <a:r>
+              <a:rPr lang="it-IT" dirty="0"/>
+              <a:t> </a:t>
+            </a:r>
+            <a:r>
+              <a:rPr lang="it-IT" dirty="0" err="1"/>
+              <a:t>table</a:t>
+            </a:r>
+            <a:r>
+              <a:rPr lang="it-IT" dirty="0"/>
+              <a:t> for </a:t>
+            </a:r>
+            <a:r>
+              <a:rPr lang="it-IT" dirty="0" err="1"/>
+              <a:t>statistic</a:t>
+            </a:r>
+            <a:r>
+              <a:rPr lang="it-IT" dirty="0"/>
+              <a:t> </a:t>
+            </a:r>
+            <a:r>
+              <a:rPr lang="it-IT" dirty="0" err="1"/>
+              <a:t>purpouse</a:t>
+            </a:r>
+            <a:r>
+              <a:rPr lang="it-IT" dirty="0"/>
+              <a:t> </a:t>
+            </a:r>
+            <a:r>
+              <a:rPr lang="it-IT" dirty="0" err="1"/>
+              <a:t>when</a:t>
+            </a:r>
+            <a:r>
+              <a:rPr lang="it-IT" dirty="0"/>
+              <a:t> a new service package </a:t>
+            </a:r>
+            <a:r>
+              <a:rPr lang="it-IT" dirty="0" err="1"/>
+              <a:t>is</a:t>
+            </a:r>
+            <a:r>
+              <a:rPr lang="it-IT" dirty="0"/>
+              <a:t> </a:t>
+            </a:r>
+            <a:r>
+              <a:rPr lang="it-IT" dirty="0" err="1"/>
+              <a:t>created</a:t>
+            </a:r>
+            <a:r>
+              <a:rPr lang="it-IT" dirty="0"/>
+              <a:t>.</a:t>
+            </a:r>
+          </a:p>
+          <a:p>
+            <a:endParaRPr lang="it-IT" dirty="0"/>
           </a:p>
         </p:txBody>
       </p:sp>
@@ -4992,7 +5556,111 @@
           <a:bodyPr/>
           <a:lstStyle/>
           <a:p>
-            <a:endParaRPr lang="it-IT"/>
+            <a:r>
+              <a:rPr lang="it-IT" dirty="0"/>
+              <a:t>ON </a:t>
+            </a:r>
+            <a:r>
+              <a:rPr lang="it-IT" dirty="0" err="1"/>
+              <a:t>service_package</a:t>
+            </a:r>
+            <a:r>
+              <a:rPr lang="it-IT" dirty="0"/>
+              <a:t> AFTER INSERT</a:t>
+            </a:r>
+          </a:p>
+          <a:p>
+            <a:r>
+              <a:rPr lang="it-IT" dirty="0" err="1"/>
+              <a:t>This</a:t>
+            </a:r>
+            <a:r>
+              <a:rPr lang="it-IT" dirty="0"/>
+              <a:t> trigger </a:t>
+            </a:r>
+            <a:r>
+              <a:rPr lang="it-IT" dirty="0" err="1"/>
+              <a:t>is</a:t>
+            </a:r>
+            <a:r>
+              <a:rPr lang="it-IT" dirty="0"/>
+              <a:t> </a:t>
+            </a:r>
+            <a:r>
+              <a:rPr lang="it-IT" dirty="0" err="1"/>
+              <a:t>used</a:t>
+            </a:r>
+            <a:r>
+              <a:rPr lang="it-IT" dirty="0"/>
+              <a:t> to </a:t>
+            </a:r>
+            <a:r>
+              <a:rPr lang="it-IT" dirty="0" err="1"/>
+              <a:t>populate</a:t>
+            </a:r>
+            <a:r>
+              <a:rPr lang="it-IT" dirty="0"/>
+              <a:t> the </a:t>
+            </a:r>
+            <a:r>
+              <a:rPr lang="en-US" dirty="0" err="1"/>
+              <a:t>total_purchase_package_optional</a:t>
+            </a:r>
+            <a:r>
+              <a:rPr lang="it-IT" dirty="0"/>
+              <a:t> </a:t>
+            </a:r>
+            <a:r>
+              <a:rPr lang="it-IT" dirty="0" err="1"/>
+              <a:t>table</a:t>
+            </a:r>
+            <a:r>
+              <a:rPr lang="it-IT" dirty="0"/>
+              <a:t> for </a:t>
+            </a:r>
+            <a:r>
+              <a:rPr lang="it-IT" dirty="0" err="1"/>
+              <a:t>statistic</a:t>
+            </a:r>
+            <a:r>
+              <a:rPr lang="it-IT" dirty="0"/>
+              <a:t> </a:t>
+            </a:r>
+            <a:r>
+              <a:rPr lang="it-IT" dirty="0" err="1"/>
+              <a:t>purpouse</a:t>
+            </a:r>
+            <a:r>
+              <a:rPr lang="it-IT" dirty="0"/>
+              <a:t> </a:t>
+            </a:r>
+            <a:r>
+              <a:rPr lang="it-IT" dirty="0" err="1"/>
+              <a:t>when</a:t>
+            </a:r>
+            <a:r>
+              <a:rPr lang="it-IT" dirty="0"/>
+              <a:t> a new service package </a:t>
+            </a:r>
+            <a:r>
+              <a:rPr lang="it-IT" dirty="0" err="1"/>
+              <a:t>is</a:t>
+            </a:r>
+            <a:r>
+              <a:rPr lang="it-IT" dirty="0"/>
+              <a:t> </a:t>
+            </a:r>
+            <a:r>
+              <a:rPr lang="it-IT" dirty="0" err="1"/>
+              <a:t>created</a:t>
+            </a:r>
+            <a:r>
+              <a:rPr lang="it-IT" dirty="0"/>
+              <a:t>.</a:t>
+            </a:r>
+          </a:p>
+          <a:p>
+            <a:endParaRPr lang="it-IT" dirty="0"/>
           </a:p>
         </p:txBody>
       </p:sp>
@@ -5167,7 +5835,111 @@
           <a:bodyPr/>
           <a:lstStyle/>
           <a:p>
-            <a:endParaRPr lang="it-IT"/>
+            <a:r>
+              <a:rPr lang="it-IT" dirty="0"/>
+              <a:t>ON </a:t>
+            </a:r>
+            <a:r>
+              <a:rPr lang="it-IT" dirty="0" err="1"/>
+              <a:t>service_package</a:t>
+            </a:r>
+            <a:r>
+              <a:rPr lang="it-IT" dirty="0"/>
+              <a:t> AFTER INSERT</a:t>
+            </a:r>
+          </a:p>
+          <a:p>
+            <a:r>
+              <a:rPr lang="it-IT" dirty="0" err="1"/>
+              <a:t>This</a:t>
+            </a:r>
+            <a:r>
+              <a:rPr lang="it-IT" dirty="0"/>
+              <a:t> trigger </a:t>
+            </a:r>
+            <a:r>
+              <a:rPr lang="it-IT" dirty="0" err="1"/>
+              <a:t>is</a:t>
+            </a:r>
+            <a:r>
+              <a:rPr lang="it-IT" dirty="0"/>
+              <a:t> </a:t>
+            </a:r>
+            <a:r>
+              <a:rPr lang="it-IT" dirty="0" err="1"/>
+              <a:t>used</a:t>
+            </a:r>
+            <a:r>
+              <a:rPr lang="it-IT" dirty="0"/>
+              <a:t> to </a:t>
+            </a:r>
+            <a:r>
+              <a:rPr lang="it-IT" dirty="0" err="1"/>
+              <a:t>populate</a:t>
+            </a:r>
+            <a:r>
+              <a:rPr lang="it-IT" dirty="0"/>
+              <a:t> the </a:t>
+            </a:r>
+            <a:r>
+              <a:rPr lang="en-US" dirty="0" err="1"/>
+              <a:t>total_purchase_package_validity</a:t>
+            </a:r>
+            <a:r>
+              <a:rPr lang="it-IT" dirty="0"/>
+              <a:t> </a:t>
+            </a:r>
+            <a:r>
+              <a:rPr lang="it-IT" dirty="0" err="1"/>
+              <a:t>table</a:t>
+            </a:r>
+            <a:r>
+              <a:rPr lang="it-IT" dirty="0"/>
+              <a:t> for </a:t>
+            </a:r>
+            <a:r>
+              <a:rPr lang="it-IT" dirty="0" err="1"/>
+              <a:t>statistic</a:t>
+            </a:r>
+            <a:r>
+              <a:rPr lang="it-IT" dirty="0"/>
+              <a:t> </a:t>
+            </a:r>
+            <a:r>
+              <a:rPr lang="it-IT" dirty="0" err="1"/>
+              <a:t>purpouse</a:t>
+            </a:r>
+            <a:r>
+              <a:rPr lang="it-IT" dirty="0"/>
+              <a:t> </a:t>
+            </a:r>
+            <a:r>
+              <a:rPr lang="it-IT" dirty="0" err="1"/>
+              <a:t>when</a:t>
+            </a:r>
+            <a:r>
+              <a:rPr lang="it-IT" dirty="0"/>
+              <a:t> a new service package </a:t>
+            </a:r>
+            <a:r>
+              <a:rPr lang="it-IT" dirty="0" err="1"/>
+              <a:t>is</a:t>
+            </a:r>
+            <a:r>
+              <a:rPr lang="it-IT" dirty="0"/>
+              <a:t> </a:t>
+            </a:r>
+            <a:r>
+              <a:rPr lang="it-IT" dirty="0" err="1"/>
+              <a:t>created</a:t>
+            </a:r>
+            <a:r>
+              <a:rPr lang="it-IT" dirty="0"/>
+              <a:t>.</a:t>
+            </a:r>
+          </a:p>
+          <a:p>
+            <a:endParaRPr lang="it-IT" dirty="0"/>
           </a:p>
         </p:txBody>
       </p:sp>
@@ -5343,7 +6115,111 @@
           <a:bodyPr/>
           <a:lstStyle/>
           <a:p>
-            <a:endParaRPr lang="it-IT"/>
+            <a:r>
+              <a:rPr lang="it-IT" dirty="0"/>
+              <a:t>ON </a:t>
+            </a:r>
+            <a:r>
+              <a:rPr lang="it-IT" dirty="0" err="1"/>
+              <a:t>service_package</a:t>
+            </a:r>
+            <a:r>
+              <a:rPr lang="it-IT" dirty="0"/>
+              <a:t> AFTER INSERT</a:t>
+            </a:r>
+          </a:p>
+          <a:p>
+            <a:r>
+              <a:rPr lang="it-IT" dirty="0" err="1"/>
+              <a:t>This</a:t>
+            </a:r>
+            <a:r>
+              <a:rPr lang="it-IT" dirty="0"/>
+              <a:t> trigger </a:t>
+            </a:r>
+            <a:r>
+              <a:rPr lang="it-IT" dirty="0" err="1"/>
+              <a:t>is</a:t>
+            </a:r>
+            <a:r>
+              <a:rPr lang="it-IT" dirty="0"/>
+              <a:t> </a:t>
+            </a:r>
+            <a:r>
+              <a:rPr lang="it-IT" dirty="0" err="1"/>
+              <a:t>used</a:t>
+            </a:r>
+            <a:r>
+              <a:rPr lang="it-IT" dirty="0"/>
+              <a:t> to </a:t>
+            </a:r>
+            <a:r>
+              <a:rPr lang="it-IT" dirty="0" err="1"/>
+              <a:t>populate</a:t>
+            </a:r>
+            <a:r>
+              <a:rPr lang="it-IT" dirty="0"/>
+              <a:t> the </a:t>
+            </a:r>
+            <a:r>
+              <a:rPr lang="it-IT" dirty="0" err="1"/>
+              <a:t>tot_value_optional_no_optional</a:t>
+            </a:r>
+            <a:r>
+              <a:rPr lang="it-IT" dirty="0"/>
+              <a:t> </a:t>
+            </a:r>
+            <a:r>
+              <a:rPr lang="it-IT" dirty="0" err="1"/>
+              <a:t>table</a:t>
+            </a:r>
+            <a:r>
+              <a:rPr lang="it-IT" dirty="0"/>
+              <a:t> for </a:t>
+            </a:r>
+            <a:r>
+              <a:rPr lang="it-IT" dirty="0" err="1"/>
+              <a:t>statistic</a:t>
+            </a:r>
+            <a:r>
+              <a:rPr lang="it-IT" dirty="0"/>
+              <a:t> </a:t>
+            </a:r>
+            <a:r>
+              <a:rPr lang="it-IT" dirty="0" err="1"/>
+              <a:t>purpouse</a:t>
+            </a:r>
+            <a:r>
+              <a:rPr lang="it-IT" dirty="0"/>
+              <a:t> </a:t>
+            </a:r>
+            <a:r>
+              <a:rPr lang="it-IT" dirty="0" err="1"/>
+              <a:t>when</a:t>
+            </a:r>
+            <a:r>
+              <a:rPr lang="it-IT" dirty="0"/>
+              <a:t> a new service package </a:t>
+            </a:r>
+            <a:r>
+              <a:rPr lang="it-IT" dirty="0" err="1"/>
+              <a:t>is</a:t>
+            </a:r>
+            <a:r>
+              <a:rPr lang="it-IT" dirty="0"/>
+              <a:t> </a:t>
+            </a:r>
+            <a:r>
+              <a:rPr lang="it-IT" dirty="0" err="1"/>
+              <a:t>created</a:t>
+            </a:r>
+            <a:r>
+              <a:rPr lang="it-IT" dirty="0"/>
+              <a:t>.</a:t>
+            </a:r>
+          </a:p>
+          <a:p>
+            <a:endParaRPr lang="it-IT" dirty="0"/>
           </a:p>
         </p:txBody>
       </p:sp>
@@ -5495,7 +6371,84 @@
           <a:bodyPr/>
           <a:lstStyle/>
           <a:p>
-            <a:endParaRPr lang="it-IT"/>
+            <a:r>
+              <a:rPr lang="it-IT" dirty="0"/>
+              <a:t>ON user AFTER DELETE</a:t>
+            </a:r>
+          </a:p>
+          <a:p>
+            <a:r>
+              <a:rPr lang="it-IT" dirty="0" err="1"/>
+              <a:t>This</a:t>
+            </a:r>
+            <a:r>
+              <a:rPr lang="it-IT" dirty="0"/>
+              <a:t> trigger </a:t>
+            </a:r>
+            <a:r>
+              <a:rPr lang="it-IT" dirty="0" err="1"/>
+              <a:t>is</a:t>
+            </a:r>
+            <a:r>
+              <a:rPr lang="it-IT" dirty="0"/>
+              <a:t> </a:t>
+            </a:r>
+            <a:r>
+              <a:rPr lang="it-IT" dirty="0" err="1"/>
+              <a:t>used</a:t>
+            </a:r>
+            <a:r>
+              <a:rPr lang="it-IT" dirty="0"/>
+              <a:t> to </a:t>
+            </a:r>
+            <a:r>
+              <a:rPr lang="it-IT" dirty="0" err="1"/>
+              <a:t>remove</a:t>
+            </a:r>
+            <a:r>
+              <a:rPr lang="it-IT" dirty="0"/>
+              <a:t> the user from </a:t>
+            </a:r>
+            <a:r>
+              <a:rPr lang="it-IT" dirty="0" err="1"/>
+              <a:t>failed_payment</a:t>
+            </a:r>
+            <a:r>
+              <a:rPr lang="it-IT" dirty="0"/>
+              <a:t> </a:t>
+            </a:r>
+            <a:r>
+              <a:rPr lang="it-IT" dirty="0" err="1"/>
+              <a:t>table</a:t>
+            </a:r>
+            <a:r>
+              <a:rPr lang="it-IT" dirty="0"/>
+              <a:t> </a:t>
+            </a:r>
+            <a:r>
+              <a:rPr lang="it-IT" dirty="0" err="1"/>
+              <a:t>when</a:t>
+            </a:r>
+            <a:r>
+              <a:rPr lang="it-IT" dirty="0"/>
+              <a:t> the user </a:t>
+            </a:r>
+            <a:r>
+              <a:rPr lang="it-IT" dirty="0" err="1"/>
+              <a:t>is</a:t>
+            </a:r>
+            <a:r>
+              <a:rPr lang="it-IT" dirty="0"/>
+              <a:t> </a:t>
+            </a:r>
+            <a:r>
+              <a:rPr lang="it-IT" dirty="0" err="1"/>
+              <a:t>deleted</a:t>
+            </a:r>
+            <a:endParaRPr lang="it-IT" dirty="0"/>
+          </a:p>
+          <a:p>
+            <a:endParaRPr lang="it-IT" dirty="0"/>
           </a:p>
         </p:txBody>
       </p:sp>
@@ -5985,7 +6938,92 @@
           <a:bodyPr/>
           <a:lstStyle/>
           <a:p>
-            <a:endParaRPr lang="it-IT"/>
+            <a:r>
+              <a:rPr lang="it-IT" dirty="0"/>
+              <a:t>ON </a:t>
+            </a:r>
+            <a:r>
+              <a:rPr lang="it-IT" dirty="0" err="1"/>
+              <a:t>optional_product</a:t>
+            </a:r>
+            <a:r>
+              <a:rPr lang="it-IT" dirty="0"/>
+              <a:t> AFTER DELETE</a:t>
+            </a:r>
+          </a:p>
+          <a:p>
+            <a:r>
+              <a:rPr lang="it-IT" dirty="0" err="1"/>
+              <a:t>This</a:t>
+            </a:r>
+            <a:r>
+              <a:rPr lang="it-IT" dirty="0"/>
+              <a:t> trigger </a:t>
+            </a:r>
+            <a:r>
+              <a:rPr lang="it-IT" dirty="0" err="1"/>
+              <a:t>is</a:t>
+            </a:r>
+            <a:r>
+              <a:rPr lang="it-IT" dirty="0"/>
+              <a:t> </a:t>
+            </a:r>
+            <a:r>
+              <a:rPr lang="it-IT" dirty="0" err="1"/>
+              <a:t>used</a:t>
+            </a:r>
+            <a:r>
+              <a:rPr lang="it-IT" dirty="0"/>
+              <a:t> to </a:t>
+            </a:r>
+            <a:r>
+              <a:rPr lang="it-IT" dirty="0" err="1"/>
+              <a:t>remove</a:t>
+            </a:r>
+            <a:r>
+              <a:rPr lang="it-IT" dirty="0"/>
+              <a:t> the </a:t>
+            </a:r>
+            <a:r>
+              <a:rPr lang="it-IT" dirty="0" err="1"/>
+              <a:t>corresponding</a:t>
+            </a:r>
+            <a:r>
+              <a:rPr lang="it-IT" dirty="0"/>
+              <a:t> record from </a:t>
+            </a:r>
+            <a:r>
+              <a:rPr lang="it-IT" dirty="0" err="1"/>
+              <a:t>total_purhcase_optional</a:t>
+            </a:r>
+            <a:r>
+              <a:rPr lang="it-IT" dirty="0"/>
+              <a:t> </a:t>
+            </a:r>
+            <a:r>
+              <a:rPr lang="it-IT" dirty="0" err="1"/>
+              <a:t>when</a:t>
+            </a:r>
+            <a:r>
+              <a:rPr lang="it-IT" dirty="0"/>
+              <a:t> an optional product </a:t>
+            </a:r>
+            <a:r>
+              <a:rPr lang="it-IT" dirty="0" err="1"/>
+              <a:t>is</a:t>
+            </a:r>
+            <a:r>
+              <a:rPr lang="it-IT" dirty="0"/>
+              <a:t> </a:t>
+            </a:r>
+            <a:r>
+              <a:rPr lang="it-IT" dirty="0" err="1"/>
+              <a:t>deleted</a:t>
+            </a:r>
+            <a:r>
+              <a:rPr lang="it-IT" dirty="0"/>
+              <a:t>.</a:t>
+            </a:r>
           </a:p>
         </p:txBody>
       </p:sp>
@@ -6137,7 +7175,95 @@
           <a:bodyPr/>
           <a:lstStyle/>
           <a:p>
-            <a:endParaRPr lang="it-IT"/>
+            <a:r>
+              <a:rPr lang="it-IT" dirty="0"/>
+              <a:t>ON </a:t>
+            </a:r>
+            <a:r>
+              <a:rPr lang="it-IT" dirty="0" err="1"/>
+              <a:t>service_packege</a:t>
+            </a:r>
+            <a:r>
+              <a:rPr lang="it-IT" dirty="0"/>
+              <a:t> AFTER DELETE</a:t>
+            </a:r>
+          </a:p>
+          <a:p>
+            <a:r>
+              <a:rPr lang="it-IT" dirty="0" err="1"/>
+              <a:t>This</a:t>
+            </a:r>
+            <a:r>
+              <a:rPr lang="it-IT" dirty="0"/>
+              <a:t> trigger </a:t>
+            </a:r>
+            <a:r>
+              <a:rPr lang="it-IT" dirty="0" err="1"/>
+              <a:t>is</a:t>
+            </a:r>
+            <a:r>
+              <a:rPr lang="it-IT" dirty="0"/>
+              <a:t> </a:t>
+            </a:r>
+            <a:r>
+              <a:rPr lang="it-IT" dirty="0" err="1"/>
+              <a:t>used</a:t>
+            </a:r>
+            <a:r>
+              <a:rPr lang="it-IT" dirty="0"/>
+              <a:t> to </a:t>
+            </a:r>
+            <a:r>
+              <a:rPr lang="it-IT" dirty="0" err="1"/>
+              <a:t>remove</a:t>
+            </a:r>
+            <a:r>
+              <a:rPr lang="it-IT" dirty="0"/>
+              <a:t> the </a:t>
+            </a:r>
+            <a:r>
+              <a:rPr lang="it-IT" dirty="0" err="1"/>
+              <a:t>corresponding</a:t>
+            </a:r>
+            <a:r>
+              <a:rPr lang="it-IT" dirty="0"/>
+              <a:t> record from </a:t>
+            </a:r>
+            <a:r>
+              <a:rPr lang="en-US" dirty="0" err="1"/>
+              <a:t>avarage_purchase_optional_package</a:t>
+            </a:r>
+            <a:r>
+              <a:rPr lang="en-US" dirty="0"/>
+              <a:t> </a:t>
+            </a:r>
+            <a:r>
+              <a:rPr lang="it-IT" dirty="0" err="1"/>
+              <a:t>when</a:t>
+            </a:r>
+            <a:r>
+              <a:rPr lang="it-IT" dirty="0"/>
+              <a:t> a service package </a:t>
+            </a:r>
+            <a:r>
+              <a:rPr lang="it-IT" dirty="0" err="1"/>
+              <a:t>is</a:t>
+            </a:r>
+            <a:r>
+              <a:rPr lang="it-IT" dirty="0"/>
+              <a:t> </a:t>
+            </a:r>
+            <a:r>
+              <a:rPr lang="it-IT" dirty="0" err="1"/>
+              <a:t>deleted</a:t>
+            </a:r>
+            <a:r>
+              <a:rPr lang="it-IT" dirty="0"/>
+              <a:t>.</a:t>
+            </a:r>
+          </a:p>
+          <a:p>
+            <a:endParaRPr lang="it-IT" dirty="0"/>
           </a:p>
         </p:txBody>
       </p:sp>
@@ -6289,7 +7415,98 @@
           <a:bodyPr/>
           <a:lstStyle/>
           <a:p>
-            <a:endParaRPr lang="it-IT"/>
+            <a:r>
+              <a:rPr lang="it-IT" dirty="0"/>
+              <a:t>ON </a:t>
+            </a:r>
+            <a:r>
+              <a:rPr lang="it-IT" dirty="0" err="1"/>
+              <a:t>service_packege</a:t>
+            </a:r>
+            <a:r>
+              <a:rPr lang="it-IT" dirty="0"/>
+              <a:t> AFTER DELETE</a:t>
+            </a:r>
+          </a:p>
+          <a:p>
+            <a:r>
+              <a:rPr lang="it-IT" dirty="0" err="1"/>
+              <a:t>This</a:t>
+            </a:r>
+            <a:r>
+              <a:rPr lang="it-IT" dirty="0"/>
+              <a:t> trigger </a:t>
+            </a:r>
+            <a:r>
+              <a:rPr lang="it-IT" dirty="0" err="1"/>
+              <a:t>is</a:t>
+            </a:r>
+            <a:r>
+              <a:rPr lang="it-IT" dirty="0"/>
+              <a:t> </a:t>
+            </a:r>
+            <a:r>
+              <a:rPr lang="it-IT" dirty="0" err="1"/>
+              <a:t>used</a:t>
+            </a:r>
+            <a:r>
+              <a:rPr lang="it-IT" dirty="0"/>
+              <a:t> to </a:t>
+            </a:r>
+            <a:r>
+              <a:rPr lang="it-IT" dirty="0" err="1"/>
+              <a:t>remove</a:t>
+            </a:r>
+            <a:r>
+              <a:rPr lang="it-IT" dirty="0"/>
+              <a:t> the </a:t>
+            </a:r>
+            <a:r>
+              <a:rPr lang="it-IT" dirty="0" err="1"/>
+              <a:t>corresponding</a:t>
+            </a:r>
+            <a:r>
+              <a:rPr lang="it-IT" dirty="0"/>
+              <a:t> record from </a:t>
+            </a:r>
+            <a:r>
+              <a:rPr lang="en-US" dirty="0" err="1"/>
+              <a:t>total_purchase_package</a:t>
+            </a:r>
+            <a:r>
+              <a:rPr lang="en-US" dirty="0"/>
+              <a:t> </a:t>
+            </a:r>
+            <a:r>
+              <a:rPr lang="it-IT" dirty="0" err="1"/>
+              <a:t>when</a:t>
+            </a:r>
+            <a:r>
+              <a:rPr lang="it-IT" dirty="0"/>
+              <a:t> a service package </a:t>
+            </a:r>
+            <a:r>
+              <a:rPr lang="it-IT" dirty="0" err="1"/>
+              <a:t>is</a:t>
+            </a:r>
+            <a:r>
+              <a:rPr lang="it-IT" dirty="0"/>
+              <a:t> </a:t>
+            </a:r>
+            <a:r>
+              <a:rPr lang="it-IT" dirty="0" err="1"/>
+              <a:t>deleted</a:t>
+            </a:r>
+            <a:r>
+              <a:rPr lang="it-IT" dirty="0"/>
+              <a:t>.</a:t>
+            </a:r>
+          </a:p>
+          <a:p>
+            <a:endParaRPr lang="it-IT" dirty="0"/>
+          </a:p>
+          <a:p>
+            <a:endParaRPr lang="it-IT" dirty="0"/>
           </a:p>
         </p:txBody>
       </p:sp>
@@ -6441,7 +7658,98 @@
           <a:bodyPr/>
           <a:lstStyle/>
           <a:p>
-            <a:endParaRPr lang="it-IT"/>
+            <a:r>
+              <a:rPr lang="it-IT" dirty="0"/>
+              <a:t>ON </a:t>
+            </a:r>
+            <a:r>
+              <a:rPr lang="it-IT" dirty="0" err="1"/>
+              <a:t>service_packege</a:t>
+            </a:r>
+            <a:r>
+              <a:rPr lang="it-IT" dirty="0"/>
+              <a:t> AFTER DELETE</a:t>
+            </a:r>
+          </a:p>
+          <a:p>
+            <a:r>
+              <a:rPr lang="it-IT" dirty="0" err="1"/>
+              <a:t>This</a:t>
+            </a:r>
+            <a:r>
+              <a:rPr lang="it-IT" dirty="0"/>
+              <a:t> trigger </a:t>
+            </a:r>
+            <a:r>
+              <a:rPr lang="it-IT" dirty="0" err="1"/>
+              <a:t>is</a:t>
+            </a:r>
+            <a:r>
+              <a:rPr lang="it-IT" dirty="0"/>
+              <a:t> </a:t>
+            </a:r>
+            <a:r>
+              <a:rPr lang="it-IT" dirty="0" err="1"/>
+              <a:t>used</a:t>
+            </a:r>
+            <a:r>
+              <a:rPr lang="it-IT" dirty="0"/>
+              <a:t> to </a:t>
+            </a:r>
+            <a:r>
+              <a:rPr lang="it-IT" dirty="0" err="1"/>
+              <a:t>remove</a:t>
+            </a:r>
+            <a:r>
+              <a:rPr lang="it-IT" dirty="0"/>
+              <a:t> the </a:t>
+            </a:r>
+            <a:r>
+              <a:rPr lang="it-IT" dirty="0" err="1"/>
+              <a:t>corresponding</a:t>
+            </a:r>
+            <a:r>
+              <a:rPr lang="it-IT" dirty="0"/>
+              <a:t> record from </a:t>
+            </a:r>
+            <a:r>
+              <a:rPr lang="en-US" dirty="0" err="1"/>
+              <a:t>total_purchase_package_optional</a:t>
+            </a:r>
+            <a:r>
+              <a:rPr lang="en-US" dirty="0"/>
+              <a:t> </a:t>
+            </a:r>
+            <a:r>
+              <a:rPr lang="it-IT" dirty="0" err="1"/>
+              <a:t>when</a:t>
+            </a:r>
+            <a:r>
+              <a:rPr lang="it-IT" dirty="0"/>
+              <a:t> a service package </a:t>
+            </a:r>
+            <a:r>
+              <a:rPr lang="it-IT" dirty="0" err="1"/>
+              <a:t>is</a:t>
+            </a:r>
+            <a:r>
+              <a:rPr lang="it-IT" dirty="0"/>
+              <a:t> </a:t>
+            </a:r>
+            <a:r>
+              <a:rPr lang="it-IT" dirty="0" err="1"/>
+              <a:t>deleted</a:t>
+            </a:r>
+            <a:r>
+              <a:rPr lang="it-IT" dirty="0"/>
+              <a:t>.</a:t>
+            </a:r>
+          </a:p>
+          <a:p>
+            <a:endParaRPr lang="it-IT" dirty="0"/>
+          </a:p>
+          <a:p>
+            <a:endParaRPr lang="it-IT" dirty="0"/>
           </a:p>
         </p:txBody>
       </p:sp>
@@ -6593,7 +7901,101 @@
           <a:bodyPr/>
           <a:lstStyle/>
           <a:p>
-            <a:endParaRPr lang="it-IT"/>
+            <a:r>
+              <a:rPr lang="it-IT" dirty="0"/>
+              <a:t>ON </a:t>
+            </a:r>
+            <a:r>
+              <a:rPr lang="it-IT" dirty="0" err="1"/>
+              <a:t>service_packege</a:t>
+            </a:r>
+            <a:r>
+              <a:rPr lang="it-IT" dirty="0"/>
+              <a:t> AFTER DELETE</a:t>
+            </a:r>
+          </a:p>
+          <a:p>
+            <a:r>
+              <a:rPr lang="it-IT" dirty="0" err="1"/>
+              <a:t>This</a:t>
+            </a:r>
+            <a:r>
+              <a:rPr lang="it-IT" dirty="0"/>
+              <a:t> trigger </a:t>
+            </a:r>
+            <a:r>
+              <a:rPr lang="it-IT" dirty="0" err="1"/>
+              <a:t>is</a:t>
+            </a:r>
+            <a:r>
+              <a:rPr lang="it-IT" dirty="0"/>
+              <a:t> </a:t>
+            </a:r>
+            <a:r>
+              <a:rPr lang="it-IT" dirty="0" err="1"/>
+              <a:t>used</a:t>
+            </a:r>
+            <a:r>
+              <a:rPr lang="it-IT" dirty="0"/>
+              <a:t> to </a:t>
+            </a:r>
+            <a:r>
+              <a:rPr lang="it-IT" dirty="0" err="1"/>
+              <a:t>remove</a:t>
+            </a:r>
+            <a:r>
+              <a:rPr lang="it-IT" dirty="0"/>
+              <a:t> the </a:t>
+            </a:r>
+            <a:r>
+              <a:rPr lang="it-IT" dirty="0" err="1"/>
+              <a:t>corresponding</a:t>
+            </a:r>
+            <a:r>
+              <a:rPr lang="it-IT" dirty="0"/>
+              <a:t> record from </a:t>
+            </a:r>
+            <a:r>
+              <a:rPr lang="en-US" dirty="0" err="1"/>
+              <a:t>total_purchase_package_validity</a:t>
+            </a:r>
+            <a:r>
+              <a:rPr lang="en-US" dirty="0"/>
+              <a:t> </a:t>
+            </a:r>
+            <a:r>
+              <a:rPr lang="it-IT" dirty="0" err="1"/>
+              <a:t>when</a:t>
+            </a:r>
+            <a:r>
+              <a:rPr lang="it-IT" dirty="0"/>
+              <a:t> a service package </a:t>
+            </a:r>
+            <a:r>
+              <a:rPr lang="it-IT" dirty="0" err="1"/>
+              <a:t>is</a:t>
+            </a:r>
+            <a:r>
+              <a:rPr lang="it-IT" dirty="0"/>
+              <a:t> </a:t>
+            </a:r>
+            <a:r>
+              <a:rPr lang="it-IT" dirty="0" err="1"/>
+              <a:t>deleted</a:t>
+            </a:r>
+            <a:r>
+              <a:rPr lang="it-IT" dirty="0"/>
+              <a:t>.</a:t>
+            </a:r>
+          </a:p>
+          <a:p>
+            <a:endParaRPr lang="it-IT" dirty="0"/>
+          </a:p>
+          <a:p>
+            <a:endParaRPr lang="it-IT" dirty="0"/>
+          </a:p>
+          <a:p>
+            <a:endParaRPr lang="it-IT" dirty="0"/>
           </a:p>
         </p:txBody>
       </p:sp>
@@ -6745,7 +8147,101 @@
           <a:bodyPr/>
           <a:lstStyle/>
           <a:p>
-            <a:endParaRPr lang="it-IT"/>
+            <a:r>
+              <a:rPr lang="it-IT" dirty="0"/>
+              <a:t>ON </a:t>
+            </a:r>
+            <a:r>
+              <a:rPr lang="it-IT" dirty="0" err="1"/>
+              <a:t>service_packege</a:t>
+            </a:r>
+            <a:r>
+              <a:rPr lang="it-IT" dirty="0"/>
+              <a:t> AFTER DELETE</a:t>
+            </a:r>
+          </a:p>
+          <a:p>
+            <a:r>
+              <a:rPr lang="it-IT" dirty="0" err="1"/>
+              <a:t>This</a:t>
+            </a:r>
+            <a:r>
+              <a:rPr lang="it-IT" dirty="0"/>
+              <a:t> trigger </a:t>
+            </a:r>
+            <a:r>
+              <a:rPr lang="it-IT" dirty="0" err="1"/>
+              <a:t>is</a:t>
+            </a:r>
+            <a:r>
+              <a:rPr lang="it-IT" dirty="0"/>
+              <a:t> </a:t>
+            </a:r>
+            <a:r>
+              <a:rPr lang="it-IT" dirty="0" err="1"/>
+              <a:t>used</a:t>
+            </a:r>
+            <a:r>
+              <a:rPr lang="it-IT" dirty="0"/>
+              <a:t> to </a:t>
+            </a:r>
+            <a:r>
+              <a:rPr lang="it-IT" dirty="0" err="1"/>
+              <a:t>remove</a:t>
+            </a:r>
+            <a:r>
+              <a:rPr lang="it-IT" dirty="0"/>
+              <a:t> the </a:t>
+            </a:r>
+            <a:r>
+              <a:rPr lang="it-IT" dirty="0" err="1"/>
+              <a:t>corresponding</a:t>
+            </a:r>
+            <a:r>
+              <a:rPr lang="it-IT" dirty="0"/>
+              <a:t> record from </a:t>
+            </a:r>
+            <a:r>
+              <a:rPr lang="en-US" dirty="0" err="1"/>
+              <a:t>tot_value_optional_no_optional</a:t>
+            </a:r>
+            <a:r>
+              <a:rPr lang="en-US" dirty="0"/>
+              <a:t> </a:t>
+            </a:r>
+            <a:r>
+              <a:rPr lang="it-IT" dirty="0" err="1"/>
+              <a:t>when</a:t>
+            </a:r>
+            <a:r>
+              <a:rPr lang="it-IT" dirty="0"/>
+              <a:t> a service package </a:t>
+            </a:r>
+            <a:r>
+              <a:rPr lang="it-IT" dirty="0" err="1"/>
+              <a:t>is</a:t>
+            </a:r>
+            <a:r>
+              <a:rPr lang="it-IT" dirty="0"/>
+              <a:t> </a:t>
+            </a:r>
+            <a:r>
+              <a:rPr lang="it-IT" dirty="0" err="1"/>
+              <a:t>deleted</a:t>
+            </a:r>
+            <a:r>
+              <a:rPr lang="it-IT" dirty="0"/>
+              <a:t>.</a:t>
+            </a:r>
+          </a:p>
+          <a:p>
+            <a:endParaRPr lang="it-IT" dirty="0"/>
+          </a:p>
+          <a:p>
+            <a:endParaRPr lang="it-IT" dirty="0"/>
+          </a:p>
+          <a:p>
+            <a:endParaRPr lang="it-IT" dirty="0"/>
           </a:p>
         </p:txBody>
       </p:sp>
@@ -7011,7 +8507,156 @@
           </a:bodyPr>
           <a:lstStyle/>
           <a:p>
-            <a:endParaRPr lang="it-IT"/>
+            <a:r>
+              <a:rPr lang="it-IT" dirty="0"/>
+              <a:t>ON </a:t>
+            </a:r>
+            <a:r>
+              <a:rPr lang="it-IT" dirty="0" err="1"/>
+              <a:t>payment_history</a:t>
+            </a:r>
+            <a:r>
+              <a:rPr lang="it-IT" dirty="0"/>
+              <a:t> AFTER INSERT</a:t>
+            </a:r>
+          </a:p>
+          <a:p>
+            <a:r>
+              <a:rPr lang="it-IT" dirty="0" err="1"/>
+              <a:t>This</a:t>
+            </a:r>
+            <a:r>
+              <a:rPr lang="it-IT" dirty="0"/>
+              <a:t> trigger </a:t>
+            </a:r>
+            <a:r>
+              <a:rPr lang="it-IT" dirty="0" err="1"/>
+              <a:t>is</a:t>
+            </a:r>
+            <a:r>
+              <a:rPr lang="it-IT" dirty="0"/>
+              <a:t> </a:t>
+            </a:r>
+            <a:r>
+              <a:rPr lang="it-IT" dirty="0" err="1"/>
+              <a:t>used</a:t>
+            </a:r>
+            <a:r>
+              <a:rPr lang="it-IT" dirty="0"/>
+              <a:t> to set a user </a:t>
+            </a:r>
+            <a:r>
+              <a:rPr lang="it-IT" dirty="0" err="1"/>
+              <a:t>as</a:t>
+            </a:r>
+            <a:r>
+              <a:rPr lang="it-IT" dirty="0"/>
+              <a:t> </a:t>
+            </a:r>
+            <a:r>
+              <a:rPr lang="it-IT" dirty="0" err="1"/>
+              <a:t>insolvent</a:t>
+            </a:r>
+            <a:r>
+              <a:rPr lang="it-IT" dirty="0"/>
+              <a:t> </a:t>
+            </a:r>
+            <a:r>
+              <a:rPr lang="it-IT" dirty="0" err="1"/>
+              <a:t>if</a:t>
+            </a:r>
+            <a:r>
+              <a:rPr lang="it-IT" dirty="0"/>
+              <a:t> a new payment </a:t>
+            </a:r>
+            <a:r>
+              <a:rPr lang="it-IT" dirty="0" err="1"/>
+              <a:t>fails</a:t>
+            </a:r>
+            <a:r>
+              <a:rPr lang="it-IT" dirty="0"/>
+              <a:t>, </a:t>
+            </a:r>
+            <a:r>
+              <a:rPr lang="it-IT" dirty="0" err="1"/>
+              <a:t>otherwise</a:t>
+            </a:r>
+            <a:r>
+              <a:rPr lang="it-IT" dirty="0"/>
+              <a:t> to </a:t>
+            </a:r>
+            <a:r>
+              <a:rPr lang="it-IT" dirty="0" err="1"/>
+              <a:t>remove</a:t>
+            </a:r>
+            <a:r>
+              <a:rPr lang="it-IT" dirty="0"/>
+              <a:t> the </a:t>
+            </a:r>
+            <a:r>
+              <a:rPr lang="it-IT" dirty="0" err="1"/>
+              <a:t>insolvent</a:t>
+            </a:r>
+            <a:r>
+              <a:rPr lang="it-IT" dirty="0"/>
+              <a:t> status </a:t>
+            </a:r>
+            <a:r>
+              <a:rPr lang="it-IT" dirty="0" err="1"/>
+              <a:t>when</a:t>
+            </a:r>
+            <a:r>
+              <a:rPr lang="it-IT" dirty="0"/>
+              <a:t> </a:t>
+            </a:r>
+            <a:r>
+              <a:rPr lang="it-IT" dirty="0" err="1"/>
+              <a:t>all</a:t>
+            </a:r>
+            <a:r>
+              <a:rPr lang="it-IT" dirty="0"/>
+              <a:t> </a:t>
+            </a:r>
+            <a:r>
+              <a:rPr lang="it-IT" dirty="0" err="1"/>
+              <a:t>his</a:t>
+            </a:r>
+            <a:r>
+              <a:rPr lang="it-IT" dirty="0"/>
+              <a:t> </a:t>
+            </a:r>
+            <a:r>
+              <a:rPr lang="it-IT" dirty="0" err="1"/>
+              <a:t>pending</a:t>
+            </a:r>
+            <a:r>
+              <a:rPr lang="it-IT" dirty="0"/>
+              <a:t> payments </a:t>
+            </a:r>
+            <a:r>
+              <a:rPr lang="it-IT" dirty="0" err="1"/>
+              <a:t>has</a:t>
+            </a:r>
+            <a:r>
+              <a:rPr lang="it-IT" dirty="0"/>
+              <a:t> </a:t>
+            </a:r>
+            <a:r>
+              <a:rPr lang="it-IT" dirty="0" err="1"/>
+              <a:t>been</a:t>
+            </a:r>
+            <a:r>
+              <a:rPr lang="it-IT" dirty="0"/>
+              <a:t> </a:t>
+            </a:r>
+            <a:r>
+              <a:rPr lang="it-IT" dirty="0" err="1"/>
+              <a:t>payed</a:t>
+            </a:r>
+            <a:r>
+              <a:rPr lang="it-IT" dirty="0"/>
+              <a:t>.</a:t>
+            </a:r>
           </a:p>
         </p:txBody>
       </p:sp>
@@ -7219,7 +8864,7 @@
             </a:pPr>
             <a:r>
               <a:rPr lang="it-IT" sz="1500" dirty="0"/>
-              <a:t>	SET MESSAGE_TEXT = 'Optional product not in package';</a:t>
+              <a:t>	SET MESSAGE_TEXT = 'Optional product not in 	package';</a:t>
             </a:r>
           </a:p>
           <a:p>
@@ -7263,7 +8908,84 @@
           <a:bodyPr/>
           <a:lstStyle/>
           <a:p>
-            <a:endParaRPr lang="it-IT"/>
+            <a:r>
+              <a:rPr lang="it-IT" dirty="0"/>
+              <a:t>ON </a:t>
+            </a:r>
+            <a:r>
+              <a:rPr lang="it-IT" dirty="0" err="1"/>
+              <a:t>optional_product_order</a:t>
+            </a:r>
+            <a:r>
+              <a:rPr lang="it-IT" dirty="0"/>
+              <a:t> BEFORE INSERT</a:t>
+            </a:r>
+          </a:p>
+          <a:p>
+            <a:r>
+              <a:rPr lang="it-IT" dirty="0" err="1"/>
+              <a:t>This</a:t>
+            </a:r>
+            <a:r>
+              <a:rPr lang="it-IT" dirty="0"/>
+              <a:t> trigger </a:t>
+            </a:r>
+            <a:r>
+              <a:rPr lang="it-IT" dirty="0" err="1"/>
+              <a:t>is</a:t>
+            </a:r>
+            <a:r>
+              <a:rPr lang="it-IT" dirty="0"/>
+              <a:t> </a:t>
+            </a:r>
+            <a:r>
+              <a:rPr lang="it-IT" dirty="0" err="1"/>
+              <a:t>used</a:t>
+            </a:r>
+            <a:r>
+              <a:rPr lang="it-IT" dirty="0"/>
+              <a:t> to </a:t>
+            </a:r>
+            <a:r>
+              <a:rPr lang="it-IT" dirty="0" err="1"/>
+              <a:t>verify</a:t>
+            </a:r>
+            <a:r>
+              <a:rPr lang="it-IT" dirty="0"/>
+              <a:t> </a:t>
+            </a:r>
+            <a:r>
+              <a:rPr lang="it-IT" dirty="0" err="1"/>
+              <a:t>if</a:t>
+            </a:r>
+            <a:r>
+              <a:rPr lang="it-IT" dirty="0"/>
+              <a:t> the optional products </a:t>
+            </a:r>
+            <a:r>
+              <a:rPr lang="it-IT" dirty="0" err="1"/>
+              <a:t>associated</a:t>
+            </a:r>
+            <a:r>
+              <a:rPr lang="it-IT" dirty="0"/>
+              <a:t> with a service package in an order </a:t>
+            </a:r>
+            <a:r>
+              <a:rPr lang="it-IT" dirty="0" err="1"/>
+              <a:t>really</a:t>
+            </a:r>
+            <a:r>
+              <a:rPr lang="it-IT" dirty="0"/>
+              <a:t> </a:t>
+            </a:r>
+            <a:r>
+              <a:rPr lang="it-IT" dirty="0" err="1"/>
+              <a:t>belongs</a:t>
+            </a:r>
+            <a:r>
+              <a:rPr lang="it-IT" dirty="0"/>
+              <a:t> to the service package. </a:t>
+            </a:r>
           </a:p>
         </p:txBody>
       </p:sp>
@@ -7696,7 +9418,92 @@
           </a:bodyPr>
           <a:lstStyle/>
           <a:p>
-            <a:endParaRPr lang="it-IT"/>
+            <a:r>
+              <a:rPr lang="it-IT" dirty="0"/>
+              <a:t>ON </a:t>
+            </a:r>
+            <a:r>
+              <a:rPr lang="it-IT" dirty="0" err="1"/>
+              <a:t>failed_payments</a:t>
+            </a:r>
+            <a:r>
+              <a:rPr lang="it-IT" dirty="0"/>
+              <a:t> AFTER UPDATE</a:t>
+            </a:r>
+          </a:p>
+          <a:p>
+            <a:r>
+              <a:rPr lang="it-IT" dirty="0" err="1"/>
+              <a:t>This</a:t>
+            </a:r>
+            <a:r>
+              <a:rPr lang="it-IT" dirty="0"/>
+              <a:t> trigger </a:t>
+            </a:r>
+            <a:r>
+              <a:rPr lang="it-IT" dirty="0" err="1"/>
+              <a:t>is</a:t>
+            </a:r>
+            <a:r>
+              <a:rPr lang="it-IT" dirty="0"/>
+              <a:t> </a:t>
+            </a:r>
+            <a:r>
+              <a:rPr lang="it-IT" dirty="0" err="1"/>
+              <a:t>used</a:t>
+            </a:r>
+            <a:r>
+              <a:rPr lang="it-IT" dirty="0"/>
+              <a:t> to rise an </a:t>
+            </a:r>
+            <a:r>
+              <a:rPr lang="it-IT" dirty="0" err="1"/>
+              <a:t>alert</a:t>
+            </a:r>
+            <a:r>
+              <a:rPr lang="it-IT" dirty="0"/>
+              <a:t> </a:t>
+            </a:r>
+            <a:r>
+              <a:rPr lang="it-IT" dirty="0" err="1"/>
+              <a:t>when</a:t>
+            </a:r>
+            <a:r>
+              <a:rPr lang="it-IT" dirty="0"/>
+              <a:t> the </a:t>
+            </a:r>
+            <a:r>
+              <a:rPr lang="it-IT" dirty="0" err="1"/>
+              <a:t>number</a:t>
+            </a:r>
+            <a:r>
+              <a:rPr lang="it-IT" dirty="0"/>
+              <a:t> of </a:t>
+            </a:r>
+            <a:r>
+              <a:rPr lang="it-IT" dirty="0" err="1"/>
+              <a:t>failed</a:t>
+            </a:r>
+            <a:r>
+              <a:rPr lang="it-IT" dirty="0"/>
+              <a:t> payment for a user </a:t>
+            </a:r>
+            <a:r>
+              <a:rPr lang="it-IT" dirty="0" err="1"/>
+              <a:t>reach</a:t>
+            </a:r>
+            <a:r>
+              <a:rPr lang="it-IT" dirty="0"/>
+              <a:t> the </a:t>
+            </a:r>
+            <a:r>
+              <a:rPr lang="it-IT" dirty="0" err="1"/>
+              <a:t>number</a:t>
+            </a:r>
+            <a:r>
+              <a:rPr lang="it-IT" dirty="0"/>
+              <a:t> 3.</a:t>
+            </a:r>
           </a:p>
         </p:txBody>
       </p:sp>
@@ -7947,7 +9754,92 @@
           <a:bodyPr/>
           <a:lstStyle/>
           <a:p>
-            <a:endParaRPr lang="it-IT"/>
+            <a:r>
+              <a:rPr lang="it-IT" dirty="0"/>
+              <a:t>ON user BEFORE UPDATE</a:t>
+            </a:r>
+          </a:p>
+          <a:p>
+            <a:r>
+              <a:rPr lang="it-IT" dirty="0" err="1"/>
+              <a:t>This</a:t>
+            </a:r>
+            <a:r>
+              <a:rPr lang="it-IT" dirty="0"/>
+              <a:t> trigger </a:t>
+            </a:r>
+            <a:r>
+              <a:rPr lang="it-IT" dirty="0" err="1"/>
+              <a:t>is</a:t>
+            </a:r>
+            <a:r>
+              <a:rPr lang="it-IT" dirty="0"/>
+              <a:t> </a:t>
+            </a:r>
+            <a:r>
+              <a:rPr lang="it-IT" dirty="0" err="1"/>
+              <a:t>used</a:t>
+            </a:r>
+            <a:r>
+              <a:rPr lang="it-IT" dirty="0"/>
+              <a:t> to </a:t>
+            </a:r>
+            <a:r>
+              <a:rPr lang="it-IT" dirty="0" err="1"/>
+              <a:t>add</a:t>
+            </a:r>
+            <a:r>
+              <a:rPr lang="it-IT" dirty="0"/>
+              <a:t> a user to the </a:t>
+            </a:r>
+            <a:r>
+              <a:rPr lang="it-IT" dirty="0" err="1"/>
+              <a:t>insolvent</a:t>
+            </a:r>
+            <a:r>
+              <a:rPr lang="it-IT" dirty="0"/>
+              <a:t> user lists </a:t>
+            </a:r>
+            <a:r>
+              <a:rPr lang="it-IT" dirty="0" err="1"/>
+              <a:t>when</a:t>
+            </a:r>
+            <a:r>
+              <a:rPr lang="it-IT" dirty="0"/>
+              <a:t> he </a:t>
+            </a:r>
+            <a:r>
+              <a:rPr lang="it-IT" dirty="0" err="1"/>
+              <a:t>wasn’t</a:t>
+            </a:r>
+            <a:r>
+              <a:rPr lang="it-IT" dirty="0"/>
+              <a:t> </a:t>
+            </a:r>
+            <a:r>
+              <a:rPr lang="it-IT" dirty="0" err="1"/>
+              <a:t>insolvent</a:t>
+            </a:r>
+            <a:r>
+              <a:rPr lang="it-IT" dirty="0"/>
+              <a:t> </a:t>
+            </a:r>
+            <a:r>
+              <a:rPr lang="it-IT" dirty="0" err="1"/>
+              <a:t>but</a:t>
+            </a:r>
+            <a:r>
+              <a:rPr lang="it-IT" dirty="0"/>
+              <a:t> he </a:t>
+            </a:r>
+            <a:r>
+              <a:rPr lang="it-IT" dirty="0" err="1"/>
+              <a:t>fails</a:t>
+            </a:r>
+            <a:r>
+              <a:rPr lang="it-IT" dirty="0"/>
+              <a:t> a payment.</a:t>
+            </a:r>
           </a:p>
         </p:txBody>
       </p:sp>
@@ -8467,7 +10359,170 @@
           </a:bodyPr>
           <a:lstStyle/>
           <a:p>
-            <a:endParaRPr lang="it-IT"/>
+            <a:r>
+              <a:rPr lang="it-IT" dirty="0"/>
+              <a:t>ON </a:t>
+            </a:r>
+            <a:r>
+              <a:rPr lang="it-IT" dirty="0" err="1"/>
+              <a:t>orders</a:t>
+            </a:r>
+            <a:r>
+              <a:rPr lang="it-IT" dirty="0"/>
+              <a:t> AFTER UPDATE</a:t>
+            </a:r>
+          </a:p>
+          <a:p>
+            <a:r>
+              <a:rPr lang="it-IT" dirty="0" err="1"/>
+              <a:t>This</a:t>
+            </a:r>
+            <a:r>
+              <a:rPr lang="it-IT" dirty="0"/>
+              <a:t> trigger </a:t>
+            </a:r>
+            <a:r>
+              <a:rPr lang="it-IT" dirty="0" err="1"/>
+              <a:t>is</a:t>
+            </a:r>
+            <a:r>
+              <a:rPr lang="it-IT" dirty="0"/>
+              <a:t> </a:t>
+            </a:r>
+            <a:r>
+              <a:rPr lang="it-IT" dirty="0" err="1"/>
+              <a:t>used</a:t>
+            </a:r>
+            <a:r>
+              <a:rPr lang="it-IT" dirty="0"/>
+              <a:t> to </a:t>
+            </a:r>
+            <a:r>
+              <a:rPr lang="it-IT" dirty="0" err="1"/>
+              <a:t>add</a:t>
+            </a:r>
+            <a:r>
+              <a:rPr lang="it-IT" dirty="0"/>
+              <a:t> an order to the </a:t>
+            </a:r>
+            <a:r>
+              <a:rPr lang="it-IT" dirty="0" err="1"/>
+              <a:t>suspended</a:t>
+            </a:r>
+            <a:r>
+              <a:rPr lang="it-IT" dirty="0"/>
+              <a:t> list </a:t>
+            </a:r>
+            <a:r>
+              <a:rPr lang="it-IT" dirty="0" err="1"/>
+              <a:t>when</a:t>
+            </a:r>
+            <a:r>
+              <a:rPr lang="it-IT" dirty="0"/>
+              <a:t> </a:t>
+            </a:r>
+            <a:r>
+              <a:rPr lang="it-IT" dirty="0" err="1"/>
+              <a:t>its</a:t>
+            </a:r>
+            <a:r>
+              <a:rPr lang="it-IT" dirty="0"/>
+              <a:t> status </a:t>
+            </a:r>
+            <a:r>
+              <a:rPr lang="it-IT" dirty="0" err="1"/>
+              <a:t>is</a:t>
+            </a:r>
+            <a:r>
+              <a:rPr lang="it-IT" dirty="0"/>
+              <a:t> a </a:t>
+            </a:r>
+            <a:r>
+              <a:rPr lang="it-IT" dirty="0" err="1"/>
+              <a:t>failed</a:t>
+            </a:r>
+            <a:r>
+              <a:rPr lang="it-IT" dirty="0"/>
+              <a:t> payment (status=2), </a:t>
+            </a:r>
+            <a:r>
+              <a:rPr lang="it-IT" dirty="0" err="1"/>
+              <a:t>otherwise</a:t>
+            </a:r>
+            <a:r>
+              <a:rPr lang="it-IT" dirty="0"/>
+              <a:t>, the order </a:t>
+            </a:r>
+            <a:r>
+              <a:rPr lang="it-IT" dirty="0" err="1"/>
+              <a:t>is</a:t>
+            </a:r>
+            <a:r>
+              <a:rPr lang="it-IT" dirty="0"/>
+              <a:t> </a:t>
+            </a:r>
+            <a:r>
+              <a:rPr lang="it-IT" dirty="0" err="1"/>
+              <a:t>removed</a:t>
+            </a:r>
+            <a:r>
+              <a:rPr lang="it-IT" dirty="0"/>
+              <a:t> from the </a:t>
+            </a:r>
+            <a:r>
+              <a:rPr lang="it-IT" dirty="0" err="1"/>
+              <a:t>suspended</a:t>
+            </a:r>
+            <a:r>
+              <a:rPr lang="it-IT" dirty="0"/>
+              <a:t> list </a:t>
+            </a:r>
+            <a:r>
+              <a:rPr lang="it-IT" dirty="0" err="1"/>
+              <a:t>when</a:t>
+            </a:r>
+            <a:r>
+              <a:rPr lang="it-IT" dirty="0"/>
+              <a:t> </a:t>
+            </a:r>
+            <a:r>
+              <a:rPr lang="it-IT" dirty="0" err="1"/>
+              <a:t>it</a:t>
+            </a:r>
+            <a:r>
+              <a:rPr lang="it-IT" dirty="0"/>
+              <a:t> </a:t>
+            </a:r>
+            <a:r>
+              <a:rPr lang="it-IT" dirty="0" err="1"/>
+              <a:t>is</a:t>
+            </a:r>
+            <a:r>
+              <a:rPr lang="it-IT" dirty="0"/>
+              <a:t> </a:t>
+            </a:r>
+            <a:r>
+              <a:rPr lang="it-IT" dirty="0" err="1"/>
+              <a:t>payed</a:t>
+            </a:r>
+            <a:r>
+              <a:rPr lang="it-IT" dirty="0"/>
+              <a:t> (status = 1) or </a:t>
+            </a:r>
+            <a:r>
+              <a:rPr lang="it-IT" dirty="0" err="1"/>
+              <a:t>created</a:t>
+            </a:r>
+            <a:r>
+              <a:rPr lang="it-IT" dirty="0"/>
+              <a:t> (status=0).</a:t>
+            </a:r>
+          </a:p>
+          <a:p>
+            <a:pPr marL="0" indent="0">
+              <a:buNone/>
+            </a:pPr>
+            <a:endParaRPr lang="it-IT" dirty="0"/>
           </a:p>
         </p:txBody>
       </p:sp>
@@ -8677,7 +10732,84 @@
           <a:bodyPr/>
           <a:lstStyle/>
           <a:p>
-            <a:endParaRPr lang="it-IT"/>
+            <a:r>
+              <a:rPr lang="it-IT" dirty="0"/>
+              <a:t>ON </a:t>
+            </a:r>
+            <a:r>
+              <a:rPr lang="it-IT" dirty="0" err="1"/>
+              <a:t>orders</a:t>
+            </a:r>
+            <a:r>
+              <a:rPr lang="it-IT" dirty="0"/>
+              <a:t> BEFORE INSERT</a:t>
+            </a:r>
+          </a:p>
+          <a:p>
+            <a:r>
+              <a:rPr lang="it-IT" dirty="0" err="1"/>
+              <a:t>This</a:t>
+            </a:r>
+            <a:r>
+              <a:rPr lang="it-IT" dirty="0"/>
+              <a:t> trigger </a:t>
+            </a:r>
+            <a:r>
+              <a:rPr lang="it-IT" dirty="0" err="1"/>
+              <a:t>calculate</a:t>
+            </a:r>
+            <a:r>
+              <a:rPr lang="it-IT" dirty="0"/>
+              <a:t> and set the price for a new order </a:t>
+            </a:r>
+            <a:r>
+              <a:rPr lang="it-IT" dirty="0" err="1"/>
+              <a:t>without</a:t>
+            </a:r>
+            <a:r>
+              <a:rPr lang="it-IT" dirty="0"/>
+              <a:t> </a:t>
+            </a:r>
+            <a:r>
+              <a:rPr lang="it-IT" dirty="0" err="1"/>
+              <a:t>taking</a:t>
+            </a:r>
+            <a:r>
+              <a:rPr lang="it-IT" dirty="0"/>
+              <a:t> </a:t>
+            </a:r>
+            <a:r>
+              <a:rPr lang="it-IT" dirty="0" err="1"/>
+              <a:t>into</a:t>
+            </a:r>
+            <a:r>
+              <a:rPr lang="it-IT" dirty="0"/>
+              <a:t> account the </a:t>
+            </a:r>
+            <a:r>
+              <a:rPr lang="it-IT" dirty="0" err="1"/>
+              <a:t>value</a:t>
+            </a:r>
+            <a:r>
+              <a:rPr lang="it-IT" dirty="0"/>
+              <a:t> of the optional product </a:t>
+            </a:r>
+            <a:r>
+              <a:rPr lang="it-IT" dirty="0" err="1"/>
+              <a:t>if</a:t>
+            </a:r>
+            <a:r>
+              <a:rPr lang="it-IT" dirty="0"/>
+              <a:t> </a:t>
+            </a:r>
+            <a:r>
+              <a:rPr lang="it-IT" dirty="0" err="1"/>
+              <a:t>included</a:t>
+            </a:r>
+            <a:r>
+              <a:rPr lang="it-IT" dirty="0"/>
+              <a:t>. </a:t>
+            </a:r>
           </a:p>
         </p:txBody>
       </p:sp>
@@ -8887,7 +11019,84 @@
           <a:bodyPr/>
           <a:lstStyle/>
           <a:p>
-            <a:endParaRPr lang="it-IT"/>
+            <a:r>
+              <a:rPr lang="it-IT" dirty="0"/>
+              <a:t>ON </a:t>
+            </a:r>
+            <a:r>
+              <a:rPr lang="it-IT" dirty="0" err="1"/>
+              <a:t>payment_history</a:t>
+            </a:r>
+            <a:r>
+              <a:rPr lang="it-IT" dirty="0"/>
+              <a:t> AFTER INSERT</a:t>
+            </a:r>
+          </a:p>
+          <a:p>
+            <a:r>
+              <a:rPr lang="it-IT" dirty="0" err="1"/>
+              <a:t>This</a:t>
+            </a:r>
+            <a:r>
+              <a:rPr lang="it-IT" dirty="0"/>
+              <a:t> trigger in </a:t>
+            </a:r>
+            <a:r>
+              <a:rPr lang="it-IT" dirty="0" err="1"/>
+              <a:t>used</a:t>
+            </a:r>
+            <a:r>
+              <a:rPr lang="it-IT" dirty="0"/>
+              <a:t> to update the </a:t>
+            </a:r>
+            <a:r>
+              <a:rPr lang="it-IT" dirty="0" err="1"/>
+              <a:t>number</a:t>
+            </a:r>
+            <a:r>
+              <a:rPr lang="it-IT" dirty="0"/>
+              <a:t> of payment </a:t>
+            </a:r>
+            <a:r>
+              <a:rPr lang="it-IT" dirty="0" err="1"/>
+              <a:t>failures</a:t>
+            </a:r>
+            <a:r>
+              <a:rPr lang="it-IT" dirty="0"/>
+              <a:t> of an user </a:t>
+            </a:r>
+            <a:r>
+              <a:rPr lang="it-IT" dirty="0" err="1"/>
+              <a:t>when</a:t>
+            </a:r>
+            <a:r>
+              <a:rPr lang="it-IT" dirty="0"/>
+              <a:t> a new </a:t>
+            </a:r>
+            <a:r>
+              <a:rPr lang="it-IT" dirty="0" err="1"/>
+              <a:t>failed</a:t>
+            </a:r>
+            <a:r>
+              <a:rPr lang="it-IT" dirty="0"/>
+              <a:t> payment </a:t>
+            </a:r>
+            <a:r>
+              <a:rPr lang="it-IT" dirty="0" err="1"/>
+              <a:t>is</a:t>
+            </a:r>
+            <a:r>
+              <a:rPr lang="it-IT" dirty="0"/>
+              <a:t> </a:t>
+            </a:r>
+            <a:r>
+              <a:rPr lang="it-IT" dirty="0" err="1"/>
+              <a:t>inserted</a:t>
+            </a:r>
+            <a:r>
+              <a:rPr lang="it-IT" dirty="0"/>
+              <a:t>.</a:t>
+            </a:r>
           </a:p>
         </p:txBody>
       </p:sp>
@@ -9138,7 +11347,100 @@
           <a:bodyPr/>
           <a:lstStyle/>
           <a:p>
-            <a:endParaRPr lang="it-IT"/>
+            <a:r>
+              <a:rPr lang="it-IT" dirty="0"/>
+              <a:t>ON </a:t>
+            </a:r>
+            <a:r>
+              <a:rPr lang="it-IT" dirty="0" err="1"/>
+              <a:t>optional_product_order</a:t>
+            </a:r>
+            <a:r>
+              <a:rPr lang="it-IT" dirty="0"/>
+              <a:t> AFTER INSERT</a:t>
+            </a:r>
+          </a:p>
+          <a:p>
+            <a:r>
+              <a:rPr lang="it-IT" dirty="0" err="1"/>
+              <a:t>This</a:t>
+            </a:r>
+            <a:r>
+              <a:rPr lang="it-IT" dirty="0"/>
+              <a:t> trigger update the </a:t>
+            </a:r>
+            <a:r>
+              <a:rPr lang="it-IT" dirty="0" err="1"/>
+              <a:t>amount</a:t>
+            </a:r>
+            <a:r>
+              <a:rPr lang="it-IT" dirty="0"/>
+              <a:t> of an order </a:t>
+            </a:r>
+            <a:r>
+              <a:rPr lang="it-IT" dirty="0" err="1"/>
+              <a:t>summing</a:t>
+            </a:r>
+            <a:r>
+              <a:rPr lang="it-IT" dirty="0"/>
+              <a:t> the price of the optional products </a:t>
+            </a:r>
+            <a:r>
+              <a:rPr lang="it-IT" dirty="0" err="1"/>
+              <a:t>bought</a:t>
+            </a:r>
+            <a:r>
+              <a:rPr lang="it-IT" dirty="0"/>
+              <a:t> with (</a:t>
+            </a:r>
+            <a:r>
+              <a:rPr lang="it-IT" dirty="0" err="1"/>
+              <a:t>considering</a:t>
+            </a:r>
+            <a:r>
+              <a:rPr lang="it-IT" dirty="0"/>
+              <a:t> </a:t>
+            </a:r>
+            <a:r>
+              <a:rPr lang="it-IT" dirty="0" err="1"/>
+              <a:t>also</a:t>
+            </a:r>
+            <a:r>
+              <a:rPr lang="it-IT" dirty="0"/>
+              <a:t> the </a:t>
+            </a:r>
+            <a:r>
+              <a:rPr lang="it-IT" dirty="0" err="1"/>
+              <a:t>validity</a:t>
+            </a:r>
+            <a:r>
+              <a:rPr lang="it-IT" dirty="0"/>
+              <a:t> </a:t>
+            </a:r>
+            <a:r>
+              <a:rPr lang="it-IT" dirty="0" err="1"/>
+              <a:t>period</a:t>
+            </a:r>
+            <a:r>
+              <a:rPr lang="it-IT" dirty="0"/>
+              <a:t> </a:t>
+            </a:r>
+            <a:r>
+              <a:rPr lang="it-IT" dirty="0" err="1"/>
+              <a:t>selected</a:t>
+            </a:r>
+            <a:r>
+              <a:rPr lang="it-IT" dirty="0"/>
+              <a:t> </a:t>
+            </a:r>
+            <a:r>
+              <a:rPr lang="it-IT" dirty="0" err="1"/>
+              <a:t>within</a:t>
+            </a:r>
+            <a:r>
+              <a:rPr lang="it-IT" dirty="0"/>
+              <a:t> the order). </a:t>
+            </a:r>
           </a:p>
         </p:txBody>
       </p:sp>
@@ -9350,7 +11652,84 @@
           <a:bodyPr/>
           <a:lstStyle/>
           <a:p>
-            <a:endParaRPr lang="it-IT"/>
+            <a:r>
+              <a:rPr lang="it-IT" dirty="0"/>
+              <a:t>ON </a:t>
+            </a:r>
+            <a:r>
+              <a:rPr lang="it-IT" dirty="0" err="1"/>
+              <a:t>payment_history</a:t>
+            </a:r>
+            <a:r>
+              <a:rPr lang="it-IT" dirty="0"/>
+              <a:t> AFTER INSERT</a:t>
+            </a:r>
+          </a:p>
+          <a:p>
+            <a:r>
+              <a:rPr lang="it-IT" dirty="0" err="1"/>
+              <a:t>This</a:t>
+            </a:r>
+            <a:r>
+              <a:rPr lang="it-IT" dirty="0"/>
+              <a:t> trigger </a:t>
+            </a:r>
+            <a:r>
+              <a:rPr lang="it-IT" dirty="0" err="1"/>
+              <a:t>is</a:t>
+            </a:r>
+            <a:r>
+              <a:rPr lang="it-IT" dirty="0"/>
+              <a:t> </a:t>
+            </a:r>
+            <a:r>
+              <a:rPr lang="it-IT" dirty="0" err="1"/>
+              <a:t>used</a:t>
+            </a:r>
+            <a:r>
+              <a:rPr lang="it-IT" dirty="0"/>
+              <a:t> to update the order for </a:t>
+            </a:r>
+            <a:r>
+              <a:rPr lang="it-IT" dirty="0" err="1"/>
+              <a:t>which</a:t>
+            </a:r>
+            <a:r>
+              <a:rPr lang="it-IT" dirty="0"/>
+              <a:t> a user make a payment. Status 2 </a:t>
+            </a:r>
+            <a:r>
+              <a:rPr lang="it-IT" dirty="0" err="1"/>
+              <a:t>means</a:t>
+            </a:r>
+            <a:r>
+              <a:rPr lang="it-IT" dirty="0"/>
+              <a:t> </a:t>
+            </a:r>
+            <a:r>
+              <a:rPr lang="it-IT" dirty="0" err="1"/>
+              <a:t>suspended</a:t>
+            </a:r>
+            <a:r>
+              <a:rPr lang="it-IT" dirty="0"/>
+              <a:t> (payment </a:t>
+            </a:r>
+            <a:r>
+              <a:rPr lang="it-IT" dirty="0" err="1"/>
+              <a:t>failure</a:t>
+            </a:r>
+            <a:r>
+              <a:rPr lang="it-IT" dirty="0"/>
+              <a:t> -&gt; 0), status 1 </a:t>
+            </a:r>
+            <a:r>
+              <a:rPr lang="it-IT" dirty="0" err="1"/>
+              <a:t>means</a:t>
+            </a:r>
+            <a:r>
+              <a:rPr lang="it-IT" dirty="0"/>
+              <a:t> success. </a:t>
+            </a:r>
           </a:p>
         </p:txBody>
       </p:sp>
@@ -9799,7 +12178,92 @@
           </a:bodyPr>
           <a:lstStyle/>
           <a:p>
-            <a:endParaRPr lang="it-IT" dirty="0"/>
+            <a:r>
+              <a:rPr lang="it-IT" dirty="0"/>
+              <a:t>ON </a:t>
+            </a:r>
+            <a:r>
+              <a:rPr lang="it-IT" dirty="0" err="1"/>
+              <a:t>orders</a:t>
+            </a:r>
+            <a:r>
+              <a:rPr lang="it-IT" dirty="0"/>
+              <a:t> BEFORE UPDATE</a:t>
+            </a:r>
+          </a:p>
+          <a:p>
+            <a:r>
+              <a:rPr lang="it-IT" dirty="0" err="1"/>
+              <a:t>When</a:t>
+            </a:r>
+            <a:r>
+              <a:rPr lang="it-IT" dirty="0"/>
+              <a:t> an order </a:t>
+            </a:r>
+            <a:r>
+              <a:rPr lang="it-IT" dirty="0" err="1"/>
+              <a:t>is</a:t>
+            </a:r>
+            <a:r>
+              <a:rPr lang="it-IT" dirty="0"/>
+              <a:t> </a:t>
+            </a:r>
+            <a:r>
+              <a:rPr lang="it-IT" dirty="0" err="1"/>
+              <a:t>successfully</a:t>
+            </a:r>
+            <a:r>
+              <a:rPr lang="it-IT" dirty="0"/>
+              <a:t> </a:t>
+            </a:r>
+            <a:r>
+              <a:rPr lang="it-IT" dirty="0" err="1"/>
+              <a:t>payed</a:t>
+            </a:r>
+            <a:r>
+              <a:rPr lang="it-IT" dirty="0"/>
+              <a:t>, </a:t>
+            </a:r>
+            <a:r>
+              <a:rPr lang="it-IT" dirty="0" err="1"/>
+              <a:t>this</a:t>
+            </a:r>
+            <a:r>
+              <a:rPr lang="it-IT" dirty="0"/>
+              <a:t> trigger </a:t>
+            </a:r>
+            <a:r>
+              <a:rPr lang="it-IT" dirty="0" err="1"/>
+              <a:t>increments</a:t>
+            </a:r>
+            <a:r>
+              <a:rPr lang="it-IT" dirty="0"/>
+              <a:t> the </a:t>
+            </a:r>
+            <a:r>
+              <a:rPr lang="it-IT" dirty="0" err="1"/>
+              <a:t>number</a:t>
+            </a:r>
+            <a:r>
+              <a:rPr lang="it-IT" dirty="0"/>
+              <a:t> of </a:t>
+            </a:r>
+            <a:r>
+              <a:rPr lang="it-IT" dirty="0" err="1"/>
+              <a:t>purchase</a:t>
+            </a:r>
+            <a:r>
+              <a:rPr lang="it-IT" dirty="0"/>
+              <a:t> for the optional products </a:t>
+            </a:r>
+            <a:r>
+              <a:rPr lang="it-IT" dirty="0" err="1"/>
+              <a:t>included</a:t>
+            </a:r>
+            <a:r>
+              <a:rPr lang="it-IT" dirty="0"/>
+              <a:t> in the order.</a:t>
+            </a:r>
           </a:p>
         </p:txBody>
       </p:sp>
@@ -10017,7 +12481,98 @@
           <a:bodyPr/>
           <a:lstStyle/>
           <a:p>
-            <a:endParaRPr lang="it-IT"/>
+            <a:r>
+              <a:rPr lang="it-IT" dirty="0"/>
+              <a:t>ON </a:t>
+            </a:r>
+            <a:r>
+              <a:rPr lang="it-IT" dirty="0" err="1"/>
+              <a:t>orders</a:t>
+            </a:r>
+            <a:r>
+              <a:rPr lang="it-IT" dirty="0"/>
+              <a:t> BEFORE UPDATE</a:t>
+            </a:r>
+          </a:p>
+          <a:p>
+            <a:r>
+              <a:rPr lang="it-IT" dirty="0" err="1"/>
+              <a:t>When</a:t>
+            </a:r>
+            <a:r>
+              <a:rPr lang="it-IT" dirty="0"/>
+              <a:t> an order </a:t>
+            </a:r>
+            <a:r>
+              <a:rPr lang="it-IT" dirty="0" err="1"/>
+              <a:t>is</a:t>
+            </a:r>
+            <a:r>
+              <a:rPr lang="it-IT" dirty="0"/>
+              <a:t> </a:t>
+            </a:r>
+            <a:r>
+              <a:rPr lang="it-IT" dirty="0" err="1"/>
+              <a:t>successfully</a:t>
+            </a:r>
+            <a:r>
+              <a:rPr lang="it-IT" dirty="0"/>
+              <a:t> </a:t>
+            </a:r>
+            <a:r>
+              <a:rPr lang="it-IT" dirty="0" err="1"/>
+              <a:t>payed</a:t>
+            </a:r>
+            <a:r>
+              <a:rPr lang="it-IT" dirty="0"/>
+              <a:t>, </a:t>
+            </a:r>
+            <a:r>
+              <a:rPr lang="it-IT" dirty="0" err="1"/>
+              <a:t>this</a:t>
+            </a:r>
+            <a:r>
+              <a:rPr lang="it-IT" dirty="0"/>
+              <a:t> trigger </a:t>
+            </a:r>
+            <a:r>
+              <a:rPr lang="it-IT" dirty="0" err="1"/>
+              <a:t>increments</a:t>
+            </a:r>
+            <a:r>
+              <a:rPr lang="it-IT" dirty="0"/>
+              <a:t> the </a:t>
+            </a:r>
+            <a:r>
+              <a:rPr lang="it-IT" dirty="0" err="1"/>
+              <a:t>number</a:t>
+            </a:r>
+            <a:r>
+              <a:rPr lang="it-IT" dirty="0"/>
+              <a:t> of </a:t>
+            </a:r>
+            <a:r>
+              <a:rPr lang="it-IT" dirty="0" err="1"/>
+              <a:t>purchase</a:t>
+            </a:r>
+            <a:r>
+              <a:rPr lang="it-IT" dirty="0"/>
+              <a:t> for the </a:t>
+            </a:r>
+            <a:r>
+              <a:rPr lang="it-IT" dirty="0" err="1"/>
+              <a:t>ordered</a:t>
+            </a:r>
+            <a:r>
+              <a:rPr lang="it-IT" dirty="0"/>
+              <a:t> service package.</a:t>
+            </a:r>
+          </a:p>
+          <a:p>
+            <a:pPr marL="0" indent="0">
+              <a:buNone/>
+            </a:pPr>
+            <a:endParaRPr lang="it-IT" dirty="0"/>
           </a:p>
         </p:txBody>
       </p:sp>
@@ -10104,7 +12659,7 @@
         </p:spPr>
         <p:txBody>
           <a:bodyPr>
-            <a:normAutofit/>
+            <a:normAutofit lnSpcReduction="10000"/>
           </a:bodyPr>
           <a:lstStyle/>
           <a:p>
@@ -10260,13 +12815,147 @@
         </p:nvSpPr>
         <p:spPr>
           <a:xfrm>
-            <a:off x="8154099" y="1825625"/>
-            <a:ext cx="3199700" cy="4351338"/>
+            <a:off x="7877262" y="1825625"/>
+            <a:ext cx="4046514" cy="4351338"/>
           </a:xfrm>
         </p:spPr>
         <p:txBody>
-          <a:bodyPr/>
+          <a:bodyPr>
+            <a:normAutofit lnSpcReduction="10000"/>
+          </a:bodyPr>
           <a:lstStyle/>
+          <a:p>
+            <a:r>
+              <a:rPr lang="it-IT" dirty="0"/>
+              <a:t>ON </a:t>
+            </a:r>
+            <a:r>
+              <a:rPr lang="it-IT" dirty="0" err="1"/>
+              <a:t>orders</a:t>
+            </a:r>
+            <a:r>
+              <a:rPr lang="it-IT" dirty="0"/>
+              <a:t> AFTER UPDATE</a:t>
+            </a:r>
+          </a:p>
+          <a:p>
+            <a:r>
+              <a:rPr lang="it-IT" dirty="0" err="1"/>
+              <a:t>When</a:t>
+            </a:r>
+            <a:r>
+              <a:rPr lang="it-IT" dirty="0"/>
+              <a:t> an order </a:t>
+            </a:r>
+            <a:r>
+              <a:rPr lang="it-IT" dirty="0" err="1"/>
+              <a:t>is</a:t>
+            </a:r>
+            <a:r>
+              <a:rPr lang="it-IT" dirty="0"/>
+              <a:t> </a:t>
+            </a:r>
+            <a:r>
+              <a:rPr lang="it-IT" dirty="0" err="1"/>
+              <a:t>successfully</a:t>
+            </a:r>
+            <a:r>
+              <a:rPr lang="it-IT" dirty="0"/>
+              <a:t> </a:t>
+            </a:r>
+            <a:r>
+              <a:rPr lang="it-IT" dirty="0" err="1"/>
+              <a:t>payed</a:t>
+            </a:r>
+            <a:r>
+              <a:rPr lang="it-IT" dirty="0"/>
+              <a:t>, </a:t>
+            </a:r>
+            <a:r>
+              <a:rPr lang="it-IT" dirty="0" err="1"/>
+              <a:t>this</a:t>
+            </a:r>
+            <a:r>
+              <a:rPr lang="it-IT" dirty="0"/>
+              <a:t> trigger </a:t>
+            </a:r>
+            <a:r>
+              <a:rPr lang="it-IT" dirty="0" err="1"/>
+              <a:t>recalculate</a:t>
+            </a:r>
+            <a:r>
+              <a:rPr lang="it-IT" dirty="0"/>
+              <a:t> the </a:t>
+            </a:r>
+            <a:r>
+              <a:rPr lang="it-IT" dirty="0" err="1"/>
+              <a:t>average</a:t>
+            </a:r>
+            <a:r>
+              <a:rPr lang="it-IT" dirty="0"/>
+              <a:t> optional products users </a:t>
+            </a:r>
+            <a:r>
+              <a:rPr lang="it-IT" dirty="0" err="1"/>
+              <a:t>buy</a:t>
+            </a:r>
+            <a:r>
+              <a:rPr lang="it-IT" dirty="0"/>
+              <a:t> </a:t>
+            </a:r>
+            <a:r>
+              <a:rPr lang="it-IT" dirty="0" err="1"/>
+              <a:t>within</a:t>
+            </a:r>
+            <a:r>
+              <a:rPr lang="it-IT" dirty="0"/>
+              <a:t> the package.</a:t>
+            </a:r>
+          </a:p>
+          <a:p>
+            <a:r>
+              <a:rPr lang="it-IT" dirty="0"/>
+              <a:t>In </a:t>
+            </a:r>
+            <a:r>
+              <a:rPr lang="it-IT" dirty="0" err="1"/>
+              <a:t>this</a:t>
+            </a:r>
+            <a:r>
+              <a:rPr lang="it-IT" dirty="0"/>
+              <a:t> case </a:t>
+            </a:r>
+            <a:r>
+              <a:rPr lang="it-IT" dirty="0" err="1"/>
+              <a:t>is</a:t>
+            </a:r>
+            <a:r>
+              <a:rPr lang="it-IT" dirty="0"/>
+              <a:t> after update due to the </a:t>
+            </a:r>
+            <a:r>
+              <a:rPr lang="it-IT" dirty="0" err="1"/>
+              <a:t>usage</a:t>
+            </a:r>
+            <a:r>
+              <a:rPr lang="it-IT" dirty="0"/>
+              <a:t> of a </a:t>
+            </a:r>
+            <a:r>
+              <a:rPr lang="it-IT" dirty="0" err="1"/>
+              <a:t>view</a:t>
+            </a:r>
+            <a:r>
+              <a:rPr lang="it-IT" dirty="0"/>
+              <a:t>.</a:t>
+            </a:r>
+          </a:p>
+          <a:p>
+            <a:pPr marL="0" indent="0">
+              <a:buNone/>
+            </a:pPr>
+            <a:endParaRPr lang="it-IT" dirty="0"/>
+          </a:p>
           <a:p>
             <a:endParaRPr lang="it-IT" dirty="0"/>
           </a:p>
@@ -10622,7 +13311,118 @@
           </a:bodyPr>
           <a:lstStyle/>
           <a:p>
-            <a:endParaRPr lang="it-IT"/>
+            <a:r>
+              <a:rPr lang="it-IT" dirty="0"/>
+              <a:t>ON </a:t>
+            </a:r>
+            <a:r>
+              <a:rPr lang="it-IT" dirty="0" err="1"/>
+              <a:t>orders</a:t>
+            </a:r>
+            <a:r>
+              <a:rPr lang="it-IT" dirty="0"/>
+              <a:t> BEFORE UPDATE</a:t>
+            </a:r>
+          </a:p>
+          <a:p>
+            <a:r>
+              <a:rPr lang="it-IT" dirty="0" err="1"/>
+              <a:t>When</a:t>
+            </a:r>
+            <a:r>
+              <a:rPr lang="it-IT" dirty="0"/>
+              <a:t> an order </a:t>
+            </a:r>
+            <a:r>
+              <a:rPr lang="it-IT" dirty="0" err="1"/>
+              <a:t>is</a:t>
+            </a:r>
+            <a:r>
+              <a:rPr lang="it-IT" dirty="0"/>
+              <a:t> </a:t>
+            </a:r>
+            <a:r>
+              <a:rPr lang="it-IT" dirty="0" err="1"/>
+              <a:t>successfully</a:t>
+            </a:r>
+            <a:r>
+              <a:rPr lang="it-IT" dirty="0"/>
+              <a:t> </a:t>
+            </a:r>
+            <a:r>
+              <a:rPr lang="it-IT" dirty="0" err="1"/>
+              <a:t>payed</a:t>
+            </a:r>
+            <a:r>
+              <a:rPr lang="it-IT" dirty="0"/>
+              <a:t>, </a:t>
+            </a:r>
+            <a:r>
+              <a:rPr lang="it-IT" dirty="0" err="1"/>
+              <a:t>this</a:t>
+            </a:r>
+            <a:r>
+              <a:rPr lang="it-IT" dirty="0"/>
+              <a:t> trigger </a:t>
+            </a:r>
+            <a:r>
+              <a:rPr lang="it-IT" dirty="0" err="1"/>
+              <a:t>increments</a:t>
+            </a:r>
+            <a:r>
+              <a:rPr lang="it-IT" dirty="0"/>
+              <a:t> the </a:t>
+            </a:r>
+            <a:r>
+              <a:rPr lang="it-IT" dirty="0" err="1"/>
+              <a:t>number</a:t>
+            </a:r>
+            <a:r>
+              <a:rPr lang="it-IT" dirty="0"/>
+              <a:t> of </a:t>
+            </a:r>
+            <a:r>
+              <a:rPr lang="it-IT" dirty="0" err="1"/>
+              <a:t>purchase</a:t>
+            </a:r>
+            <a:r>
+              <a:rPr lang="it-IT" dirty="0"/>
+              <a:t> for the service package with or </a:t>
+            </a:r>
+            <a:r>
+              <a:rPr lang="it-IT" dirty="0" err="1"/>
+              <a:t>without</a:t>
+            </a:r>
+            <a:r>
+              <a:rPr lang="it-IT" dirty="0"/>
+              <a:t> optional products </a:t>
+            </a:r>
+            <a:r>
+              <a:rPr lang="it-IT" dirty="0" err="1"/>
+              <a:t>included</a:t>
+            </a:r>
+            <a:r>
+              <a:rPr lang="it-IT" dirty="0"/>
+              <a:t>.</a:t>
+            </a:r>
+          </a:p>
+          <a:p>
+            <a:r>
+              <a:rPr lang="it-IT" dirty="0"/>
+              <a:t>(NOT REQUESTED)</a:t>
+            </a:r>
+          </a:p>
+          <a:p>
+            <a:pPr marL="0" indent="0">
+              <a:buNone/>
+            </a:pPr>
+            <a:endParaRPr lang="it-IT" dirty="0"/>
+          </a:p>
+          <a:p>
+            <a:pPr marL="0" indent="0">
+              <a:buNone/>
+            </a:pPr>
+            <a:endParaRPr lang="it-IT" dirty="0"/>
           </a:p>
         </p:txBody>
       </p:sp>
@@ -10855,7 +13655,131 @@
           <a:bodyPr/>
           <a:lstStyle/>
           <a:p>
-            <a:endParaRPr lang="it-IT"/>
+            <a:r>
+              <a:rPr lang="it-IT" dirty="0"/>
+              <a:t>ON </a:t>
+            </a:r>
+            <a:r>
+              <a:rPr lang="it-IT" dirty="0" err="1"/>
+              <a:t>orders</a:t>
+            </a:r>
+            <a:r>
+              <a:rPr lang="it-IT" dirty="0"/>
+              <a:t> BEFORE UPDATE</a:t>
+            </a:r>
+          </a:p>
+          <a:p>
+            <a:r>
+              <a:rPr lang="it-IT" dirty="0" err="1"/>
+              <a:t>When</a:t>
+            </a:r>
+            <a:r>
+              <a:rPr lang="it-IT" dirty="0"/>
+              <a:t> an order </a:t>
+            </a:r>
+            <a:r>
+              <a:rPr lang="it-IT" dirty="0" err="1"/>
+              <a:t>is</a:t>
+            </a:r>
+            <a:r>
+              <a:rPr lang="it-IT" dirty="0"/>
+              <a:t> </a:t>
+            </a:r>
+            <a:r>
+              <a:rPr lang="it-IT" dirty="0" err="1"/>
+              <a:t>successfully</a:t>
+            </a:r>
+            <a:r>
+              <a:rPr lang="it-IT" dirty="0"/>
+              <a:t> </a:t>
+            </a:r>
+            <a:r>
+              <a:rPr lang="it-IT" dirty="0" err="1"/>
+              <a:t>payed</a:t>
+            </a:r>
+            <a:r>
+              <a:rPr lang="it-IT" dirty="0"/>
+              <a:t>, </a:t>
+            </a:r>
+            <a:r>
+              <a:rPr lang="it-IT" dirty="0" err="1"/>
+              <a:t>this</a:t>
+            </a:r>
+            <a:r>
+              <a:rPr lang="it-IT" dirty="0"/>
+              <a:t> trigger </a:t>
+            </a:r>
+            <a:r>
+              <a:rPr lang="it-IT" dirty="0" err="1"/>
+              <a:t>increments</a:t>
+            </a:r>
+            <a:r>
+              <a:rPr lang="it-IT" dirty="0"/>
+              <a:t> the </a:t>
+            </a:r>
+            <a:r>
+              <a:rPr lang="it-IT" dirty="0" err="1"/>
+              <a:t>number</a:t>
+            </a:r>
+            <a:r>
+              <a:rPr lang="it-IT" dirty="0"/>
+              <a:t> of </a:t>
+            </a:r>
+            <a:r>
+              <a:rPr lang="it-IT" dirty="0" err="1"/>
+              <a:t>purchase</a:t>
+            </a:r>
+            <a:r>
+              <a:rPr lang="it-IT" dirty="0"/>
+              <a:t> for the service package </a:t>
+            </a:r>
+            <a:r>
+              <a:rPr lang="it-IT" dirty="0" err="1"/>
+              <a:t>considering</a:t>
+            </a:r>
+            <a:r>
+              <a:rPr lang="it-IT" dirty="0"/>
+              <a:t> the </a:t>
+            </a:r>
+            <a:r>
+              <a:rPr lang="it-IT" dirty="0" err="1"/>
+              <a:t>selected</a:t>
+            </a:r>
+            <a:r>
+              <a:rPr lang="it-IT" dirty="0"/>
+              <a:t> </a:t>
+            </a:r>
+            <a:r>
+              <a:rPr lang="it-IT" dirty="0" err="1"/>
+              <a:t>validity</a:t>
+            </a:r>
+            <a:r>
+              <a:rPr lang="it-IT" dirty="0"/>
+              <a:t> </a:t>
+            </a:r>
+            <a:r>
+              <a:rPr lang="it-IT" dirty="0" err="1"/>
+              <a:t>period</a:t>
+            </a:r>
+            <a:r>
+              <a:rPr lang="it-IT" dirty="0"/>
+              <a:t>.</a:t>
+            </a:r>
+          </a:p>
+          <a:p>
+            <a:pPr marL="0" indent="0">
+              <a:buNone/>
+            </a:pPr>
+            <a:endParaRPr lang="it-IT" dirty="0"/>
+          </a:p>
+          <a:p>
+            <a:pPr marL="0" indent="0">
+              <a:buNone/>
+            </a:pPr>
+            <a:endParaRPr lang="it-IT" dirty="0"/>
+          </a:p>
+          <a:p>
+            <a:endParaRPr lang="it-IT" dirty="0"/>
           </a:p>
         </p:txBody>
       </p:sp>
@@ -11380,6 +14304,124 @@
             <a:normAutofit lnSpcReduction="10000"/>
           </a:bodyPr>
           <a:lstStyle/>
+          <a:p>
+            <a:r>
+              <a:rPr lang="it-IT" dirty="0"/>
+              <a:t>ON </a:t>
+            </a:r>
+            <a:r>
+              <a:rPr lang="it-IT" dirty="0" err="1"/>
+              <a:t>orders</a:t>
+            </a:r>
+            <a:r>
+              <a:rPr lang="it-IT" dirty="0"/>
+              <a:t> BEFORE UPDATE</a:t>
+            </a:r>
+          </a:p>
+          <a:p>
+            <a:r>
+              <a:rPr lang="it-IT" dirty="0" err="1"/>
+              <a:t>When</a:t>
+            </a:r>
+            <a:r>
+              <a:rPr lang="it-IT" dirty="0"/>
+              <a:t> an order </a:t>
+            </a:r>
+            <a:r>
+              <a:rPr lang="it-IT" dirty="0" err="1"/>
+              <a:t>is</a:t>
+            </a:r>
+            <a:r>
+              <a:rPr lang="it-IT" dirty="0"/>
+              <a:t> </a:t>
+            </a:r>
+            <a:r>
+              <a:rPr lang="it-IT" dirty="0" err="1"/>
+              <a:t>successfully</a:t>
+            </a:r>
+            <a:r>
+              <a:rPr lang="it-IT" dirty="0"/>
+              <a:t> </a:t>
+            </a:r>
+            <a:r>
+              <a:rPr lang="it-IT" dirty="0" err="1"/>
+              <a:t>payed</a:t>
+            </a:r>
+            <a:r>
+              <a:rPr lang="it-IT" dirty="0"/>
+              <a:t>, </a:t>
+            </a:r>
+            <a:r>
+              <a:rPr lang="it-IT" dirty="0" err="1"/>
+              <a:t>this</a:t>
+            </a:r>
+            <a:r>
+              <a:rPr lang="it-IT" dirty="0"/>
+              <a:t> trigger update the </a:t>
+            </a:r>
+            <a:r>
+              <a:rPr lang="it-IT" dirty="0" err="1"/>
+              <a:t>total</a:t>
+            </a:r>
+            <a:r>
+              <a:rPr lang="it-IT" dirty="0"/>
+              <a:t> </a:t>
+            </a:r>
+            <a:r>
+              <a:rPr lang="it-IT" dirty="0" err="1"/>
+              <a:t>sold</a:t>
+            </a:r>
+            <a:r>
+              <a:rPr lang="it-IT" dirty="0"/>
+              <a:t> </a:t>
+            </a:r>
+            <a:r>
+              <a:rPr lang="it-IT" dirty="0" err="1"/>
+              <a:t>value</a:t>
+            </a:r>
+            <a:r>
+              <a:rPr lang="it-IT" dirty="0"/>
+              <a:t> of the </a:t>
+            </a:r>
+            <a:r>
+              <a:rPr lang="it-IT" dirty="0" err="1"/>
+              <a:t>selected</a:t>
+            </a:r>
+            <a:r>
+              <a:rPr lang="it-IT" dirty="0"/>
+              <a:t> service package </a:t>
+            </a:r>
+            <a:r>
+              <a:rPr lang="it-IT" dirty="0" err="1"/>
+              <a:t>both</a:t>
+            </a:r>
+            <a:r>
+              <a:rPr lang="it-IT" dirty="0"/>
+              <a:t> </a:t>
+            </a:r>
+            <a:r>
+              <a:rPr lang="it-IT" dirty="0" err="1"/>
+              <a:t>considering</a:t>
+            </a:r>
+            <a:r>
+              <a:rPr lang="it-IT" dirty="0"/>
+              <a:t> and </a:t>
+            </a:r>
+            <a:r>
+              <a:rPr lang="it-IT" dirty="0" err="1"/>
+              <a:t>not</a:t>
+            </a:r>
+            <a:r>
+              <a:rPr lang="it-IT" dirty="0"/>
+              <a:t> optional products.  </a:t>
+            </a:r>
+          </a:p>
+          <a:p>
+            <a:pPr marL="0" indent="0">
+              <a:buNone/>
+            </a:pPr>
+            <a:endParaRPr lang="it-IT" dirty="0"/>
+          </a:p>
           <a:p>
             <a:endParaRPr lang="it-IT" dirty="0"/>
           </a:p>

--- a/Documentation.pptx
+++ b/Documentation.pptx
@@ -334,7 +334,7 @@
           <a:p>
             <a:fld id="{008655FA-71D0-40E3-8412-38112021179B}" type="datetimeFigureOut">
               <a:rPr lang="it-IT" smtClean="0"/>
-              <a:t>22/04/22</a:t>
+              <a:t>22/04/2022</a:t>
             </a:fld>
             <a:endParaRPr lang="it-IT"/>
           </a:p>
@@ -388,7 +388,7 @@
           <a:p>
             <a:fld id="{8E5DA70F-C40E-4C24-B845-F98421B63B2A}" type="slidenum">
               <a:rPr lang="it-IT" smtClean="0"/>
-              <a:t>‹N›</a:t>
+              <a:t>‹#›</a:t>
             </a:fld>
             <a:endParaRPr lang="it-IT"/>
           </a:p>
@@ -534,7 +534,7 @@
           <a:p>
             <a:fld id="{008655FA-71D0-40E3-8412-38112021179B}" type="datetimeFigureOut">
               <a:rPr lang="it-IT" smtClean="0"/>
-              <a:t>22/04/22</a:t>
+              <a:t>22/04/2022</a:t>
             </a:fld>
             <a:endParaRPr lang="it-IT"/>
           </a:p>
@@ -588,7 +588,7 @@
           <a:p>
             <a:fld id="{8E5DA70F-C40E-4C24-B845-F98421B63B2A}" type="slidenum">
               <a:rPr lang="it-IT" smtClean="0"/>
-              <a:t>‹N›</a:t>
+              <a:t>‹#›</a:t>
             </a:fld>
             <a:endParaRPr lang="it-IT"/>
           </a:p>
@@ -744,7 +744,7 @@
           <a:p>
             <a:fld id="{008655FA-71D0-40E3-8412-38112021179B}" type="datetimeFigureOut">
               <a:rPr lang="it-IT" smtClean="0"/>
-              <a:t>22/04/22</a:t>
+              <a:t>22/04/2022</a:t>
             </a:fld>
             <a:endParaRPr lang="it-IT"/>
           </a:p>
@@ -798,7 +798,7 @@
           <a:p>
             <a:fld id="{8E5DA70F-C40E-4C24-B845-F98421B63B2A}" type="slidenum">
               <a:rPr lang="it-IT" smtClean="0"/>
-              <a:t>‹N›</a:t>
+              <a:t>‹#›</a:t>
             </a:fld>
             <a:endParaRPr lang="it-IT"/>
           </a:p>
@@ -944,7 +944,7 @@
           <a:p>
             <a:fld id="{008655FA-71D0-40E3-8412-38112021179B}" type="datetimeFigureOut">
               <a:rPr lang="it-IT" smtClean="0"/>
-              <a:t>22/04/22</a:t>
+              <a:t>22/04/2022</a:t>
             </a:fld>
             <a:endParaRPr lang="it-IT"/>
           </a:p>
@@ -998,7 +998,7 @@
           <a:p>
             <a:fld id="{8E5DA70F-C40E-4C24-B845-F98421B63B2A}" type="slidenum">
               <a:rPr lang="it-IT" smtClean="0"/>
-              <a:t>‹N›</a:t>
+              <a:t>‹#›</a:t>
             </a:fld>
             <a:endParaRPr lang="it-IT"/>
           </a:p>
@@ -1220,7 +1220,7 @@
           <a:p>
             <a:fld id="{008655FA-71D0-40E3-8412-38112021179B}" type="datetimeFigureOut">
               <a:rPr lang="it-IT" smtClean="0"/>
-              <a:t>22/04/22</a:t>
+              <a:t>22/04/2022</a:t>
             </a:fld>
             <a:endParaRPr lang="it-IT"/>
           </a:p>
@@ -1274,7 +1274,7 @@
           <a:p>
             <a:fld id="{8E5DA70F-C40E-4C24-B845-F98421B63B2A}" type="slidenum">
               <a:rPr lang="it-IT" smtClean="0"/>
-              <a:t>‹N›</a:t>
+              <a:t>‹#›</a:t>
             </a:fld>
             <a:endParaRPr lang="it-IT"/>
           </a:p>
@@ -1488,7 +1488,7 @@
           <a:p>
             <a:fld id="{008655FA-71D0-40E3-8412-38112021179B}" type="datetimeFigureOut">
               <a:rPr lang="it-IT" smtClean="0"/>
-              <a:t>22/04/22</a:t>
+              <a:t>22/04/2022</a:t>
             </a:fld>
             <a:endParaRPr lang="it-IT"/>
           </a:p>
@@ -1542,7 +1542,7 @@
           <a:p>
             <a:fld id="{8E5DA70F-C40E-4C24-B845-F98421B63B2A}" type="slidenum">
               <a:rPr lang="it-IT" smtClean="0"/>
-              <a:t>‹N›</a:t>
+              <a:t>‹#›</a:t>
             </a:fld>
             <a:endParaRPr lang="it-IT"/>
           </a:p>
@@ -1903,7 +1903,7 @@
           <a:p>
             <a:fld id="{008655FA-71D0-40E3-8412-38112021179B}" type="datetimeFigureOut">
               <a:rPr lang="it-IT" smtClean="0"/>
-              <a:t>22/04/22</a:t>
+              <a:t>22/04/2022</a:t>
             </a:fld>
             <a:endParaRPr lang="it-IT"/>
           </a:p>
@@ -1957,7 +1957,7 @@
           <a:p>
             <a:fld id="{8E5DA70F-C40E-4C24-B845-F98421B63B2A}" type="slidenum">
               <a:rPr lang="it-IT" smtClean="0"/>
-              <a:t>‹N›</a:t>
+              <a:t>‹#›</a:t>
             </a:fld>
             <a:endParaRPr lang="it-IT"/>
           </a:p>
@@ -2045,7 +2045,7 @@
           <a:p>
             <a:fld id="{008655FA-71D0-40E3-8412-38112021179B}" type="datetimeFigureOut">
               <a:rPr lang="it-IT" smtClean="0"/>
-              <a:t>22/04/22</a:t>
+              <a:t>22/04/2022</a:t>
             </a:fld>
             <a:endParaRPr lang="it-IT"/>
           </a:p>
@@ -2099,7 +2099,7 @@
           <a:p>
             <a:fld id="{8E5DA70F-C40E-4C24-B845-F98421B63B2A}" type="slidenum">
               <a:rPr lang="it-IT" smtClean="0"/>
-              <a:t>‹N›</a:t>
+              <a:t>‹#›</a:t>
             </a:fld>
             <a:endParaRPr lang="it-IT"/>
           </a:p>
@@ -2158,7 +2158,7 @@
           <a:p>
             <a:fld id="{008655FA-71D0-40E3-8412-38112021179B}" type="datetimeFigureOut">
               <a:rPr lang="it-IT" smtClean="0"/>
-              <a:t>22/04/22</a:t>
+              <a:t>22/04/2022</a:t>
             </a:fld>
             <a:endParaRPr lang="it-IT"/>
           </a:p>
@@ -2212,7 +2212,7 @@
           <a:p>
             <a:fld id="{8E5DA70F-C40E-4C24-B845-F98421B63B2A}" type="slidenum">
               <a:rPr lang="it-IT" smtClean="0"/>
-              <a:t>‹N›</a:t>
+              <a:t>‹#›</a:t>
             </a:fld>
             <a:endParaRPr lang="it-IT"/>
           </a:p>
@@ -2471,7 +2471,7 @@
           <a:p>
             <a:fld id="{008655FA-71D0-40E3-8412-38112021179B}" type="datetimeFigureOut">
               <a:rPr lang="it-IT" smtClean="0"/>
-              <a:t>22/04/22</a:t>
+              <a:t>22/04/2022</a:t>
             </a:fld>
             <a:endParaRPr lang="it-IT"/>
           </a:p>
@@ -2525,7 +2525,7 @@
           <a:p>
             <a:fld id="{8E5DA70F-C40E-4C24-B845-F98421B63B2A}" type="slidenum">
               <a:rPr lang="it-IT" smtClean="0"/>
-              <a:t>‹N›</a:t>
+              <a:t>‹#›</a:t>
             </a:fld>
             <a:endParaRPr lang="it-IT"/>
           </a:p>
@@ -2760,7 +2760,7 @@
           <a:p>
             <a:fld id="{008655FA-71D0-40E3-8412-38112021179B}" type="datetimeFigureOut">
               <a:rPr lang="it-IT" smtClean="0"/>
-              <a:t>22/04/22</a:t>
+              <a:t>22/04/2022</a:t>
             </a:fld>
             <a:endParaRPr lang="it-IT"/>
           </a:p>
@@ -2814,7 +2814,7 @@
           <a:p>
             <a:fld id="{8E5DA70F-C40E-4C24-B845-F98421B63B2A}" type="slidenum">
               <a:rPr lang="it-IT" smtClean="0"/>
-              <a:t>‹N›</a:t>
+              <a:t>‹#›</a:t>
             </a:fld>
             <a:endParaRPr lang="it-IT"/>
           </a:p>
@@ -3003,7 +3003,7 @@
           <a:p>
             <a:fld id="{008655FA-71D0-40E3-8412-38112021179B}" type="datetimeFigureOut">
               <a:rPr lang="it-IT" smtClean="0"/>
-              <a:t>22/04/22</a:t>
+              <a:t>22/04/2022</a:t>
             </a:fld>
             <a:endParaRPr lang="it-IT"/>
           </a:p>
@@ -3093,7 +3093,7 @@
           <a:p>
             <a:fld id="{8E5DA70F-C40E-4C24-B845-F98421B63B2A}" type="slidenum">
               <a:rPr lang="it-IT" smtClean="0"/>
-              <a:t>‹N›</a:t>
+              <a:t>‹#›</a:t>
             </a:fld>
             <a:endParaRPr lang="it-IT"/>
           </a:p>
@@ -23422,31 +23422,41 @@
           </a:p>
         </p:txBody>
       </p:sp>
-      <p:sp>
-        <p:nvSpPr>
-          <p:cNvPr id="3" name="Content Placeholder 2">
-            <a:extLst>
-              <a:ext uri="{FF2B5EF4-FFF2-40B4-BE49-F238E27FC236}">
-                <a16:creationId xmlns:a16="http://schemas.microsoft.com/office/drawing/2014/main" id="{B678DF29-6541-43BB-83FA-E3EB1F7FF763}"/>
-              </a:ext>
-            </a:extLst>
-          </p:cNvPr>
-          <p:cNvSpPr>
-            <a:spLocks noGrp="1"/>
-          </p:cNvSpPr>
+      <p:pic>
+        <p:nvPicPr>
+          <p:cNvPr id="5" name="Content Placeholder 4" descr="Diagram&#10;&#10;Description automatically generated">
+            <a:extLst>
+              <a:ext uri="{FF2B5EF4-FFF2-40B4-BE49-F238E27FC236}">
+                <a16:creationId xmlns:a16="http://schemas.microsoft.com/office/drawing/2014/main" id="{A4133F53-4A74-4930-861E-53134CB009FD}"/>
+              </a:ext>
+            </a:extLst>
+          </p:cNvPr>
+          <p:cNvPicPr>
+            <a:picLocks noGrp="1" noChangeAspect="1"/>
+          </p:cNvPicPr>
           <p:nvPr>
             <p:ph idx="1"/>
           </p:nvPr>
-        </p:nvSpPr>
-        <p:spPr/>
-        <p:txBody>
-          <a:bodyPr/>
-          <a:lstStyle/>
-          <a:p>
-            <a:endParaRPr lang="it-IT"/>
-          </a:p>
-        </p:txBody>
-      </p:sp>
+        </p:nvPicPr>
+        <p:blipFill>
+          <a:blip r:embed="rId2">
+            <a:extLst>
+              <a:ext uri="{28A0092B-C50C-407E-A947-70E740481C1C}">
+                <a14:useLocalDpi xmlns:a14="http://schemas.microsoft.com/office/drawing/2010/main" val="0"/>
+              </a:ext>
+            </a:extLst>
+          </a:blip>
+          <a:stretch>
+            <a:fillRect/>
+          </a:stretch>
+        </p:blipFill>
+        <p:spPr>
+          <a:xfrm>
+            <a:off x="144697" y="2093252"/>
+            <a:ext cx="11916115" cy="4324325"/>
+          </a:xfrm>
+        </p:spPr>
+      </p:pic>
     </p:spTree>
     <p:extLst>
       <p:ext uri="{BB962C8B-B14F-4D97-AF65-F5344CB8AC3E}">

--- a/Documentation.pptx
+++ b/Documentation.pptx
@@ -95,17 +95,21 @@
     <p:sldId id="325" r:id="rId89"/>
     <p:sldId id="326" r:id="rId90"/>
     <p:sldId id="269" r:id="rId91"/>
-    <p:sldId id="342" r:id="rId92"/>
-    <p:sldId id="270" r:id="rId93"/>
-    <p:sldId id="341" r:id="rId94"/>
-    <p:sldId id="345" r:id="rId95"/>
-    <p:sldId id="343" r:id="rId96"/>
-    <p:sldId id="344" r:id="rId97"/>
-    <p:sldId id="271" r:id="rId98"/>
-    <p:sldId id="327" r:id="rId99"/>
-    <p:sldId id="272" r:id="rId100"/>
-    <p:sldId id="328" r:id="rId101"/>
-    <p:sldId id="329" r:id="rId102"/>
+    <p:sldId id="361" r:id="rId92"/>
+    <p:sldId id="362" r:id="rId93"/>
+    <p:sldId id="363" r:id="rId94"/>
+    <p:sldId id="364" r:id="rId95"/>
+    <p:sldId id="342" r:id="rId96"/>
+    <p:sldId id="270" r:id="rId97"/>
+    <p:sldId id="341" r:id="rId98"/>
+    <p:sldId id="345" r:id="rId99"/>
+    <p:sldId id="343" r:id="rId100"/>
+    <p:sldId id="344" r:id="rId101"/>
+    <p:sldId id="271" r:id="rId102"/>
+    <p:sldId id="327" r:id="rId103"/>
+    <p:sldId id="272" r:id="rId104"/>
+    <p:sldId id="328" r:id="rId105"/>
+    <p:sldId id="329" r:id="rId106"/>
   </p:sldIdLst>
   <p:sldSz cx="12192000" cy="6858000"/>
   <p:notesSz cx="6858000" cy="9144000"/>
@@ -315,6 +319,10 @@
             <p14:sldId id="325"/>
             <p14:sldId id="326"/>
             <p14:sldId id="269"/>
+            <p14:sldId id="361"/>
+            <p14:sldId id="362"/>
+            <p14:sldId id="363"/>
+            <p14:sldId id="364"/>
           </p14:sldIdLst>
         </p14:section>
         <p14:section name="Components" id="{81DE8590-7C83-4B4E-9541-EC9A132D5065}">
@@ -600,7 +608,7 @@
           <a:p>
             <a:fld id="{008655FA-71D0-40E3-8412-38112021179B}" type="datetimeFigureOut">
               <a:rPr lang="it-IT" smtClean="0"/>
-              <a:t>26/04/2022</a:t>
+              <a:t>28/04/22</a:t>
             </a:fld>
             <a:endParaRPr lang="it-IT"/>
           </a:p>
@@ -834,7 +842,7 @@
           <a:p>
             <a:fld id="{008655FA-71D0-40E3-8412-38112021179B}" type="datetimeFigureOut">
               <a:rPr lang="it-IT" smtClean="0"/>
-              <a:t>26/04/2022</a:t>
+              <a:t>28/04/22</a:t>
             </a:fld>
             <a:endParaRPr lang="it-IT"/>
           </a:p>
@@ -1063,7 +1071,7 @@
           <a:p>
             <a:fld id="{008655FA-71D0-40E3-8412-38112021179B}" type="datetimeFigureOut">
               <a:rPr lang="it-IT" smtClean="0"/>
-              <a:t>26/04/2022</a:t>
+              <a:t>28/04/22</a:t>
             </a:fld>
             <a:endParaRPr lang="it-IT"/>
           </a:p>
@@ -1363,7 +1371,7 @@
           <a:p>
             <a:fld id="{008655FA-71D0-40E3-8412-38112021179B}" type="datetimeFigureOut">
               <a:rPr lang="it-IT" smtClean="0"/>
-              <a:t>26/04/2022</a:t>
+              <a:t>28/04/22</a:t>
             </a:fld>
             <a:endParaRPr lang="it-IT"/>
           </a:p>
@@ -1655,7 +1663,7 @@
           <a:p>
             <a:fld id="{008655FA-71D0-40E3-8412-38112021179B}" type="datetimeFigureOut">
               <a:rPr lang="it-IT" smtClean="0"/>
-              <a:t>26/04/2022</a:t>
+              <a:t>28/04/22</a:t>
             </a:fld>
             <a:endParaRPr lang="it-IT"/>
           </a:p>
@@ -2094,7 +2102,7 @@
           <a:p>
             <a:fld id="{008655FA-71D0-40E3-8412-38112021179B}" type="datetimeFigureOut">
               <a:rPr lang="it-IT" smtClean="0"/>
-              <a:t>26/04/2022</a:t>
+              <a:t>28/04/22</a:t>
             </a:fld>
             <a:endParaRPr lang="it-IT"/>
           </a:p>
@@ -2260,7 +2268,7 @@
           <a:p>
             <a:fld id="{008655FA-71D0-40E3-8412-38112021179B}" type="datetimeFigureOut">
               <a:rPr lang="it-IT" smtClean="0"/>
-              <a:t>26/04/2022</a:t>
+              <a:t>28/04/22</a:t>
             </a:fld>
             <a:endParaRPr lang="it-IT"/>
           </a:p>
@@ -2397,7 +2405,7 @@
           <a:p>
             <a:fld id="{008655FA-71D0-40E3-8412-38112021179B}" type="datetimeFigureOut">
               <a:rPr lang="it-IT" smtClean="0"/>
-              <a:t>26/04/2022</a:t>
+              <a:t>28/04/22</a:t>
             </a:fld>
             <a:endParaRPr lang="it-IT"/>
           </a:p>
@@ -2734,7 +2742,7 @@
           <a:p>
             <a:fld id="{008655FA-71D0-40E3-8412-38112021179B}" type="datetimeFigureOut">
               <a:rPr lang="it-IT" smtClean="0"/>
-              <a:t>26/04/2022</a:t>
+              <a:t>28/04/22</a:t>
             </a:fld>
             <a:endParaRPr lang="it-IT"/>
           </a:p>
@@ -3047,7 +3055,7 @@
           <a:p>
             <a:fld id="{008655FA-71D0-40E3-8412-38112021179B}" type="datetimeFigureOut">
               <a:rPr lang="it-IT" smtClean="0"/>
-              <a:t>26/04/2022</a:t>
+              <a:t>28/04/22</a:t>
             </a:fld>
             <a:endParaRPr lang="it-IT"/>
           </a:p>
@@ -4188,6 +4196,724 @@
       </p:grpSpPr>
       <p:sp>
         <p:nvSpPr>
+          <p:cNvPr id="2" name="Titolo 1">
+            <a:extLst>
+              <a:ext uri="{FF2B5EF4-FFF2-40B4-BE49-F238E27FC236}">
+                <a16:creationId xmlns:a16="http://schemas.microsoft.com/office/drawing/2014/main" id="{A33BDB65-6920-4E36-8B6C-8659A6013970}"/>
+              </a:ext>
+            </a:extLst>
+          </p:cNvPr>
+          <p:cNvSpPr>
+            <a:spLocks noGrp="1"/>
+          </p:cNvSpPr>
+          <p:nvPr>
+            <p:ph type="title"/>
+          </p:nvPr>
+        </p:nvSpPr>
+        <p:spPr/>
+        <p:txBody>
+          <a:bodyPr/>
+          <a:lstStyle/>
+          <a:p>
+            <a:r>
+              <a:rPr lang="en-US" dirty="0"/>
+              <a:t>Business tier</a:t>
+            </a:r>
+            <a:endParaRPr lang="it-IT" dirty="0"/>
+          </a:p>
+        </p:txBody>
+      </p:sp>
+      <p:sp>
+        <p:nvSpPr>
+          <p:cNvPr id="3" name="Segnaposto contenuto 2">
+            <a:extLst>
+              <a:ext uri="{FF2B5EF4-FFF2-40B4-BE49-F238E27FC236}">
+                <a16:creationId xmlns:a16="http://schemas.microsoft.com/office/drawing/2014/main" id="{AD1EA754-ECAC-4CB9-A8A3-A87888A08B9B}"/>
+              </a:ext>
+            </a:extLst>
+          </p:cNvPr>
+          <p:cNvSpPr>
+            <a:spLocks noGrp="1"/>
+          </p:cNvSpPr>
+          <p:nvPr>
+            <p:ph sz="half" idx="1"/>
+          </p:nvPr>
+        </p:nvSpPr>
+        <p:spPr/>
+        <p:txBody>
+          <a:bodyPr>
+            <a:normAutofit fontScale="77500" lnSpcReduction="20000"/>
+          </a:bodyPr>
+          <a:lstStyle/>
+          <a:p>
+            <a:r>
+              <a:rPr lang="en-US" dirty="0"/>
+              <a:t>@Stateless </a:t>
+            </a:r>
+            <a:r>
+              <a:rPr lang="en-US" dirty="0" err="1"/>
+              <a:t>ServiceService</a:t>
+            </a:r>
+            <a:endParaRPr lang="en-US" dirty="0"/>
+          </a:p>
+          <a:p>
+            <a:pPr lvl="1"/>
+            <a:r>
+              <a:rPr lang="en-US" dirty="0" err="1"/>
+              <a:t>getServiceById</a:t>
+            </a:r>
+            <a:r>
+              <a:rPr lang="en-US" dirty="0"/>
+              <a:t>(Integer)</a:t>
+            </a:r>
+          </a:p>
+          <a:p>
+            <a:pPr lvl="1"/>
+            <a:r>
+              <a:rPr lang="en-US" dirty="0" err="1"/>
+              <a:t>getServiceByName</a:t>
+            </a:r>
+            <a:r>
+              <a:rPr lang="en-US" dirty="0"/>
+              <a:t>(String)</a:t>
+            </a:r>
+          </a:p>
+          <a:p>
+            <a:pPr lvl="1"/>
+            <a:r>
+              <a:rPr lang="en-US" dirty="0" err="1"/>
+              <a:t>isServiceAlreadyExisting</a:t>
+            </a:r>
+            <a:r>
+              <a:rPr lang="en-US" dirty="0"/>
+              <a:t>(String)</a:t>
+            </a:r>
+          </a:p>
+          <a:p>
+            <a:pPr lvl="1"/>
+            <a:r>
+              <a:rPr lang="en-US" dirty="0" err="1"/>
+              <a:t>getAllServices</a:t>
+            </a:r>
+            <a:r>
+              <a:rPr lang="en-US" dirty="0"/>
+              <a:t>()</a:t>
+            </a:r>
+          </a:p>
+          <a:p>
+            <a:pPr lvl="1"/>
+            <a:r>
+              <a:rPr lang="en-US" dirty="0" err="1"/>
+              <a:t>createService</a:t>
+            </a:r>
+            <a:r>
+              <a:rPr lang="en-US" dirty="0"/>
+              <a:t>(Service)</a:t>
+            </a:r>
+          </a:p>
+          <a:p>
+            <a:r>
+              <a:rPr lang="en-US" dirty="0"/>
+              <a:t>@Stateless </a:t>
+            </a:r>
+            <a:r>
+              <a:rPr lang="en-US" dirty="0" err="1"/>
+              <a:t>SuspendedOrderService</a:t>
+            </a:r>
+            <a:endParaRPr lang="en-US" dirty="0"/>
+          </a:p>
+          <a:p>
+            <a:pPr lvl="1"/>
+            <a:r>
+              <a:rPr lang="en-US" dirty="0" err="1"/>
+              <a:t>getAllSuspendedOrders</a:t>
+            </a:r>
+            <a:r>
+              <a:rPr lang="en-US" dirty="0"/>
+              <a:t>()</a:t>
+            </a:r>
+          </a:p>
+          <a:p>
+            <a:r>
+              <a:rPr lang="en-US" dirty="0"/>
+              <a:t>@Stateless </a:t>
+            </a:r>
+            <a:r>
+              <a:rPr lang="en-US" dirty="0" err="1"/>
+              <a:t>TotalPurchaseOptionalService</a:t>
+            </a:r>
+            <a:endParaRPr lang="en-US" dirty="0"/>
+          </a:p>
+          <a:p>
+            <a:pPr lvl="1"/>
+            <a:r>
+              <a:rPr lang="en-US" dirty="0" err="1"/>
+              <a:t>getAllTotalPurchaseOptional</a:t>
+            </a:r>
+            <a:r>
+              <a:rPr lang="en-US" dirty="0"/>
+              <a:t>()</a:t>
+            </a:r>
+          </a:p>
+          <a:p>
+            <a:r>
+              <a:rPr lang="en-US" dirty="0"/>
+              <a:t>@Stateless </a:t>
+            </a:r>
+            <a:r>
+              <a:rPr lang="en-US" dirty="0" err="1"/>
+              <a:t>TotalPurchasePackageOptionalService</a:t>
+            </a:r>
+            <a:endParaRPr lang="en-US" dirty="0"/>
+          </a:p>
+          <a:p>
+            <a:pPr lvl="1"/>
+            <a:r>
+              <a:rPr lang="en-US" dirty="0" err="1"/>
+              <a:t>getAllTotalPurchasePackageOptional</a:t>
+            </a:r>
+            <a:r>
+              <a:rPr lang="en-US" dirty="0"/>
+              <a:t>()</a:t>
+            </a:r>
+          </a:p>
+          <a:p>
+            <a:endParaRPr lang="it-IT" dirty="0"/>
+          </a:p>
+        </p:txBody>
+      </p:sp>
+      <p:sp>
+        <p:nvSpPr>
+          <p:cNvPr id="4" name="Segnaposto contenuto 3">
+            <a:extLst>
+              <a:ext uri="{FF2B5EF4-FFF2-40B4-BE49-F238E27FC236}">
+                <a16:creationId xmlns:a16="http://schemas.microsoft.com/office/drawing/2014/main" id="{411136CA-B03A-4767-9947-F4261BFF5AED}"/>
+              </a:ext>
+            </a:extLst>
+          </p:cNvPr>
+          <p:cNvSpPr>
+            <a:spLocks noGrp="1"/>
+          </p:cNvSpPr>
+          <p:nvPr>
+            <p:ph sz="half" idx="2"/>
+          </p:nvPr>
+        </p:nvSpPr>
+        <p:spPr/>
+        <p:txBody>
+          <a:bodyPr>
+            <a:normAutofit fontScale="77500" lnSpcReduction="20000"/>
+          </a:bodyPr>
+          <a:lstStyle/>
+          <a:p>
+            <a:r>
+              <a:rPr lang="en-US" dirty="0"/>
+              <a:t>@Stateless </a:t>
+            </a:r>
+            <a:r>
+              <a:rPr lang="en-US" dirty="0" err="1"/>
+              <a:t>TotalPurchasePackageService</a:t>
+            </a:r>
+            <a:endParaRPr lang="en-US" dirty="0"/>
+          </a:p>
+          <a:p>
+            <a:pPr lvl="1"/>
+            <a:r>
+              <a:rPr lang="en-US" dirty="0" err="1"/>
+              <a:t>getAllTotalPurchasePackages</a:t>
+            </a:r>
+            <a:r>
+              <a:rPr lang="en-US" dirty="0"/>
+              <a:t>()</a:t>
+            </a:r>
+          </a:p>
+          <a:p>
+            <a:r>
+              <a:rPr lang="en-US" dirty="0"/>
+              <a:t>@Stateless </a:t>
+            </a:r>
+            <a:r>
+              <a:rPr lang="en-US" dirty="0" err="1"/>
+              <a:t>TotalPurchasePackageValidityService</a:t>
+            </a:r>
+            <a:endParaRPr lang="en-US" dirty="0"/>
+          </a:p>
+          <a:p>
+            <a:pPr lvl="1"/>
+            <a:r>
+              <a:rPr lang="en-US" dirty="0" err="1"/>
+              <a:t>getAllTotalPurchasePackageValidity</a:t>
+            </a:r>
+            <a:r>
+              <a:rPr lang="en-US" dirty="0"/>
+              <a:t>()</a:t>
+            </a:r>
+          </a:p>
+          <a:p>
+            <a:r>
+              <a:rPr lang="en-US" dirty="0"/>
+              <a:t>@Stateless </a:t>
+            </a:r>
+            <a:r>
+              <a:rPr lang="en-US" dirty="0" err="1"/>
+              <a:t>TotValueOptionalNoOptionalService</a:t>
+            </a:r>
+            <a:endParaRPr lang="en-US" dirty="0"/>
+          </a:p>
+          <a:p>
+            <a:pPr lvl="1"/>
+            <a:r>
+              <a:rPr lang="en-US" dirty="0" err="1"/>
+              <a:t>getAllTotValueOptionalNoOptional</a:t>
+            </a:r>
+            <a:r>
+              <a:rPr lang="en-US" dirty="0"/>
+              <a:t>()</a:t>
+            </a:r>
+          </a:p>
+          <a:p>
+            <a:r>
+              <a:rPr lang="en-US" dirty="0"/>
+              <a:t>@Stateless </a:t>
+            </a:r>
+            <a:r>
+              <a:rPr lang="en-US" dirty="0" err="1"/>
+              <a:t>UserService</a:t>
+            </a:r>
+            <a:endParaRPr lang="it-IT" dirty="0"/>
+          </a:p>
+          <a:p>
+            <a:pPr lvl="1"/>
+            <a:r>
+              <a:rPr lang="it-IT" dirty="0" err="1"/>
+              <a:t>getUserById</a:t>
+            </a:r>
+            <a:r>
+              <a:rPr lang="it-IT" dirty="0"/>
+              <a:t>(Integer)</a:t>
+            </a:r>
+          </a:p>
+          <a:p>
+            <a:pPr lvl="1"/>
+            <a:r>
+              <a:rPr lang="it-IT" dirty="0" err="1"/>
+              <a:t>getUserByEmail</a:t>
+            </a:r>
+            <a:r>
+              <a:rPr lang="it-IT" dirty="0"/>
+              <a:t>(String)</a:t>
+            </a:r>
+          </a:p>
+          <a:p>
+            <a:pPr lvl="1"/>
+            <a:r>
+              <a:rPr lang="it-IT" dirty="0" err="1"/>
+              <a:t>getUserByUsername</a:t>
+            </a:r>
+            <a:r>
+              <a:rPr lang="it-IT" dirty="0"/>
+              <a:t>(String)</a:t>
+            </a:r>
+          </a:p>
+          <a:p>
+            <a:pPr lvl="1"/>
+            <a:r>
+              <a:rPr lang="it-IT" dirty="0" err="1"/>
+              <a:t>checkUsername</a:t>
+            </a:r>
+            <a:r>
+              <a:rPr lang="it-IT" dirty="0"/>
+              <a:t>(String)</a:t>
+            </a:r>
+          </a:p>
+          <a:p>
+            <a:pPr lvl="1"/>
+            <a:r>
+              <a:rPr lang="it-IT" dirty="0" err="1"/>
+              <a:t>checkEmail</a:t>
+            </a:r>
+            <a:r>
+              <a:rPr lang="it-IT" dirty="0"/>
+              <a:t>(String)</a:t>
+            </a:r>
+          </a:p>
+          <a:p>
+            <a:pPr lvl="1"/>
+            <a:r>
+              <a:rPr lang="it-IT" dirty="0" err="1"/>
+              <a:t>createUser</a:t>
+            </a:r>
+            <a:r>
+              <a:rPr lang="it-IT" dirty="0"/>
+              <a:t>(User)</a:t>
+            </a:r>
+          </a:p>
+        </p:txBody>
+      </p:sp>
+    </p:spTree>
+    <p:extLst>
+      <p:ext uri="{BB962C8B-B14F-4D97-AF65-F5344CB8AC3E}">
+        <p14:creationId xmlns:p14="http://schemas.microsoft.com/office/powerpoint/2010/main" val="3250272017"/>
+      </p:ext>
+    </p:extLst>
+  </p:cSld>
+  <p:clrMapOvr>
+    <a:masterClrMapping/>
+  </p:clrMapOvr>
+</p:sld>
+</file>
+
+<file path=ppt/slides/slide101.xml><?xml version="1.0" encoding="utf-8"?>
+<p:sld xmlns:a="http://schemas.openxmlformats.org/drawingml/2006/main" xmlns:r="http://schemas.openxmlformats.org/officeDocument/2006/relationships" xmlns:p="http://schemas.openxmlformats.org/presentationml/2006/main">
+  <p:cSld>
+    <p:spTree>
+      <p:nvGrpSpPr>
+        <p:cNvPr id="1" name=""/>
+        <p:cNvGrpSpPr/>
+        <p:nvPr/>
+      </p:nvGrpSpPr>
+      <p:grpSpPr>
+        <a:xfrm>
+          <a:off x="0" y="0"/>
+          <a:ext cx="0" cy="0"/>
+          <a:chOff x="0" y="0"/>
+          <a:chExt cx="0" cy="0"/>
+        </a:xfrm>
+      </p:grpSpPr>
+      <p:sp>
+        <p:nvSpPr>
+          <p:cNvPr id="2" name="Title 1">
+            <a:extLst>
+              <a:ext uri="{FF2B5EF4-FFF2-40B4-BE49-F238E27FC236}">
+                <a16:creationId xmlns:a16="http://schemas.microsoft.com/office/drawing/2014/main" id="{0589B4D4-9437-440A-8ED8-684D80C5F26A}"/>
+              </a:ext>
+            </a:extLst>
+          </p:cNvPr>
+          <p:cNvSpPr>
+            <a:spLocks noGrp="1"/>
+          </p:cNvSpPr>
+          <p:nvPr>
+            <p:ph type="title"/>
+          </p:nvPr>
+        </p:nvSpPr>
+        <p:spPr/>
+        <p:txBody>
+          <a:bodyPr/>
+          <a:lstStyle/>
+          <a:p>
+            <a:r>
+              <a:rPr lang="en-US" dirty="0"/>
+              <a:t>Motivations of the components design</a:t>
+            </a:r>
+            <a:endParaRPr lang="it-IT" dirty="0"/>
+          </a:p>
+        </p:txBody>
+      </p:sp>
+      <p:sp>
+        <p:nvSpPr>
+          <p:cNvPr id="3" name="Content Placeholder 2">
+            <a:extLst>
+              <a:ext uri="{FF2B5EF4-FFF2-40B4-BE49-F238E27FC236}">
+                <a16:creationId xmlns:a16="http://schemas.microsoft.com/office/drawing/2014/main" id="{620BADDB-9FD4-46FF-A32E-ADD2F9447930}"/>
+              </a:ext>
+            </a:extLst>
+          </p:cNvPr>
+          <p:cNvSpPr>
+            <a:spLocks noGrp="1"/>
+          </p:cNvSpPr>
+          <p:nvPr>
+            <p:ph idx="1"/>
+          </p:nvPr>
+        </p:nvSpPr>
+        <p:spPr/>
+        <p:txBody>
+          <a:bodyPr/>
+          <a:lstStyle/>
+          <a:p>
+            <a:r>
+              <a:rPr lang="it-IT" dirty="0"/>
+              <a:t>If </a:t>
+            </a:r>
+            <a:r>
+              <a:rPr lang="it-IT" dirty="0" err="1"/>
+              <a:t>there</a:t>
+            </a:r>
+            <a:r>
+              <a:rPr lang="it-IT" dirty="0"/>
+              <a:t> are </a:t>
+            </a:r>
+            <a:r>
+              <a:rPr lang="it-IT" dirty="0" err="1"/>
+              <a:t>aspects</a:t>
+            </a:r>
+            <a:r>
+              <a:rPr lang="it-IT" dirty="0"/>
+              <a:t> of the </a:t>
+            </a:r>
+            <a:r>
+              <a:rPr lang="it-IT" dirty="0" err="1"/>
+              <a:t>components</a:t>
+            </a:r>
+            <a:r>
+              <a:rPr lang="it-IT" dirty="0"/>
+              <a:t> design </a:t>
+            </a:r>
+            <a:r>
+              <a:rPr lang="it-IT" dirty="0" err="1"/>
+              <a:t>that</a:t>
+            </a:r>
+            <a:r>
+              <a:rPr lang="it-IT" dirty="0"/>
+              <a:t> </a:t>
+            </a:r>
+            <a:r>
+              <a:rPr lang="it-IT" dirty="0" err="1"/>
+              <a:t>you</a:t>
+            </a:r>
+            <a:r>
+              <a:rPr lang="it-IT" dirty="0"/>
+              <a:t> </a:t>
+            </a:r>
+            <a:r>
+              <a:rPr lang="it-IT" dirty="0" err="1"/>
+              <a:t>want</a:t>
+            </a:r>
+            <a:r>
+              <a:rPr lang="it-IT" dirty="0"/>
+              <a:t> to illustrate or motivate, </a:t>
+            </a:r>
+            <a:r>
+              <a:rPr lang="it-IT" dirty="0" err="1"/>
+              <a:t>write</a:t>
+            </a:r>
+            <a:r>
+              <a:rPr lang="it-IT" dirty="0"/>
+              <a:t> </a:t>
+            </a:r>
+            <a:r>
+              <a:rPr lang="it-IT" dirty="0" err="1"/>
+              <a:t>here</a:t>
+            </a:r>
+            <a:r>
+              <a:rPr lang="it-IT" dirty="0"/>
+              <a:t> </a:t>
+            </a:r>
+            <a:r>
+              <a:rPr lang="it-IT" dirty="0" err="1"/>
+              <a:t>your</a:t>
+            </a:r>
+            <a:r>
+              <a:rPr lang="it-IT" dirty="0"/>
+              <a:t> </a:t>
+            </a:r>
+            <a:r>
+              <a:rPr lang="it-IT" dirty="0" err="1"/>
+              <a:t>explanations</a:t>
+            </a:r>
+            <a:endParaRPr lang="en-GB" sz="2000" dirty="0"/>
+          </a:p>
+          <a:p>
+            <a:endParaRPr lang="it-IT" dirty="0"/>
+          </a:p>
+        </p:txBody>
+      </p:sp>
+    </p:spTree>
+    <p:extLst>
+      <p:ext uri="{BB962C8B-B14F-4D97-AF65-F5344CB8AC3E}">
+        <p14:creationId xmlns:p14="http://schemas.microsoft.com/office/powerpoint/2010/main" val="902241549"/>
+      </p:ext>
+    </p:extLst>
+  </p:cSld>
+  <p:clrMapOvr>
+    <a:masterClrMapping/>
+  </p:clrMapOvr>
+</p:sld>
+</file>
+
+<file path=ppt/slides/slide102.xml><?xml version="1.0" encoding="utf-8"?>
+<p:sld xmlns:a="http://schemas.openxmlformats.org/drawingml/2006/main" xmlns:r="http://schemas.openxmlformats.org/officeDocument/2006/relationships" xmlns:p="http://schemas.openxmlformats.org/presentationml/2006/main">
+  <p:cSld>
+    <p:spTree>
+      <p:nvGrpSpPr>
+        <p:cNvPr id="1" name=""/>
+        <p:cNvGrpSpPr/>
+        <p:nvPr/>
+      </p:nvGrpSpPr>
+      <p:grpSpPr>
+        <a:xfrm>
+          <a:off x="0" y="0"/>
+          <a:ext cx="0" cy="0"/>
+          <a:chOff x="0" y="0"/>
+          <a:chExt cx="0" cy="0"/>
+        </a:xfrm>
+      </p:grpSpPr>
+      <p:sp>
+        <p:nvSpPr>
+          <p:cNvPr id="4" name="Title 3">
+            <a:extLst>
+              <a:ext uri="{FF2B5EF4-FFF2-40B4-BE49-F238E27FC236}">
+                <a16:creationId xmlns:a16="http://schemas.microsoft.com/office/drawing/2014/main" id="{5B667CEC-73C6-4ABA-975F-A7AA86B176FF}"/>
+              </a:ext>
+            </a:extLst>
+          </p:cNvPr>
+          <p:cNvSpPr>
+            <a:spLocks noGrp="1"/>
+          </p:cNvSpPr>
+          <p:nvPr>
+            <p:ph type="ctrTitle"/>
+          </p:nvPr>
+        </p:nvSpPr>
+        <p:spPr/>
+        <p:txBody>
+          <a:bodyPr/>
+          <a:lstStyle/>
+          <a:p>
+            <a:pPr algn="ctr"/>
+            <a:r>
+              <a:rPr lang="it-IT" dirty="0"/>
+              <a:t>UML </a:t>
+            </a:r>
+            <a:r>
+              <a:rPr lang="it-IT" dirty="0" err="1"/>
+              <a:t>sequence</a:t>
+            </a:r>
+            <a:r>
+              <a:rPr lang="it-IT" dirty="0"/>
+              <a:t> </a:t>
+            </a:r>
+            <a:r>
+              <a:rPr lang="it-IT" dirty="0" err="1"/>
+              <a:t>diagrams</a:t>
+            </a:r>
+            <a:endParaRPr lang="it-IT" dirty="0"/>
+          </a:p>
+        </p:txBody>
+      </p:sp>
+    </p:spTree>
+    <p:extLst>
+      <p:ext uri="{BB962C8B-B14F-4D97-AF65-F5344CB8AC3E}">
+        <p14:creationId xmlns:p14="http://schemas.microsoft.com/office/powerpoint/2010/main" val="1432870397"/>
+      </p:ext>
+    </p:extLst>
+  </p:cSld>
+  <p:clrMapOvr>
+    <a:masterClrMapping/>
+  </p:clrMapOvr>
+</p:sld>
+</file>
+
+<file path=ppt/slides/slide103.xml><?xml version="1.0" encoding="utf-8"?>
+<p:sld xmlns:a="http://schemas.openxmlformats.org/drawingml/2006/main" xmlns:r="http://schemas.openxmlformats.org/officeDocument/2006/relationships" xmlns:p="http://schemas.openxmlformats.org/presentationml/2006/main">
+  <p:cSld>
+    <p:spTree>
+      <p:nvGrpSpPr>
+        <p:cNvPr id="1" name=""/>
+        <p:cNvGrpSpPr/>
+        <p:nvPr/>
+      </p:nvGrpSpPr>
+      <p:grpSpPr>
+        <a:xfrm>
+          <a:off x="0" y="0"/>
+          <a:ext cx="0" cy="0"/>
+          <a:chOff x="0" y="0"/>
+          <a:chExt cx="0" cy="0"/>
+        </a:xfrm>
+      </p:grpSpPr>
+      <p:sp>
+        <p:nvSpPr>
+          <p:cNvPr id="2" name="Title 1">
+            <a:extLst>
+              <a:ext uri="{FF2B5EF4-FFF2-40B4-BE49-F238E27FC236}">
+                <a16:creationId xmlns:a16="http://schemas.microsoft.com/office/drawing/2014/main" id="{20B7CC3C-4108-49E3-BB8B-49B12D80D22C}"/>
+              </a:ext>
+            </a:extLst>
+          </p:cNvPr>
+          <p:cNvSpPr>
+            <a:spLocks noGrp="1"/>
+          </p:cNvSpPr>
+          <p:nvPr>
+            <p:ph type="title"/>
+          </p:nvPr>
+        </p:nvSpPr>
+        <p:spPr/>
+        <p:txBody>
+          <a:bodyPr/>
+          <a:lstStyle/>
+          <a:p>
+            <a:r>
+              <a:rPr lang="en-US" dirty="0"/>
+              <a:t>Create order</a:t>
+            </a:r>
+            <a:endParaRPr lang="it-IT" dirty="0"/>
+          </a:p>
+        </p:txBody>
+      </p:sp>
+      <p:pic>
+        <p:nvPicPr>
+          <p:cNvPr id="9" name="Segnaposto contenuto 8">
+            <a:extLst>
+              <a:ext uri="{FF2B5EF4-FFF2-40B4-BE49-F238E27FC236}">
+                <a16:creationId xmlns:a16="http://schemas.microsoft.com/office/drawing/2014/main" id="{87F988A4-1E7A-4A20-BDD4-35338E37CD7B}"/>
+              </a:ext>
+            </a:extLst>
+          </p:cNvPr>
+          <p:cNvPicPr>
+            <a:picLocks noGrp="1" noChangeAspect="1"/>
+          </p:cNvPicPr>
+          <p:nvPr>
+            <p:ph idx="1"/>
+          </p:nvPr>
+        </p:nvPicPr>
+        <p:blipFill>
+          <a:blip r:embed="rId2">
+            <a:extLst>
+              <a:ext uri="{28A0092B-C50C-407E-A947-70E740481C1C}">
+                <a14:useLocalDpi xmlns:a14="http://schemas.microsoft.com/office/drawing/2010/main" val="0"/>
+              </a:ext>
+            </a:extLst>
+          </a:blip>
+          <a:stretch>
+            <a:fillRect/>
+          </a:stretch>
+        </p:blipFill>
+        <p:spPr>
+          <a:xfrm>
+            <a:off x="1804987" y="2282031"/>
+            <a:ext cx="8582025" cy="3438525"/>
+          </a:xfrm>
+        </p:spPr>
+      </p:pic>
+    </p:spTree>
+    <p:extLst>
+      <p:ext uri="{BB962C8B-B14F-4D97-AF65-F5344CB8AC3E}">
+        <p14:creationId xmlns:p14="http://schemas.microsoft.com/office/powerpoint/2010/main" val="164547047"/>
+      </p:ext>
+    </p:extLst>
+  </p:cSld>
+  <p:clrMapOvr>
+    <a:masterClrMapping/>
+  </p:clrMapOvr>
+</p:sld>
+</file>
+
+<file path=ppt/slides/slide104.xml><?xml version="1.0" encoding="utf-8"?>
+<p:sld xmlns:a="http://schemas.openxmlformats.org/drawingml/2006/main" xmlns:r="http://schemas.openxmlformats.org/officeDocument/2006/relationships" xmlns:p="http://schemas.openxmlformats.org/presentationml/2006/main">
+  <p:cSld>
+    <p:spTree>
+      <p:nvGrpSpPr>
+        <p:cNvPr id="1" name=""/>
+        <p:cNvGrpSpPr/>
+        <p:nvPr/>
+      </p:nvGrpSpPr>
+      <p:grpSpPr>
+        <a:xfrm>
+          <a:off x="0" y="0"/>
+          <a:ext cx="0" cy="0"/>
+          <a:chOff x="0" y="0"/>
+          <a:chExt cx="0" cy="0"/>
+        </a:xfrm>
+      </p:grpSpPr>
+      <p:sp>
+        <p:nvSpPr>
           <p:cNvPr id="2" name="Title 1">
             <a:extLst>
               <a:ext uri="{FF2B5EF4-FFF2-40B4-BE49-F238E27FC236}">
@@ -4263,7 +4989,7 @@
 </p:sld>
 </file>
 
-<file path=ppt/slides/slide101.xml><?xml version="1.0" encoding="utf-8"?>
+<file path=ppt/slides/slide105.xml><?xml version="1.0" encoding="utf-8"?>
 <p:sld xmlns:a="http://schemas.openxmlformats.org/drawingml/2006/main" xmlns:r="http://schemas.openxmlformats.org/officeDocument/2006/relationships" xmlns:p="http://schemas.openxmlformats.org/presentationml/2006/main">
   <p:cSld>
     <p:spTree>
@@ -29030,118 +29756,73 @@
           </a:p>
         </p:txBody>
       </p:sp>
+      <p:pic>
+        <p:nvPicPr>
+          <p:cNvPr id="7" name="Segnaposto contenuto 6">
+            <a:extLst>
+              <a:ext uri="{FF2B5EF4-FFF2-40B4-BE49-F238E27FC236}">
+                <a16:creationId xmlns:a16="http://schemas.microsoft.com/office/drawing/2014/main" id="{05B84065-C8A5-8ED4-E143-467AE2537640}"/>
+              </a:ext>
+            </a:extLst>
+          </p:cNvPr>
+          <p:cNvPicPr>
+            <a:picLocks noGrp="1" noChangeAspect="1"/>
+          </p:cNvPicPr>
+          <p:nvPr>
+            <p:ph idx="1"/>
+          </p:nvPr>
+        </p:nvPicPr>
+        <p:blipFill>
+          <a:blip r:embed="rId2">
+            <a:extLst>
+              <a:ext uri="{28A0092B-C50C-407E-A947-70E740481C1C}">
+                <a14:useLocalDpi xmlns:a14="http://schemas.microsoft.com/office/drawing/2010/main" val="0"/>
+              </a:ext>
+            </a:extLst>
+          </a:blip>
+          <a:stretch>
+            <a:fillRect/>
+          </a:stretch>
+        </p:blipFill>
+        <p:spPr>
+          <a:xfrm>
+            <a:off x="2228144" y="2207589"/>
+            <a:ext cx="7735712" cy="4351338"/>
+          </a:xfrm>
+        </p:spPr>
+      </p:pic>
       <p:sp>
         <p:nvSpPr>
-          <p:cNvPr id="3" name="Content Placeholder 2">
-            <a:extLst>
-              <a:ext uri="{FF2B5EF4-FFF2-40B4-BE49-F238E27FC236}">
-                <a16:creationId xmlns:a16="http://schemas.microsoft.com/office/drawing/2014/main" id="{F1FBBC30-445F-4F03-96A4-6146D20476D4}"/>
-              </a:ext>
-            </a:extLst>
-          </p:cNvPr>
-          <p:cNvSpPr>
-            <a:spLocks noGrp="1"/>
-          </p:cNvSpPr>
-          <p:nvPr>
-            <p:ph idx="1"/>
-          </p:nvPr>
+          <p:cNvPr id="27" name="CasellaDiTesto 26">
+            <a:extLst>
+              <a:ext uri="{FF2B5EF4-FFF2-40B4-BE49-F238E27FC236}">
+                <a16:creationId xmlns:a16="http://schemas.microsoft.com/office/drawing/2014/main" id="{4B53FF9C-0F94-9D92-B927-33AD4A4B3475}"/>
+              </a:ext>
+            </a:extLst>
+          </p:cNvPr>
+          <p:cNvSpPr txBox="1"/>
+          <p:nvPr/>
         </p:nvSpPr>
-        <p:spPr/>
+        <p:spPr>
+          <a:xfrm>
+            <a:off x="497711" y="1204306"/>
+            <a:ext cx="11076973" cy="646331"/>
+          </a:xfrm>
+          <a:prstGeom prst="rect">
+            <a:avLst/>
+          </a:prstGeom>
+          <a:noFill/>
+        </p:spPr>
         <p:txBody>
-          <a:bodyPr/>
+          <a:bodyPr wrap="square">
+            <a:spAutoFit/>
+          </a:bodyPr>
           <a:lstStyle/>
           <a:p>
             <a:r>
-              <a:rPr lang="it-IT" dirty="0" err="1"/>
-              <a:t>Describe</a:t>
-            </a:r>
-            <a:r>
-              <a:rPr lang="it-IT" dirty="0"/>
-              <a:t> the interaction </a:t>
-            </a:r>
-            <a:r>
-              <a:rPr lang="it-IT" dirty="0" err="1"/>
-              <a:t>diagrams</a:t>
-            </a:r>
-            <a:r>
-              <a:rPr lang="it-IT" dirty="0"/>
-              <a:t> of the </a:t>
-            </a:r>
-            <a:r>
-              <a:rPr lang="it-IT" dirty="0" err="1"/>
-              <a:t>application</a:t>
-            </a:r>
-            <a:r>
-              <a:rPr lang="it-IT" dirty="0"/>
-              <a:t> </a:t>
-            </a:r>
-            <a:r>
-              <a:rPr lang="it-IT" dirty="0" err="1"/>
-              <a:t>using</a:t>
-            </a:r>
-            <a:r>
-              <a:rPr lang="it-IT" dirty="0"/>
-              <a:t> any </a:t>
-            </a:r>
-            <a:r>
-              <a:rPr lang="it-IT" dirty="0" err="1"/>
-              <a:t>graphical</a:t>
-            </a:r>
-            <a:r>
-              <a:rPr lang="it-IT" dirty="0"/>
-              <a:t> </a:t>
-            </a:r>
-            <a:r>
-              <a:rPr lang="it-IT" dirty="0" err="1"/>
-              <a:t>notation</a:t>
-            </a:r>
-            <a:r>
-              <a:rPr lang="it-IT" dirty="0"/>
-              <a:t> (e.g., IFML or </a:t>
-            </a:r>
-            <a:r>
-              <a:rPr lang="it-IT" dirty="0" err="1"/>
-              <a:t>similar</a:t>
-            </a:r>
-            <a:r>
-              <a:rPr lang="it-IT" dirty="0"/>
-              <a:t> --- www.ifmledit.org) or a </a:t>
-            </a:r>
-            <a:r>
-              <a:rPr lang="it-IT" dirty="0" err="1"/>
-              <a:t>textual</a:t>
-            </a:r>
-            <a:r>
-              <a:rPr lang="it-IT" dirty="0"/>
-              <a:t> </a:t>
-            </a:r>
-            <a:r>
-              <a:rPr lang="it-IT" dirty="0" err="1"/>
-              <a:t>notation</a:t>
-            </a:r>
-            <a:r>
-              <a:rPr lang="it-IT" dirty="0"/>
-              <a:t> (</a:t>
-            </a:r>
-            <a:r>
-              <a:rPr lang="it-IT" dirty="0" err="1"/>
-              <a:t>see</a:t>
-            </a:r>
-            <a:r>
-              <a:rPr lang="it-IT" dirty="0"/>
-              <a:t> </a:t>
-            </a:r>
-            <a:r>
-              <a:rPr lang="it-IT" dirty="0" err="1"/>
-              <a:t>next</a:t>
-            </a:r>
-            <a:r>
-              <a:rPr lang="it-IT" dirty="0"/>
-              <a:t> slides)</a:t>
-            </a:r>
-          </a:p>
-          <a:p>
-            <a:endParaRPr lang="it-IT" dirty="0"/>
+              <a:rPr lang="en-GB" dirty="0"/>
+              <a:t>Login, registration and logout (if user is logged in) are available in any moment. Errors and result redirects are performed in the same page the user starts the flow. For this reason the view is identified as ‘Any Page’</a:t>
+            </a:r>
           </a:p>
         </p:txBody>
       </p:sp>
@@ -29177,10 +29858,10 @@
       </p:grpSpPr>
       <p:sp>
         <p:nvSpPr>
-          <p:cNvPr id="4" name="Titolo 3">
-            <a:extLst>
-              <a:ext uri="{FF2B5EF4-FFF2-40B4-BE49-F238E27FC236}">
-                <a16:creationId xmlns:a16="http://schemas.microsoft.com/office/drawing/2014/main" id="{6FB04A75-5C58-4DA6-8993-B68A5E7E53D0}"/>
+          <p:cNvPr id="2" name="Title 1">
+            <a:extLst>
+              <a:ext uri="{FF2B5EF4-FFF2-40B4-BE49-F238E27FC236}">
+                <a16:creationId xmlns:a16="http://schemas.microsoft.com/office/drawing/2014/main" id="{F653702C-D484-421B-B89A-F53BA38ED0B5}"/>
               </a:ext>
             </a:extLst>
           </p:cNvPr>
@@ -29188,7 +29869,7 @@
             <a:spLocks noGrp="1"/>
           </p:cNvSpPr>
           <p:nvPr>
-            <p:ph type="ctrTitle"/>
+            <p:ph type="title"/>
           </p:nvPr>
         </p:nvSpPr>
         <p:spPr/>
@@ -29196,19 +29877,87 @@
           <a:bodyPr/>
           <a:lstStyle/>
           <a:p>
-            <a:pPr algn="ctr"/>
-            <a:r>
-              <a:rPr lang="en-US" dirty="0"/>
-              <a:t>Components</a:t>
+            <a:r>
+              <a:rPr lang="en-US" dirty="0"/>
+              <a:t>Functional analysis of the interaction</a:t>
             </a:r>
             <a:endParaRPr lang="it-IT" dirty="0"/>
+          </a:p>
+        </p:txBody>
+      </p:sp>
+      <p:pic>
+        <p:nvPicPr>
+          <p:cNvPr id="7" name="Segnaposto contenuto 6">
+            <a:extLst>
+              <a:ext uri="{FF2B5EF4-FFF2-40B4-BE49-F238E27FC236}">
+                <a16:creationId xmlns:a16="http://schemas.microsoft.com/office/drawing/2014/main" id="{05B84065-C8A5-8ED4-E143-467AE2537640}"/>
+              </a:ext>
+            </a:extLst>
+          </p:cNvPr>
+          <p:cNvPicPr>
+            <a:picLocks noGrp="1" noChangeAspect="1"/>
+          </p:cNvPicPr>
+          <p:nvPr>
+            <p:ph idx="1"/>
+          </p:nvPr>
+        </p:nvPicPr>
+        <p:blipFill>
+          <a:blip r:embed="rId2">
+            <a:extLst>
+              <a:ext uri="{28A0092B-C50C-407E-A947-70E740481C1C}">
+                <a14:useLocalDpi xmlns:a14="http://schemas.microsoft.com/office/drawing/2010/main" val="0"/>
+              </a:ext>
+            </a:extLst>
+          </a:blip>
+          <a:srcRect/>
+          <a:stretch/>
+        </p:blipFill>
+        <p:spPr>
+          <a:xfrm>
+            <a:off x="1594372" y="1850638"/>
+            <a:ext cx="8938590" cy="5028860"/>
+          </a:xfrm>
+        </p:spPr>
+      </p:pic>
+      <p:sp>
+        <p:nvSpPr>
+          <p:cNvPr id="27" name="CasellaDiTesto 26">
+            <a:extLst>
+              <a:ext uri="{FF2B5EF4-FFF2-40B4-BE49-F238E27FC236}">
+                <a16:creationId xmlns:a16="http://schemas.microsoft.com/office/drawing/2014/main" id="{4B53FF9C-0F94-9D92-B927-33AD4A4B3475}"/>
+              </a:ext>
+            </a:extLst>
+          </p:cNvPr>
+          <p:cNvSpPr txBox="1"/>
+          <p:nvPr/>
+        </p:nvSpPr>
+        <p:spPr>
+          <a:xfrm>
+            <a:off x="497711" y="1204306"/>
+            <a:ext cx="11076973" cy="646331"/>
+          </a:xfrm>
+          <a:prstGeom prst="rect">
+            <a:avLst/>
+          </a:prstGeom>
+          <a:noFill/>
+        </p:spPr>
+        <p:txBody>
+          <a:bodyPr wrap="square">
+            <a:spAutoFit/>
+          </a:bodyPr>
+          <a:lstStyle/>
+          <a:p>
+            <a:r>
+              <a:rPr lang="en-GB" dirty="0"/>
+              <a:t>In the home page a user can select a service package to buy it while, if he is logged in, he can also see the list of his rejected orders and confirm it again.</a:t>
+            </a:r>
           </a:p>
         </p:txBody>
       </p:sp>
     </p:spTree>
     <p:extLst>
       <p:ext uri="{BB962C8B-B14F-4D97-AF65-F5344CB8AC3E}">
-        <p14:creationId xmlns:p14="http://schemas.microsoft.com/office/powerpoint/2010/main" val="599027610"/>
+        <p14:creationId xmlns:p14="http://schemas.microsoft.com/office/powerpoint/2010/main" val="2605942994"/>
       </p:ext>
     </p:extLst>
   </p:cSld>
@@ -29240,7 +29989,7 @@
           <p:cNvPr id="2" name="Title 1">
             <a:extLst>
               <a:ext uri="{FF2B5EF4-FFF2-40B4-BE49-F238E27FC236}">
-                <a16:creationId xmlns:a16="http://schemas.microsoft.com/office/drawing/2014/main" id="{1B4C7D1E-4177-4871-83AE-DB71FB4D146E}"/>
+                <a16:creationId xmlns:a16="http://schemas.microsoft.com/office/drawing/2014/main" id="{F653702C-D484-421B-B89A-F53BA38ED0B5}"/>
               </a:ext>
             </a:extLst>
           </p:cNvPr>
@@ -29258,193 +30007,85 @@
           <a:p>
             <a:r>
               <a:rPr lang="en-US" dirty="0"/>
-              <a:t>Client components</a:t>
+              <a:t>Functional analysis of the interaction</a:t>
             </a:r>
             <a:endParaRPr lang="it-IT" dirty="0"/>
           </a:p>
         </p:txBody>
       </p:sp>
+      <p:pic>
+        <p:nvPicPr>
+          <p:cNvPr id="7" name="Segnaposto contenuto 6">
+            <a:extLst>
+              <a:ext uri="{FF2B5EF4-FFF2-40B4-BE49-F238E27FC236}">
+                <a16:creationId xmlns:a16="http://schemas.microsoft.com/office/drawing/2014/main" id="{05B84065-C8A5-8ED4-E143-467AE2537640}"/>
+              </a:ext>
+            </a:extLst>
+          </p:cNvPr>
+          <p:cNvPicPr>
+            <a:picLocks noGrp="1" noChangeAspect="1"/>
+          </p:cNvPicPr>
+          <p:nvPr>
+            <p:ph idx="1"/>
+          </p:nvPr>
+        </p:nvPicPr>
+        <p:blipFill>
+          <a:blip r:embed="rId2">
+            <a:extLst>
+              <a:ext uri="{28A0092B-C50C-407E-A947-70E740481C1C}">
+                <a14:useLocalDpi xmlns:a14="http://schemas.microsoft.com/office/drawing/2010/main" val="0"/>
+              </a:ext>
+            </a:extLst>
+          </a:blip>
+          <a:srcRect/>
+          <a:stretch/>
+        </p:blipFill>
+        <p:spPr>
+          <a:xfrm>
+            <a:off x="617316" y="1410706"/>
+            <a:ext cx="11076973" cy="6228585"/>
+          </a:xfrm>
+        </p:spPr>
+      </p:pic>
       <p:sp>
         <p:nvSpPr>
-          <p:cNvPr id="3" name="Content Placeholder 2">
-            <a:extLst>
-              <a:ext uri="{FF2B5EF4-FFF2-40B4-BE49-F238E27FC236}">
-                <a16:creationId xmlns:a16="http://schemas.microsoft.com/office/drawing/2014/main" id="{0BF956C1-9D15-4FAC-8CF1-B9774F29A85F}"/>
-              </a:ext>
-            </a:extLst>
-          </p:cNvPr>
-          <p:cNvSpPr>
-            <a:spLocks noGrp="1"/>
-          </p:cNvSpPr>
-          <p:nvPr>
-            <p:ph sz="half" idx="1"/>
-          </p:nvPr>
+          <p:cNvPr id="27" name="CasellaDiTesto 26">
+            <a:extLst>
+              <a:ext uri="{FF2B5EF4-FFF2-40B4-BE49-F238E27FC236}">
+                <a16:creationId xmlns:a16="http://schemas.microsoft.com/office/drawing/2014/main" id="{4B53FF9C-0F94-9D92-B927-33AD4A4B3475}"/>
+              </a:ext>
+            </a:extLst>
+          </p:cNvPr>
+          <p:cNvSpPr txBox="1"/>
+          <p:nvPr/>
         </p:nvSpPr>
-        <p:spPr/>
+        <p:spPr>
+          <a:xfrm>
+            <a:off x="497711" y="1204306"/>
+            <a:ext cx="11076973" cy="923330"/>
+          </a:xfrm>
+          <a:prstGeom prst="rect">
+            <a:avLst/>
+          </a:prstGeom>
+          <a:noFill/>
+        </p:spPr>
         <p:txBody>
-          <a:bodyPr>
-            <a:normAutofit/>
+          <a:bodyPr wrap="square">
+            <a:spAutoFit/>
           </a:bodyPr>
           <a:lstStyle/>
           <a:p>
             <a:r>
-              <a:rPr lang="en-US" dirty="0" err="1"/>
-              <a:t>AdminHomeServlet</a:t>
-            </a:r>
-            <a:r>
-              <a:rPr lang="en-US" dirty="0"/>
-              <a:t>: </a:t>
-            </a:r>
-          </a:p>
-          <a:p>
-            <a:r>
-              <a:rPr lang="en-US" dirty="0" err="1"/>
-              <a:t>AdminLoginServlet</a:t>
-            </a:r>
-            <a:r>
-              <a:rPr lang="en-US" dirty="0"/>
-              <a:t>: </a:t>
-            </a:r>
-          </a:p>
-          <a:p>
-            <a:r>
-              <a:rPr lang="en-US" dirty="0" err="1"/>
-              <a:t>AdminOptionalProductServlet</a:t>
-            </a:r>
-            <a:r>
-              <a:rPr lang="en-US" dirty="0"/>
-              <a:t>: </a:t>
-            </a:r>
-          </a:p>
-          <a:p>
-            <a:r>
-              <a:rPr lang="en-US" dirty="0" err="1"/>
-              <a:t>AdminServicePackageServlet</a:t>
-            </a:r>
-            <a:r>
-              <a:rPr lang="en-US" dirty="0"/>
-              <a:t>: </a:t>
-            </a:r>
-          </a:p>
-          <a:p>
-            <a:r>
-              <a:rPr lang="en-US" dirty="0" err="1"/>
-              <a:t>AdminStatsServlet</a:t>
-            </a:r>
-            <a:r>
-              <a:rPr lang="en-US" dirty="0"/>
-              <a:t>: </a:t>
-            </a:r>
-          </a:p>
-          <a:p>
-            <a:r>
-              <a:rPr lang="en-US" dirty="0" err="1"/>
-              <a:t>ConfirmOrderServlet</a:t>
-            </a:r>
-            <a:r>
-              <a:rPr lang="en-US" dirty="0"/>
-              <a:t>: </a:t>
-            </a:r>
-          </a:p>
-          <a:p>
-            <a:r>
-              <a:rPr lang="en-US" dirty="0" err="1"/>
-              <a:t>CreateOrderServlet</a:t>
-            </a:r>
-            <a:r>
-              <a:rPr lang="en-US" dirty="0"/>
-              <a:t>: </a:t>
-            </a:r>
-          </a:p>
-        </p:txBody>
-      </p:sp>
-      <p:sp>
-        <p:nvSpPr>
-          <p:cNvPr id="4" name="Segnaposto contenuto 3">
-            <a:extLst>
-              <a:ext uri="{FF2B5EF4-FFF2-40B4-BE49-F238E27FC236}">
-                <a16:creationId xmlns:a16="http://schemas.microsoft.com/office/drawing/2014/main" id="{24BAFD88-BCE0-4D6D-A8D8-42752BC55138}"/>
-              </a:ext>
-            </a:extLst>
-          </p:cNvPr>
-          <p:cNvSpPr>
-            <a:spLocks noGrp="1"/>
-          </p:cNvSpPr>
-          <p:nvPr>
-            <p:ph sz="half" idx="2"/>
-          </p:nvPr>
-        </p:nvSpPr>
-        <p:spPr/>
-        <p:txBody>
-          <a:bodyPr/>
-          <a:lstStyle/>
-          <a:p>
-            <a:r>
-              <a:rPr lang="en-US" dirty="0" err="1"/>
-              <a:t>HomeServlet</a:t>
-            </a:r>
-            <a:r>
-              <a:rPr lang="en-US" dirty="0"/>
-              <a:t>: </a:t>
-            </a:r>
-          </a:p>
-          <a:p>
-            <a:r>
-              <a:rPr lang="en-US" dirty="0" err="1"/>
-              <a:t>LoginServlet</a:t>
-            </a:r>
-            <a:r>
-              <a:rPr lang="en-US" dirty="0"/>
-              <a:t>: </a:t>
-            </a:r>
-          </a:p>
-          <a:p>
-            <a:r>
-              <a:rPr lang="en-US" dirty="0" err="1"/>
-              <a:t>LogoutAdminServlet</a:t>
-            </a:r>
-            <a:r>
-              <a:rPr lang="en-US" dirty="0"/>
-              <a:t>: </a:t>
-            </a:r>
-          </a:p>
-          <a:p>
-            <a:r>
-              <a:rPr lang="en-US" dirty="0" err="1"/>
-              <a:t>LogoutServlet</a:t>
-            </a:r>
-            <a:r>
-              <a:rPr lang="en-US" dirty="0"/>
-              <a:t>: </a:t>
-            </a:r>
-          </a:p>
-          <a:p>
-            <a:r>
-              <a:rPr lang="en-US" dirty="0" err="1"/>
-              <a:t>PaymentServlet</a:t>
-            </a:r>
-            <a:r>
-              <a:rPr lang="en-US" dirty="0"/>
-              <a:t>: </a:t>
-            </a:r>
-          </a:p>
-          <a:p>
-            <a:r>
-              <a:rPr lang="en-US" dirty="0" err="1"/>
-              <a:t>RegisterServlet</a:t>
-            </a:r>
-            <a:r>
-              <a:rPr lang="en-US" dirty="0"/>
-              <a:t>: </a:t>
-            </a:r>
-            <a:endParaRPr lang="it-IT" dirty="0"/>
+              <a:rPr lang="en-GB" dirty="0"/>
+              <a:t>The create order page has the same functionalities for a logged or an unlogged user. A user can change the selected service package and ha can also select optional products to buy with. On submit, the order is displayed in the confirmation page.</a:t>
+            </a:r>
           </a:p>
         </p:txBody>
       </p:sp>
     </p:spTree>
     <p:extLst>
       <p:ext uri="{BB962C8B-B14F-4D97-AF65-F5344CB8AC3E}">
-        <p14:creationId xmlns:p14="http://schemas.microsoft.com/office/powerpoint/2010/main" val="2040485452"/>
+        <p14:creationId xmlns:p14="http://schemas.microsoft.com/office/powerpoint/2010/main" val="4211542265"/>
       </p:ext>
     </p:extLst>
   </p:cSld>
@@ -29473,10 +30114,10 @@
       </p:grpSpPr>
       <p:sp>
         <p:nvSpPr>
-          <p:cNvPr id="2" name="Titolo 1">
-            <a:extLst>
-              <a:ext uri="{FF2B5EF4-FFF2-40B4-BE49-F238E27FC236}">
-                <a16:creationId xmlns:a16="http://schemas.microsoft.com/office/drawing/2014/main" id="{63503299-25DE-4CEA-8E01-DA7E9E6BC352}"/>
+          <p:cNvPr id="2" name="Title 1">
+            <a:extLst>
+              <a:ext uri="{FF2B5EF4-FFF2-40B4-BE49-F238E27FC236}">
+                <a16:creationId xmlns:a16="http://schemas.microsoft.com/office/drawing/2014/main" id="{F653702C-D484-421B-B89A-F53BA38ED0B5}"/>
               </a:ext>
             </a:extLst>
           </p:cNvPr>
@@ -29494,7 +30135,7 @@
           <a:p>
             <a:r>
               <a:rPr lang="en-US" dirty="0"/>
-              <a:t>Views</a:t>
+              <a:t>Functional analysis of the interaction</a:t>
             </a:r>
             <a:endParaRPr lang="it-IT" dirty="0"/>
           </a:p>
@@ -29502,78 +30143,78 @@
       </p:sp>
       <p:sp>
         <p:nvSpPr>
-          <p:cNvPr id="5" name="Segnaposto contenuto 4">
-            <a:extLst>
-              <a:ext uri="{FF2B5EF4-FFF2-40B4-BE49-F238E27FC236}">
-                <a16:creationId xmlns:a16="http://schemas.microsoft.com/office/drawing/2014/main" id="{D61F001A-553C-4294-A691-31D2AA067FE6}"/>
-              </a:ext>
-            </a:extLst>
-          </p:cNvPr>
-          <p:cNvSpPr>
-            <a:spLocks noGrp="1"/>
-          </p:cNvSpPr>
-          <p:nvPr>
-            <p:ph idx="1"/>
-          </p:nvPr>
+          <p:cNvPr id="27" name="CasellaDiTesto 26">
+            <a:extLst>
+              <a:ext uri="{FF2B5EF4-FFF2-40B4-BE49-F238E27FC236}">
+                <a16:creationId xmlns:a16="http://schemas.microsoft.com/office/drawing/2014/main" id="{4B53FF9C-0F94-9D92-B927-33AD4A4B3475}"/>
+              </a:ext>
+            </a:extLst>
+          </p:cNvPr>
+          <p:cNvSpPr txBox="1"/>
+          <p:nvPr/>
         </p:nvSpPr>
-        <p:spPr/>
+        <p:spPr>
+          <a:xfrm>
+            <a:off x="659757" y="1169582"/>
+            <a:ext cx="11076973" cy="646331"/>
+          </a:xfrm>
+          <a:prstGeom prst="rect">
+            <a:avLst/>
+          </a:prstGeom>
+          <a:noFill/>
+        </p:spPr>
         <p:txBody>
-          <a:bodyPr/>
+          <a:bodyPr wrap="square">
+            <a:spAutoFit/>
+          </a:bodyPr>
           <a:lstStyle/>
           <a:p>
             <a:r>
-              <a:rPr lang="en-US" dirty="0"/>
-              <a:t>adminDashboard.html: </a:t>
-            </a:r>
-          </a:p>
-          <a:p>
-            <a:r>
-              <a:rPr lang="en-US" dirty="0"/>
-              <a:t>adminLogin.html: </a:t>
-            </a:r>
-          </a:p>
-          <a:p>
-            <a:r>
-              <a:rPr lang="en-US" dirty="0"/>
-              <a:t>adminStats.html: </a:t>
-            </a:r>
-          </a:p>
-          <a:p>
-            <a:r>
-              <a:rPr lang="en-US" dirty="0"/>
-              <a:t>buyService.html: </a:t>
-            </a:r>
-          </a:p>
-          <a:p>
-            <a:r>
-              <a:rPr lang="en-US" dirty="0"/>
-              <a:t>confirmationPage.html: </a:t>
-            </a:r>
-          </a:p>
-          <a:p>
-            <a:r>
-              <a:rPr lang="en-US" dirty="0"/>
-              <a:t>index.html: </a:t>
-            </a:r>
-          </a:p>
-          <a:p>
-            <a:r>
-              <a:rPr lang="en-US" dirty="0"/>
-              <a:t>paymentPage.html: </a:t>
-            </a:r>
-          </a:p>
-          <a:p>
-            <a:r>
-              <a:rPr lang="en-US" dirty="0"/>
-              <a:t>paymentResult.html: </a:t>
+              <a:rPr lang="en-GB" dirty="0"/>
+              <a:t>To confirm an order a user has to be logged in. If not he can only see the details of the order but he has to complete the login/registration to proceed. Once an order is confirmed the payment page is displayed.</a:t>
             </a:r>
           </a:p>
         </p:txBody>
       </p:sp>
+      <p:pic>
+        <p:nvPicPr>
+          <p:cNvPr id="6" name="Segnaposto contenuto 5">
+            <a:extLst>
+              <a:ext uri="{FF2B5EF4-FFF2-40B4-BE49-F238E27FC236}">
+                <a16:creationId xmlns:a16="http://schemas.microsoft.com/office/drawing/2014/main" id="{1ADB4569-E02F-9465-990B-B80D65773590}"/>
+              </a:ext>
+            </a:extLst>
+          </p:cNvPr>
+          <p:cNvPicPr>
+            <a:picLocks noGrp="1" noChangeAspect="1"/>
+          </p:cNvPicPr>
+          <p:nvPr>
+            <p:ph idx="1"/>
+          </p:nvPr>
+        </p:nvPicPr>
+        <p:blipFill>
+          <a:blip r:embed="rId2">
+            <a:extLst>
+              <a:ext uri="{28A0092B-C50C-407E-A947-70E740481C1C}">
+                <a14:useLocalDpi xmlns:a14="http://schemas.microsoft.com/office/drawing/2010/main" val="0"/>
+              </a:ext>
+            </a:extLst>
+          </a:blip>
+          <a:stretch>
+            <a:fillRect/>
+          </a:stretch>
+        </p:blipFill>
+        <p:spPr>
+          <a:xfrm>
+            <a:off x="1458410" y="1768808"/>
+            <a:ext cx="9658602" cy="5425864"/>
+          </a:xfrm>
+        </p:spPr>
+      </p:pic>
     </p:spTree>
     <p:extLst>
       <p:ext uri="{BB962C8B-B14F-4D97-AF65-F5344CB8AC3E}">
-        <p14:creationId xmlns:p14="http://schemas.microsoft.com/office/powerpoint/2010/main" val="126578294"/>
+        <p14:creationId xmlns:p14="http://schemas.microsoft.com/office/powerpoint/2010/main" val="2330045457"/>
       </p:ext>
     </p:extLst>
   </p:cSld>
@@ -29602,10 +30243,10 @@
       </p:grpSpPr>
       <p:sp>
         <p:nvSpPr>
-          <p:cNvPr id="2" name="Titolo 1">
-            <a:extLst>
-              <a:ext uri="{FF2B5EF4-FFF2-40B4-BE49-F238E27FC236}">
-                <a16:creationId xmlns:a16="http://schemas.microsoft.com/office/drawing/2014/main" id="{6525DFD3-DADF-4A03-95E2-43CC446600A6}"/>
+          <p:cNvPr id="2" name="Title 1">
+            <a:extLst>
+              <a:ext uri="{FF2B5EF4-FFF2-40B4-BE49-F238E27FC236}">
+                <a16:creationId xmlns:a16="http://schemas.microsoft.com/office/drawing/2014/main" id="{F653702C-D484-421B-B89A-F53BA38ED0B5}"/>
               </a:ext>
             </a:extLst>
           </p:cNvPr>
@@ -29623,7 +30264,7 @@
           <a:p>
             <a:r>
               <a:rPr lang="en-US" dirty="0"/>
-              <a:t>Java beans</a:t>
+              <a:t>Functional analysis of the interaction</a:t>
             </a:r>
             <a:endParaRPr lang="it-IT" dirty="0"/>
           </a:p>
@@ -29631,55 +30272,78 @@
       </p:sp>
       <p:sp>
         <p:nvSpPr>
-          <p:cNvPr id="3" name="Segnaposto contenuto 2">
-            <a:extLst>
-              <a:ext uri="{FF2B5EF4-FFF2-40B4-BE49-F238E27FC236}">
-                <a16:creationId xmlns:a16="http://schemas.microsoft.com/office/drawing/2014/main" id="{45287E06-3FF0-4074-9167-BDDA5CF5E789}"/>
-              </a:ext>
-            </a:extLst>
-          </p:cNvPr>
-          <p:cNvSpPr>
-            <a:spLocks noGrp="1"/>
-          </p:cNvSpPr>
-          <p:nvPr>
-            <p:ph idx="1"/>
-          </p:nvPr>
+          <p:cNvPr id="27" name="CasellaDiTesto 26">
+            <a:extLst>
+              <a:ext uri="{FF2B5EF4-FFF2-40B4-BE49-F238E27FC236}">
+                <a16:creationId xmlns:a16="http://schemas.microsoft.com/office/drawing/2014/main" id="{4B53FF9C-0F94-9D92-B927-33AD4A4B3475}"/>
+              </a:ext>
+            </a:extLst>
+          </p:cNvPr>
+          <p:cNvSpPr txBox="1"/>
+          <p:nvPr/>
         </p:nvSpPr>
-        <p:spPr/>
+        <p:spPr>
+          <a:xfrm>
+            <a:off x="659757" y="1169582"/>
+            <a:ext cx="11076973" cy="646331"/>
+          </a:xfrm>
+          <a:prstGeom prst="rect">
+            <a:avLst/>
+          </a:prstGeom>
+          <a:noFill/>
+        </p:spPr>
         <p:txBody>
-          <a:bodyPr/>
+          <a:bodyPr wrap="square">
+            <a:spAutoFit/>
+          </a:bodyPr>
           <a:lstStyle/>
           <a:p>
             <a:r>
-              <a:rPr lang="en-US" dirty="0" err="1"/>
-              <a:t>OptionalProductBean</a:t>
-            </a:r>
-            <a:r>
-              <a:rPr lang="en-US" dirty="0"/>
-              <a:t>:</a:t>
-            </a:r>
-            <a:r>
-              <a:rPr lang="it-IT" dirty="0"/>
-              <a:t> </a:t>
-            </a:r>
-          </a:p>
-          <a:p>
-            <a:r>
-              <a:rPr lang="it-IT" dirty="0" err="1"/>
-              <a:t>PendingOrderBean</a:t>
-            </a:r>
-            <a:r>
-              <a:rPr lang="it-IT" dirty="0"/>
-              <a:t>: </a:t>
-            </a:r>
-            <a:endParaRPr lang="en-US" dirty="0"/>
+              <a:rPr lang="en-GB" dirty="0"/>
+              <a:t>Finally, a logged user, can access the payment page. Once selected the payment method it is possible to confirm the operation, and the result is then displayed.</a:t>
+            </a:r>
           </a:p>
         </p:txBody>
       </p:sp>
+      <p:pic>
+        <p:nvPicPr>
+          <p:cNvPr id="7" name="Segnaposto contenuto 6">
+            <a:extLst>
+              <a:ext uri="{FF2B5EF4-FFF2-40B4-BE49-F238E27FC236}">
+                <a16:creationId xmlns:a16="http://schemas.microsoft.com/office/drawing/2014/main" id="{8DF93606-A80F-70B1-2977-570730695201}"/>
+              </a:ext>
+            </a:extLst>
+          </p:cNvPr>
+          <p:cNvPicPr>
+            <a:picLocks noGrp="1" noChangeAspect="1"/>
+          </p:cNvPicPr>
+          <p:nvPr>
+            <p:ph idx="1"/>
+          </p:nvPr>
+        </p:nvPicPr>
+        <p:blipFill>
+          <a:blip r:embed="rId2">
+            <a:extLst>
+              <a:ext uri="{28A0092B-C50C-407E-A947-70E740481C1C}">
+                <a14:useLocalDpi xmlns:a14="http://schemas.microsoft.com/office/drawing/2010/main" val="0"/>
+              </a:ext>
+            </a:extLst>
+          </a:blip>
+          <a:stretch>
+            <a:fillRect/>
+          </a:stretch>
+        </p:blipFill>
+        <p:spPr>
+          <a:xfrm>
+            <a:off x="2224942" y="2045807"/>
+            <a:ext cx="7742115" cy="4351338"/>
+          </a:xfrm>
+        </p:spPr>
+      </p:pic>
     </p:spTree>
     <p:extLst>
       <p:ext uri="{BB962C8B-B14F-4D97-AF65-F5344CB8AC3E}">
-        <p14:creationId xmlns:p14="http://schemas.microsoft.com/office/powerpoint/2010/main" val="2705432759"/>
+        <p14:creationId xmlns:p14="http://schemas.microsoft.com/office/powerpoint/2010/main" val="4289409612"/>
       </p:ext>
     </p:extLst>
   </p:cSld>
@@ -29708,10 +30372,10 @@
       </p:grpSpPr>
       <p:sp>
         <p:nvSpPr>
-          <p:cNvPr id="2" name="Titolo 1">
-            <a:extLst>
-              <a:ext uri="{FF2B5EF4-FFF2-40B4-BE49-F238E27FC236}">
-                <a16:creationId xmlns:a16="http://schemas.microsoft.com/office/drawing/2014/main" id="{D0D709DE-F7A7-41D3-B003-A1AE4FBBFD93}"/>
+          <p:cNvPr id="4" name="Titolo 3">
+            <a:extLst>
+              <a:ext uri="{FF2B5EF4-FFF2-40B4-BE49-F238E27FC236}">
+                <a16:creationId xmlns:a16="http://schemas.microsoft.com/office/drawing/2014/main" id="{6FB04A75-5C58-4DA6-8993-B68A5E7E53D0}"/>
               </a:ext>
             </a:extLst>
           </p:cNvPr>
@@ -29719,7 +30383,7 @@
             <a:spLocks noGrp="1"/>
           </p:cNvSpPr>
           <p:nvPr>
-            <p:ph type="title"/>
+            <p:ph type="ctrTitle"/>
           </p:nvPr>
         </p:nvSpPr>
         <p:spPr/>
@@ -29727,382 +30391,19 @@
           <a:bodyPr/>
           <a:lstStyle/>
           <a:p>
-            <a:r>
-              <a:rPr lang="en-US" dirty="0"/>
-              <a:t>Business tier</a:t>
+            <a:pPr algn="ctr"/>
+            <a:r>
+              <a:rPr lang="en-US" dirty="0"/>
+              <a:t>Components</a:t>
             </a:r>
             <a:endParaRPr lang="it-IT" dirty="0"/>
-          </a:p>
-        </p:txBody>
-      </p:sp>
-      <p:sp>
-        <p:nvSpPr>
-          <p:cNvPr id="4" name="Segnaposto contenuto 3">
-            <a:extLst>
-              <a:ext uri="{FF2B5EF4-FFF2-40B4-BE49-F238E27FC236}">
-                <a16:creationId xmlns:a16="http://schemas.microsoft.com/office/drawing/2014/main" id="{2E96264E-68A8-4CB3-B2B2-99DE4B711CA5}"/>
-              </a:ext>
-            </a:extLst>
-          </p:cNvPr>
-          <p:cNvSpPr>
-            <a:spLocks noGrp="1"/>
-          </p:cNvSpPr>
-          <p:nvPr>
-            <p:ph sz="half" idx="1"/>
-          </p:nvPr>
-        </p:nvSpPr>
-        <p:spPr/>
-        <p:txBody>
-          <a:bodyPr>
-            <a:normAutofit fontScale="77500" lnSpcReduction="20000"/>
-          </a:bodyPr>
-          <a:lstStyle/>
-          <a:p>
-            <a:r>
-              <a:rPr lang="en-US" dirty="0"/>
-              <a:t>@Stateless</a:t>
-            </a:r>
-            <a:r>
-              <a:rPr lang="it-IT" dirty="0"/>
-              <a:t> </a:t>
-            </a:r>
-            <a:r>
-              <a:rPr lang="it-IT" dirty="0" err="1"/>
-              <a:t>AdministratorService</a:t>
-            </a:r>
-            <a:endParaRPr lang="it-IT" dirty="0"/>
-          </a:p>
-          <a:p>
-            <a:pPr lvl="1"/>
-            <a:r>
-              <a:rPr lang="it-IT" dirty="0" err="1"/>
-              <a:t>getAdministratorByEmail</a:t>
-            </a:r>
-            <a:r>
-              <a:rPr lang="it-IT" dirty="0"/>
-              <a:t>(String)</a:t>
-            </a:r>
-          </a:p>
-          <a:p>
-            <a:r>
-              <a:rPr lang="en-US" dirty="0"/>
-              <a:t>@Stateless </a:t>
-            </a:r>
-            <a:r>
-              <a:rPr lang="en-US" dirty="0" err="1"/>
-              <a:t>AlertService</a:t>
-            </a:r>
-            <a:endParaRPr lang="en-US" dirty="0"/>
-          </a:p>
-          <a:p>
-            <a:pPr lvl="1"/>
-            <a:r>
-              <a:rPr lang="en-US" dirty="0" err="1"/>
-              <a:t>getAllAlerts</a:t>
-            </a:r>
-            <a:r>
-              <a:rPr lang="en-US" dirty="0"/>
-              <a:t>()</a:t>
-            </a:r>
-          </a:p>
-          <a:p>
-            <a:r>
-              <a:rPr lang="en-US" dirty="0"/>
-              <a:t>@Stateless </a:t>
-            </a:r>
-            <a:r>
-              <a:rPr lang="en-US" dirty="0" err="1"/>
-              <a:t>AveragePurchaseOptionalPackageService</a:t>
-            </a:r>
-            <a:endParaRPr lang="en-US" dirty="0"/>
-          </a:p>
-          <a:p>
-            <a:pPr lvl="1"/>
-            <a:r>
-              <a:rPr lang="en-US" dirty="0" err="1"/>
-              <a:t>getAllAveragePurchaseOptionalPackages</a:t>
-            </a:r>
-            <a:r>
-              <a:rPr lang="en-US" dirty="0"/>
-              <a:t>()</a:t>
-            </a:r>
-          </a:p>
-          <a:p>
-            <a:r>
-              <a:rPr lang="en-US" dirty="0"/>
-              <a:t>@Stateless </a:t>
-            </a:r>
-            <a:r>
-              <a:rPr lang="en-US" dirty="0" err="1"/>
-              <a:t>InsolventUserService</a:t>
-            </a:r>
-            <a:endParaRPr lang="en-US" dirty="0"/>
-          </a:p>
-          <a:p>
-            <a:pPr lvl="1"/>
-            <a:r>
-              <a:rPr lang="en-US" dirty="0" err="1"/>
-              <a:t>getAllInsolventUsers</a:t>
-            </a:r>
-            <a:r>
-              <a:rPr lang="en-US" dirty="0"/>
-              <a:t>()</a:t>
-            </a:r>
-          </a:p>
-          <a:p>
-            <a:r>
-              <a:rPr lang="en-US" dirty="0"/>
-              <a:t>@Transactional </a:t>
-            </a:r>
-            <a:r>
-              <a:rPr lang="en-US" dirty="0" err="1"/>
-              <a:t>OptionalProductService</a:t>
-            </a:r>
-            <a:endParaRPr lang="en-US" dirty="0"/>
-          </a:p>
-          <a:p>
-            <a:pPr lvl="1"/>
-            <a:r>
-              <a:rPr lang="en-US" dirty="0" err="1"/>
-              <a:t>getOptionalProductById</a:t>
-            </a:r>
-            <a:r>
-              <a:rPr lang="en-US" dirty="0"/>
-              <a:t>(Integer)</a:t>
-            </a:r>
-          </a:p>
-          <a:p>
-            <a:pPr lvl="1"/>
-            <a:r>
-              <a:rPr lang="en-US" dirty="0" err="1"/>
-              <a:t>isOptionalProductAlreadyExisting</a:t>
-            </a:r>
-            <a:r>
-              <a:rPr lang="en-US" dirty="0"/>
-              <a:t>(String)</a:t>
-            </a:r>
-          </a:p>
-          <a:p>
-            <a:pPr lvl="1"/>
-            <a:r>
-              <a:rPr lang="en-US" dirty="0" err="1"/>
-              <a:t>getAllOptionalProducts</a:t>
-            </a:r>
-            <a:r>
-              <a:rPr lang="en-US" dirty="0"/>
-              <a:t>()</a:t>
-            </a:r>
-          </a:p>
-          <a:p>
-            <a:pPr lvl="1"/>
-            <a:r>
-              <a:rPr lang="en-US" dirty="0" err="1"/>
-              <a:t>createOptionalProduct</a:t>
-            </a:r>
-            <a:r>
-              <a:rPr lang="en-US" dirty="0"/>
-              <a:t>(</a:t>
-            </a:r>
-            <a:r>
-              <a:rPr lang="en-US" dirty="0" err="1"/>
-              <a:t>OptionalProduct</a:t>
-            </a:r>
-            <a:r>
-              <a:rPr lang="en-US" dirty="0"/>
-              <a:t>)</a:t>
-            </a:r>
-          </a:p>
-          <a:p>
-            <a:pPr lvl="1"/>
-            <a:endParaRPr lang="en-US" dirty="0"/>
-          </a:p>
-          <a:p>
-            <a:pPr lvl="1"/>
-            <a:endParaRPr lang="en-US" dirty="0"/>
-          </a:p>
-        </p:txBody>
-      </p:sp>
-      <p:sp>
-        <p:nvSpPr>
-          <p:cNvPr id="5" name="Segnaposto contenuto 4">
-            <a:extLst>
-              <a:ext uri="{FF2B5EF4-FFF2-40B4-BE49-F238E27FC236}">
-                <a16:creationId xmlns:a16="http://schemas.microsoft.com/office/drawing/2014/main" id="{76028AED-BFC2-4BE3-851B-4C6C1E344973}"/>
-              </a:ext>
-            </a:extLst>
-          </p:cNvPr>
-          <p:cNvSpPr>
-            <a:spLocks noGrp="1"/>
-          </p:cNvSpPr>
-          <p:nvPr>
-            <p:ph sz="half" idx="2"/>
-          </p:nvPr>
-        </p:nvSpPr>
-        <p:spPr>
-          <a:xfrm>
-            <a:off x="6172200" y="1825625"/>
-            <a:ext cx="5181600" cy="4351338"/>
-          </a:xfrm>
-        </p:spPr>
-        <p:txBody>
-          <a:bodyPr>
-            <a:normAutofit fontScale="77500" lnSpcReduction="20000"/>
-          </a:bodyPr>
-          <a:lstStyle/>
-          <a:p>
-            <a:r>
-              <a:rPr lang="en-US" dirty="0"/>
-              <a:t>@Transactional </a:t>
-            </a:r>
-            <a:r>
-              <a:rPr lang="en-US" dirty="0" err="1"/>
-              <a:t>OrderService</a:t>
-            </a:r>
-            <a:endParaRPr lang="en-US" dirty="0"/>
-          </a:p>
-          <a:p>
-            <a:pPr lvl="1"/>
-            <a:r>
-              <a:rPr lang="en-US" dirty="0" err="1"/>
-              <a:t>getOrderById</a:t>
-            </a:r>
-            <a:r>
-              <a:rPr lang="en-US" dirty="0"/>
-              <a:t>(Integer)</a:t>
-            </a:r>
-          </a:p>
-          <a:p>
-            <a:pPr lvl="1"/>
-            <a:r>
-              <a:rPr lang="en-US" dirty="0" err="1"/>
-              <a:t>getOrdersOfUser</a:t>
-            </a:r>
-            <a:r>
-              <a:rPr lang="en-US" dirty="0"/>
-              <a:t>(Integer)</a:t>
-            </a:r>
-          </a:p>
-          <a:p>
-            <a:pPr lvl="1"/>
-            <a:r>
-              <a:rPr lang="en-US" dirty="0" err="1"/>
-              <a:t>createOrder</a:t>
-            </a:r>
-            <a:r>
-              <a:rPr lang="en-US" dirty="0"/>
-              <a:t>(Order)</a:t>
-            </a:r>
-          </a:p>
-          <a:p>
-            <a:r>
-              <a:rPr lang="en-US" dirty="0"/>
-              <a:t>@Transactional </a:t>
-            </a:r>
-            <a:r>
-              <a:rPr lang="en-US" dirty="0" err="1"/>
-              <a:t>PaymentService</a:t>
-            </a:r>
-            <a:endParaRPr lang="en-US" dirty="0"/>
-          </a:p>
-          <a:p>
-            <a:pPr lvl="1"/>
-            <a:r>
-              <a:rPr lang="en-US" dirty="0" err="1"/>
-              <a:t>makePayment</a:t>
-            </a:r>
-            <a:r>
-              <a:rPr lang="en-US" dirty="0"/>
-              <a:t>(</a:t>
-            </a:r>
-            <a:r>
-              <a:rPr lang="en-US" dirty="0" err="1"/>
-              <a:t>PaymentHistory</a:t>
-            </a:r>
-            <a:r>
-              <a:rPr lang="en-US" dirty="0"/>
-              <a:t>)</a:t>
-            </a:r>
-          </a:p>
-          <a:p>
-            <a:r>
-              <a:rPr lang="en-US" dirty="0"/>
-              <a:t>@Transactional </a:t>
-            </a:r>
-            <a:r>
-              <a:rPr lang="en-US" dirty="0" err="1"/>
-              <a:t>ServicePackageService</a:t>
-            </a:r>
-            <a:endParaRPr lang="en-US" dirty="0"/>
-          </a:p>
-          <a:p>
-            <a:pPr lvl="1"/>
-            <a:r>
-              <a:rPr lang="en-US" dirty="0" err="1"/>
-              <a:t>getServicePackageById</a:t>
-            </a:r>
-            <a:r>
-              <a:rPr lang="en-US" dirty="0"/>
-              <a:t>(Integer)</a:t>
-            </a:r>
-          </a:p>
-          <a:p>
-            <a:pPr lvl="1"/>
-            <a:r>
-              <a:rPr lang="en-US" dirty="0" err="1"/>
-              <a:t>getServicePackageByName</a:t>
-            </a:r>
-            <a:r>
-              <a:rPr lang="en-US" dirty="0"/>
-              <a:t>(String)</a:t>
-            </a:r>
-          </a:p>
-          <a:p>
-            <a:pPr lvl="1"/>
-            <a:r>
-              <a:rPr lang="en-US" dirty="0" err="1"/>
-              <a:t>isServicePackageNameAlreadyExist</a:t>
-            </a:r>
-            <a:r>
-              <a:rPr lang="en-US" dirty="0"/>
-              <a:t>(name)</a:t>
-            </a:r>
-          </a:p>
-          <a:p>
-            <a:pPr lvl="1"/>
-            <a:r>
-              <a:rPr lang="en-US" dirty="0" err="1"/>
-              <a:t>getAllServicePackages</a:t>
-            </a:r>
-            <a:r>
-              <a:rPr lang="en-US" dirty="0"/>
-              <a:t>()</a:t>
-            </a:r>
-          </a:p>
-          <a:p>
-            <a:pPr lvl="1"/>
-            <a:r>
-              <a:rPr lang="en-US" dirty="0" err="1"/>
-              <a:t>createServicePackage</a:t>
-            </a:r>
-            <a:r>
-              <a:rPr lang="en-US" dirty="0"/>
-              <a:t>(</a:t>
-            </a:r>
-            <a:r>
-              <a:rPr lang="en-US" dirty="0" err="1"/>
-              <a:t>ServicePackage</a:t>
-            </a:r>
-            <a:r>
-              <a:rPr lang="en-US" dirty="0"/>
-              <a:t>)</a:t>
-            </a:r>
           </a:p>
         </p:txBody>
       </p:sp>
     </p:spTree>
     <p:extLst>
       <p:ext uri="{BB962C8B-B14F-4D97-AF65-F5344CB8AC3E}">
-        <p14:creationId xmlns:p14="http://schemas.microsoft.com/office/powerpoint/2010/main" val="2497602191"/>
+        <p14:creationId xmlns:p14="http://schemas.microsoft.com/office/powerpoint/2010/main" val="599027610"/>
       </p:ext>
     </p:extLst>
   </p:cSld>
@@ -30131,10 +30432,10 @@
       </p:grpSpPr>
       <p:sp>
         <p:nvSpPr>
-          <p:cNvPr id="2" name="Titolo 1">
-            <a:extLst>
-              <a:ext uri="{FF2B5EF4-FFF2-40B4-BE49-F238E27FC236}">
-                <a16:creationId xmlns:a16="http://schemas.microsoft.com/office/drawing/2014/main" id="{A33BDB65-6920-4E36-8B6C-8659A6013970}"/>
+          <p:cNvPr id="2" name="Title 1">
+            <a:extLst>
+              <a:ext uri="{FF2B5EF4-FFF2-40B4-BE49-F238E27FC236}">
+                <a16:creationId xmlns:a16="http://schemas.microsoft.com/office/drawing/2014/main" id="{1B4C7D1E-4177-4871-83AE-DB71FB4D146E}"/>
               </a:ext>
             </a:extLst>
           </p:cNvPr>
@@ -30152,7 +30453,7 @@
           <a:p>
             <a:r>
               <a:rPr lang="en-US" dirty="0"/>
-              <a:t>Business tier</a:t>
+              <a:t>Client components</a:t>
             </a:r>
             <a:endParaRPr lang="it-IT" dirty="0"/>
           </a:p>
@@ -30160,10 +30461,10 @@
       </p:sp>
       <p:sp>
         <p:nvSpPr>
-          <p:cNvPr id="3" name="Segnaposto contenuto 2">
-            <a:extLst>
-              <a:ext uri="{FF2B5EF4-FFF2-40B4-BE49-F238E27FC236}">
-                <a16:creationId xmlns:a16="http://schemas.microsoft.com/office/drawing/2014/main" id="{AD1EA754-ECAC-4CB9-A8A3-A87888A08B9B}"/>
+          <p:cNvPr id="3" name="Content Placeholder 2">
+            <a:extLst>
+              <a:ext uri="{FF2B5EF4-FFF2-40B4-BE49-F238E27FC236}">
+                <a16:creationId xmlns:a16="http://schemas.microsoft.com/office/drawing/2014/main" id="{0BF956C1-9D15-4FAC-8CF1-B9774F29A85F}"/>
               </a:ext>
             </a:extLst>
           </p:cNvPr>
@@ -30177,143 +30478,78 @@
         <p:spPr/>
         <p:txBody>
           <a:bodyPr>
-            <a:normAutofit fontScale="77500" lnSpcReduction="20000"/>
+            <a:normAutofit/>
           </a:bodyPr>
           <a:lstStyle/>
           <a:p>
             <a:r>
-              <a:rPr lang="en-US" dirty="0"/>
-              <a:t>@Stateless </a:t>
-            </a:r>
-            <a:r>
               <a:rPr lang="en-US" dirty="0" err="1"/>
-              <a:t>ServiceService</a:t>
-            </a:r>
-            <a:endParaRPr lang="en-US" dirty="0"/>
-          </a:p>
-          <a:p>
-            <a:pPr lvl="1"/>
+              <a:t>AdminHomeServlet</a:t>
+            </a:r>
+            <a:r>
+              <a:rPr lang="en-US" dirty="0"/>
+              <a:t>: </a:t>
+            </a:r>
+          </a:p>
+          <a:p>
             <a:r>
               <a:rPr lang="en-US" dirty="0" err="1"/>
-              <a:t>getServiceById</a:t>
-            </a:r>
-            <a:r>
-              <a:rPr lang="en-US" dirty="0"/>
-              <a:t>(Integer)</a:t>
-            </a:r>
-          </a:p>
-          <a:p>
-            <a:pPr lvl="1"/>
+              <a:t>AdminLoginServlet</a:t>
+            </a:r>
+            <a:r>
+              <a:rPr lang="en-US" dirty="0"/>
+              <a:t>: </a:t>
+            </a:r>
+          </a:p>
+          <a:p>
             <a:r>
               <a:rPr lang="en-US" dirty="0" err="1"/>
-              <a:t>getServiceByName</a:t>
-            </a:r>
-            <a:r>
-              <a:rPr lang="en-US" dirty="0"/>
-              <a:t>(String)</a:t>
-            </a:r>
-          </a:p>
-          <a:p>
-            <a:pPr lvl="1"/>
+              <a:t>AdminOptionalProductServlet</a:t>
+            </a:r>
+            <a:r>
+              <a:rPr lang="en-US" dirty="0"/>
+              <a:t>: </a:t>
+            </a:r>
+          </a:p>
+          <a:p>
             <a:r>
               <a:rPr lang="en-US" dirty="0" err="1"/>
-              <a:t>isServiceAlreadyExisting</a:t>
-            </a:r>
-            <a:r>
-              <a:rPr lang="en-US" dirty="0"/>
-              <a:t>(String)</a:t>
-            </a:r>
-          </a:p>
-          <a:p>
-            <a:pPr lvl="1"/>
+              <a:t>AdminServicePackageServlet</a:t>
+            </a:r>
+            <a:r>
+              <a:rPr lang="en-US" dirty="0"/>
+              <a:t>: </a:t>
+            </a:r>
+          </a:p>
+          <a:p>
             <a:r>
               <a:rPr lang="en-US" dirty="0" err="1"/>
-              <a:t>getAllServices</a:t>
-            </a:r>
-            <a:r>
-              <a:rPr lang="en-US" dirty="0"/>
-              <a:t>()</a:t>
-            </a:r>
-          </a:p>
-          <a:p>
-            <a:pPr lvl="1"/>
+              <a:t>AdminStatsServlet</a:t>
+            </a:r>
+            <a:r>
+              <a:rPr lang="en-US" dirty="0"/>
+              <a:t>: </a:t>
+            </a:r>
+          </a:p>
+          <a:p>
             <a:r>
               <a:rPr lang="en-US" dirty="0" err="1"/>
-              <a:t>createService</a:t>
-            </a:r>
-            <a:r>
-              <a:rPr lang="en-US" dirty="0"/>
-              <a:t>(Service)</a:t>
-            </a:r>
-          </a:p>
-          <a:p>
-            <a:r>
-              <a:rPr lang="en-US" dirty="0"/>
-              <a:t>@Stateless </a:t>
-            </a:r>
+              <a:t>ConfirmOrderServlet</a:t>
+            </a:r>
+            <a:r>
+              <a:rPr lang="en-US" dirty="0"/>
+              <a:t>: </a:t>
+            </a:r>
+          </a:p>
+          <a:p>
             <a:r>
               <a:rPr lang="en-US" dirty="0" err="1"/>
-              <a:t>SuspendedOrderService</a:t>
-            </a:r>
-            <a:endParaRPr lang="en-US" dirty="0"/>
-          </a:p>
-          <a:p>
-            <a:pPr lvl="1"/>
-            <a:r>
-              <a:rPr lang="en-US" dirty="0" err="1"/>
-              <a:t>getAllSuspendedOrders</a:t>
-            </a:r>
-            <a:r>
-              <a:rPr lang="en-US" dirty="0"/>
-              <a:t>()</a:t>
-            </a:r>
-          </a:p>
-          <a:p>
-            <a:r>
-              <a:rPr lang="en-US" dirty="0"/>
-              <a:t>@Stateless </a:t>
-            </a:r>
-            <a:r>
-              <a:rPr lang="en-US" dirty="0" err="1"/>
-              <a:t>TotalPurchaseOptionalService</a:t>
-            </a:r>
-            <a:endParaRPr lang="en-US" dirty="0"/>
-          </a:p>
-          <a:p>
-            <a:pPr lvl="1"/>
-            <a:r>
-              <a:rPr lang="en-US" dirty="0" err="1"/>
-              <a:t>getAllTotalPurchaseOptional</a:t>
-            </a:r>
-            <a:r>
-              <a:rPr lang="en-US" dirty="0"/>
-              <a:t>()</a:t>
-            </a:r>
-          </a:p>
-          <a:p>
-            <a:r>
-              <a:rPr lang="en-US" dirty="0"/>
-              <a:t>@Stateless </a:t>
-            </a:r>
-            <a:r>
-              <a:rPr lang="en-US" dirty="0" err="1"/>
-              <a:t>TotalPurchasePackageOptionalService</a:t>
-            </a:r>
-            <a:endParaRPr lang="en-US" dirty="0"/>
-          </a:p>
-          <a:p>
-            <a:pPr lvl="1"/>
-            <a:r>
-              <a:rPr lang="en-US" dirty="0" err="1"/>
-              <a:t>getAllTotalPurchasePackageOptional</a:t>
-            </a:r>
-            <a:r>
-              <a:rPr lang="en-US" dirty="0"/>
-              <a:t>()</a:t>
-            </a:r>
-          </a:p>
-          <a:p>
-            <a:endParaRPr lang="it-IT" dirty="0"/>
+              <a:t>CreateOrderServlet</a:t>
+            </a:r>
+            <a:r>
+              <a:rPr lang="en-US" dirty="0"/>
+              <a:t>: </a:t>
+            </a:r>
           </a:p>
         </p:txBody>
       </p:sp>
@@ -30322,7 +30558,7 @@
           <p:cNvPr id="4" name="Segnaposto contenuto 3">
             <a:extLst>
               <a:ext uri="{FF2B5EF4-FFF2-40B4-BE49-F238E27FC236}">
-                <a16:creationId xmlns:a16="http://schemas.microsoft.com/office/drawing/2014/main" id="{411136CA-B03A-4767-9947-F4261BFF5AED}"/>
+                <a16:creationId xmlns:a16="http://schemas.microsoft.com/office/drawing/2014/main" id="{24BAFD88-BCE0-4D6D-A8D8-42752BC55138}"/>
               </a:ext>
             </a:extLst>
           </p:cNvPr>
@@ -30335,159 +30571,75 @@
         </p:nvSpPr>
         <p:spPr/>
         <p:txBody>
-          <a:bodyPr>
-            <a:normAutofit fontScale="77500" lnSpcReduction="20000"/>
-          </a:bodyPr>
+          <a:bodyPr/>
           <a:lstStyle/>
           <a:p>
             <a:r>
-              <a:rPr lang="en-US" dirty="0"/>
-              <a:t>@Stateless </a:t>
-            </a:r>
-            <a:r>
               <a:rPr lang="en-US" dirty="0" err="1"/>
-              <a:t>TotalPurchasePackageService</a:t>
-            </a:r>
-            <a:endParaRPr lang="en-US" dirty="0"/>
-          </a:p>
-          <a:p>
-            <a:pPr lvl="1"/>
+              <a:t>HomeServlet</a:t>
+            </a:r>
+            <a:r>
+              <a:rPr lang="en-US" dirty="0"/>
+              <a:t>: </a:t>
+            </a:r>
+          </a:p>
+          <a:p>
             <a:r>
               <a:rPr lang="en-US" dirty="0" err="1"/>
-              <a:t>getAllTotalPurchasePackages</a:t>
-            </a:r>
-            <a:r>
-              <a:rPr lang="en-US" dirty="0"/>
-              <a:t>()</a:t>
-            </a:r>
-          </a:p>
-          <a:p>
-            <a:r>
-              <a:rPr lang="en-US" dirty="0"/>
-              <a:t>@Stateless </a:t>
-            </a:r>
+              <a:t>LoginServlet</a:t>
+            </a:r>
+            <a:r>
+              <a:rPr lang="en-US" dirty="0"/>
+              <a:t>: </a:t>
+            </a:r>
+          </a:p>
+          <a:p>
             <a:r>
               <a:rPr lang="en-US" dirty="0" err="1"/>
-              <a:t>TotalPurchasePackageValidityService</a:t>
-            </a:r>
-            <a:endParaRPr lang="en-US" dirty="0"/>
-          </a:p>
-          <a:p>
-            <a:pPr lvl="1"/>
+              <a:t>LogoutAdminServlet</a:t>
+            </a:r>
+            <a:r>
+              <a:rPr lang="en-US" dirty="0"/>
+              <a:t>: </a:t>
+            </a:r>
+          </a:p>
+          <a:p>
             <a:r>
               <a:rPr lang="en-US" dirty="0" err="1"/>
-              <a:t>getAllTotalPurchasePackageValidity</a:t>
-            </a:r>
-            <a:r>
-              <a:rPr lang="en-US" dirty="0"/>
-              <a:t>()</a:t>
-            </a:r>
-          </a:p>
-          <a:p>
-            <a:r>
-              <a:rPr lang="en-US" dirty="0"/>
-              <a:t>@Stateless </a:t>
-            </a:r>
+              <a:t>LogoutServlet</a:t>
+            </a:r>
+            <a:r>
+              <a:rPr lang="en-US" dirty="0"/>
+              <a:t>: </a:t>
+            </a:r>
+          </a:p>
+          <a:p>
             <a:r>
               <a:rPr lang="en-US" dirty="0" err="1"/>
-              <a:t>TotValueOptionalNoOptionalService</a:t>
-            </a:r>
-            <a:endParaRPr lang="en-US" dirty="0"/>
-          </a:p>
-          <a:p>
-            <a:pPr lvl="1"/>
+              <a:t>PaymentServlet</a:t>
+            </a:r>
+            <a:r>
+              <a:rPr lang="en-US" dirty="0"/>
+              <a:t>: </a:t>
+            </a:r>
+          </a:p>
+          <a:p>
             <a:r>
               <a:rPr lang="en-US" dirty="0" err="1"/>
-              <a:t>getAllTotValueOptionalNoOptional</a:t>
-            </a:r>
-            <a:r>
-              <a:rPr lang="en-US" dirty="0"/>
-              <a:t>()</a:t>
-            </a:r>
-          </a:p>
-          <a:p>
-            <a:r>
-              <a:rPr lang="en-US" dirty="0"/>
-              <a:t>@Stateless </a:t>
-            </a:r>
-            <a:r>
-              <a:rPr lang="en-US" dirty="0" err="1"/>
-              <a:t>UserService</a:t>
+              <a:t>RegisterServlet</a:t>
+            </a:r>
+            <a:r>
+              <a:rPr lang="en-US" dirty="0"/>
+              <a:t>: </a:t>
             </a:r>
             <a:endParaRPr lang="it-IT" dirty="0"/>
-          </a:p>
-          <a:p>
-            <a:pPr lvl="1"/>
-            <a:r>
-              <a:rPr lang="it-IT" dirty="0" err="1"/>
-              <a:t>getUserById</a:t>
-            </a:r>
-            <a:r>
-              <a:rPr lang="it-IT" dirty="0"/>
-              <a:t>(Integer)</a:t>
-            </a:r>
-          </a:p>
-          <a:p>
-            <a:pPr lvl="1"/>
-            <a:r>
-              <a:rPr lang="it-IT" dirty="0" err="1"/>
-              <a:t>getUserByEmail</a:t>
-            </a:r>
-            <a:r>
-              <a:rPr lang="it-IT" dirty="0"/>
-              <a:t>(String)</a:t>
-            </a:r>
-          </a:p>
-          <a:p>
-            <a:pPr lvl="1"/>
-            <a:r>
-              <a:rPr lang="it-IT" dirty="0" err="1"/>
-              <a:t>getUserByUsername</a:t>
-            </a:r>
-            <a:r>
-              <a:rPr lang="it-IT" dirty="0"/>
-              <a:t>(String)</a:t>
-            </a:r>
-          </a:p>
-          <a:p>
-            <a:pPr lvl="1"/>
-            <a:r>
-              <a:rPr lang="it-IT" dirty="0" err="1"/>
-              <a:t>checkUsername</a:t>
-            </a:r>
-            <a:r>
-              <a:rPr lang="it-IT" dirty="0"/>
-              <a:t>(String)</a:t>
-            </a:r>
-          </a:p>
-          <a:p>
-            <a:pPr lvl="1"/>
-            <a:r>
-              <a:rPr lang="it-IT" dirty="0" err="1"/>
-              <a:t>checkEmail</a:t>
-            </a:r>
-            <a:r>
-              <a:rPr lang="it-IT" dirty="0"/>
-              <a:t>(String)</a:t>
-            </a:r>
-          </a:p>
-          <a:p>
-            <a:pPr lvl="1"/>
-            <a:r>
-              <a:rPr lang="it-IT" dirty="0" err="1"/>
-              <a:t>createUser</a:t>
-            </a:r>
-            <a:r>
-              <a:rPr lang="it-IT" dirty="0"/>
-              <a:t>(User)</a:t>
-            </a:r>
           </a:p>
         </p:txBody>
       </p:sp>
     </p:spTree>
     <p:extLst>
       <p:ext uri="{BB962C8B-B14F-4D97-AF65-F5344CB8AC3E}">
-        <p14:creationId xmlns:p14="http://schemas.microsoft.com/office/powerpoint/2010/main" val="3250272017"/>
+        <p14:creationId xmlns:p14="http://schemas.microsoft.com/office/powerpoint/2010/main" val="2040485452"/>
       </p:ext>
     </p:extLst>
   </p:cSld>
@@ -30516,10 +30668,10 @@
       </p:grpSpPr>
       <p:sp>
         <p:nvSpPr>
-          <p:cNvPr id="2" name="Title 1">
-            <a:extLst>
-              <a:ext uri="{FF2B5EF4-FFF2-40B4-BE49-F238E27FC236}">
-                <a16:creationId xmlns:a16="http://schemas.microsoft.com/office/drawing/2014/main" id="{0589B4D4-9437-440A-8ED8-684D80C5F26A}"/>
+          <p:cNvPr id="2" name="Titolo 1">
+            <a:extLst>
+              <a:ext uri="{FF2B5EF4-FFF2-40B4-BE49-F238E27FC236}">
+                <a16:creationId xmlns:a16="http://schemas.microsoft.com/office/drawing/2014/main" id="{63503299-25DE-4CEA-8E01-DA7E9E6BC352}"/>
               </a:ext>
             </a:extLst>
           </p:cNvPr>
@@ -30537,7 +30689,7 @@
           <a:p>
             <a:r>
               <a:rPr lang="en-US" dirty="0"/>
-              <a:t>Motivations of the components design</a:t>
+              <a:t>Views</a:t>
             </a:r>
             <a:endParaRPr lang="it-IT" dirty="0"/>
           </a:p>
@@ -30545,10 +30697,10 @@
       </p:sp>
       <p:sp>
         <p:nvSpPr>
-          <p:cNvPr id="3" name="Content Placeholder 2">
-            <a:extLst>
-              <a:ext uri="{FF2B5EF4-FFF2-40B4-BE49-F238E27FC236}">
-                <a16:creationId xmlns:a16="http://schemas.microsoft.com/office/drawing/2014/main" id="{620BADDB-9FD4-46FF-A32E-ADD2F9447930}"/>
+          <p:cNvPr id="5" name="Segnaposto contenuto 4">
+            <a:extLst>
+              <a:ext uri="{FF2B5EF4-FFF2-40B4-BE49-F238E27FC236}">
+                <a16:creationId xmlns:a16="http://schemas.microsoft.com/office/drawing/2014/main" id="{D61F001A-553C-4294-A691-31D2AA067FE6}"/>
               </a:ext>
             </a:extLst>
           </p:cNvPr>
@@ -30565,96 +30717,58 @@
           <a:lstStyle/>
           <a:p>
             <a:r>
-              <a:rPr lang="it-IT" dirty="0"/>
-              <a:t>If </a:t>
-            </a:r>
-            <a:r>
-              <a:rPr lang="it-IT" dirty="0" err="1"/>
-              <a:t>there</a:t>
-            </a:r>
-            <a:r>
-              <a:rPr lang="it-IT" dirty="0"/>
-              <a:t> are </a:t>
-            </a:r>
-            <a:r>
-              <a:rPr lang="it-IT" dirty="0" err="1"/>
-              <a:t>aspects</a:t>
-            </a:r>
-            <a:r>
-              <a:rPr lang="it-IT" dirty="0"/>
-              <a:t> of the </a:t>
-            </a:r>
-            <a:r>
-              <a:rPr lang="it-IT" dirty="0" err="1"/>
-              <a:t>components</a:t>
-            </a:r>
-            <a:r>
-              <a:rPr lang="it-IT" dirty="0"/>
-              <a:t> design </a:t>
-            </a:r>
-            <a:r>
-              <a:rPr lang="it-IT" dirty="0" err="1"/>
-              <a:t>that</a:t>
-            </a:r>
-            <a:r>
-              <a:rPr lang="it-IT" dirty="0"/>
-              <a:t> </a:t>
-            </a:r>
-            <a:r>
-              <a:rPr lang="it-IT" dirty="0" err="1"/>
-              <a:t>you</a:t>
-            </a:r>
-            <a:r>
-              <a:rPr lang="it-IT" dirty="0"/>
-              <a:t> </a:t>
-            </a:r>
-            <a:r>
-              <a:rPr lang="it-IT" dirty="0" err="1"/>
-              <a:t>want</a:t>
-            </a:r>
-            <a:r>
-              <a:rPr lang="it-IT" dirty="0"/>
-              <a:t> to illustrate or motivate, </a:t>
-            </a:r>
-            <a:r>
-              <a:rPr lang="it-IT" dirty="0" err="1"/>
-              <a:t>write</a:t>
-            </a:r>
-            <a:r>
-              <a:rPr lang="it-IT" dirty="0"/>
-              <a:t> </a:t>
-            </a:r>
-            <a:r>
-              <a:rPr lang="it-IT" dirty="0" err="1"/>
-              <a:t>here</a:t>
-            </a:r>
-            <a:r>
-              <a:rPr lang="it-IT" dirty="0"/>
-              <a:t> </a:t>
-            </a:r>
-            <a:r>
-              <a:rPr lang="it-IT" dirty="0" err="1"/>
-              <a:t>your</a:t>
-            </a:r>
-            <a:r>
-              <a:rPr lang="it-IT" dirty="0"/>
-              <a:t> </a:t>
-            </a:r>
-            <a:r>
-              <a:rPr lang="it-IT" dirty="0" err="1"/>
-              <a:t>explanations</a:t>
-            </a:r>
-            <a:endParaRPr lang="en-GB" sz="2000" dirty="0"/>
-          </a:p>
-          <a:p>
-            <a:endParaRPr lang="it-IT" dirty="0"/>
+              <a:rPr lang="en-US" dirty="0"/>
+              <a:t>adminDashboard.html: </a:t>
+            </a:r>
+          </a:p>
+          <a:p>
+            <a:r>
+              <a:rPr lang="en-US" dirty="0"/>
+              <a:t>adminLogin.html: </a:t>
+            </a:r>
+          </a:p>
+          <a:p>
+            <a:r>
+              <a:rPr lang="en-US" dirty="0"/>
+              <a:t>adminStats.html: </a:t>
+            </a:r>
+          </a:p>
+          <a:p>
+            <a:r>
+              <a:rPr lang="en-US" dirty="0"/>
+              <a:t>buyService.html: </a:t>
+            </a:r>
+          </a:p>
+          <a:p>
+            <a:r>
+              <a:rPr lang="en-US" dirty="0"/>
+              <a:t>confirmationPage.html: </a:t>
+            </a:r>
+          </a:p>
+          <a:p>
+            <a:r>
+              <a:rPr lang="en-US" dirty="0"/>
+              <a:t>index.html: </a:t>
+            </a:r>
+          </a:p>
+          <a:p>
+            <a:r>
+              <a:rPr lang="en-US" dirty="0"/>
+              <a:t>paymentPage.html: </a:t>
+            </a:r>
+          </a:p>
+          <a:p>
+            <a:r>
+              <a:rPr lang="en-US" dirty="0"/>
+              <a:t>paymentResult.html: </a:t>
+            </a:r>
           </a:p>
         </p:txBody>
       </p:sp>
     </p:spTree>
     <p:extLst>
       <p:ext uri="{BB962C8B-B14F-4D97-AF65-F5344CB8AC3E}">
-        <p14:creationId xmlns:p14="http://schemas.microsoft.com/office/powerpoint/2010/main" val="902241549"/>
+        <p14:creationId xmlns:p14="http://schemas.microsoft.com/office/powerpoint/2010/main" val="126578294"/>
       </p:ext>
     </p:extLst>
   </p:cSld>
@@ -30683,10 +30797,10 @@
       </p:grpSpPr>
       <p:sp>
         <p:nvSpPr>
-          <p:cNvPr id="4" name="Title 3">
-            <a:extLst>
-              <a:ext uri="{FF2B5EF4-FFF2-40B4-BE49-F238E27FC236}">
-                <a16:creationId xmlns:a16="http://schemas.microsoft.com/office/drawing/2014/main" id="{5B667CEC-73C6-4ABA-975F-A7AA86B176FF}"/>
+          <p:cNvPr id="2" name="Titolo 1">
+            <a:extLst>
+              <a:ext uri="{FF2B5EF4-FFF2-40B4-BE49-F238E27FC236}">
+                <a16:creationId xmlns:a16="http://schemas.microsoft.com/office/drawing/2014/main" id="{6525DFD3-DADF-4A03-95E2-43CC446600A6}"/>
               </a:ext>
             </a:extLst>
           </p:cNvPr>
@@ -30694,7 +30808,7 @@
             <a:spLocks noGrp="1"/>
           </p:cNvSpPr>
           <p:nvPr>
-            <p:ph type="ctrTitle"/>
+            <p:ph type="title"/>
           </p:nvPr>
         </p:nvSpPr>
         <p:spPr/>
@@ -30702,31 +30816,65 @@
           <a:bodyPr/>
           <a:lstStyle/>
           <a:p>
-            <a:pPr algn="ctr"/>
-            <a:r>
-              <a:rPr lang="it-IT" dirty="0"/>
-              <a:t>UML </a:t>
-            </a:r>
-            <a:r>
-              <a:rPr lang="it-IT" dirty="0" err="1"/>
-              <a:t>sequence</a:t>
+            <a:r>
+              <a:rPr lang="en-US" dirty="0"/>
+              <a:t>Java beans</a:t>
+            </a:r>
+            <a:endParaRPr lang="it-IT" dirty="0"/>
+          </a:p>
+        </p:txBody>
+      </p:sp>
+      <p:sp>
+        <p:nvSpPr>
+          <p:cNvPr id="3" name="Segnaposto contenuto 2">
+            <a:extLst>
+              <a:ext uri="{FF2B5EF4-FFF2-40B4-BE49-F238E27FC236}">
+                <a16:creationId xmlns:a16="http://schemas.microsoft.com/office/drawing/2014/main" id="{45287E06-3FF0-4074-9167-BDDA5CF5E789}"/>
+              </a:ext>
+            </a:extLst>
+          </p:cNvPr>
+          <p:cNvSpPr>
+            <a:spLocks noGrp="1"/>
+          </p:cNvSpPr>
+          <p:nvPr>
+            <p:ph idx="1"/>
+          </p:nvPr>
+        </p:nvSpPr>
+        <p:spPr/>
+        <p:txBody>
+          <a:bodyPr/>
+          <a:lstStyle/>
+          <a:p>
+            <a:r>
+              <a:rPr lang="en-US" dirty="0" err="1"/>
+              <a:t>OptionalProductBean</a:t>
+            </a:r>
+            <a:r>
+              <a:rPr lang="en-US" dirty="0"/>
+              <a:t>:</a:t>
             </a:r>
             <a:r>
               <a:rPr lang="it-IT" dirty="0"/>
               <a:t> </a:t>
             </a:r>
-            <a:r>
-              <a:rPr lang="it-IT" dirty="0" err="1"/>
-              <a:t>diagrams</a:t>
-            </a:r>
-            <a:endParaRPr lang="it-IT" dirty="0"/>
+          </a:p>
+          <a:p>
+            <a:r>
+              <a:rPr lang="it-IT" dirty="0" err="1"/>
+              <a:t>PendingOrderBean</a:t>
+            </a:r>
+            <a:r>
+              <a:rPr lang="it-IT" dirty="0"/>
+              <a:t>: </a:t>
+            </a:r>
+            <a:endParaRPr lang="en-US" dirty="0"/>
           </a:p>
         </p:txBody>
       </p:sp>
     </p:spTree>
     <p:extLst>
       <p:ext uri="{BB962C8B-B14F-4D97-AF65-F5344CB8AC3E}">
-        <p14:creationId xmlns:p14="http://schemas.microsoft.com/office/powerpoint/2010/main" val="1432870397"/>
+        <p14:creationId xmlns:p14="http://schemas.microsoft.com/office/powerpoint/2010/main" val="2705432759"/>
       </p:ext>
     </p:extLst>
   </p:cSld>
@@ -30755,10 +30903,10 @@
       </p:grpSpPr>
       <p:sp>
         <p:nvSpPr>
-          <p:cNvPr id="2" name="Title 1">
-            <a:extLst>
-              <a:ext uri="{FF2B5EF4-FFF2-40B4-BE49-F238E27FC236}">
-                <a16:creationId xmlns:a16="http://schemas.microsoft.com/office/drawing/2014/main" id="{20B7CC3C-4108-49E3-BB8B-49B12D80D22C}"/>
+          <p:cNvPr id="2" name="Titolo 1">
+            <a:extLst>
+              <a:ext uri="{FF2B5EF4-FFF2-40B4-BE49-F238E27FC236}">
+                <a16:creationId xmlns:a16="http://schemas.microsoft.com/office/drawing/2014/main" id="{D0D709DE-F7A7-41D3-B003-A1AE4FBBFD93}"/>
               </a:ext>
             </a:extLst>
           </p:cNvPr>
@@ -30776,51 +30924,380 @@
           <a:p>
             <a:r>
               <a:rPr lang="en-US" dirty="0"/>
-              <a:t>Create order</a:t>
+              <a:t>Business tier</a:t>
             </a:r>
             <a:endParaRPr lang="it-IT" dirty="0"/>
           </a:p>
         </p:txBody>
       </p:sp>
-      <p:pic>
-        <p:nvPicPr>
-          <p:cNvPr id="9" name="Segnaposto contenuto 8">
-            <a:extLst>
-              <a:ext uri="{FF2B5EF4-FFF2-40B4-BE49-F238E27FC236}">
-                <a16:creationId xmlns:a16="http://schemas.microsoft.com/office/drawing/2014/main" id="{87F988A4-1E7A-4A20-BDD4-35338E37CD7B}"/>
-              </a:ext>
-            </a:extLst>
-          </p:cNvPr>
-          <p:cNvPicPr>
-            <a:picLocks noGrp="1" noChangeAspect="1"/>
-          </p:cNvPicPr>
-          <p:nvPr>
-            <p:ph idx="1"/>
-          </p:nvPr>
-        </p:nvPicPr>
-        <p:blipFill>
-          <a:blip r:embed="rId2">
-            <a:extLst>
-              <a:ext uri="{28A0092B-C50C-407E-A947-70E740481C1C}">
-                <a14:useLocalDpi xmlns:a14="http://schemas.microsoft.com/office/drawing/2010/main" val="0"/>
-              </a:ext>
-            </a:extLst>
-          </a:blip>
-          <a:stretch>
-            <a:fillRect/>
-          </a:stretch>
-        </p:blipFill>
+      <p:sp>
+        <p:nvSpPr>
+          <p:cNvPr id="4" name="Segnaposto contenuto 3">
+            <a:extLst>
+              <a:ext uri="{FF2B5EF4-FFF2-40B4-BE49-F238E27FC236}">
+                <a16:creationId xmlns:a16="http://schemas.microsoft.com/office/drawing/2014/main" id="{2E96264E-68A8-4CB3-B2B2-99DE4B711CA5}"/>
+              </a:ext>
+            </a:extLst>
+          </p:cNvPr>
+          <p:cNvSpPr>
+            <a:spLocks noGrp="1"/>
+          </p:cNvSpPr>
+          <p:nvPr>
+            <p:ph sz="half" idx="1"/>
+          </p:nvPr>
+        </p:nvSpPr>
+        <p:spPr/>
+        <p:txBody>
+          <a:bodyPr>
+            <a:normAutofit fontScale="77500" lnSpcReduction="20000"/>
+          </a:bodyPr>
+          <a:lstStyle/>
+          <a:p>
+            <a:r>
+              <a:rPr lang="en-US" dirty="0"/>
+              <a:t>@Stateless</a:t>
+            </a:r>
+            <a:r>
+              <a:rPr lang="it-IT" dirty="0"/>
+              <a:t> </a:t>
+            </a:r>
+            <a:r>
+              <a:rPr lang="it-IT" dirty="0" err="1"/>
+              <a:t>AdministratorService</a:t>
+            </a:r>
+            <a:endParaRPr lang="it-IT" dirty="0"/>
+          </a:p>
+          <a:p>
+            <a:pPr lvl="1"/>
+            <a:r>
+              <a:rPr lang="it-IT" dirty="0" err="1"/>
+              <a:t>getAdministratorByEmail</a:t>
+            </a:r>
+            <a:r>
+              <a:rPr lang="it-IT" dirty="0"/>
+              <a:t>(String)</a:t>
+            </a:r>
+          </a:p>
+          <a:p>
+            <a:r>
+              <a:rPr lang="en-US" dirty="0"/>
+              <a:t>@Stateless </a:t>
+            </a:r>
+            <a:r>
+              <a:rPr lang="en-US" dirty="0" err="1"/>
+              <a:t>AlertService</a:t>
+            </a:r>
+            <a:endParaRPr lang="en-US" dirty="0"/>
+          </a:p>
+          <a:p>
+            <a:pPr lvl="1"/>
+            <a:r>
+              <a:rPr lang="en-US" dirty="0" err="1"/>
+              <a:t>getAllAlerts</a:t>
+            </a:r>
+            <a:r>
+              <a:rPr lang="en-US" dirty="0"/>
+              <a:t>()</a:t>
+            </a:r>
+          </a:p>
+          <a:p>
+            <a:r>
+              <a:rPr lang="en-US" dirty="0"/>
+              <a:t>@Stateless </a:t>
+            </a:r>
+            <a:r>
+              <a:rPr lang="en-US" dirty="0" err="1"/>
+              <a:t>AveragePurchaseOptionalPackageService</a:t>
+            </a:r>
+            <a:endParaRPr lang="en-US" dirty="0"/>
+          </a:p>
+          <a:p>
+            <a:pPr lvl="1"/>
+            <a:r>
+              <a:rPr lang="en-US" dirty="0" err="1"/>
+              <a:t>getAllAveragePurchaseOptionalPackages</a:t>
+            </a:r>
+            <a:r>
+              <a:rPr lang="en-US" dirty="0"/>
+              <a:t>()</a:t>
+            </a:r>
+          </a:p>
+          <a:p>
+            <a:r>
+              <a:rPr lang="en-US" dirty="0"/>
+              <a:t>@Stateless </a:t>
+            </a:r>
+            <a:r>
+              <a:rPr lang="en-US" dirty="0" err="1"/>
+              <a:t>InsolventUserService</a:t>
+            </a:r>
+            <a:endParaRPr lang="en-US" dirty="0"/>
+          </a:p>
+          <a:p>
+            <a:pPr lvl="1"/>
+            <a:r>
+              <a:rPr lang="en-US" dirty="0" err="1"/>
+              <a:t>getAllInsolventUsers</a:t>
+            </a:r>
+            <a:r>
+              <a:rPr lang="en-US" dirty="0"/>
+              <a:t>()</a:t>
+            </a:r>
+          </a:p>
+          <a:p>
+            <a:r>
+              <a:rPr lang="en-US" dirty="0"/>
+              <a:t>@Transactional </a:t>
+            </a:r>
+            <a:r>
+              <a:rPr lang="en-US" dirty="0" err="1"/>
+              <a:t>OptionalProductService</a:t>
+            </a:r>
+            <a:endParaRPr lang="en-US" dirty="0"/>
+          </a:p>
+          <a:p>
+            <a:pPr lvl="1"/>
+            <a:r>
+              <a:rPr lang="en-US" dirty="0" err="1"/>
+              <a:t>getOptionalProductById</a:t>
+            </a:r>
+            <a:r>
+              <a:rPr lang="en-US" dirty="0"/>
+              <a:t>(Integer)</a:t>
+            </a:r>
+          </a:p>
+          <a:p>
+            <a:pPr lvl="1"/>
+            <a:r>
+              <a:rPr lang="en-US" dirty="0" err="1"/>
+              <a:t>isOptionalProductAlreadyExisting</a:t>
+            </a:r>
+            <a:r>
+              <a:rPr lang="en-US" dirty="0"/>
+              <a:t>(String)</a:t>
+            </a:r>
+          </a:p>
+          <a:p>
+            <a:pPr lvl="1"/>
+            <a:r>
+              <a:rPr lang="en-US" dirty="0" err="1"/>
+              <a:t>getAllOptionalProducts</a:t>
+            </a:r>
+            <a:r>
+              <a:rPr lang="en-US" dirty="0"/>
+              <a:t>()</a:t>
+            </a:r>
+          </a:p>
+          <a:p>
+            <a:pPr lvl="1"/>
+            <a:r>
+              <a:rPr lang="en-US" dirty="0" err="1"/>
+              <a:t>createOptionalProduct</a:t>
+            </a:r>
+            <a:r>
+              <a:rPr lang="en-US" dirty="0"/>
+              <a:t>(</a:t>
+            </a:r>
+            <a:r>
+              <a:rPr lang="en-US" dirty="0" err="1"/>
+              <a:t>OptionalProduct</a:t>
+            </a:r>
+            <a:r>
+              <a:rPr lang="en-US" dirty="0"/>
+              <a:t>)</a:t>
+            </a:r>
+          </a:p>
+          <a:p>
+            <a:pPr lvl="1"/>
+            <a:endParaRPr lang="en-US" dirty="0"/>
+          </a:p>
+          <a:p>
+            <a:pPr lvl="1"/>
+            <a:endParaRPr lang="en-US" dirty="0"/>
+          </a:p>
+        </p:txBody>
+      </p:sp>
+      <p:sp>
+        <p:nvSpPr>
+          <p:cNvPr id="5" name="Segnaposto contenuto 4">
+            <a:extLst>
+              <a:ext uri="{FF2B5EF4-FFF2-40B4-BE49-F238E27FC236}">
+                <a16:creationId xmlns:a16="http://schemas.microsoft.com/office/drawing/2014/main" id="{76028AED-BFC2-4BE3-851B-4C6C1E344973}"/>
+              </a:ext>
+            </a:extLst>
+          </p:cNvPr>
+          <p:cNvSpPr>
+            <a:spLocks noGrp="1"/>
+          </p:cNvSpPr>
+          <p:nvPr>
+            <p:ph sz="half" idx="2"/>
+          </p:nvPr>
+        </p:nvSpPr>
         <p:spPr>
           <a:xfrm>
-            <a:off x="1804987" y="2282031"/>
-            <a:ext cx="8582025" cy="3438525"/>
+            <a:off x="6172200" y="1825625"/>
+            <a:ext cx="5181600" cy="4351338"/>
           </a:xfrm>
         </p:spPr>
-      </p:pic>
+        <p:txBody>
+          <a:bodyPr>
+            <a:normAutofit fontScale="77500" lnSpcReduction="20000"/>
+          </a:bodyPr>
+          <a:lstStyle/>
+          <a:p>
+            <a:r>
+              <a:rPr lang="en-US" dirty="0"/>
+              <a:t>@Transactional </a:t>
+            </a:r>
+            <a:r>
+              <a:rPr lang="en-US" dirty="0" err="1"/>
+              <a:t>OrderService</a:t>
+            </a:r>
+            <a:endParaRPr lang="en-US" dirty="0"/>
+          </a:p>
+          <a:p>
+            <a:pPr lvl="1"/>
+            <a:r>
+              <a:rPr lang="en-US" dirty="0" err="1"/>
+              <a:t>getOrderById</a:t>
+            </a:r>
+            <a:r>
+              <a:rPr lang="en-US" dirty="0"/>
+              <a:t>(Integer)</a:t>
+            </a:r>
+          </a:p>
+          <a:p>
+            <a:pPr lvl="1"/>
+            <a:r>
+              <a:rPr lang="en-US" dirty="0" err="1"/>
+              <a:t>getOrdersOfUser</a:t>
+            </a:r>
+            <a:r>
+              <a:rPr lang="en-US" dirty="0"/>
+              <a:t>(Integer)</a:t>
+            </a:r>
+          </a:p>
+          <a:p>
+            <a:pPr lvl="1"/>
+            <a:r>
+              <a:rPr lang="en-US" dirty="0" err="1"/>
+              <a:t>createOrder</a:t>
+            </a:r>
+            <a:r>
+              <a:rPr lang="en-US" dirty="0"/>
+              <a:t>(Order)</a:t>
+            </a:r>
+          </a:p>
+          <a:p>
+            <a:r>
+              <a:rPr lang="en-US" dirty="0"/>
+              <a:t>@Transactional </a:t>
+            </a:r>
+            <a:r>
+              <a:rPr lang="en-US" dirty="0" err="1"/>
+              <a:t>PaymentService</a:t>
+            </a:r>
+            <a:endParaRPr lang="en-US" dirty="0"/>
+          </a:p>
+          <a:p>
+            <a:pPr lvl="1"/>
+            <a:r>
+              <a:rPr lang="en-US" dirty="0" err="1"/>
+              <a:t>makePayment</a:t>
+            </a:r>
+            <a:r>
+              <a:rPr lang="en-US" dirty="0"/>
+              <a:t>(</a:t>
+            </a:r>
+            <a:r>
+              <a:rPr lang="en-US" dirty="0" err="1"/>
+              <a:t>PaymentHistory</a:t>
+            </a:r>
+            <a:r>
+              <a:rPr lang="en-US" dirty="0"/>
+              <a:t>)</a:t>
+            </a:r>
+          </a:p>
+          <a:p>
+            <a:r>
+              <a:rPr lang="en-US" dirty="0"/>
+              <a:t>@Transactional </a:t>
+            </a:r>
+            <a:r>
+              <a:rPr lang="en-US" dirty="0" err="1"/>
+              <a:t>ServicePackageService</a:t>
+            </a:r>
+            <a:endParaRPr lang="en-US" dirty="0"/>
+          </a:p>
+          <a:p>
+            <a:pPr lvl="1"/>
+            <a:r>
+              <a:rPr lang="en-US" dirty="0" err="1"/>
+              <a:t>getServicePackageById</a:t>
+            </a:r>
+            <a:r>
+              <a:rPr lang="en-US" dirty="0"/>
+              <a:t>(Integer)</a:t>
+            </a:r>
+          </a:p>
+          <a:p>
+            <a:pPr lvl="1"/>
+            <a:r>
+              <a:rPr lang="en-US" dirty="0" err="1"/>
+              <a:t>getServicePackageByName</a:t>
+            </a:r>
+            <a:r>
+              <a:rPr lang="en-US" dirty="0"/>
+              <a:t>(String)</a:t>
+            </a:r>
+          </a:p>
+          <a:p>
+            <a:pPr lvl="1"/>
+            <a:r>
+              <a:rPr lang="en-US" dirty="0" err="1"/>
+              <a:t>isServicePackageNameAlreadyExist</a:t>
+            </a:r>
+            <a:r>
+              <a:rPr lang="en-US" dirty="0"/>
+              <a:t>(name)</a:t>
+            </a:r>
+          </a:p>
+          <a:p>
+            <a:pPr lvl="1"/>
+            <a:r>
+              <a:rPr lang="en-US" dirty="0" err="1"/>
+              <a:t>getAllServicePackages</a:t>
+            </a:r>
+            <a:r>
+              <a:rPr lang="en-US" dirty="0"/>
+              <a:t>()</a:t>
+            </a:r>
+          </a:p>
+          <a:p>
+            <a:pPr lvl="1"/>
+            <a:r>
+              <a:rPr lang="en-US" dirty="0" err="1"/>
+              <a:t>createServicePackage</a:t>
+            </a:r>
+            <a:r>
+              <a:rPr lang="en-US" dirty="0"/>
+              <a:t>(</a:t>
+            </a:r>
+            <a:r>
+              <a:rPr lang="en-US" dirty="0" err="1"/>
+              <a:t>ServicePackage</a:t>
+            </a:r>
+            <a:r>
+              <a:rPr lang="en-US" dirty="0"/>
+              <a:t>)</a:t>
+            </a:r>
+          </a:p>
+        </p:txBody>
+      </p:sp>
     </p:spTree>
     <p:extLst>
       <p:ext uri="{BB962C8B-B14F-4D97-AF65-F5344CB8AC3E}">
-        <p14:creationId xmlns:p14="http://schemas.microsoft.com/office/powerpoint/2010/main" val="164547047"/>
+        <p14:creationId xmlns:p14="http://schemas.microsoft.com/office/powerpoint/2010/main" val="2497602191"/>
       </p:ext>
     </p:extLst>
   </p:cSld>

--- a/Documentation.pptx
+++ b/Documentation.pptx
@@ -94,22 +94,24 @@
     <p:sldId id="324" r:id="rId88"/>
     <p:sldId id="325" r:id="rId89"/>
     <p:sldId id="326" r:id="rId90"/>
-    <p:sldId id="269" r:id="rId91"/>
-    <p:sldId id="361" r:id="rId92"/>
-    <p:sldId id="362" r:id="rId93"/>
-    <p:sldId id="363" r:id="rId94"/>
-    <p:sldId id="364" r:id="rId95"/>
-    <p:sldId id="342" r:id="rId96"/>
-    <p:sldId id="270" r:id="rId97"/>
-    <p:sldId id="341" r:id="rId98"/>
-    <p:sldId id="345" r:id="rId99"/>
-    <p:sldId id="343" r:id="rId100"/>
-    <p:sldId id="344" r:id="rId101"/>
-    <p:sldId id="271" r:id="rId102"/>
-    <p:sldId id="327" r:id="rId103"/>
-    <p:sldId id="272" r:id="rId104"/>
-    <p:sldId id="328" r:id="rId105"/>
-    <p:sldId id="329" r:id="rId106"/>
+    <p:sldId id="366" r:id="rId91"/>
+    <p:sldId id="269" r:id="rId92"/>
+    <p:sldId id="361" r:id="rId93"/>
+    <p:sldId id="362" r:id="rId94"/>
+    <p:sldId id="363" r:id="rId95"/>
+    <p:sldId id="364" r:id="rId96"/>
+    <p:sldId id="342" r:id="rId97"/>
+    <p:sldId id="270" r:id="rId98"/>
+    <p:sldId id="367" r:id="rId99"/>
+    <p:sldId id="341" r:id="rId100"/>
+    <p:sldId id="345" r:id="rId101"/>
+    <p:sldId id="343" r:id="rId102"/>
+    <p:sldId id="344" r:id="rId103"/>
+    <p:sldId id="271" r:id="rId104"/>
+    <p:sldId id="327" r:id="rId105"/>
+    <p:sldId id="272" r:id="rId106"/>
+    <p:sldId id="328" r:id="rId107"/>
+    <p:sldId id="329" r:id="rId108"/>
   </p:sldIdLst>
   <p:sldSz cx="12192000" cy="6858000"/>
   <p:notesSz cx="6858000" cy="9144000"/>
@@ -318,6 +320,11 @@
             <p14:sldId id="324"/>
             <p14:sldId id="325"/>
             <p14:sldId id="326"/>
+          </p14:sldIdLst>
+        </p14:section>
+        <p14:section name="Functional analysis of the interaction" id="{BAFC7310-5551-488A-B363-72255DF472C3}">
+          <p14:sldIdLst>
+            <p14:sldId id="366"/>
             <p14:sldId id="269"/>
             <p14:sldId id="361"/>
             <p14:sldId id="362"/>
@@ -329,6 +336,7 @@
           <p14:sldIdLst>
             <p14:sldId id="342"/>
             <p14:sldId id="270"/>
+            <p14:sldId id="367"/>
             <p14:sldId id="341"/>
             <p14:sldId id="345"/>
             <p14:sldId id="343"/>
@@ -608,7 +616,7 @@
           <a:p>
             <a:fld id="{008655FA-71D0-40E3-8412-38112021179B}" type="datetimeFigureOut">
               <a:rPr lang="it-IT" smtClean="0"/>
-              <a:t>28/04/22</a:t>
+              <a:t>28/04/2022</a:t>
             </a:fld>
             <a:endParaRPr lang="it-IT"/>
           </a:p>
@@ -842,7 +850,7 @@
           <a:p>
             <a:fld id="{008655FA-71D0-40E3-8412-38112021179B}" type="datetimeFigureOut">
               <a:rPr lang="it-IT" smtClean="0"/>
-              <a:t>28/04/22</a:t>
+              <a:t>28/04/2022</a:t>
             </a:fld>
             <a:endParaRPr lang="it-IT"/>
           </a:p>
@@ -1071,7 +1079,7 @@
           <a:p>
             <a:fld id="{008655FA-71D0-40E3-8412-38112021179B}" type="datetimeFigureOut">
               <a:rPr lang="it-IT" smtClean="0"/>
-              <a:t>28/04/22</a:t>
+              <a:t>28/04/2022</a:t>
             </a:fld>
             <a:endParaRPr lang="it-IT"/>
           </a:p>
@@ -1371,7 +1379,7 @@
           <a:p>
             <a:fld id="{008655FA-71D0-40E3-8412-38112021179B}" type="datetimeFigureOut">
               <a:rPr lang="it-IT" smtClean="0"/>
-              <a:t>28/04/22</a:t>
+              <a:t>28/04/2022</a:t>
             </a:fld>
             <a:endParaRPr lang="it-IT"/>
           </a:p>
@@ -1663,7 +1671,7 @@
           <a:p>
             <a:fld id="{008655FA-71D0-40E3-8412-38112021179B}" type="datetimeFigureOut">
               <a:rPr lang="it-IT" smtClean="0"/>
-              <a:t>28/04/22</a:t>
+              <a:t>28/04/2022</a:t>
             </a:fld>
             <a:endParaRPr lang="it-IT"/>
           </a:p>
@@ -2102,7 +2110,7 @@
           <a:p>
             <a:fld id="{008655FA-71D0-40E3-8412-38112021179B}" type="datetimeFigureOut">
               <a:rPr lang="it-IT" smtClean="0"/>
-              <a:t>28/04/22</a:t>
+              <a:t>28/04/2022</a:t>
             </a:fld>
             <a:endParaRPr lang="it-IT"/>
           </a:p>
@@ -2268,7 +2276,7 @@
           <a:p>
             <a:fld id="{008655FA-71D0-40E3-8412-38112021179B}" type="datetimeFigureOut">
               <a:rPr lang="it-IT" smtClean="0"/>
-              <a:t>28/04/22</a:t>
+              <a:t>28/04/2022</a:t>
             </a:fld>
             <a:endParaRPr lang="it-IT"/>
           </a:p>
@@ -2405,7 +2413,7 @@
           <a:p>
             <a:fld id="{008655FA-71D0-40E3-8412-38112021179B}" type="datetimeFigureOut">
               <a:rPr lang="it-IT" smtClean="0"/>
-              <a:t>28/04/22</a:t>
+              <a:t>28/04/2022</a:t>
             </a:fld>
             <a:endParaRPr lang="it-IT"/>
           </a:p>
@@ -2742,7 +2750,7 @@
           <a:p>
             <a:fld id="{008655FA-71D0-40E3-8412-38112021179B}" type="datetimeFigureOut">
               <a:rPr lang="it-IT" smtClean="0"/>
-              <a:t>28/04/22</a:t>
+              <a:t>28/04/2022</a:t>
             </a:fld>
             <a:endParaRPr lang="it-IT"/>
           </a:p>
@@ -3055,7 +3063,7 @@
           <a:p>
             <a:fld id="{008655FA-71D0-40E3-8412-38112021179B}" type="datetimeFigureOut">
               <a:rPr lang="it-IT" smtClean="0"/>
-              <a:t>28/04/22</a:t>
+              <a:t>28/04/2022</a:t>
             </a:fld>
             <a:endParaRPr lang="it-IT"/>
           </a:p>
@@ -4199,7 +4207,7 @@
           <p:cNvPr id="2" name="Titolo 1">
             <a:extLst>
               <a:ext uri="{FF2B5EF4-FFF2-40B4-BE49-F238E27FC236}">
-                <a16:creationId xmlns:a16="http://schemas.microsoft.com/office/drawing/2014/main" id="{A33BDB65-6920-4E36-8B6C-8659A6013970}"/>
+                <a16:creationId xmlns:a16="http://schemas.microsoft.com/office/drawing/2014/main" id="{6525DFD3-DADF-4A03-95E2-43CC446600A6}"/>
               </a:ext>
             </a:extLst>
           </p:cNvPr>
@@ -4217,7 +4225,7 @@
           <a:p>
             <a:r>
               <a:rPr lang="en-US" dirty="0"/>
-              <a:t>Business tier</a:t>
+              <a:t>Java beans</a:t>
             </a:r>
             <a:endParaRPr lang="it-IT" dirty="0"/>
           </a:p>
@@ -4228,7 +4236,7 @@
           <p:cNvPr id="3" name="Segnaposto contenuto 2">
             <a:extLst>
               <a:ext uri="{FF2B5EF4-FFF2-40B4-BE49-F238E27FC236}">
-                <a16:creationId xmlns:a16="http://schemas.microsoft.com/office/drawing/2014/main" id="{AD1EA754-ECAC-4CB9-A8A3-A87888A08B9B}"/>
+                <a16:creationId xmlns:a16="http://schemas.microsoft.com/office/drawing/2014/main" id="{45287E06-3FF0-4074-9167-BDDA5CF5E789}"/>
               </a:ext>
             </a:extLst>
           </p:cNvPr>
@@ -4236,315 +4244,39 @@
             <a:spLocks noGrp="1"/>
           </p:cNvSpPr>
           <p:nvPr>
-            <p:ph sz="half" idx="1"/>
+            <p:ph idx="1"/>
           </p:nvPr>
         </p:nvSpPr>
         <p:spPr/>
         <p:txBody>
-          <a:bodyPr>
-            <a:normAutofit fontScale="77500" lnSpcReduction="20000"/>
-          </a:bodyPr>
+          <a:bodyPr/>
           <a:lstStyle/>
           <a:p>
             <a:r>
-              <a:rPr lang="en-US" dirty="0"/>
-              <a:t>@Stateless </a:t>
-            </a:r>
-            <a:r>
               <a:rPr lang="en-US" dirty="0" err="1"/>
-              <a:t>ServiceService</a:t>
-            </a:r>
-            <a:endParaRPr lang="en-US" dirty="0"/>
-          </a:p>
-          <a:p>
-            <a:pPr lvl="1"/>
+              <a:t>OptionalProductBean</a:t>
+            </a:r>
+            <a:r>
+              <a:rPr lang="en-US" dirty="0"/>
+              <a:t>:</a:t>
+            </a:r>
+            <a:r>
+              <a:rPr lang="it-IT" dirty="0"/>
+              <a:t> </a:t>
+            </a:r>
+            <a:r>
+              <a:rPr lang="en-US" dirty="0"/>
+              <a:t>This bean is being used when we call the API, in order to retrieve only the relevant data.</a:t>
+            </a:r>
+          </a:p>
+          <a:p>
             <a:r>
               <a:rPr lang="en-US" dirty="0" err="1"/>
-              <a:t>getServiceById</a:t>
-            </a:r>
-            <a:r>
-              <a:rPr lang="en-US" dirty="0"/>
-              <a:t>(Integer)</a:t>
-            </a:r>
-          </a:p>
-          <a:p>
-            <a:pPr lvl="1"/>
-            <a:r>
-              <a:rPr lang="en-US" dirty="0" err="1"/>
-              <a:t>getServiceByName</a:t>
-            </a:r>
-            <a:r>
-              <a:rPr lang="en-US" dirty="0"/>
-              <a:t>(String)</a:t>
-            </a:r>
-          </a:p>
-          <a:p>
-            <a:pPr lvl="1"/>
-            <a:r>
-              <a:rPr lang="en-US" dirty="0" err="1"/>
-              <a:t>isServiceAlreadyExisting</a:t>
-            </a:r>
-            <a:r>
-              <a:rPr lang="en-US" dirty="0"/>
-              <a:t>(String)</a:t>
-            </a:r>
-          </a:p>
-          <a:p>
-            <a:pPr lvl="1"/>
-            <a:r>
-              <a:rPr lang="en-US" dirty="0" err="1"/>
-              <a:t>getAllServices</a:t>
-            </a:r>
-            <a:r>
-              <a:rPr lang="en-US" dirty="0"/>
-              <a:t>()</a:t>
-            </a:r>
-          </a:p>
-          <a:p>
-            <a:pPr lvl="1"/>
-            <a:r>
-              <a:rPr lang="en-US" dirty="0" err="1"/>
-              <a:t>createService</a:t>
-            </a:r>
-            <a:r>
-              <a:rPr lang="en-US" dirty="0"/>
-              <a:t>(Service)</a:t>
-            </a:r>
-          </a:p>
-          <a:p>
-            <a:r>
-              <a:rPr lang="en-US" dirty="0"/>
-              <a:t>@Stateless </a:t>
-            </a:r>
-            <a:r>
-              <a:rPr lang="en-US" dirty="0" err="1"/>
-              <a:t>SuspendedOrderService</a:t>
-            </a:r>
-            <a:endParaRPr lang="en-US" dirty="0"/>
-          </a:p>
-          <a:p>
-            <a:pPr lvl="1"/>
-            <a:r>
-              <a:rPr lang="en-US" dirty="0" err="1"/>
-              <a:t>getAllSuspendedOrders</a:t>
-            </a:r>
-            <a:r>
-              <a:rPr lang="en-US" dirty="0"/>
-              <a:t>()</a:t>
-            </a:r>
-          </a:p>
-          <a:p>
-            <a:r>
-              <a:rPr lang="en-US" dirty="0"/>
-              <a:t>@Stateless </a:t>
-            </a:r>
-            <a:r>
-              <a:rPr lang="en-US" dirty="0" err="1"/>
-              <a:t>TotalPurchaseOptionalService</a:t>
-            </a:r>
-            <a:endParaRPr lang="en-US" dirty="0"/>
-          </a:p>
-          <a:p>
-            <a:pPr lvl="1"/>
-            <a:r>
-              <a:rPr lang="en-US" dirty="0" err="1"/>
-              <a:t>getAllTotalPurchaseOptional</a:t>
-            </a:r>
-            <a:r>
-              <a:rPr lang="en-US" dirty="0"/>
-              <a:t>()</a:t>
-            </a:r>
-          </a:p>
-          <a:p>
-            <a:r>
-              <a:rPr lang="en-US" dirty="0"/>
-              <a:t>@Stateless </a:t>
-            </a:r>
-            <a:r>
-              <a:rPr lang="en-US" dirty="0" err="1"/>
-              <a:t>TotalPurchasePackageOptionalService</a:t>
-            </a:r>
-            <a:endParaRPr lang="en-US" dirty="0"/>
-          </a:p>
-          <a:p>
-            <a:pPr lvl="1"/>
-            <a:r>
-              <a:rPr lang="en-US" dirty="0" err="1"/>
-              <a:t>getAllTotalPurchasePackageOptional</a:t>
-            </a:r>
-            <a:r>
-              <a:rPr lang="en-US" dirty="0"/>
-              <a:t>()</a:t>
-            </a:r>
-          </a:p>
-          <a:p>
-            <a:endParaRPr lang="it-IT" dirty="0"/>
-          </a:p>
-        </p:txBody>
-      </p:sp>
-      <p:sp>
-        <p:nvSpPr>
-          <p:cNvPr id="4" name="Segnaposto contenuto 3">
-            <a:extLst>
-              <a:ext uri="{FF2B5EF4-FFF2-40B4-BE49-F238E27FC236}">
-                <a16:creationId xmlns:a16="http://schemas.microsoft.com/office/drawing/2014/main" id="{411136CA-B03A-4767-9947-F4261BFF5AED}"/>
-              </a:ext>
-            </a:extLst>
-          </p:cNvPr>
-          <p:cNvSpPr>
-            <a:spLocks noGrp="1"/>
-          </p:cNvSpPr>
-          <p:nvPr>
-            <p:ph sz="half" idx="2"/>
-          </p:nvPr>
-        </p:nvSpPr>
-        <p:spPr/>
-        <p:txBody>
-          <a:bodyPr>
-            <a:normAutofit fontScale="77500" lnSpcReduction="20000"/>
-          </a:bodyPr>
-          <a:lstStyle/>
-          <a:p>
-            <a:r>
-              <a:rPr lang="en-US" dirty="0"/>
-              <a:t>@Stateless </a:t>
-            </a:r>
-            <a:r>
-              <a:rPr lang="en-US" dirty="0" err="1"/>
-              <a:t>TotalPurchasePackageService</a:t>
-            </a:r>
-            <a:endParaRPr lang="en-US" dirty="0"/>
-          </a:p>
-          <a:p>
-            <a:pPr lvl="1"/>
-            <a:r>
-              <a:rPr lang="en-US" dirty="0" err="1"/>
-              <a:t>getAllTotalPurchasePackages</a:t>
-            </a:r>
-            <a:r>
-              <a:rPr lang="en-US" dirty="0"/>
-              <a:t>()</a:t>
-            </a:r>
-          </a:p>
-          <a:p>
-            <a:r>
-              <a:rPr lang="en-US" dirty="0"/>
-              <a:t>@Stateless </a:t>
-            </a:r>
-            <a:r>
-              <a:rPr lang="en-US" dirty="0" err="1"/>
-              <a:t>TotalPurchasePackageValidityService</a:t>
-            </a:r>
-            <a:endParaRPr lang="en-US" dirty="0"/>
-          </a:p>
-          <a:p>
-            <a:pPr lvl="1"/>
-            <a:r>
-              <a:rPr lang="en-US" dirty="0" err="1"/>
-              <a:t>getAllTotalPurchasePackageValidity</a:t>
-            </a:r>
-            <a:r>
-              <a:rPr lang="en-US" dirty="0"/>
-              <a:t>()</a:t>
-            </a:r>
-          </a:p>
-          <a:p>
-            <a:r>
-              <a:rPr lang="en-US" dirty="0"/>
-              <a:t>@Stateless </a:t>
-            </a:r>
-            <a:r>
-              <a:rPr lang="en-US" dirty="0" err="1"/>
-              <a:t>TotValueOptionalNoOptionalService</a:t>
-            </a:r>
-            <a:endParaRPr lang="en-US" dirty="0"/>
-          </a:p>
-          <a:p>
-            <a:pPr lvl="1"/>
-            <a:r>
-              <a:rPr lang="en-US" dirty="0" err="1"/>
-              <a:t>getAllTotValueOptionalNoOptional</a:t>
-            </a:r>
-            <a:r>
-              <a:rPr lang="en-US" dirty="0"/>
-              <a:t>()</a:t>
-            </a:r>
-          </a:p>
-          <a:p>
-            <a:r>
-              <a:rPr lang="en-US" dirty="0"/>
-              <a:t>@Stateless </a:t>
-            </a:r>
-            <a:r>
-              <a:rPr lang="en-US" dirty="0" err="1"/>
-              <a:t>UserService</a:t>
-            </a:r>
-            <a:endParaRPr lang="it-IT" dirty="0"/>
-          </a:p>
-          <a:p>
-            <a:pPr lvl="1"/>
-            <a:r>
-              <a:rPr lang="it-IT" dirty="0" err="1"/>
-              <a:t>getUserById</a:t>
-            </a:r>
-            <a:r>
-              <a:rPr lang="it-IT" dirty="0"/>
-              <a:t>(Integer)</a:t>
-            </a:r>
-          </a:p>
-          <a:p>
-            <a:pPr lvl="1"/>
-            <a:r>
-              <a:rPr lang="it-IT" dirty="0" err="1"/>
-              <a:t>getUserByEmail</a:t>
-            </a:r>
-            <a:r>
-              <a:rPr lang="it-IT" dirty="0"/>
-              <a:t>(String)</a:t>
-            </a:r>
-          </a:p>
-          <a:p>
-            <a:pPr lvl="1"/>
-            <a:r>
-              <a:rPr lang="it-IT" dirty="0" err="1"/>
-              <a:t>getUserByUsername</a:t>
-            </a:r>
-            <a:r>
-              <a:rPr lang="it-IT" dirty="0"/>
-              <a:t>(String)</a:t>
-            </a:r>
-          </a:p>
-          <a:p>
-            <a:pPr lvl="1"/>
-            <a:r>
-              <a:rPr lang="it-IT" dirty="0" err="1"/>
-              <a:t>checkUsername</a:t>
-            </a:r>
-            <a:r>
-              <a:rPr lang="it-IT" dirty="0"/>
-              <a:t>(String)</a:t>
-            </a:r>
-          </a:p>
-          <a:p>
-            <a:pPr lvl="1"/>
-            <a:r>
-              <a:rPr lang="it-IT" dirty="0" err="1"/>
-              <a:t>checkEmail</a:t>
-            </a:r>
-            <a:r>
-              <a:rPr lang="it-IT" dirty="0"/>
-              <a:t>(String)</a:t>
-            </a:r>
-          </a:p>
-          <a:p>
-            <a:pPr lvl="1"/>
-            <a:r>
-              <a:rPr lang="it-IT" dirty="0" err="1"/>
-              <a:t>createUser</a:t>
-            </a:r>
-            <a:r>
-              <a:rPr lang="it-IT" dirty="0"/>
-              <a:t>(User)</a:t>
+              <a:t>PendingOrderBean</a:t>
+            </a:r>
+            <a:r>
+              <a:rPr lang="en-US" dirty="0"/>
+              <a:t>: This bean is being used when we need to handle an order in the session, before the user confirm it (persisting it).</a:t>
             </a:r>
           </a:p>
         </p:txBody>
@@ -4552,7 +4284,7 @@
     </p:spTree>
     <p:extLst>
       <p:ext uri="{BB962C8B-B14F-4D97-AF65-F5344CB8AC3E}">
-        <p14:creationId xmlns:p14="http://schemas.microsoft.com/office/powerpoint/2010/main" val="3250272017"/>
+        <p14:creationId xmlns:p14="http://schemas.microsoft.com/office/powerpoint/2010/main" val="2705432759"/>
       </p:ext>
     </p:extLst>
   </p:cSld>
@@ -4581,10 +4313,10 @@
       </p:grpSpPr>
       <p:sp>
         <p:nvSpPr>
-          <p:cNvPr id="2" name="Title 1">
-            <a:extLst>
-              <a:ext uri="{FF2B5EF4-FFF2-40B4-BE49-F238E27FC236}">
-                <a16:creationId xmlns:a16="http://schemas.microsoft.com/office/drawing/2014/main" id="{0589B4D4-9437-440A-8ED8-684D80C5F26A}"/>
+          <p:cNvPr id="2" name="Titolo 1">
+            <a:extLst>
+              <a:ext uri="{FF2B5EF4-FFF2-40B4-BE49-F238E27FC236}">
+                <a16:creationId xmlns:a16="http://schemas.microsoft.com/office/drawing/2014/main" id="{D0D709DE-F7A7-41D3-B003-A1AE4FBBFD93}"/>
               </a:ext>
             </a:extLst>
           </p:cNvPr>
@@ -4602,7 +4334,7 @@
           <a:p>
             <a:r>
               <a:rPr lang="en-US" dirty="0"/>
-              <a:t>Motivations of the components design</a:t>
+              <a:t>Business tier</a:t>
             </a:r>
             <a:endParaRPr lang="it-IT" dirty="0"/>
           </a:p>
@@ -4610,10 +4342,10 @@
       </p:sp>
       <p:sp>
         <p:nvSpPr>
-          <p:cNvPr id="3" name="Content Placeholder 2">
-            <a:extLst>
-              <a:ext uri="{FF2B5EF4-FFF2-40B4-BE49-F238E27FC236}">
-                <a16:creationId xmlns:a16="http://schemas.microsoft.com/office/drawing/2014/main" id="{620BADDB-9FD4-46FF-A32E-ADD2F9447930}"/>
+          <p:cNvPr id="4" name="Segnaposto contenuto 3">
+            <a:extLst>
+              <a:ext uri="{FF2B5EF4-FFF2-40B4-BE49-F238E27FC236}">
+                <a16:creationId xmlns:a16="http://schemas.microsoft.com/office/drawing/2014/main" id="{2E96264E-68A8-4CB3-B2B2-99DE4B711CA5}"/>
               </a:ext>
             </a:extLst>
           </p:cNvPr>
@@ -4621,45 +4353,19 @@
             <a:spLocks noGrp="1"/>
           </p:cNvSpPr>
           <p:nvPr>
-            <p:ph idx="1"/>
+            <p:ph sz="half" idx="1"/>
           </p:nvPr>
         </p:nvSpPr>
         <p:spPr/>
         <p:txBody>
-          <a:bodyPr/>
+          <a:bodyPr>
+            <a:normAutofit fontScale="77500" lnSpcReduction="20000"/>
+          </a:bodyPr>
           <a:lstStyle/>
           <a:p>
             <a:r>
-              <a:rPr lang="it-IT" dirty="0"/>
-              <a:t>If </a:t>
-            </a:r>
-            <a:r>
-              <a:rPr lang="it-IT" dirty="0" err="1"/>
-              <a:t>there</a:t>
-            </a:r>
-            <a:r>
-              <a:rPr lang="it-IT" dirty="0"/>
-              <a:t> are </a:t>
-            </a:r>
-            <a:r>
-              <a:rPr lang="it-IT" dirty="0" err="1"/>
-              <a:t>aspects</a:t>
-            </a:r>
-            <a:r>
-              <a:rPr lang="it-IT" dirty="0"/>
-              <a:t> of the </a:t>
-            </a:r>
-            <a:r>
-              <a:rPr lang="it-IT" dirty="0" err="1"/>
-              <a:t>components</a:t>
-            </a:r>
-            <a:r>
-              <a:rPr lang="it-IT" dirty="0"/>
-              <a:t> design </a:t>
-            </a:r>
-            <a:r>
-              <a:rPr lang="it-IT" dirty="0" err="1"/>
-              <a:t>that</a:t>
+              <a:rPr lang="en-US" dirty="0"/>
+              <a:t>@Stateless</a:t>
             </a:r>
             <a:r>
               <a:rPr lang="it-IT" dirty="0"/>
@@ -4667,59 +4373,341 @@
             </a:r>
             <a:r>
               <a:rPr lang="it-IT" dirty="0" err="1"/>
-              <a:t>you</a:t>
-            </a:r>
-            <a:r>
-              <a:rPr lang="it-IT" dirty="0"/>
-              <a:t> </a:t>
-            </a:r>
-            <a:r>
-              <a:rPr lang="it-IT" dirty="0" err="1"/>
-              <a:t>want</a:t>
-            </a:r>
-            <a:r>
-              <a:rPr lang="it-IT" dirty="0"/>
-              <a:t> to illustrate or motivate, </a:t>
-            </a:r>
-            <a:r>
-              <a:rPr lang="it-IT" dirty="0" err="1"/>
-              <a:t>write</a:t>
-            </a:r>
-            <a:r>
-              <a:rPr lang="it-IT" dirty="0"/>
-              <a:t> </a:t>
-            </a:r>
-            <a:r>
-              <a:rPr lang="it-IT" dirty="0" err="1"/>
-              <a:t>here</a:t>
-            </a:r>
-            <a:r>
-              <a:rPr lang="it-IT" dirty="0"/>
-              <a:t> </a:t>
-            </a:r>
-            <a:r>
-              <a:rPr lang="it-IT" dirty="0" err="1"/>
-              <a:t>your</a:t>
-            </a:r>
-            <a:r>
-              <a:rPr lang="it-IT" dirty="0"/>
-              <a:t> </a:t>
-            </a:r>
-            <a:r>
-              <a:rPr lang="it-IT" dirty="0" err="1"/>
-              <a:t>explanations</a:t>
-            </a:r>
-            <a:endParaRPr lang="en-GB" sz="2000" dirty="0"/>
-          </a:p>
-          <a:p>
+              <a:t>AdministratorService</a:t>
+            </a:r>
             <a:endParaRPr lang="it-IT" dirty="0"/>
+          </a:p>
+          <a:p>
+            <a:pPr lvl="1"/>
+            <a:r>
+              <a:rPr lang="it-IT" dirty="0" err="1"/>
+              <a:t>getAdministratorByEmail</a:t>
+            </a:r>
+            <a:r>
+              <a:rPr lang="it-IT" dirty="0"/>
+              <a:t>(String)</a:t>
+            </a:r>
+          </a:p>
+          <a:p>
+            <a:r>
+              <a:rPr lang="en-US" dirty="0"/>
+              <a:t>@Stateless </a:t>
+            </a:r>
+            <a:r>
+              <a:rPr lang="en-US" dirty="0" err="1"/>
+              <a:t>AlertService</a:t>
+            </a:r>
+            <a:endParaRPr lang="en-US" dirty="0"/>
+          </a:p>
+          <a:p>
+            <a:pPr lvl="1"/>
+            <a:r>
+              <a:rPr lang="en-US" dirty="0" err="1"/>
+              <a:t>getAllAlerts</a:t>
+            </a:r>
+            <a:r>
+              <a:rPr lang="en-US" dirty="0"/>
+              <a:t>()</a:t>
+            </a:r>
+          </a:p>
+          <a:p>
+            <a:r>
+              <a:rPr lang="en-US" dirty="0"/>
+              <a:t>@Stateless </a:t>
+            </a:r>
+            <a:r>
+              <a:rPr lang="en-US" dirty="0" err="1"/>
+              <a:t>AveragePurchaseOptionalPackageService</a:t>
+            </a:r>
+            <a:endParaRPr lang="en-US" dirty="0"/>
+          </a:p>
+          <a:p>
+            <a:pPr lvl="1"/>
+            <a:r>
+              <a:rPr lang="en-US" dirty="0" err="1"/>
+              <a:t>getAllAveragePurchaseOptionalPackages</a:t>
+            </a:r>
+            <a:r>
+              <a:rPr lang="en-US" dirty="0"/>
+              <a:t>()</a:t>
+            </a:r>
+          </a:p>
+          <a:p>
+            <a:r>
+              <a:rPr lang="en-US" dirty="0"/>
+              <a:t>@Stateless </a:t>
+            </a:r>
+            <a:r>
+              <a:rPr lang="en-US" dirty="0" err="1"/>
+              <a:t>InsolventUserService</a:t>
+            </a:r>
+            <a:endParaRPr lang="en-US" dirty="0"/>
+          </a:p>
+          <a:p>
+            <a:pPr lvl="1"/>
+            <a:r>
+              <a:rPr lang="en-US" dirty="0" err="1"/>
+              <a:t>getAllInsolventUsers</a:t>
+            </a:r>
+            <a:r>
+              <a:rPr lang="en-US" dirty="0"/>
+              <a:t>()</a:t>
+            </a:r>
+          </a:p>
+          <a:p>
+            <a:r>
+              <a:rPr lang="en-US" dirty="0"/>
+              <a:t>@Transactional </a:t>
+            </a:r>
+            <a:r>
+              <a:rPr lang="en-US" dirty="0" err="1"/>
+              <a:t>OptionalProductService</a:t>
+            </a:r>
+            <a:endParaRPr lang="en-US" dirty="0"/>
+          </a:p>
+          <a:p>
+            <a:pPr lvl="1"/>
+            <a:r>
+              <a:rPr lang="en-US" dirty="0" err="1"/>
+              <a:t>getOptionalProductById</a:t>
+            </a:r>
+            <a:r>
+              <a:rPr lang="en-US" dirty="0"/>
+              <a:t>(Integer)</a:t>
+            </a:r>
+          </a:p>
+          <a:p>
+            <a:pPr lvl="1"/>
+            <a:r>
+              <a:rPr lang="en-US" dirty="0" err="1"/>
+              <a:t>isOptionalProductAlreadyExisting</a:t>
+            </a:r>
+            <a:r>
+              <a:rPr lang="en-US" dirty="0"/>
+              <a:t>(String)</a:t>
+            </a:r>
+          </a:p>
+          <a:p>
+            <a:pPr lvl="1"/>
+            <a:r>
+              <a:rPr lang="en-US" dirty="0" err="1"/>
+              <a:t>getAllOptionalProducts</a:t>
+            </a:r>
+            <a:r>
+              <a:rPr lang="en-US" dirty="0"/>
+              <a:t>()</a:t>
+            </a:r>
+          </a:p>
+          <a:p>
+            <a:pPr lvl="1"/>
+            <a:r>
+              <a:rPr lang="en-US" dirty="0" err="1"/>
+              <a:t>createOptionalProduct</a:t>
+            </a:r>
+            <a:r>
+              <a:rPr lang="en-US" dirty="0"/>
+              <a:t>(</a:t>
+            </a:r>
+            <a:r>
+              <a:rPr lang="en-US" dirty="0" err="1"/>
+              <a:t>OptionalProduct</a:t>
+            </a:r>
+            <a:r>
+              <a:rPr lang="en-US" dirty="0"/>
+              <a:t>)</a:t>
+            </a:r>
+          </a:p>
+          <a:p>
+            <a:pPr lvl="1"/>
+            <a:endParaRPr lang="en-US" dirty="0"/>
+          </a:p>
+          <a:p>
+            <a:pPr lvl="1"/>
+            <a:endParaRPr lang="en-US" dirty="0"/>
+          </a:p>
+        </p:txBody>
+      </p:sp>
+      <p:sp>
+        <p:nvSpPr>
+          <p:cNvPr id="5" name="Segnaposto contenuto 4">
+            <a:extLst>
+              <a:ext uri="{FF2B5EF4-FFF2-40B4-BE49-F238E27FC236}">
+                <a16:creationId xmlns:a16="http://schemas.microsoft.com/office/drawing/2014/main" id="{76028AED-BFC2-4BE3-851B-4C6C1E344973}"/>
+              </a:ext>
+            </a:extLst>
+          </p:cNvPr>
+          <p:cNvSpPr>
+            <a:spLocks noGrp="1"/>
+          </p:cNvSpPr>
+          <p:nvPr>
+            <p:ph sz="half" idx="2"/>
+          </p:nvPr>
+        </p:nvSpPr>
+        <p:spPr>
+          <a:xfrm>
+            <a:off x="6172200" y="1825625"/>
+            <a:ext cx="5181600" cy="4351338"/>
+          </a:xfrm>
+        </p:spPr>
+        <p:txBody>
+          <a:bodyPr>
+            <a:normAutofit fontScale="77500" lnSpcReduction="20000"/>
+          </a:bodyPr>
+          <a:lstStyle/>
+          <a:p>
+            <a:r>
+              <a:rPr lang="en-US" dirty="0"/>
+              <a:t>@Transactional </a:t>
+            </a:r>
+            <a:r>
+              <a:rPr lang="en-US" dirty="0" err="1"/>
+              <a:t>OrderService</a:t>
+            </a:r>
+            <a:endParaRPr lang="en-US" dirty="0"/>
+          </a:p>
+          <a:p>
+            <a:pPr lvl="1"/>
+            <a:r>
+              <a:rPr lang="en-US" dirty="0" err="1"/>
+              <a:t>getOrderById</a:t>
+            </a:r>
+            <a:r>
+              <a:rPr lang="en-US" dirty="0"/>
+              <a:t>(Integer)</a:t>
+            </a:r>
+          </a:p>
+          <a:p>
+            <a:pPr lvl="1"/>
+            <a:r>
+              <a:rPr lang="en-US" dirty="0" err="1"/>
+              <a:t>getOrdersOfUser</a:t>
+            </a:r>
+            <a:r>
+              <a:rPr lang="en-US" dirty="0"/>
+              <a:t>(Integer)</a:t>
+            </a:r>
+          </a:p>
+          <a:p>
+            <a:pPr lvl="1"/>
+            <a:r>
+              <a:rPr lang="en-US" dirty="0" err="1"/>
+              <a:t>createOrder</a:t>
+            </a:r>
+            <a:r>
+              <a:rPr lang="en-US" dirty="0"/>
+              <a:t>(Order)</a:t>
+            </a:r>
+          </a:p>
+          <a:p>
+            <a:r>
+              <a:rPr lang="en-US" dirty="0"/>
+              <a:t>@Transactional </a:t>
+            </a:r>
+            <a:r>
+              <a:rPr lang="en-US" dirty="0" err="1"/>
+              <a:t>PaymentService</a:t>
+            </a:r>
+            <a:endParaRPr lang="en-US" dirty="0"/>
+          </a:p>
+          <a:p>
+            <a:pPr lvl="1"/>
+            <a:r>
+              <a:rPr lang="en-US" dirty="0" err="1"/>
+              <a:t>makePayment</a:t>
+            </a:r>
+            <a:r>
+              <a:rPr lang="en-US" dirty="0"/>
+              <a:t>(</a:t>
+            </a:r>
+            <a:r>
+              <a:rPr lang="en-US" dirty="0" err="1"/>
+              <a:t>PaymentHistory</a:t>
+            </a:r>
+            <a:r>
+              <a:rPr lang="en-US" dirty="0"/>
+              <a:t>)</a:t>
+            </a:r>
+          </a:p>
+          <a:p>
+            <a:r>
+              <a:rPr lang="en-US" dirty="0"/>
+              <a:t>@Transactional </a:t>
+            </a:r>
+            <a:r>
+              <a:rPr lang="en-US" dirty="0" err="1"/>
+              <a:t>ServicePackageService</a:t>
+            </a:r>
+            <a:endParaRPr lang="en-US" dirty="0"/>
+          </a:p>
+          <a:p>
+            <a:pPr lvl="1"/>
+            <a:r>
+              <a:rPr lang="en-US" dirty="0" err="1"/>
+              <a:t>getServicePackageById</a:t>
+            </a:r>
+            <a:r>
+              <a:rPr lang="en-US" dirty="0"/>
+              <a:t>(Integer)</a:t>
+            </a:r>
+          </a:p>
+          <a:p>
+            <a:pPr lvl="1"/>
+            <a:r>
+              <a:rPr lang="en-US" dirty="0" err="1"/>
+              <a:t>getServicePackageByName</a:t>
+            </a:r>
+            <a:r>
+              <a:rPr lang="en-US" dirty="0"/>
+              <a:t>(String)</a:t>
+            </a:r>
+          </a:p>
+          <a:p>
+            <a:pPr lvl="1"/>
+            <a:r>
+              <a:rPr lang="en-US" dirty="0" err="1"/>
+              <a:t>isServicePackageNameAlreadyExist</a:t>
+            </a:r>
+            <a:r>
+              <a:rPr lang="en-US" dirty="0"/>
+              <a:t>(name)</a:t>
+            </a:r>
+          </a:p>
+          <a:p>
+            <a:pPr lvl="1"/>
+            <a:r>
+              <a:rPr lang="en-US" dirty="0" err="1"/>
+              <a:t>getAllServicePackages</a:t>
+            </a:r>
+            <a:r>
+              <a:rPr lang="en-US" dirty="0"/>
+              <a:t>()</a:t>
+            </a:r>
+          </a:p>
+          <a:p>
+            <a:pPr lvl="1"/>
+            <a:r>
+              <a:rPr lang="en-US" dirty="0" err="1"/>
+              <a:t>createServicePackage</a:t>
+            </a:r>
+            <a:r>
+              <a:rPr lang="en-US" dirty="0"/>
+              <a:t>(</a:t>
+            </a:r>
+            <a:r>
+              <a:rPr lang="en-US" dirty="0" err="1"/>
+              <a:t>ServicePackage</a:t>
+            </a:r>
+            <a:r>
+              <a:rPr lang="en-US" dirty="0"/>
+              <a:t>)</a:t>
+            </a:r>
           </a:p>
         </p:txBody>
       </p:sp>
     </p:spTree>
     <p:extLst>
       <p:ext uri="{BB962C8B-B14F-4D97-AF65-F5344CB8AC3E}">
-        <p14:creationId xmlns:p14="http://schemas.microsoft.com/office/powerpoint/2010/main" val="902241549"/>
+        <p14:creationId xmlns:p14="http://schemas.microsoft.com/office/powerpoint/2010/main" val="2497602191"/>
       </p:ext>
     </p:extLst>
   </p:cSld>
@@ -4748,10 +4736,10 @@
       </p:grpSpPr>
       <p:sp>
         <p:nvSpPr>
-          <p:cNvPr id="4" name="Title 3">
-            <a:extLst>
-              <a:ext uri="{FF2B5EF4-FFF2-40B4-BE49-F238E27FC236}">
-                <a16:creationId xmlns:a16="http://schemas.microsoft.com/office/drawing/2014/main" id="{5B667CEC-73C6-4ABA-975F-A7AA86B176FF}"/>
+          <p:cNvPr id="2" name="Titolo 1">
+            <a:extLst>
+              <a:ext uri="{FF2B5EF4-FFF2-40B4-BE49-F238E27FC236}">
+                <a16:creationId xmlns:a16="http://schemas.microsoft.com/office/drawing/2014/main" id="{A33BDB65-6920-4E36-8B6C-8659A6013970}"/>
               </a:ext>
             </a:extLst>
           </p:cNvPr>
@@ -4759,7 +4747,7 @@
             <a:spLocks noGrp="1"/>
           </p:cNvSpPr>
           <p:nvPr>
-            <p:ph type="ctrTitle"/>
+            <p:ph type="title"/>
           </p:nvPr>
         </p:nvSpPr>
         <p:spPr/>
@@ -4767,31 +4755,344 @@
           <a:bodyPr/>
           <a:lstStyle/>
           <a:p>
-            <a:pPr algn="ctr"/>
-            <a:r>
-              <a:rPr lang="it-IT" dirty="0"/>
-              <a:t>UML </a:t>
-            </a:r>
-            <a:r>
-              <a:rPr lang="it-IT" dirty="0" err="1"/>
-              <a:t>sequence</a:t>
-            </a:r>
-            <a:r>
-              <a:rPr lang="it-IT" dirty="0"/>
-              <a:t> </a:t>
-            </a:r>
-            <a:r>
-              <a:rPr lang="it-IT" dirty="0" err="1"/>
-              <a:t>diagrams</a:t>
+            <a:r>
+              <a:rPr lang="en-US" dirty="0"/>
+              <a:t>Business tier</a:t>
             </a:r>
             <a:endParaRPr lang="it-IT" dirty="0"/>
+          </a:p>
+        </p:txBody>
+      </p:sp>
+      <p:sp>
+        <p:nvSpPr>
+          <p:cNvPr id="3" name="Segnaposto contenuto 2">
+            <a:extLst>
+              <a:ext uri="{FF2B5EF4-FFF2-40B4-BE49-F238E27FC236}">
+                <a16:creationId xmlns:a16="http://schemas.microsoft.com/office/drawing/2014/main" id="{AD1EA754-ECAC-4CB9-A8A3-A87888A08B9B}"/>
+              </a:ext>
+            </a:extLst>
+          </p:cNvPr>
+          <p:cNvSpPr>
+            <a:spLocks noGrp="1"/>
+          </p:cNvSpPr>
+          <p:nvPr>
+            <p:ph sz="half" idx="1"/>
+          </p:nvPr>
+        </p:nvSpPr>
+        <p:spPr/>
+        <p:txBody>
+          <a:bodyPr>
+            <a:normAutofit fontScale="77500" lnSpcReduction="20000"/>
+          </a:bodyPr>
+          <a:lstStyle/>
+          <a:p>
+            <a:r>
+              <a:rPr lang="en-US" dirty="0"/>
+              <a:t>@Stateless </a:t>
+            </a:r>
+            <a:r>
+              <a:rPr lang="en-US" dirty="0" err="1"/>
+              <a:t>ServiceService</a:t>
+            </a:r>
+            <a:endParaRPr lang="en-US" dirty="0"/>
+          </a:p>
+          <a:p>
+            <a:pPr lvl="1"/>
+            <a:r>
+              <a:rPr lang="en-US" dirty="0" err="1"/>
+              <a:t>getServiceById</a:t>
+            </a:r>
+            <a:r>
+              <a:rPr lang="en-US" dirty="0"/>
+              <a:t>(Integer)</a:t>
+            </a:r>
+          </a:p>
+          <a:p>
+            <a:pPr lvl="1"/>
+            <a:r>
+              <a:rPr lang="en-US" dirty="0" err="1"/>
+              <a:t>getServiceByName</a:t>
+            </a:r>
+            <a:r>
+              <a:rPr lang="en-US" dirty="0"/>
+              <a:t>(String)</a:t>
+            </a:r>
+          </a:p>
+          <a:p>
+            <a:pPr lvl="1"/>
+            <a:r>
+              <a:rPr lang="en-US" dirty="0" err="1"/>
+              <a:t>isServiceAlreadyExisting</a:t>
+            </a:r>
+            <a:r>
+              <a:rPr lang="en-US" dirty="0"/>
+              <a:t>(String)</a:t>
+            </a:r>
+          </a:p>
+          <a:p>
+            <a:pPr lvl="1"/>
+            <a:r>
+              <a:rPr lang="en-US" dirty="0" err="1"/>
+              <a:t>getAllServices</a:t>
+            </a:r>
+            <a:r>
+              <a:rPr lang="en-US" dirty="0"/>
+              <a:t>()</a:t>
+            </a:r>
+          </a:p>
+          <a:p>
+            <a:pPr lvl="1"/>
+            <a:r>
+              <a:rPr lang="en-US" dirty="0" err="1"/>
+              <a:t>createService</a:t>
+            </a:r>
+            <a:r>
+              <a:rPr lang="en-US" dirty="0"/>
+              <a:t>(Service)</a:t>
+            </a:r>
+          </a:p>
+          <a:p>
+            <a:r>
+              <a:rPr lang="en-US" dirty="0"/>
+              <a:t>@Stateless </a:t>
+            </a:r>
+            <a:r>
+              <a:rPr lang="en-US" dirty="0" err="1"/>
+              <a:t>SuspendedOrderService</a:t>
+            </a:r>
+            <a:endParaRPr lang="en-US" dirty="0"/>
+          </a:p>
+          <a:p>
+            <a:pPr lvl="1"/>
+            <a:r>
+              <a:rPr lang="en-US" dirty="0" err="1"/>
+              <a:t>getAllSuspendedOrders</a:t>
+            </a:r>
+            <a:r>
+              <a:rPr lang="en-US" dirty="0"/>
+              <a:t>()</a:t>
+            </a:r>
+          </a:p>
+          <a:p>
+            <a:r>
+              <a:rPr lang="en-US" dirty="0"/>
+              <a:t>@Stateless </a:t>
+            </a:r>
+            <a:r>
+              <a:rPr lang="en-US" dirty="0" err="1"/>
+              <a:t>TotalPurchaseOptionalService</a:t>
+            </a:r>
+            <a:endParaRPr lang="en-US" dirty="0"/>
+          </a:p>
+          <a:p>
+            <a:pPr lvl="1"/>
+            <a:r>
+              <a:rPr lang="en-US" dirty="0" err="1"/>
+              <a:t>getAllTotalPurchaseOptional</a:t>
+            </a:r>
+            <a:r>
+              <a:rPr lang="en-US" dirty="0"/>
+              <a:t>()</a:t>
+            </a:r>
+          </a:p>
+          <a:p>
+            <a:r>
+              <a:rPr lang="en-US" dirty="0"/>
+              <a:t>@Stateless </a:t>
+            </a:r>
+            <a:r>
+              <a:rPr lang="en-US" dirty="0" err="1"/>
+              <a:t>TotalPurchasePackageOptionalService</a:t>
+            </a:r>
+            <a:endParaRPr lang="en-US" dirty="0"/>
+          </a:p>
+          <a:p>
+            <a:pPr lvl="1"/>
+            <a:r>
+              <a:rPr lang="en-US" dirty="0" err="1"/>
+              <a:t>getAllTotalPurchasePackageOptional</a:t>
+            </a:r>
+            <a:r>
+              <a:rPr lang="en-US" dirty="0"/>
+              <a:t>()</a:t>
+            </a:r>
+          </a:p>
+          <a:p>
+            <a:endParaRPr lang="it-IT" dirty="0"/>
+          </a:p>
+        </p:txBody>
+      </p:sp>
+      <p:sp>
+        <p:nvSpPr>
+          <p:cNvPr id="4" name="Segnaposto contenuto 3">
+            <a:extLst>
+              <a:ext uri="{FF2B5EF4-FFF2-40B4-BE49-F238E27FC236}">
+                <a16:creationId xmlns:a16="http://schemas.microsoft.com/office/drawing/2014/main" id="{411136CA-B03A-4767-9947-F4261BFF5AED}"/>
+              </a:ext>
+            </a:extLst>
+          </p:cNvPr>
+          <p:cNvSpPr>
+            <a:spLocks noGrp="1"/>
+          </p:cNvSpPr>
+          <p:nvPr>
+            <p:ph sz="half" idx="2"/>
+          </p:nvPr>
+        </p:nvSpPr>
+        <p:spPr/>
+        <p:txBody>
+          <a:bodyPr>
+            <a:normAutofit fontScale="77500" lnSpcReduction="20000"/>
+          </a:bodyPr>
+          <a:lstStyle/>
+          <a:p>
+            <a:r>
+              <a:rPr lang="en-US" dirty="0"/>
+              <a:t>@Stateless </a:t>
+            </a:r>
+            <a:r>
+              <a:rPr lang="en-US" dirty="0" err="1"/>
+              <a:t>TotalPurchasePackageService</a:t>
+            </a:r>
+            <a:endParaRPr lang="en-US" dirty="0"/>
+          </a:p>
+          <a:p>
+            <a:pPr lvl="1"/>
+            <a:r>
+              <a:rPr lang="en-US" dirty="0" err="1"/>
+              <a:t>getAllTotalPurchasePackages</a:t>
+            </a:r>
+            <a:r>
+              <a:rPr lang="en-US" dirty="0"/>
+              <a:t>()</a:t>
+            </a:r>
+          </a:p>
+          <a:p>
+            <a:r>
+              <a:rPr lang="en-US" dirty="0"/>
+              <a:t>@Stateless </a:t>
+            </a:r>
+            <a:r>
+              <a:rPr lang="en-US" dirty="0" err="1"/>
+              <a:t>TotalPurchasePackageValidityService</a:t>
+            </a:r>
+            <a:endParaRPr lang="en-US" dirty="0"/>
+          </a:p>
+          <a:p>
+            <a:pPr lvl="1"/>
+            <a:r>
+              <a:rPr lang="en-US" dirty="0" err="1"/>
+              <a:t>getAllTotalPurchasePackageValidity</a:t>
+            </a:r>
+            <a:r>
+              <a:rPr lang="en-US" dirty="0"/>
+              <a:t>()</a:t>
+            </a:r>
+          </a:p>
+          <a:p>
+            <a:r>
+              <a:rPr lang="en-US" dirty="0"/>
+              <a:t>@Stateless </a:t>
+            </a:r>
+            <a:r>
+              <a:rPr lang="en-US" dirty="0" err="1"/>
+              <a:t>TotValueOptionalNoOptionalService</a:t>
+            </a:r>
+            <a:endParaRPr lang="en-US" dirty="0"/>
+          </a:p>
+          <a:p>
+            <a:pPr lvl="1"/>
+            <a:r>
+              <a:rPr lang="en-US" dirty="0" err="1"/>
+              <a:t>getAllTotValueOptionalNoOptional</a:t>
+            </a:r>
+            <a:r>
+              <a:rPr lang="en-US" dirty="0"/>
+              <a:t>()</a:t>
+            </a:r>
+          </a:p>
+          <a:p>
+            <a:r>
+              <a:rPr lang="en-US" dirty="0"/>
+              <a:t>@Stateless </a:t>
+            </a:r>
+            <a:r>
+              <a:rPr lang="en-US" dirty="0" err="1"/>
+              <a:t>UserService</a:t>
+            </a:r>
+            <a:endParaRPr lang="it-IT" dirty="0"/>
+          </a:p>
+          <a:p>
+            <a:pPr lvl="1"/>
+            <a:r>
+              <a:rPr lang="it-IT" dirty="0" err="1"/>
+              <a:t>getUserById</a:t>
+            </a:r>
+            <a:r>
+              <a:rPr lang="it-IT" dirty="0"/>
+              <a:t>(Integer)</a:t>
+            </a:r>
+          </a:p>
+          <a:p>
+            <a:pPr lvl="1"/>
+            <a:r>
+              <a:rPr lang="it-IT" dirty="0" err="1"/>
+              <a:t>getUserByEmail</a:t>
+            </a:r>
+            <a:r>
+              <a:rPr lang="it-IT" dirty="0"/>
+              <a:t>(String)</a:t>
+            </a:r>
+          </a:p>
+          <a:p>
+            <a:pPr lvl="1"/>
+            <a:r>
+              <a:rPr lang="it-IT" dirty="0" err="1"/>
+              <a:t>getUserByUsername</a:t>
+            </a:r>
+            <a:r>
+              <a:rPr lang="it-IT" dirty="0"/>
+              <a:t>(String)</a:t>
+            </a:r>
+          </a:p>
+          <a:p>
+            <a:pPr lvl="1"/>
+            <a:r>
+              <a:rPr lang="it-IT" dirty="0" err="1"/>
+              <a:t>checkUsername</a:t>
+            </a:r>
+            <a:r>
+              <a:rPr lang="it-IT" dirty="0"/>
+              <a:t>(String)</a:t>
+            </a:r>
+          </a:p>
+          <a:p>
+            <a:pPr lvl="1"/>
+            <a:r>
+              <a:rPr lang="it-IT" dirty="0" err="1"/>
+              <a:t>checkEmail</a:t>
+            </a:r>
+            <a:r>
+              <a:rPr lang="it-IT" dirty="0"/>
+              <a:t>(String)</a:t>
+            </a:r>
+          </a:p>
+          <a:p>
+            <a:pPr lvl="1"/>
+            <a:r>
+              <a:rPr lang="it-IT" dirty="0" err="1"/>
+              <a:t>createUser</a:t>
+            </a:r>
+            <a:r>
+              <a:rPr lang="it-IT" dirty="0"/>
+              <a:t>(User)</a:t>
+            </a:r>
           </a:p>
         </p:txBody>
       </p:sp>
     </p:spTree>
     <p:extLst>
       <p:ext uri="{BB962C8B-B14F-4D97-AF65-F5344CB8AC3E}">
-        <p14:creationId xmlns:p14="http://schemas.microsoft.com/office/powerpoint/2010/main" val="1432870397"/>
+        <p14:creationId xmlns:p14="http://schemas.microsoft.com/office/powerpoint/2010/main" val="3250272017"/>
       </p:ext>
     </p:extLst>
   </p:cSld>
@@ -4823,7 +5124,7 @@
           <p:cNvPr id="2" name="Title 1">
             <a:extLst>
               <a:ext uri="{FF2B5EF4-FFF2-40B4-BE49-F238E27FC236}">
-                <a16:creationId xmlns:a16="http://schemas.microsoft.com/office/drawing/2014/main" id="{20B7CC3C-4108-49E3-BB8B-49B12D80D22C}"/>
+                <a16:creationId xmlns:a16="http://schemas.microsoft.com/office/drawing/2014/main" id="{0589B4D4-9437-440A-8ED8-684D80C5F26A}"/>
               </a:ext>
             </a:extLst>
           </p:cNvPr>
@@ -4841,51 +5142,79 @@
           <a:p>
             <a:r>
               <a:rPr lang="en-US" dirty="0"/>
-              <a:t>Create order</a:t>
+              <a:t>Additional info of the components design</a:t>
             </a:r>
             <a:endParaRPr lang="it-IT" dirty="0"/>
           </a:p>
         </p:txBody>
       </p:sp>
-      <p:pic>
-        <p:nvPicPr>
-          <p:cNvPr id="9" name="Segnaposto contenuto 8">
-            <a:extLst>
-              <a:ext uri="{FF2B5EF4-FFF2-40B4-BE49-F238E27FC236}">
-                <a16:creationId xmlns:a16="http://schemas.microsoft.com/office/drawing/2014/main" id="{87F988A4-1E7A-4A20-BDD4-35338E37CD7B}"/>
-              </a:ext>
-            </a:extLst>
-          </p:cNvPr>
-          <p:cNvPicPr>
-            <a:picLocks noGrp="1" noChangeAspect="1"/>
-          </p:cNvPicPr>
+      <p:sp>
+        <p:nvSpPr>
+          <p:cNvPr id="3" name="Content Placeholder 2">
+            <a:extLst>
+              <a:ext uri="{FF2B5EF4-FFF2-40B4-BE49-F238E27FC236}">
+                <a16:creationId xmlns:a16="http://schemas.microsoft.com/office/drawing/2014/main" id="{620BADDB-9FD4-46FF-A32E-ADD2F9447930}"/>
+              </a:ext>
+            </a:extLst>
+          </p:cNvPr>
+          <p:cNvSpPr>
+            <a:spLocks noGrp="1"/>
+          </p:cNvSpPr>
           <p:nvPr>
             <p:ph idx="1"/>
           </p:nvPr>
-        </p:nvPicPr>
-        <p:blipFill>
-          <a:blip r:embed="rId2">
-            <a:extLst>
-              <a:ext uri="{28A0092B-C50C-407E-A947-70E740481C1C}">
-                <a14:useLocalDpi xmlns:a14="http://schemas.microsoft.com/office/drawing/2010/main" val="0"/>
-              </a:ext>
-            </a:extLst>
-          </a:blip>
-          <a:stretch>
-            <a:fillRect/>
-          </a:stretch>
-        </p:blipFill>
-        <p:spPr>
-          <a:xfrm>
-            <a:off x="1804987" y="2282031"/>
-            <a:ext cx="8582025" cy="3438525"/>
-          </a:xfrm>
-        </p:spPr>
-      </p:pic>
+        </p:nvSpPr>
+        <p:spPr/>
+        <p:txBody>
+          <a:bodyPr>
+            <a:normAutofit fontScale="85000" lnSpcReduction="10000"/>
+          </a:bodyPr>
+          <a:lstStyle/>
+          <a:p>
+            <a:r>
+              <a:rPr lang="en-US" dirty="0"/>
+              <a:t>We have implemented different controllers that calls the services described in the slides before, but those controllers have the same name and do the same job of the correspondent service, so we have decided to not describe them.</a:t>
+            </a:r>
+          </a:p>
+          <a:p>
+            <a:r>
+              <a:rPr lang="en-US" dirty="0"/>
+              <a:t>We have implemented a single API function “</a:t>
+            </a:r>
+            <a:r>
+              <a:rPr lang="en-US" dirty="0" err="1"/>
+              <a:t>getOptionalProductByPackageId</a:t>
+            </a:r>
+            <a:r>
+              <a:rPr lang="en-US" dirty="0"/>
+              <a:t>” that retrieves the optional products of a selected Service Package.</a:t>
+            </a:r>
+            <a:br>
+              <a:rPr lang="en-US" dirty="0"/>
+            </a:br>
+            <a:r>
+              <a:rPr lang="en-US" dirty="0"/>
+              <a:t>This API has the following path: “/optional/package/{id: [0-9]+}”</a:t>
+            </a:r>
+          </a:p>
+          <a:p>
+            <a:r>
+              <a:rPr lang="en-US" dirty="0"/>
+              <a:t>We have implemented different exceptions that are catch when something unexpected happens.</a:t>
+            </a:r>
+          </a:p>
+          <a:p>
+            <a:r>
+              <a:rPr lang="en-US" dirty="0"/>
+              <a:t>In the Business Tier we have chosen @Transactional when the correspondent service needs to perform multiple queries in one transaction and using this notation when a query fails, the transaction will rollback.</a:t>
+            </a:r>
+          </a:p>
+        </p:txBody>
+      </p:sp>
     </p:spTree>
     <p:extLst>
       <p:ext uri="{BB962C8B-B14F-4D97-AF65-F5344CB8AC3E}">
-        <p14:creationId xmlns:p14="http://schemas.microsoft.com/office/powerpoint/2010/main" val="164547047"/>
+        <p14:creationId xmlns:p14="http://schemas.microsoft.com/office/powerpoint/2010/main" val="902241549"/>
       </p:ext>
     </p:extLst>
   </p:cSld>
@@ -4914,6 +5243,172 @@
       </p:grpSpPr>
       <p:sp>
         <p:nvSpPr>
+          <p:cNvPr id="4" name="Title 3">
+            <a:extLst>
+              <a:ext uri="{FF2B5EF4-FFF2-40B4-BE49-F238E27FC236}">
+                <a16:creationId xmlns:a16="http://schemas.microsoft.com/office/drawing/2014/main" id="{5B667CEC-73C6-4ABA-975F-A7AA86B176FF}"/>
+              </a:ext>
+            </a:extLst>
+          </p:cNvPr>
+          <p:cNvSpPr>
+            <a:spLocks noGrp="1"/>
+          </p:cNvSpPr>
+          <p:nvPr>
+            <p:ph type="ctrTitle"/>
+          </p:nvPr>
+        </p:nvSpPr>
+        <p:spPr/>
+        <p:txBody>
+          <a:bodyPr/>
+          <a:lstStyle/>
+          <a:p>
+            <a:pPr algn="ctr"/>
+            <a:r>
+              <a:rPr lang="it-IT" dirty="0"/>
+              <a:t>UML </a:t>
+            </a:r>
+            <a:r>
+              <a:rPr lang="it-IT" dirty="0" err="1"/>
+              <a:t>sequence</a:t>
+            </a:r>
+            <a:r>
+              <a:rPr lang="it-IT" dirty="0"/>
+              <a:t> </a:t>
+            </a:r>
+            <a:r>
+              <a:rPr lang="it-IT" dirty="0" err="1"/>
+              <a:t>diagrams</a:t>
+            </a:r>
+            <a:endParaRPr lang="it-IT" dirty="0"/>
+          </a:p>
+        </p:txBody>
+      </p:sp>
+    </p:spTree>
+    <p:extLst>
+      <p:ext uri="{BB962C8B-B14F-4D97-AF65-F5344CB8AC3E}">
+        <p14:creationId xmlns:p14="http://schemas.microsoft.com/office/powerpoint/2010/main" val="1432870397"/>
+      </p:ext>
+    </p:extLst>
+  </p:cSld>
+  <p:clrMapOvr>
+    <a:masterClrMapping/>
+  </p:clrMapOvr>
+</p:sld>
+</file>
+
+<file path=ppt/slides/slide105.xml><?xml version="1.0" encoding="utf-8"?>
+<p:sld xmlns:a="http://schemas.openxmlformats.org/drawingml/2006/main" xmlns:r="http://schemas.openxmlformats.org/officeDocument/2006/relationships" xmlns:p="http://schemas.openxmlformats.org/presentationml/2006/main">
+  <p:cSld>
+    <p:spTree>
+      <p:nvGrpSpPr>
+        <p:cNvPr id="1" name=""/>
+        <p:cNvGrpSpPr/>
+        <p:nvPr/>
+      </p:nvGrpSpPr>
+      <p:grpSpPr>
+        <a:xfrm>
+          <a:off x="0" y="0"/>
+          <a:ext cx="0" cy="0"/>
+          <a:chOff x="0" y="0"/>
+          <a:chExt cx="0" cy="0"/>
+        </a:xfrm>
+      </p:grpSpPr>
+      <p:sp>
+        <p:nvSpPr>
+          <p:cNvPr id="2" name="Title 1">
+            <a:extLst>
+              <a:ext uri="{FF2B5EF4-FFF2-40B4-BE49-F238E27FC236}">
+                <a16:creationId xmlns:a16="http://schemas.microsoft.com/office/drawing/2014/main" id="{20B7CC3C-4108-49E3-BB8B-49B12D80D22C}"/>
+              </a:ext>
+            </a:extLst>
+          </p:cNvPr>
+          <p:cNvSpPr>
+            <a:spLocks noGrp="1"/>
+          </p:cNvSpPr>
+          <p:nvPr>
+            <p:ph type="title"/>
+          </p:nvPr>
+        </p:nvSpPr>
+        <p:spPr/>
+        <p:txBody>
+          <a:bodyPr/>
+          <a:lstStyle/>
+          <a:p>
+            <a:r>
+              <a:rPr lang="en-US" dirty="0"/>
+              <a:t>Create order</a:t>
+            </a:r>
+            <a:endParaRPr lang="it-IT" dirty="0"/>
+          </a:p>
+        </p:txBody>
+      </p:sp>
+      <p:pic>
+        <p:nvPicPr>
+          <p:cNvPr id="9" name="Segnaposto contenuto 8">
+            <a:extLst>
+              <a:ext uri="{FF2B5EF4-FFF2-40B4-BE49-F238E27FC236}">
+                <a16:creationId xmlns:a16="http://schemas.microsoft.com/office/drawing/2014/main" id="{87F988A4-1E7A-4A20-BDD4-35338E37CD7B}"/>
+              </a:ext>
+            </a:extLst>
+          </p:cNvPr>
+          <p:cNvPicPr>
+            <a:picLocks noGrp="1" noChangeAspect="1"/>
+          </p:cNvPicPr>
+          <p:nvPr>
+            <p:ph idx="1"/>
+          </p:nvPr>
+        </p:nvPicPr>
+        <p:blipFill>
+          <a:blip r:embed="rId2">
+            <a:extLst>
+              <a:ext uri="{28A0092B-C50C-407E-A947-70E740481C1C}">
+                <a14:useLocalDpi xmlns:a14="http://schemas.microsoft.com/office/drawing/2010/main" val="0"/>
+              </a:ext>
+            </a:extLst>
+          </a:blip>
+          <a:stretch>
+            <a:fillRect/>
+          </a:stretch>
+        </p:blipFill>
+        <p:spPr>
+          <a:xfrm>
+            <a:off x="1804987" y="2282031"/>
+            <a:ext cx="8582025" cy="3438525"/>
+          </a:xfrm>
+        </p:spPr>
+      </p:pic>
+    </p:spTree>
+    <p:extLst>
+      <p:ext uri="{BB962C8B-B14F-4D97-AF65-F5344CB8AC3E}">
+        <p14:creationId xmlns:p14="http://schemas.microsoft.com/office/powerpoint/2010/main" val="164547047"/>
+      </p:ext>
+    </p:extLst>
+  </p:cSld>
+  <p:clrMapOvr>
+    <a:masterClrMapping/>
+  </p:clrMapOvr>
+</p:sld>
+</file>
+
+<file path=ppt/slides/slide106.xml><?xml version="1.0" encoding="utf-8"?>
+<p:sld xmlns:a="http://schemas.openxmlformats.org/drawingml/2006/main" xmlns:r="http://schemas.openxmlformats.org/officeDocument/2006/relationships" xmlns:p="http://schemas.openxmlformats.org/presentationml/2006/main">
+  <p:cSld>
+    <p:spTree>
+      <p:nvGrpSpPr>
+        <p:cNvPr id="1" name=""/>
+        <p:cNvGrpSpPr/>
+        <p:nvPr/>
+      </p:nvGrpSpPr>
+      <p:grpSpPr>
+        <a:xfrm>
+          <a:off x="0" y="0"/>
+          <a:ext cx="0" cy="0"/>
+          <a:chOff x="0" y="0"/>
+          <a:chExt cx="0" cy="0"/>
+        </a:xfrm>
+      </p:grpSpPr>
+      <p:sp>
+        <p:nvSpPr>
           <p:cNvPr id="2" name="Title 1">
             <a:extLst>
               <a:ext uri="{FF2B5EF4-FFF2-40B4-BE49-F238E27FC236}">
@@ -4989,7 +5484,7 @@
 </p:sld>
 </file>
 
-<file path=ppt/slides/slide105.xml><?xml version="1.0" encoding="utf-8"?>
+<file path=ppt/slides/slide107.xml><?xml version="1.0" encoding="utf-8"?>
 <p:sld xmlns:a="http://schemas.openxmlformats.org/drawingml/2006/main" xmlns:r="http://schemas.openxmlformats.org/officeDocument/2006/relationships" xmlns:p="http://schemas.openxmlformats.org/presentationml/2006/main">
   <p:cSld>
     <p:spTree>
@@ -10725,137 +11220,9 @@
           <a:bodyPr/>
           <a:lstStyle/>
           <a:p>
-            <a:r>
-              <a:rPr lang="it-IT" dirty="0"/>
-              <a:t>If </a:t>
-            </a:r>
-            <a:r>
-              <a:rPr lang="it-IT" dirty="0" err="1"/>
-              <a:t>there</a:t>
-            </a:r>
-            <a:r>
-              <a:rPr lang="it-IT" dirty="0"/>
-              <a:t> are </a:t>
-            </a:r>
-            <a:r>
-              <a:rPr lang="it-IT" dirty="0" err="1"/>
-              <a:t>aspects</a:t>
-            </a:r>
-            <a:r>
-              <a:rPr lang="it-IT" dirty="0"/>
-              <a:t> </a:t>
-            </a:r>
-            <a:r>
-              <a:rPr lang="it-IT" dirty="0" err="1"/>
-              <a:t>that</a:t>
-            </a:r>
-            <a:r>
-              <a:rPr lang="it-IT" dirty="0"/>
-              <a:t> </a:t>
-            </a:r>
-            <a:r>
-              <a:rPr lang="it-IT" dirty="0" err="1"/>
-              <a:t>you</a:t>
-            </a:r>
-            <a:r>
-              <a:rPr lang="it-IT" dirty="0"/>
-              <a:t> </a:t>
-            </a:r>
-            <a:r>
-              <a:rPr lang="it-IT" dirty="0" err="1"/>
-              <a:t>had</a:t>
-            </a:r>
-            <a:r>
-              <a:rPr lang="it-IT" dirty="0"/>
-              <a:t> to </a:t>
-            </a:r>
-            <a:r>
-              <a:rPr lang="it-IT" dirty="0" err="1"/>
-              <a:t>interpret</a:t>
-            </a:r>
-            <a:r>
-              <a:rPr lang="it-IT" dirty="0"/>
-              <a:t> or </a:t>
-            </a:r>
-            <a:r>
-              <a:rPr lang="it-IT" dirty="0" err="1"/>
-              <a:t>clarify</a:t>
-            </a:r>
-            <a:r>
-              <a:rPr lang="it-IT" dirty="0"/>
-              <a:t> </a:t>
-            </a:r>
-            <a:r>
-              <a:rPr lang="it-IT" dirty="0" err="1"/>
-              <a:t>about</a:t>
-            </a:r>
-            <a:r>
-              <a:rPr lang="it-IT" dirty="0"/>
-              <a:t> the </a:t>
-            </a:r>
-            <a:r>
-              <a:rPr lang="it-IT" dirty="0" err="1"/>
-              <a:t>specifications</a:t>
-            </a:r>
-            <a:r>
-              <a:rPr lang="it-IT" dirty="0"/>
-              <a:t> </a:t>
-            </a:r>
-            <a:r>
-              <a:rPr lang="it-IT" dirty="0" err="1"/>
-              <a:t>that</a:t>
-            </a:r>
-            <a:r>
-              <a:rPr lang="it-IT" dirty="0"/>
-              <a:t> </a:t>
-            </a:r>
-            <a:r>
-              <a:rPr lang="it-IT" dirty="0" err="1"/>
-              <a:t>affect</a:t>
-            </a:r>
-            <a:r>
-              <a:rPr lang="it-IT" dirty="0"/>
-              <a:t> the </a:t>
-            </a:r>
-            <a:r>
-              <a:rPr lang="it-IT" dirty="0" err="1"/>
-              <a:t>application</a:t>
-            </a:r>
-            <a:r>
-              <a:rPr lang="it-IT" dirty="0"/>
-              <a:t> design and </a:t>
-            </a:r>
-            <a:r>
-              <a:rPr lang="it-IT" dirty="0" err="1"/>
-              <a:t>development</a:t>
-            </a:r>
-            <a:r>
-              <a:rPr lang="it-IT" dirty="0"/>
-              <a:t> </a:t>
-            </a:r>
-            <a:r>
-              <a:rPr lang="it-IT" dirty="0" err="1"/>
-              <a:t>you</a:t>
-            </a:r>
-            <a:r>
-              <a:rPr lang="it-IT" dirty="0"/>
-              <a:t> can list </a:t>
-            </a:r>
-            <a:r>
-              <a:rPr lang="it-IT" dirty="0" err="1"/>
-              <a:t>them</a:t>
-            </a:r>
-            <a:r>
-              <a:rPr lang="it-IT" dirty="0"/>
-              <a:t> </a:t>
-            </a:r>
-            <a:r>
-              <a:rPr lang="it-IT" dirty="0" err="1"/>
-              <a:t>here</a:t>
-            </a:r>
-            <a:endParaRPr lang="it-IT" dirty="0"/>
-          </a:p>
-          <a:p>
+            <a:pPr marL="0" indent="0">
+              <a:buNone/>
+            </a:pPr>
             <a:endParaRPr lang="it-IT" dirty="0"/>
           </a:p>
         </p:txBody>
@@ -29348,7 +29715,7 @@
           <a:p>
             <a:r>
               <a:rPr lang="en-US" dirty="0"/>
-              <a:t>Entities Embedded Id interpretation </a:t>
+              <a:t>Entities with @EmbeddedId interpretation </a:t>
             </a:r>
             <a:endParaRPr lang="it-IT" dirty="0"/>
           </a:p>
@@ -29375,7 +29742,26 @@
           <a:bodyPr/>
           <a:lstStyle/>
           <a:p>
-            <a:endParaRPr lang="it-IT"/>
+            <a:r>
+              <a:rPr lang="en-US" dirty="0"/>
+              <a:t>We have used @EmbeddedId in different entities when classes have a composite primary key.</a:t>
+            </a:r>
+            <a:r>
+              <a:rPr lang="it-IT" dirty="0"/>
+              <a:t> In order to use this Id </a:t>
+            </a:r>
+            <a:r>
+              <a:rPr lang="it-IT" dirty="0" err="1"/>
+              <a:t>we</a:t>
+            </a:r>
+            <a:r>
+              <a:rPr lang="it-IT" dirty="0"/>
+              <a:t> exploit </a:t>
+            </a:r>
+            <a:r>
+              <a:rPr lang="en-US" dirty="0"/>
+              <a:t>the @Embeddable annotation to use a class as Id of an entity and all the attribute present in that class represent the composite primary key of the entity.</a:t>
+            </a:r>
           </a:p>
         </p:txBody>
       </p:sp>
@@ -29729,10 +30115,10 @@
       </p:grpSpPr>
       <p:sp>
         <p:nvSpPr>
-          <p:cNvPr id="2" name="Title 1">
-            <a:extLst>
-              <a:ext uri="{FF2B5EF4-FFF2-40B4-BE49-F238E27FC236}">
-                <a16:creationId xmlns:a16="http://schemas.microsoft.com/office/drawing/2014/main" id="{F653702C-D484-421B-B89A-F53BA38ED0B5}"/>
+          <p:cNvPr id="4" name="Titolo 3">
+            <a:extLst>
+              <a:ext uri="{FF2B5EF4-FFF2-40B4-BE49-F238E27FC236}">
+                <a16:creationId xmlns:a16="http://schemas.microsoft.com/office/drawing/2014/main" id="{6FB04A75-5C58-4DA6-8993-B68A5E7E53D0}"/>
               </a:ext>
             </a:extLst>
           </p:cNvPr>
@@ -29740,96 +30126,34 @@
             <a:spLocks noGrp="1"/>
           </p:cNvSpPr>
           <p:nvPr>
-            <p:ph type="title"/>
-          </p:nvPr>
-        </p:nvSpPr>
-        <p:spPr/>
-        <p:txBody>
-          <a:bodyPr/>
-          <a:lstStyle/>
-          <a:p>
-            <a:r>
-              <a:rPr lang="en-US" dirty="0"/>
-              <a:t>Functional analysis of the interaction</a:t>
-            </a:r>
-            <a:endParaRPr lang="it-IT" dirty="0"/>
-          </a:p>
-        </p:txBody>
-      </p:sp>
-      <p:pic>
-        <p:nvPicPr>
-          <p:cNvPr id="7" name="Segnaposto contenuto 6">
-            <a:extLst>
-              <a:ext uri="{FF2B5EF4-FFF2-40B4-BE49-F238E27FC236}">
-                <a16:creationId xmlns:a16="http://schemas.microsoft.com/office/drawing/2014/main" id="{05B84065-C8A5-8ED4-E143-467AE2537640}"/>
-              </a:ext>
-            </a:extLst>
-          </p:cNvPr>
-          <p:cNvPicPr>
-            <a:picLocks noGrp="1" noChangeAspect="1"/>
-          </p:cNvPicPr>
-          <p:nvPr>
-            <p:ph idx="1"/>
-          </p:nvPr>
-        </p:nvPicPr>
-        <p:blipFill>
-          <a:blip r:embed="rId2">
-            <a:extLst>
-              <a:ext uri="{28A0092B-C50C-407E-A947-70E740481C1C}">
-                <a14:useLocalDpi xmlns:a14="http://schemas.microsoft.com/office/drawing/2010/main" val="0"/>
-              </a:ext>
-            </a:extLst>
-          </a:blip>
-          <a:stretch>
-            <a:fillRect/>
-          </a:stretch>
-        </p:blipFill>
+            <p:ph type="ctrTitle"/>
+          </p:nvPr>
+        </p:nvSpPr>
         <p:spPr>
           <a:xfrm>
-            <a:off x="2228144" y="2207589"/>
-            <a:ext cx="7735712" cy="4351338"/>
+            <a:off x="1524000" y="2673350"/>
+            <a:ext cx="9144000" cy="1511300"/>
           </a:xfrm>
         </p:spPr>
-      </p:pic>
-      <p:sp>
-        <p:nvSpPr>
-          <p:cNvPr id="27" name="CasellaDiTesto 26">
-            <a:extLst>
-              <a:ext uri="{FF2B5EF4-FFF2-40B4-BE49-F238E27FC236}">
-                <a16:creationId xmlns:a16="http://schemas.microsoft.com/office/drawing/2014/main" id="{4B53FF9C-0F94-9D92-B927-33AD4A4B3475}"/>
-              </a:ext>
-            </a:extLst>
-          </p:cNvPr>
-          <p:cNvSpPr txBox="1"/>
-          <p:nvPr/>
-        </p:nvSpPr>
-        <p:spPr>
-          <a:xfrm>
-            <a:off x="497711" y="1204306"/>
-            <a:ext cx="11076973" cy="646331"/>
-          </a:xfrm>
-          <a:prstGeom prst="rect">
-            <a:avLst/>
-          </a:prstGeom>
-          <a:noFill/>
-        </p:spPr>
-        <p:txBody>
-          <a:bodyPr wrap="square">
-            <a:spAutoFit/>
+        <p:txBody>
+          <a:bodyPr>
+            <a:normAutofit fontScale="90000"/>
           </a:bodyPr>
           <a:lstStyle/>
           <a:p>
-            <a:r>
-              <a:rPr lang="en-GB" dirty="0"/>
-              <a:t>Login, registration and logout (if user is logged in) are available in any moment. Errors and result redirects are performed in the same page the user starts the flow. For this reason the view is identified as ‘Any Page’</a:t>
-            </a:r>
+            <a:pPr algn="ctr"/>
+            <a:r>
+              <a:rPr lang="en-US" dirty="0"/>
+              <a:t>Functional analysis of the interactions</a:t>
+            </a:r>
+            <a:endParaRPr lang="it-IT" dirty="0"/>
           </a:p>
         </p:txBody>
       </p:sp>
     </p:spTree>
     <p:extLst>
       <p:ext uri="{BB962C8B-B14F-4D97-AF65-F5344CB8AC3E}">
-        <p14:creationId xmlns:p14="http://schemas.microsoft.com/office/powerpoint/2010/main" val="992271660"/>
+        <p14:creationId xmlns:p14="http://schemas.microsoft.com/office/powerpoint/2010/main" val="4101281175"/>
       </p:ext>
     </p:extLst>
   </p:cSld>
@@ -29909,13 +30233,14 @@
               </a:ext>
             </a:extLst>
           </a:blip>
-          <a:srcRect/>
-          <a:stretch/>
+          <a:stretch>
+            <a:fillRect/>
+          </a:stretch>
         </p:blipFill>
         <p:spPr>
           <a:xfrm>
-            <a:off x="1594372" y="1850638"/>
-            <a:ext cx="8938590" cy="5028860"/>
+            <a:off x="2228144" y="2207589"/>
+            <a:ext cx="7735712" cy="4351338"/>
           </a:xfrm>
         </p:spPr>
       </p:pic>
@@ -29949,7 +30274,7 @@
           <a:p>
             <a:r>
               <a:rPr lang="en-GB" dirty="0"/>
-              <a:t>In the home page a user can select a service package to buy it while, if he is logged in, he can also see the list of his rejected orders and confirm it again.</a:t>
+              <a:t>Login, registration and logout (if user is logged in) are available in any moment. Errors and result redirects are performed in the same page the user starts the flow. For this reason the view is identified as ‘Any Page’</a:t>
             </a:r>
           </a:p>
         </p:txBody>
@@ -29957,7 +30282,7 @@
     </p:spTree>
     <p:extLst>
       <p:ext uri="{BB962C8B-B14F-4D97-AF65-F5344CB8AC3E}">
-        <p14:creationId xmlns:p14="http://schemas.microsoft.com/office/powerpoint/2010/main" val="2605942994"/>
+        <p14:creationId xmlns:p14="http://schemas.microsoft.com/office/powerpoint/2010/main" val="992271660"/>
       </p:ext>
     </p:extLst>
   </p:cSld>
@@ -30042,8 +30367,8 @@
         </p:blipFill>
         <p:spPr>
           <a:xfrm>
-            <a:off x="617316" y="1410706"/>
-            <a:ext cx="11076973" cy="6228585"/>
+            <a:off x="1594372" y="1850638"/>
+            <a:ext cx="8938590" cy="5028860"/>
           </a:xfrm>
         </p:spPr>
       </p:pic>
@@ -30062,7 +30387,7 @@
         <p:spPr>
           <a:xfrm>
             <a:off x="497711" y="1204306"/>
-            <a:ext cx="11076973" cy="923330"/>
+            <a:ext cx="11076973" cy="646331"/>
           </a:xfrm>
           <a:prstGeom prst="rect">
             <a:avLst/>
@@ -30077,7 +30402,7 @@
           <a:p>
             <a:r>
               <a:rPr lang="en-GB" dirty="0"/>
-              <a:t>The create order page has the same functionalities for a logged or an unlogged user. A user can change the selected service package and ha can also select optional products to buy with. On submit, the order is displayed in the confirmation page.</a:t>
+              <a:t>In the home page a user can select a service package to buy it while, if he is logged in, he can also see the list of his rejected orders and confirm it again.</a:t>
             </a:r>
           </a:p>
         </p:txBody>
@@ -30085,7 +30410,7 @@
     </p:spTree>
     <p:extLst>
       <p:ext uri="{BB962C8B-B14F-4D97-AF65-F5344CB8AC3E}">
-        <p14:creationId xmlns:p14="http://schemas.microsoft.com/office/powerpoint/2010/main" val="4211542265"/>
+        <p14:creationId xmlns:p14="http://schemas.microsoft.com/office/powerpoint/2010/main" val="2605942994"/>
       </p:ext>
     </p:extLst>
   </p:cSld>
@@ -30141,6 +30466,40 @@
           </a:p>
         </p:txBody>
       </p:sp>
+      <p:pic>
+        <p:nvPicPr>
+          <p:cNvPr id="7" name="Segnaposto contenuto 6">
+            <a:extLst>
+              <a:ext uri="{FF2B5EF4-FFF2-40B4-BE49-F238E27FC236}">
+                <a16:creationId xmlns:a16="http://schemas.microsoft.com/office/drawing/2014/main" id="{05B84065-C8A5-8ED4-E143-467AE2537640}"/>
+              </a:ext>
+            </a:extLst>
+          </p:cNvPr>
+          <p:cNvPicPr>
+            <a:picLocks noGrp="1" noChangeAspect="1"/>
+          </p:cNvPicPr>
+          <p:nvPr>
+            <p:ph idx="1"/>
+          </p:nvPr>
+        </p:nvPicPr>
+        <p:blipFill>
+          <a:blip r:embed="rId2">
+            <a:extLst>
+              <a:ext uri="{28A0092B-C50C-407E-A947-70E740481C1C}">
+                <a14:useLocalDpi xmlns:a14="http://schemas.microsoft.com/office/drawing/2010/main" val="0"/>
+              </a:ext>
+            </a:extLst>
+          </a:blip>
+          <a:srcRect/>
+          <a:stretch/>
+        </p:blipFill>
+        <p:spPr>
+          <a:xfrm>
+            <a:off x="617316" y="1410706"/>
+            <a:ext cx="11076973" cy="6228585"/>
+          </a:xfrm>
+        </p:spPr>
+      </p:pic>
       <p:sp>
         <p:nvSpPr>
           <p:cNvPr id="27" name="CasellaDiTesto 26">
@@ -30155,8 +30514,8 @@
         </p:nvSpPr>
         <p:spPr>
           <a:xfrm>
-            <a:off x="659757" y="1169582"/>
-            <a:ext cx="11076973" cy="646331"/>
+            <a:off x="497711" y="1204306"/>
+            <a:ext cx="11076973" cy="923330"/>
           </a:xfrm>
           <a:prstGeom prst="rect">
             <a:avLst/>
@@ -30171,50 +30530,15 @@
           <a:p>
             <a:r>
               <a:rPr lang="en-GB" dirty="0"/>
-              <a:t>To confirm an order a user has to be logged in. If not he can only see the details of the order but he has to complete the login/registration to proceed. Once an order is confirmed the payment page is displayed.</a:t>
-            </a:r>
-          </a:p>
-        </p:txBody>
-      </p:sp>
-      <p:pic>
-        <p:nvPicPr>
-          <p:cNvPr id="6" name="Segnaposto contenuto 5">
-            <a:extLst>
-              <a:ext uri="{FF2B5EF4-FFF2-40B4-BE49-F238E27FC236}">
-                <a16:creationId xmlns:a16="http://schemas.microsoft.com/office/drawing/2014/main" id="{1ADB4569-E02F-9465-990B-B80D65773590}"/>
-              </a:ext>
-            </a:extLst>
-          </p:cNvPr>
-          <p:cNvPicPr>
-            <a:picLocks noGrp="1" noChangeAspect="1"/>
-          </p:cNvPicPr>
-          <p:nvPr>
-            <p:ph idx="1"/>
-          </p:nvPr>
-        </p:nvPicPr>
-        <p:blipFill>
-          <a:blip r:embed="rId2">
-            <a:extLst>
-              <a:ext uri="{28A0092B-C50C-407E-A947-70E740481C1C}">
-                <a14:useLocalDpi xmlns:a14="http://schemas.microsoft.com/office/drawing/2010/main" val="0"/>
-              </a:ext>
-            </a:extLst>
-          </a:blip>
-          <a:stretch>
-            <a:fillRect/>
-          </a:stretch>
-        </p:blipFill>
-        <p:spPr>
-          <a:xfrm>
-            <a:off x="1458410" y="1768808"/>
-            <a:ext cx="9658602" cy="5425864"/>
-          </a:xfrm>
-        </p:spPr>
-      </p:pic>
+              <a:t>The create order page has the same functionalities for a logged or an unlogged user. A user can change the selected service package and ha can also select optional products to buy with. On submit, the order is displayed in the confirmation page.</a:t>
+            </a:r>
+          </a:p>
+        </p:txBody>
+      </p:sp>
     </p:spTree>
     <p:extLst>
       <p:ext uri="{BB962C8B-B14F-4D97-AF65-F5344CB8AC3E}">
-        <p14:creationId xmlns:p14="http://schemas.microsoft.com/office/powerpoint/2010/main" val="2330045457"/>
+        <p14:creationId xmlns:p14="http://schemas.microsoft.com/office/powerpoint/2010/main" val="4211542265"/>
       </p:ext>
     </p:extLst>
   </p:cSld>
@@ -30300,17 +30624,17 @@
           <a:p>
             <a:r>
               <a:rPr lang="en-GB" dirty="0"/>
-              <a:t>Finally, a logged user, can access the payment page. Once selected the payment method it is possible to confirm the operation, and the result is then displayed.</a:t>
+              <a:t>To confirm an order a user has to be logged in. If not he can only see the details of the order but he has to complete the login/registration to proceed. Once an order is confirmed the payment page is displayed.</a:t>
             </a:r>
           </a:p>
         </p:txBody>
       </p:sp>
       <p:pic>
         <p:nvPicPr>
-          <p:cNvPr id="7" name="Segnaposto contenuto 6">
-            <a:extLst>
-              <a:ext uri="{FF2B5EF4-FFF2-40B4-BE49-F238E27FC236}">
-                <a16:creationId xmlns:a16="http://schemas.microsoft.com/office/drawing/2014/main" id="{8DF93606-A80F-70B1-2977-570730695201}"/>
+          <p:cNvPr id="6" name="Segnaposto contenuto 5">
+            <a:extLst>
+              <a:ext uri="{FF2B5EF4-FFF2-40B4-BE49-F238E27FC236}">
+                <a16:creationId xmlns:a16="http://schemas.microsoft.com/office/drawing/2014/main" id="{1ADB4569-E02F-9465-990B-B80D65773590}"/>
               </a:ext>
             </a:extLst>
           </p:cNvPr>
@@ -30335,15 +30659,51 @@
         </p:blipFill>
         <p:spPr>
           <a:xfrm>
-            <a:off x="2224942" y="2045807"/>
-            <a:ext cx="7742115" cy="4351338"/>
+            <a:off x="1458410" y="1768808"/>
+            <a:ext cx="9658602" cy="5425864"/>
           </a:xfrm>
         </p:spPr>
       </p:pic>
+      <p:sp>
+        <p:nvSpPr>
+          <p:cNvPr id="7" name="CasellaDiTesto 6">
+            <a:extLst>
+              <a:ext uri="{FF2B5EF4-FFF2-40B4-BE49-F238E27FC236}">
+                <a16:creationId xmlns:a16="http://schemas.microsoft.com/office/drawing/2014/main" id="{E3913663-CBE9-4B64-BC14-E74EA55B3743}"/>
+              </a:ext>
+            </a:extLst>
+          </p:cNvPr>
+          <p:cNvSpPr txBox="1"/>
+          <p:nvPr/>
+        </p:nvSpPr>
+        <p:spPr>
+          <a:xfrm>
+            <a:off x="1300454" y="3844409"/>
+            <a:ext cx="271462" cy="261610"/>
+          </a:xfrm>
+          <a:prstGeom prst="rect">
+            <a:avLst/>
+          </a:prstGeom>
+          <a:noFill/>
+        </p:spPr>
+        <p:txBody>
+          <a:bodyPr wrap="square">
+            <a:spAutoFit/>
+          </a:bodyPr>
+          <a:lstStyle/>
+          <a:p>
+            <a:r>
+              <a:rPr lang="en-GB" sz="1100" dirty="0"/>
+              <a:t>u</a:t>
+            </a:r>
+            <a:endParaRPr lang="it-IT" sz="1100" dirty="0"/>
+          </a:p>
+        </p:txBody>
+      </p:sp>
     </p:spTree>
     <p:extLst>
       <p:ext uri="{BB962C8B-B14F-4D97-AF65-F5344CB8AC3E}">
-        <p14:creationId xmlns:p14="http://schemas.microsoft.com/office/powerpoint/2010/main" val="4289409612"/>
+        <p14:creationId xmlns:p14="http://schemas.microsoft.com/office/powerpoint/2010/main" val="2330045457"/>
       </p:ext>
     </p:extLst>
   </p:cSld>
@@ -30372,10 +30732,10 @@
       </p:grpSpPr>
       <p:sp>
         <p:nvSpPr>
-          <p:cNvPr id="4" name="Titolo 3">
-            <a:extLst>
-              <a:ext uri="{FF2B5EF4-FFF2-40B4-BE49-F238E27FC236}">
-                <a16:creationId xmlns:a16="http://schemas.microsoft.com/office/drawing/2014/main" id="{6FB04A75-5C58-4DA6-8993-B68A5E7E53D0}"/>
+          <p:cNvPr id="2" name="Title 1">
+            <a:extLst>
+              <a:ext uri="{FF2B5EF4-FFF2-40B4-BE49-F238E27FC236}">
+                <a16:creationId xmlns:a16="http://schemas.microsoft.com/office/drawing/2014/main" id="{F653702C-D484-421B-B89A-F53BA38ED0B5}"/>
               </a:ext>
             </a:extLst>
           </p:cNvPr>
@@ -30383,7 +30743,7 @@
             <a:spLocks noGrp="1"/>
           </p:cNvSpPr>
           <p:nvPr>
-            <p:ph type="ctrTitle"/>
+            <p:ph type="title"/>
           </p:nvPr>
         </p:nvSpPr>
         <p:spPr/>
@@ -30391,19 +30751,88 @@
           <a:bodyPr/>
           <a:lstStyle/>
           <a:p>
-            <a:pPr algn="ctr"/>
-            <a:r>
-              <a:rPr lang="en-US" dirty="0"/>
-              <a:t>Components</a:t>
+            <a:r>
+              <a:rPr lang="en-US" dirty="0"/>
+              <a:t>Functional analysis of the interaction</a:t>
             </a:r>
             <a:endParaRPr lang="it-IT" dirty="0"/>
           </a:p>
         </p:txBody>
       </p:sp>
+      <p:sp>
+        <p:nvSpPr>
+          <p:cNvPr id="27" name="CasellaDiTesto 26">
+            <a:extLst>
+              <a:ext uri="{FF2B5EF4-FFF2-40B4-BE49-F238E27FC236}">
+                <a16:creationId xmlns:a16="http://schemas.microsoft.com/office/drawing/2014/main" id="{4B53FF9C-0F94-9D92-B927-33AD4A4B3475}"/>
+              </a:ext>
+            </a:extLst>
+          </p:cNvPr>
+          <p:cNvSpPr txBox="1"/>
+          <p:nvPr/>
+        </p:nvSpPr>
+        <p:spPr>
+          <a:xfrm>
+            <a:off x="659757" y="1169582"/>
+            <a:ext cx="11076973" cy="646331"/>
+          </a:xfrm>
+          <a:prstGeom prst="rect">
+            <a:avLst/>
+          </a:prstGeom>
+          <a:noFill/>
+        </p:spPr>
+        <p:txBody>
+          <a:bodyPr wrap="square">
+            <a:spAutoFit/>
+          </a:bodyPr>
+          <a:lstStyle/>
+          <a:p>
+            <a:r>
+              <a:rPr lang="en-GB" dirty="0"/>
+              <a:t>Finally, a logged user, can access the payment page. Once selected the payment method it is possible to confirm the operation, and the result is then displayed.</a:t>
+            </a:r>
+          </a:p>
+        </p:txBody>
+      </p:sp>
+      <p:pic>
+        <p:nvPicPr>
+          <p:cNvPr id="7" name="Segnaposto contenuto 6">
+            <a:extLst>
+              <a:ext uri="{FF2B5EF4-FFF2-40B4-BE49-F238E27FC236}">
+                <a16:creationId xmlns:a16="http://schemas.microsoft.com/office/drawing/2014/main" id="{8DF93606-A80F-70B1-2977-570730695201}"/>
+              </a:ext>
+            </a:extLst>
+          </p:cNvPr>
+          <p:cNvPicPr>
+            <a:picLocks noGrp="1" noChangeAspect="1"/>
+          </p:cNvPicPr>
+          <p:nvPr>
+            <p:ph idx="1"/>
+          </p:nvPr>
+        </p:nvPicPr>
+        <p:blipFill>
+          <a:blip r:embed="rId2">
+            <a:extLst>
+              <a:ext uri="{28A0092B-C50C-407E-A947-70E740481C1C}">
+                <a14:useLocalDpi xmlns:a14="http://schemas.microsoft.com/office/drawing/2010/main" val="0"/>
+              </a:ext>
+            </a:extLst>
+          </a:blip>
+          <a:stretch>
+            <a:fillRect/>
+          </a:stretch>
+        </p:blipFill>
+        <p:spPr>
+          <a:xfrm>
+            <a:off x="2224942" y="2045807"/>
+            <a:ext cx="7742115" cy="4351338"/>
+          </a:xfrm>
+        </p:spPr>
+      </p:pic>
     </p:spTree>
     <p:extLst>
       <p:ext uri="{BB962C8B-B14F-4D97-AF65-F5344CB8AC3E}">
-        <p14:creationId xmlns:p14="http://schemas.microsoft.com/office/powerpoint/2010/main" val="599027610"/>
+        <p14:creationId xmlns:p14="http://schemas.microsoft.com/office/powerpoint/2010/main" val="4289409612"/>
       </p:ext>
     </p:extLst>
   </p:cSld>
@@ -30432,10 +30861,10 @@
       </p:grpSpPr>
       <p:sp>
         <p:nvSpPr>
-          <p:cNvPr id="2" name="Title 1">
-            <a:extLst>
-              <a:ext uri="{FF2B5EF4-FFF2-40B4-BE49-F238E27FC236}">
-                <a16:creationId xmlns:a16="http://schemas.microsoft.com/office/drawing/2014/main" id="{1B4C7D1E-4177-4871-83AE-DB71FB4D146E}"/>
+          <p:cNvPr id="4" name="Titolo 3">
+            <a:extLst>
+              <a:ext uri="{FF2B5EF4-FFF2-40B4-BE49-F238E27FC236}">
+                <a16:creationId xmlns:a16="http://schemas.microsoft.com/office/drawing/2014/main" id="{6FB04A75-5C58-4DA6-8993-B68A5E7E53D0}"/>
               </a:ext>
             </a:extLst>
           </p:cNvPr>
@@ -30443,7 +30872,7 @@
             <a:spLocks noGrp="1"/>
           </p:cNvSpPr>
           <p:nvPr>
-            <p:ph type="title"/>
+            <p:ph type="ctrTitle"/>
           </p:nvPr>
         </p:nvSpPr>
         <p:spPr/>
@@ -30451,186 +30880,10 @@
           <a:bodyPr/>
           <a:lstStyle/>
           <a:p>
-            <a:r>
-              <a:rPr lang="en-US" dirty="0"/>
-              <a:t>Client components</a:t>
-            </a:r>
-            <a:endParaRPr lang="it-IT" dirty="0"/>
-          </a:p>
-        </p:txBody>
-      </p:sp>
-      <p:sp>
-        <p:nvSpPr>
-          <p:cNvPr id="3" name="Content Placeholder 2">
-            <a:extLst>
-              <a:ext uri="{FF2B5EF4-FFF2-40B4-BE49-F238E27FC236}">
-                <a16:creationId xmlns:a16="http://schemas.microsoft.com/office/drawing/2014/main" id="{0BF956C1-9D15-4FAC-8CF1-B9774F29A85F}"/>
-              </a:ext>
-            </a:extLst>
-          </p:cNvPr>
-          <p:cNvSpPr>
-            <a:spLocks noGrp="1"/>
-          </p:cNvSpPr>
-          <p:nvPr>
-            <p:ph sz="half" idx="1"/>
-          </p:nvPr>
-        </p:nvSpPr>
-        <p:spPr/>
-        <p:txBody>
-          <a:bodyPr>
-            <a:normAutofit/>
-          </a:bodyPr>
-          <a:lstStyle/>
-          <a:p>
-            <a:r>
-              <a:rPr lang="en-US" dirty="0" err="1"/>
-              <a:t>AdminHomeServlet</a:t>
-            </a:r>
-            <a:r>
-              <a:rPr lang="en-US" dirty="0"/>
-              <a:t>: </a:t>
-            </a:r>
-          </a:p>
-          <a:p>
-            <a:r>
-              <a:rPr lang="en-US" dirty="0" err="1"/>
-              <a:t>AdminLoginServlet</a:t>
-            </a:r>
-            <a:r>
-              <a:rPr lang="en-US" dirty="0"/>
-              <a:t>: </a:t>
-            </a:r>
-          </a:p>
-          <a:p>
-            <a:r>
-              <a:rPr lang="en-US" dirty="0" err="1"/>
-              <a:t>AdminOptionalProductServlet</a:t>
-            </a:r>
-            <a:r>
-              <a:rPr lang="en-US" dirty="0"/>
-              <a:t>: </a:t>
-            </a:r>
-          </a:p>
-          <a:p>
-            <a:r>
-              <a:rPr lang="en-US" dirty="0" err="1"/>
-              <a:t>AdminServicePackageServlet</a:t>
-            </a:r>
-            <a:r>
-              <a:rPr lang="en-US" dirty="0"/>
-              <a:t>: </a:t>
-            </a:r>
-          </a:p>
-          <a:p>
-            <a:r>
-              <a:rPr lang="en-US" dirty="0" err="1"/>
-              <a:t>AdminStatsServlet</a:t>
-            </a:r>
-            <a:r>
-              <a:rPr lang="en-US" dirty="0"/>
-              <a:t>: </a:t>
-            </a:r>
-          </a:p>
-          <a:p>
-            <a:r>
-              <a:rPr lang="en-US" dirty="0" err="1"/>
-              <a:t>ConfirmOrderServlet</a:t>
-            </a:r>
-            <a:r>
-              <a:rPr lang="en-US" dirty="0"/>
-              <a:t>: </a:t>
-            </a:r>
-          </a:p>
-          <a:p>
-            <a:r>
-              <a:rPr lang="en-US" dirty="0" err="1"/>
-              <a:t>CreateOrderServlet</a:t>
-            </a:r>
-            <a:r>
-              <a:rPr lang="en-US" dirty="0"/>
-              <a:t>: </a:t>
-            </a:r>
-          </a:p>
-        </p:txBody>
-      </p:sp>
-      <p:sp>
-        <p:nvSpPr>
-          <p:cNvPr id="4" name="Segnaposto contenuto 3">
-            <a:extLst>
-              <a:ext uri="{FF2B5EF4-FFF2-40B4-BE49-F238E27FC236}">
-                <a16:creationId xmlns:a16="http://schemas.microsoft.com/office/drawing/2014/main" id="{24BAFD88-BCE0-4D6D-A8D8-42752BC55138}"/>
-              </a:ext>
-            </a:extLst>
-          </p:cNvPr>
-          <p:cNvSpPr>
-            <a:spLocks noGrp="1"/>
-          </p:cNvSpPr>
-          <p:nvPr>
-            <p:ph sz="half" idx="2"/>
-          </p:nvPr>
-        </p:nvSpPr>
-        <p:spPr/>
-        <p:txBody>
-          <a:bodyPr/>
-          <a:lstStyle/>
-          <a:p>
-            <a:r>
-              <a:rPr lang="en-US" dirty="0" err="1"/>
-              <a:t>HomeServlet</a:t>
-            </a:r>
-            <a:r>
-              <a:rPr lang="en-US" dirty="0"/>
-              <a:t>: </a:t>
-            </a:r>
-          </a:p>
-          <a:p>
-            <a:r>
-              <a:rPr lang="en-US" dirty="0" err="1"/>
-              <a:t>LoginServlet</a:t>
-            </a:r>
-            <a:r>
-              <a:rPr lang="en-US" dirty="0"/>
-              <a:t>: </a:t>
-            </a:r>
-          </a:p>
-          <a:p>
-            <a:r>
-              <a:rPr lang="en-US" dirty="0" err="1"/>
-              <a:t>LogoutAdminServlet</a:t>
-            </a:r>
-            <a:r>
-              <a:rPr lang="en-US" dirty="0"/>
-              <a:t>: </a:t>
-            </a:r>
-          </a:p>
-          <a:p>
-            <a:r>
-              <a:rPr lang="en-US" dirty="0" err="1"/>
-              <a:t>LogoutServlet</a:t>
-            </a:r>
-            <a:r>
-              <a:rPr lang="en-US" dirty="0"/>
-              <a:t>: </a:t>
-            </a:r>
-          </a:p>
-          <a:p>
-            <a:r>
-              <a:rPr lang="en-US" dirty="0" err="1"/>
-              <a:t>PaymentServlet</a:t>
-            </a:r>
-            <a:r>
-              <a:rPr lang="en-US" dirty="0"/>
-              <a:t>: </a:t>
-            </a:r>
-          </a:p>
-          <a:p>
-            <a:r>
-              <a:rPr lang="en-US" dirty="0" err="1"/>
-              <a:t>RegisterServlet</a:t>
-            </a:r>
-            <a:r>
-              <a:rPr lang="en-US" dirty="0"/>
-              <a:t>: </a:t>
+            <a:pPr algn="ctr"/>
+            <a:r>
+              <a:rPr lang="en-US" dirty="0"/>
+              <a:t>Components</a:t>
             </a:r>
             <a:endParaRPr lang="it-IT" dirty="0"/>
           </a:p>
@@ -30639,7 +30892,7 @@
     </p:spTree>
     <p:extLst>
       <p:ext uri="{BB962C8B-B14F-4D97-AF65-F5344CB8AC3E}">
-        <p14:creationId xmlns:p14="http://schemas.microsoft.com/office/powerpoint/2010/main" val="2040485452"/>
+        <p14:creationId xmlns:p14="http://schemas.microsoft.com/office/powerpoint/2010/main" val="599027610"/>
       </p:ext>
     </p:extLst>
   </p:cSld>
@@ -30668,10 +30921,10 @@
       </p:grpSpPr>
       <p:sp>
         <p:nvSpPr>
-          <p:cNvPr id="2" name="Titolo 1">
-            <a:extLst>
-              <a:ext uri="{FF2B5EF4-FFF2-40B4-BE49-F238E27FC236}">
-                <a16:creationId xmlns:a16="http://schemas.microsoft.com/office/drawing/2014/main" id="{63503299-25DE-4CEA-8E01-DA7E9E6BC352}"/>
+          <p:cNvPr id="2" name="Title 1">
+            <a:extLst>
+              <a:ext uri="{FF2B5EF4-FFF2-40B4-BE49-F238E27FC236}">
+                <a16:creationId xmlns:a16="http://schemas.microsoft.com/office/drawing/2014/main" id="{1B4C7D1E-4177-4871-83AE-DB71FB4D146E}"/>
               </a:ext>
             </a:extLst>
           </p:cNvPr>
@@ -30689,7 +30942,7 @@
           <a:p>
             <a:r>
               <a:rPr lang="en-US" dirty="0"/>
-              <a:t>Views</a:t>
+              <a:t>Client components</a:t>
             </a:r>
             <a:endParaRPr lang="it-IT" dirty="0"/>
           </a:p>
@@ -30697,10 +30950,10 @@
       </p:sp>
       <p:sp>
         <p:nvSpPr>
-          <p:cNvPr id="5" name="Segnaposto contenuto 4">
-            <a:extLst>
-              <a:ext uri="{FF2B5EF4-FFF2-40B4-BE49-F238E27FC236}">
-                <a16:creationId xmlns:a16="http://schemas.microsoft.com/office/drawing/2014/main" id="{D61F001A-553C-4294-A691-31D2AA067FE6}"/>
+          <p:cNvPr id="3" name="Content Placeholder 2">
+            <a:extLst>
+              <a:ext uri="{FF2B5EF4-FFF2-40B4-BE49-F238E27FC236}">
+                <a16:creationId xmlns:a16="http://schemas.microsoft.com/office/drawing/2014/main" id="{0BF956C1-9D15-4FAC-8CF1-B9774F29A85F}"/>
               </a:ext>
             </a:extLst>
           </p:cNvPr>
@@ -30713,54 +30966,78 @@
         </p:nvSpPr>
         <p:spPr/>
         <p:txBody>
-          <a:bodyPr/>
+          <a:bodyPr>
+            <a:normAutofit fontScale="92500" lnSpcReduction="20000"/>
+          </a:bodyPr>
           <a:lstStyle/>
           <a:p>
             <a:r>
-              <a:rPr lang="en-US" dirty="0"/>
-              <a:t>adminDashboard.html: </a:t>
-            </a:r>
-          </a:p>
-          <a:p>
-            <a:r>
-              <a:rPr lang="en-US" dirty="0"/>
-              <a:t>adminLogin.html: </a:t>
-            </a:r>
-          </a:p>
-          <a:p>
-            <a:r>
-              <a:rPr lang="en-US" dirty="0"/>
-              <a:t>adminStats.html: </a:t>
-            </a:r>
-          </a:p>
-          <a:p>
-            <a:r>
-              <a:rPr lang="en-US" dirty="0"/>
-              <a:t>buyService.html: </a:t>
-            </a:r>
-          </a:p>
-          <a:p>
-            <a:r>
-              <a:rPr lang="en-US" dirty="0"/>
-              <a:t>confirmationPage.html: </a:t>
-            </a:r>
-          </a:p>
-          <a:p>
-            <a:r>
-              <a:rPr lang="en-US" dirty="0"/>
-              <a:t>index.html: </a:t>
-            </a:r>
-          </a:p>
-          <a:p>
-            <a:r>
-              <a:rPr lang="en-US" dirty="0"/>
-              <a:t>paymentPage.html: </a:t>
-            </a:r>
-          </a:p>
-          <a:p>
-            <a:r>
-              <a:rPr lang="en-US" dirty="0"/>
-              <a:t>paymentResult.html: </a:t>
+              <a:rPr lang="en-US" dirty="0" err="1"/>
+              <a:t>AdminLoginServlet</a:t>
+            </a:r>
+            <a:r>
+              <a:rPr lang="en-US" dirty="0"/>
+              <a:t>: handle the login process of an administrator.</a:t>
+            </a:r>
+          </a:p>
+          <a:p>
+            <a:r>
+              <a:rPr lang="en-US" dirty="0" err="1"/>
+              <a:t>LogoutAdminServlet</a:t>
+            </a:r>
+            <a:r>
+              <a:rPr lang="en-US" dirty="0"/>
+              <a:t>: handle the logout process of an administrator.</a:t>
+            </a:r>
+          </a:p>
+          <a:p>
+            <a:r>
+              <a:rPr lang="en-US" dirty="0" err="1"/>
+              <a:t>AdminHomeServlet</a:t>
+            </a:r>
+            <a:r>
+              <a:rPr lang="en-US" dirty="0"/>
+              <a:t>: retrieve from the DB all the information useful for the dashboard page.</a:t>
+            </a:r>
+          </a:p>
+          <a:p>
+            <a:r>
+              <a:rPr lang="en-US" dirty="0" err="1"/>
+              <a:t>AdminOptionalProductServlet</a:t>
+            </a:r>
+            <a:r>
+              <a:rPr lang="en-US" dirty="0"/>
+              <a:t>: let the administrator create a new optional product, checking if it is already existing or not.</a:t>
+            </a:r>
+          </a:p>
+          <a:p>
+            <a:r>
+              <a:rPr lang="en-US" dirty="0" err="1"/>
+              <a:t>AdminServicePackageServlet</a:t>
+            </a:r>
+            <a:r>
+              <a:rPr lang="en-US" dirty="0"/>
+              <a:t>: let the administrator create a new service package, checking if it is already existing or not.</a:t>
+            </a:r>
+          </a:p>
+          <a:p>
+            <a:r>
+              <a:rPr lang="en-US" dirty="0" err="1"/>
+              <a:t>AdminServiceServlet</a:t>
+            </a:r>
+            <a:r>
+              <a:rPr lang="en-US" dirty="0"/>
+              <a:t>: let the administrator create a new service, checking if it is already existing or not.</a:t>
+            </a:r>
+          </a:p>
+          <a:p>
+            <a:r>
+              <a:rPr lang="en-US" dirty="0" err="1"/>
+              <a:t>AdminStatsServlet</a:t>
+            </a:r>
+            <a:r>
+              <a:rPr lang="en-US" dirty="0"/>
+              <a:t>: retrieve from the DB all the information stored in all the materialized view.</a:t>
             </a:r>
           </a:p>
         </p:txBody>
@@ -30768,7 +31045,7 @@
     </p:spTree>
     <p:extLst>
       <p:ext uri="{BB962C8B-B14F-4D97-AF65-F5344CB8AC3E}">
-        <p14:creationId xmlns:p14="http://schemas.microsoft.com/office/powerpoint/2010/main" val="126578294"/>
+        <p14:creationId xmlns:p14="http://schemas.microsoft.com/office/powerpoint/2010/main" val="2040485452"/>
       </p:ext>
     </p:extLst>
   </p:cSld>
@@ -30797,10 +31074,10 @@
       </p:grpSpPr>
       <p:sp>
         <p:nvSpPr>
-          <p:cNvPr id="2" name="Titolo 1">
-            <a:extLst>
-              <a:ext uri="{FF2B5EF4-FFF2-40B4-BE49-F238E27FC236}">
-                <a16:creationId xmlns:a16="http://schemas.microsoft.com/office/drawing/2014/main" id="{6525DFD3-DADF-4A03-95E2-43CC446600A6}"/>
+          <p:cNvPr id="5" name="Titolo 4">
+            <a:extLst>
+              <a:ext uri="{FF2B5EF4-FFF2-40B4-BE49-F238E27FC236}">
+                <a16:creationId xmlns:a16="http://schemas.microsoft.com/office/drawing/2014/main" id="{CA497558-C585-4516-88CA-202ADD41FCB4}"/>
               </a:ext>
             </a:extLst>
           </p:cNvPr>
@@ -30818,7 +31095,7 @@
           <a:p>
             <a:r>
               <a:rPr lang="en-US" dirty="0"/>
-              <a:t>Java beans</a:t>
+              <a:t>Client components</a:t>
             </a:r>
             <a:endParaRPr lang="it-IT" dirty="0"/>
           </a:p>
@@ -30826,10 +31103,10 @@
       </p:sp>
       <p:sp>
         <p:nvSpPr>
-          <p:cNvPr id="3" name="Segnaposto contenuto 2">
-            <a:extLst>
-              <a:ext uri="{FF2B5EF4-FFF2-40B4-BE49-F238E27FC236}">
-                <a16:creationId xmlns:a16="http://schemas.microsoft.com/office/drawing/2014/main" id="{45287E06-3FF0-4074-9167-BDDA5CF5E789}"/>
+          <p:cNvPr id="6" name="Segnaposto contenuto 5">
+            <a:extLst>
+              <a:ext uri="{FF2B5EF4-FFF2-40B4-BE49-F238E27FC236}">
+                <a16:creationId xmlns:a16="http://schemas.microsoft.com/office/drawing/2014/main" id="{8D80C448-19CA-4325-A593-8BD9A3F430B9}"/>
               </a:ext>
             </a:extLst>
           </p:cNvPr>
@@ -30842,39 +31119,86 @@
         </p:nvSpPr>
         <p:spPr/>
         <p:txBody>
-          <a:bodyPr/>
+          <a:bodyPr>
+            <a:normAutofit fontScale="77500" lnSpcReduction="20000"/>
+          </a:bodyPr>
           <a:lstStyle/>
           <a:p>
             <a:r>
               <a:rPr lang="en-US" dirty="0" err="1"/>
-              <a:t>OptionalProductBean</a:t>
-            </a:r>
-            <a:r>
-              <a:rPr lang="en-US" dirty="0"/>
-              <a:t>:</a:t>
-            </a:r>
-            <a:r>
-              <a:rPr lang="it-IT" dirty="0"/>
-              <a:t> </a:t>
-            </a:r>
-          </a:p>
-          <a:p>
-            <a:r>
-              <a:rPr lang="it-IT" dirty="0" err="1"/>
-              <a:t>PendingOrderBean</a:t>
-            </a:r>
-            <a:r>
-              <a:rPr lang="it-IT" dirty="0"/>
-              <a:t>: </a:t>
-            </a:r>
-            <a:endParaRPr lang="en-US" dirty="0"/>
+              <a:t>RegisterServlet</a:t>
+            </a:r>
+            <a:r>
+              <a:rPr lang="en-US" dirty="0"/>
+              <a:t>: handle the register process of a user.</a:t>
+            </a:r>
+          </a:p>
+          <a:p>
+            <a:r>
+              <a:rPr lang="en-US" dirty="0" err="1"/>
+              <a:t>LoginServlet</a:t>
+            </a:r>
+            <a:r>
+              <a:rPr lang="en-US" dirty="0"/>
+              <a:t>: handle the login process of a user.</a:t>
+            </a:r>
+          </a:p>
+          <a:p>
+            <a:r>
+              <a:rPr lang="en-US" dirty="0" err="1"/>
+              <a:t>LogoutServlet</a:t>
+            </a:r>
+            <a:r>
+              <a:rPr lang="en-US" dirty="0"/>
+              <a:t>: handle the logout process of a user.</a:t>
+            </a:r>
+          </a:p>
+          <a:p>
+            <a:r>
+              <a:rPr lang="en-US" dirty="0" err="1"/>
+              <a:t>HomeServlet</a:t>
+            </a:r>
+            <a:r>
+              <a:rPr lang="en-US" dirty="0"/>
+              <a:t>: retrieve from the DB all the service packages and all the orders in pending of the current user (if it is logged).</a:t>
+            </a:r>
+          </a:p>
+          <a:p>
+            <a:r>
+              <a:rPr lang="en-US" dirty="0" err="1"/>
+              <a:t>CreateOrderServlet</a:t>
+            </a:r>
+            <a:r>
+              <a:rPr lang="en-US" dirty="0"/>
+              <a:t>: retrieve in GET all the service package and do a POST when the user has fill all the mandatory fields (creating a pending order and setting it in the session).</a:t>
+            </a:r>
+          </a:p>
+          <a:p>
+            <a:r>
+              <a:rPr lang="en-US" dirty="0" err="1"/>
+              <a:t>ConfirmOrderServlet</a:t>
+            </a:r>
+            <a:r>
+              <a:rPr lang="en-US" dirty="0"/>
+              <a:t>: retrieve in GET the order from the session and show all its parameter. A POST is done when the logged user confirm the order and an order entity is stored in the DB.</a:t>
+            </a:r>
+          </a:p>
+          <a:p>
+            <a:r>
+              <a:rPr lang="en-US" dirty="0" err="1"/>
+              <a:t>PaymentServlet</a:t>
+            </a:r>
+            <a:r>
+              <a:rPr lang="en-US" dirty="0"/>
+              <a:t>: retrieve and show in GET all the information of an order that the user has to pay. A POST is done when the user tries to do a payment and the servlet save in the DB the result of the current payment (modifying also the status of the order if the payment has been successful (1) or if the payment has failed (2)).</a:t>
+            </a:r>
           </a:p>
         </p:txBody>
       </p:sp>
     </p:spTree>
     <p:extLst>
       <p:ext uri="{BB962C8B-B14F-4D97-AF65-F5344CB8AC3E}">
-        <p14:creationId xmlns:p14="http://schemas.microsoft.com/office/powerpoint/2010/main" val="2705432759"/>
+        <p14:creationId xmlns:p14="http://schemas.microsoft.com/office/powerpoint/2010/main" val="2110407128"/>
       </p:ext>
     </p:extLst>
   </p:cSld>
@@ -30906,7 +31230,7 @@
           <p:cNvPr id="2" name="Titolo 1">
             <a:extLst>
               <a:ext uri="{FF2B5EF4-FFF2-40B4-BE49-F238E27FC236}">
-                <a16:creationId xmlns:a16="http://schemas.microsoft.com/office/drawing/2014/main" id="{D0D709DE-F7A7-41D3-B003-A1AE4FBBFD93}"/>
+                <a16:creationId xmlns:a16="http://schemas.microsoft.com/office/drawing/2014/main" id="{63503299-25DE-4CEA-8E01-DA7E9E6BC352}"/>
               </a:ext>
             </a:extLst>
           </p:cNvPr>
@@ -30924,7 +31248,7 @@
           <a:p>
             <a:r>
               <a:rPr lang="en-US" dirty="0"/>
-              <a:t>Business tier</a:t>
+              <a:t>Views</a:t>
             </a:r>
             <a:endParaRPr lang="it-IT" dirty="0"/>
           </a:p>
@@ -30932,10 +31256,10 @@
       </p:sp>
       <p:sp>
         <p:nvSpPr>
-          <p:cNvPr id="4" name="Segnaposto contenuto 3">
-            <a:extLst>
-              <a:ext uri="{FF2B5EF4-FFF2-40B4-BE49-F238E27FC236}">
-                <a16:creationId xmlns:a16="http://schemas.microsoft.com/office/drawing/2014/main" id="{2E96264E-68A8-4CB3-B2B2-99DE4B711CA5}"/>
+          <p:cNvPr id="5" name="Segnaposto contenuto 4">
+            <a:extLst>
+              <a:ext uri="{FF2B5EF4-FFF2-40B4-BE49-F238E27FC236}">
+                <a16:creationId xmlns:a16="http://schemas.microsoft.com/office/drawing/2014/main" id="{D61F001A-553C-4294-A691-31D2AA067FE6}"/>
               </a:ext>
             </a:extLst>
           </p:cNvPr>
@@ -30943,353 +31267,77 @@
             <a:spLocks noGrp="1"/>
           </p:cNvSpPr>
           <p:nvPr>
-            <p:ph sz="half" idx="1"/>
+            <p:ph idx="1"/>
           </p:nvPr>
         </p:nvSpPr>
         <p:spPr/>
         <p:txBody>
           <a:bodyPr>
-            <a:normAutofit fontScale="77500" lnSpcReduction="20000"/>
+            <a:normAutofit fontScale="70000" lnSpcReduction="20000"/>
           </a:bodyPr>
           <a:lstStyle/>
           <a:p>
             <a:r>
               <a:rPr lang="en-US" dirty="0"/>
-              <a:t>@Stateless</a:t>
-            </a:r>
-            <a:r>
-              <a:rPr lang="it-IT" dirty="0"/>
-              <a:t> </a:t>
-            </a:r>
-            <a:r>
-              <a:rPr lang="it-IT" dirty="0" err="1"/>
-              <a:t>AdministratorService</a:t>
-            </a:r>
-            <a:endParaRPr lang="it-IT" dirty="0"/>
-          </a:p>
-          <a:p>
-            <a:pPr lvl="1"/>
-            <a:r>
-              <a:rPr lang="it-IT" dirty="0" err="1"/>
-              <a:t>getAdministratorByEmail</a:t>
-            </a:r>
-            <a:r>
-              <a:rPr lang="it-IT" dirty="0"/>
-              <a:t>(String)</a:t>
-            </a:r>
-          </a:p>
-          <a:p>
-            <a:r>
-              <a:rPr lang="en-US" dirty="0"/>
-              <a:t>@Stateless </a:t>
+              <a:t>adminLogin.html: where the administrator logs in. Mapped at “/admin/login”.</a:t>
+            </a:r>
+          </a:p>
+          <a:p>
+            <a:r>
+              <a:rPr lang="en-US" dirty="0"/>
+              <a:t>adminDashboard.html: where the administrator can create service packages, optional products or services. Mapped at “admin/dashboard”.</a:t>
+            </a:r>
+          </a:p>
+          <a:p>
+            <a:r>
+              <a:rPr lang="en-US" dirty="0"/>
+              <a:t>adminStats.html: where the administrator check the statistics retrieved from the materialized views. Mapped at “admin/stats”.</a:t>
+            </a:r>
+          </a:p>
+          <a:p>
+            <a:r>
+              <a:rPr lang="en-US" dirty="0"/>
+              <a:t>index.html: the landing page where are present all the service packages available. Mapped at “/”.</a:t>
+            </a:r>
+          </a:p>
+          <a:p>
+            <a:r>
+              <a:rPr lang="en-US" dirty="0"/>
+              <a:t>buyService.html: where the user fill all the required parameters to buy a service package. Mapped at “/order/create/</a:t>
             </a:r>
             <a:r>
               <a:rPr lang="en-US" dirty="0" err="1"/>
-              <a:t>AlertService</a:t>
-            </a:r>
-            <a:endParaRPr lang="en-US" dirty="0"/>
-          </a:p>
-          <a:p>
-            <a:pPr lvl="1"/>
+              <a:t>pId</a:t>
+            </a:r>
+            <a:r>
+              <a:rPr lang="en-US" dirty="0"/>
+              <a:t>=?”.</a:t>
+            </a:r>
+          </a:p>
+          <a:p>
+            <a:r>
+              <a:rPr lang="en-US" dirty="0"/>
+              <a:t>confirmationPage.html: where the user confirm the order done in the previous page. Mapped at “/order/confirm”.</a:t>
+            </a:r>
+          </a:p>
+          <a:p>
+            <a:r>
+              <a:rPr lang="en-US" dirty="0"/>
+              <a:t>paymentPage.html: where the user can select the preferred payment method and then pay. Mapped at “/order/</a:t>
+            </a:r>
             <a:r>
               <a:rPr lang="en-US" dirty="0" err="1"/>
-              <a:t>getAllAlerts</a:t>
-            </a:r>
-            <a:r>
-              <a:rPr lang="en-US" dirty="0"/>
-              <a:t>()</a:t>
-            </a:r>
-          </a:p>
-          <a:p>
-            <a:r>
-              <a:rPr lang="en-US" dirty="0"/>
-              <a:t>@Stateless </a:t>
-            </a:r>
-            <a:r>
-              <a:rPr lang="en-US" dirty="0" err="1"/>
-              <a:t>AveragePurchaseOptionalPackageService</a:t>
-            </a:r>
-            <a:endParaRPr lang="en-US" dirty="0"/>
-          </a:p>
-          <a:p>
-            <a:pPr lvl="1"/>
-            <a:r>
-              <a:rPr lang="en-US" dirty="0" err="1"/>
-              <a:t>getAllAveragePurchaseOptionalPackages</a:t>
-            </a:r>
-            <a:r>
-              <a:rPr lang="en-US" dirty="0"/>
-              <a:t>()</a:t>
-            </a:r>
-          </a:p>
-          <a:p>
-            <a:r>
-              <a:rPr lang="en-US" dirty="0"/>
-              <a:t>@Stateless </a:t>
-            </a:r>
-            <a:r>
-              <a:rPr lang="en-US" dirty="0" err="1"/>
-              <a:t>InsolventUserService</a:t>
-            </a:r>
-            <a:endParaRPr lang="en-US" dirty="0"/>
-          </a:p>
-          <a:p>
-            <a:pPr lvl="1"/>
-            <a:r>
-              <a:rPr lang="en-US" dirty="0" err="1"/>
-              <a:t>getAllInsolventUsers</a:t>
-            </a:r>
-            <a:r>
-              <a:rPr lang="en-US" dirty="0"/>
-              <a:t>()</a:t>
-            </a:r>
-          </a:p>
-          <a:p>
-            <a:r>
-              <a:rPr lang="en-US" dirty="0"/>
-              <a:t>@Transactional </a:t>
-            </a:r>
-            <a:r>
-              <a:rPr lang="en-US" dirty="0" err="1"/>
-              <a:t>OptionalProductService</a:t>
-            </a:r>
-            <a:endParaRPr lang="en-US" dirty="0"/>
-          </a:p>
-          <a:p>
-            <a:pPr lvl="1"/>
-            <a:r>
-              <a:rPr lang="en-US" dirty="0" err="1"/>
-              <a:t>getOptionalProductById</a:t>
-            </a:r>
-            <a:r>
-              <a:rPr lang="en-US" dirty="0"/>
-              <a:t>(Integer)</a:t>
-            </a:r>
-          </a:p>
-          <a:p>
-            <a:pPr lvl="1"/>
-            <a:r>
-              <a:rPr lang="en-US" dirty="0" err="1"/>
-              <a:t>isOptionalProductAlreadyExisting</a:t>
-            </a:r>
-            <a:r>
-              <a:rPr lang="en-US" dirty="0"/>
-              <a:t>(String)</a:t>
-            </a:r>
-          </a:p>
-          <a:p>
-            <a:pPr lvl="1"/>
-            <a:r>
-              <a:rPr lang="en-US" dirty="0" err="1"/>
-              <a:t>getAllOptionalProducts</a:t>
-            </a:r>
-            <a:r>
-              <a:rPr lang="en-US" dirty="0"/>
-              <a:t>()</a:t>
-            </a:r>
-          </a:p>
-          <a:p>
-            <a:pPr lvl="1"/>
-            <a:r>
-              <a:rPr lang="en-US" dirty="0" err="1"/>
-              <a:t>createOptionalProduct</a:t>
-            </a:r>
-            <a:r>
-              <a:rPr lang="en-US" dirty="0"/>
-              <a:t>(</a:t>
-            </a:r>
-            <a:r>
-              <a:rPr lang="en-US" dirty="0" err="1"/>
-              <a:t>OptionalProduct</a:t>
-            </a:r>
-            <a:r>
-              <a:rPr lang="en-US" dirty="0"/>
-              <a:t>)</a:t>
-            </a:r>
-          </a:p>
-          <a:p>
-            <a:pPr lvl="1"/>
-            <a:endParaRPr lang="en-US" dirty="0"/>
-          </a:p>
-          <a:p>
-            <a:pPr lvl="1"/>
-            <a:endParaRPr lang="en-US" dirty="0"/>
-          </a:p>
-        </p:txBody>
-      </p:sp>
-      <p:sp>
-        <p:nvSpPr>
-          <p:cNvPr id="5" name="Segnaposto contenuto 4">
-            <a:extLst>
-              <a:ext uri="{FF2B5EF4-FFF2-40B4-BE49-F238E27FC236}">
-                <a16:creationId xmlns:a16="http://schemas.microsoft.com/office/drawing/2014/main" id="{76028AED-BFC2-4BE3-851B-4C6C1E344973}"/>
-              </a:ext>
-            </a:extLst>
-          </p:cNvPr>
-          <p:cNvSpPr>
-            <a:spLocks noGrp="1"/>
-          </p:cNvSpPr>
-          <p:nvPr>
-            <p:ph sz="half" idx="2"/>
-          </p:nvPr>
-        </p:nvSpPr>
-        <p:spPr>
-          <a:xfrm>
-            <a:off x="6172200" y="1825625"/>
-            <a:ext cx="5181600" cy="4351338"/>
-          </a:xfrm>
-        </p:spPr>
-        <p:txBody>
-          <a:bodyPr>
-            <a:normAutofit fontScale="77500" lnSpcReduction="20000"/>
-          </a:bodyPr>
-          <a:lstStyle/>
-          <a:p>
-            <a:r>
-              <a:rPr lang="en-US" dirty="0"/>
-              <a:t>@Transactional </a:t>
-            </a:r>
-            <a:r>
-              <a:rPr lang="en-US" dirty="0" err="1"/>
-              <a:t>OrderService</a:t>
-            </a:r>
-            <a:endParaRPr lang="en-US" dirty="0"/>
-          </a:p>
-          <a:p>
-            <a:pPr lvl="1"/>
-            <a:r>
-              <a:rPr lang="en-US" dirty="0" err="1"/>
-              <a:t>getOrderById</a:t>
-            </a:r>
-            <a:r>
-              <a:rPr lang="en-US" dirty="0"/>
-              <a:t>(Integer)</a:t>
-            </a:r>
-          </a:p>
-          <a:p>
-            <a:pPr lvl="1"/>
-            <a:r>
-              <a:rPr lang="en-US" dirty="0" err="1"/>
-              <a:t>getOrdersOfUser</a:t>
-            </a:r>
-            <a:r>
-              <a:rPr lang="en-US" dirty="0"/>
-              <a:t>(Integer)</a:t>
-            </a:r>
-          </a:p>
-          <a:p>
-            <a:pPr lvl="1"/>
-            <a:r>
-              <a:rPr lang="en-US" dirty="0" err="1"/>
-              <a:t>createOrder</a:t>
-            </a:r>
-            <a:r>
-              <a:rPr lang="en-US" dirty="0"/>
-              <a:t>(Order)</a:t>
-            </a:r>
-          </a:p>
-          <a:p>
-            <a:r>
-              <a:rPr lang="en-US" dirty="0"/>
-              <a:t>@Transactional </a:t>
-            </a:r>
-            <a:r>
-              <a:rPr lang="en-US" dirty="0" err="1"/>
-              <a:t>PaymentService</a:t>
-            </a:r>
-            <a:endParaRPr lang="en-US" dirty="0"/>
-          </a:p>
-          <a:p>
-            <a:pPr lvl="1"/>
-            <a:r>
-              <a:rPr lang="en-US" dirty="0" err="1"/>
-              <a:t>makePayment</a:t>
-            </a:r>
-            <a:r>
-              <a:rPr lang="en-US" dirty="0"/>
-              <a:t>(</a:t>
-            </a:r>
-            <a:r>
-              <a:rPr lang="en-US" dirty="0" err="1"/>
-              <a:t>PaymentHistory</a:t>
-            </a:r>
-            <a:r>
-              <a:rPr lang="en-US" dirty="0"/>
-              <a:t>)</a:t>
-            </a:r>
-          </a:p>
-          <a:p>
-            <a:r>
-              <a:rPr lang="en-US" dirty="0"/>
-              <a:t>@Transactional </a:t>
-            </a:r>
-            <a:r>
-              <a:rPr lang="en-US" dirty="0" err="1"/>
-              <a:t>ServicePackageService</a:t>
-            </a:r>
-            <a:endParaRPr lang="en-US" dirty="0"/>
-          </a:p>
-          <a:p>
-            <a:pPr lvl="1"/>
-            <a:r>
-              <a:rPr lang="en-US" dirty="0" err="1"/>
-              <a:t>getServicePackageById</a:t>
-            </a:r>
-            <a:r>
-              <a:rPr lang="en-US" dirty="0"/>
-              <a:t>(Integer)</a:t>
-            </a:r>
-          </a:p>
-          <a:p>
-            <a:pPr lvl="1"/>
-            <a:r>
-              <a:rPr lang="en-US" dirty="0" err="1"/>
-              <a:t>getServicePackageByName</a:t>
-            </a:r>
-            <a:r>
-              <a:rPr lang="en-US" dirty="0"/>
-              <a:t>(String)</a:t>
-            </a:r>
-          </a:p>
-          <a:p>
-            <a:pPr lvl="1"/>
-            <a:r>
-              <a:rPr lang="en-US" dirty="0" err="1"/>
-              <a:t>isServicePackageNameAlreadyExist</a:t>
-            </a:r>
-            <a:r>
-              <a:rPr lang="en-US" dirty="0"/>
-              <a:t>(name)</a:t>
-            </a:r>
-          </a:p>
-          <a:p>
-            <a:pPr lvl="1"/>
-            <a:r>
-              <a:rPr lang="en-US" dirty="0" err="1"/>
-              <a:t>getAllServicePackages</a:t>
-            </a:r>
-            <a:r>
-              <a:rPr lang="en-US" dirty="0"/>
-              <a:t>()</a:t>
-            </a:r>
-          </a:p>
-          <a:p>
-            <a:pPr lvl="1"/>
-            <a:r>
-              <a:rPr lang="en-US" dirty="0" err="1"/>
-              <a:t>createServicePackage</a:t>
-            </a:r>
-            <a:r>
-              <a:rPr lang="en-US" dirty="0"/>
-              <a:t>(</a:t>
-            </a:r>
-            <a:r>
-              <a:rPr lang="en-US" dirty="0" err="1"/>
-              <a:t>ServicePackage</a:t>
-            </a:r>
-            <a:r>
-              <a:rPr lang="en-US" dirty="0"/>
-              <a:t>)</a:t>
+              <a:t>pay?orderId</a:t>
+            </a:r>
+            <a:r>
+              <a:rPr lang="en-US" dirty="0"/>
+              <a:t>=?”.</a:t>
+            </a:r>
+          </a:p>
+          <a:p>
+            <a:r>
+              <a:rPr lang="en-US" dirty="0"/>
+              <a:t>paymentResult.html: where the user can see if the payment of his order has been successful or not. Mapped at “/order/pay”.</a:t>
             </a:r>
           </a:p>
         </p:txBody>
@@ -31297,7 +31345,7 @@
     </p:spTree>
     <p:extLst>
       <p:ext uri="{BB962C8B-B14F-4D97-AF65-F5344CB8AC3E}">
-        <p14:creationId xmlns:p14="http://schemas.microsoft.com/office/powerpoint/2010/main" val="2497602191"/>
+        <p14:creationId xmlns:p14="http://schemas.microsoft.com/office/powerpoint/2010/main" val="126578294"/>
       </p:ext>
     </p:extLst>
   </p:cSld>

--- a/Documentation.pptx
+++ b/Documentation.pptx
@@ -632,7 +632,7 @@
           <a:p>
             <a:fld id="{008655FA-71D0-40E3-8412-38112021179B}" type="datetimeFigureOut">
               <a:rPr lang="it-IT" smtClean="0"/>
-              <a:t>01/05/2022</a:t>
+              <a:t>02/05/2022</a:t>
             </a:fld>
             <a:endParaRPr lang="it-IT"/>
           </a:p>
@@ -866,7 +866,7 @@
           <a:p>
             <a:fld id="{008655FA-71D0-40E3-8412-38112021179B}" type="datetimeFigureOut">
               <a:rPr lang="it-IT" smtClean="0"/>
-              <a:t>01/05/2022</a:t>
+              <a:t>02/05/2022</a:t>
             </a:fld>
             <a:endParaRPr lang="it-IT"/>
           </a:p>
@@ -1095,7 +1095,7 @@
           <a:p>
             <a:fld id="{008655FA-71D0-40E3-8412-38112021179B}" type="datetimeFigureOut">
               <a:rPr lang="it-IT" smtClean="0"/>
-              <a:t>01/05/2022</a:t>
+              <a:t>02/05/2022</a:t>
             </a:fld>
             <a:endParaRPr lang="it-IT"/>
           </a:p>
@@ -1395,7 +1395,7 @@
           <a:p>
             <a:fld id="{008655FA-71D0-40E3-8412-38112021179B}" type="datetimeFigureOut">
               <a:rPr lang="it-IT" smtClean="0"/>
-              <a:t>01/05/2022</a:t>
+              <a:t>02/05/2022</a:t>
             </a:fld>
             <a:endParaRPr lang="it-IT"/>
           </a:p>
@@ -1687,7 +1687,7 @@
           <a:p>
             <a:fld id="{008655FA-71D0-40E3-8412-38112021179B}" type="datetimeFigureOut">
               <a:rPr lang="it-IT" smtClean="0"/>
-              <a:t>01/05/2022</a:t>
+              <a:t>02/05/2022</a:t>
             </a:fld>
             <a:endParaRPr lang="it-IT"/>
           </a:p>
@@ -2126,7 +2126,7 @@
           <a:p>
             <a:fld id="{008655FA-71D0-40E3-8412-38112021179B}" type="datetimeFigureOut">
               <a:rPr lang="it-IT" smtClean="0"/>
-              <a:t>01/05/2022</a:t>
+              <a:t>02/05/2022</a:t>
             </a:fld>
             <a:endParaRPr lang="it-IT"/>
           </a:p>
@@ -2292,7 +2292,7 @@
           <a:p>
             <a:fld id="{008655FA-71D0-40E3-8412-38112021179B}" type="datetimeFigureOut">
               <a:rPr lang="it-IT" smtClean="0"/>
-              <a:t>01/05/2022</a:t>
+              <a:t>02/05/2022</a:t>
             </a:fld>
             <a:endParaRPr lang="it-IT"/>
           </a:p>
@@ -2429,7 +2429,7 @@
           <a:p>
             <a:fld id="{008655FA-71D0-40E3-8412-38112021179B}" type="datetimeFigureOut">
               <a:rPr lang="it-IT" smtClean="0"/>
-              <a:t>01/05/2022</a:t>
+              <a:t>02/05/2022</a:t>
             </a:fld>
             <a:endParaRPr lang="it-IT"/>
           </a:p>
@@ -2766,7 +2766,7 @@
           <a:p>
             <a:fld id="{008655FA-71D0-40E3-8412-38112021179B}" type="datetimeFigureOut">
               <a:rPr lang="it-IT" smtClean="0"/>
-              <a:t>01/05/2022</a:t>
+              <a:t>02/05/2022</a:t>
             </a:fld>
             <a:endParaRPr lang="it-IT"/>
           </a:p>
@@ -3079,7 +3079,7 @@
           <a:p>
             <a:fld id="{008655FA-71D0-40E3-8412-38112021179B}" type="datetimeFigureOut">
               <a:rPr lang="it-IT" smtClean="0"/>
-              <a:t>01/05/2022</a:t>
+              <a:t>02/05/2022</a:t>
             </a:fld>
             <a:endParaRPr lang="it-IT"/>
           </a:p>
@@ -4390,7 +4390,7 @@
         <p:spPr/>
         <p:txBody>
           <a:bodyPr>
-            <a:normAutofit fontScale="77500" lnSpcReduction="20000"/>
+            <a:normAutofit fontScale="70000" lnSpcReduction="20000"/>
           </a:bodyPr>
           <a:lstStyle/>
           <a:p>
@@ -4450,7 +4450,7 @@
             </a:r>
             <a:r>
               <a:rPr lang="en-US" dirty="0"/>
-              <a:t>: retrieve in GET the order from the session and show all its parameter. A POST is done when the logged user confirm the order and an order entity is stored in the DB.</a:t>
+              <a:t>: retrieve in GET the order from the session and show all its parameters. A POST is done when the logged user confirm the order and an order entity is stored in the DB. If the order is a rejected one, instead of managing the order from the session, it reads it from the DB.</a:t>
             </a:r>
           </a:p>
           <a:p>
@@ -5613,7 +5613,7 @@
           <a:p>
             <a:r>
               <a:rPr lang="en-US" dirty="0"/>
-              <a:t>We have implemented different controllers that calls the services described in the slides before, but those controllers have the same name and do the same job of the correspondent service, so we have decided to not describe them.</a:t>
+              <a:t>We have implemented different controllers that call the services described in the slides before, but those controllers have the same name and do the same job of the correspondent service (performing additional controls), so we have decided to not describe them.</a:t>
             </a:r>
           </a:p>
           <a:p>
@@ -5634,7 +5634,15 @@
             </a:br>
             <a:r>
               <a:rPr lang="en-US" dirty="0"/>
-              <a:t>This API has the following path: “/optional/package/{id: [0-9]+}”</a:t>
+              <a:t>This API has the following path: “/</a:t>
+            </a:r>
+            <a:r>
+              <a:rPr lang="en-US" dirty="0" err="1"/>
+              <a:t>api</a:t>
+            </a:r>
+            <a:r>
+              <a:rPr lang="en-US" dirty="0"/>
+              <a:t>/optional/package/{id: [0-9]+}”</a:t>
             </a:r>
           </a:p>
           <a:p>
@@ -5646,7 +5654,7 @@
           <a:p>
             <a:r>
               <a:rPr lang="en-US" dirty="0"/>
-              <a:t>In the Business Tier we have chosen @Transactional when the correspondent service needs to perform multiple queries in one transaction and using this notation when a query fails, the transaction will rollback.</a:t>
+              <a:t>In the Business Tier we have chosen @Transactional when the correspondent service needs to perform multiple queries in one transaction and using this notation when a query fails, the whole transaction will rollback.</a:t>
             </a:r>
           </a:p>
         </p:txBody>
@@ -5938,10 +5946,10 @@
       </p:sp>
       <p:pic>
         <p:nvPicPr>
-          <p:cNvPr id="5" name="Segnaposto contenuto 4">
-            <a:extLst>
-              <a:ext uri="{FF2B5EF4-FFF2-40B4-BE49-F238E27FC236}">
-                <a16:creationId xmlns:a16="http://schemas.microsoft.com/office/drawing/2014/main" id="{92FACED0-5A9A-469E-B09F-414240F0CE8D}"/>
+          <p:cNvPr id="13" name="Segnaposto contenuto 12">
+            <a:extLst>
+              <a:ext uri="{FF2B5EF4-FFF2-40B4-BE49-F238E27FC236}">
+                <a16:creationId xmlns:a16="http://schemas.microsoft.com/office/drawing/2014/main" id="{21FF57D0-90B4-C9D9-D96D-FC1A86B83AD6}"/>
               </a:ext>
             </a:extLst>
           </p:cNvPr>
@@ -5966,8 +5974,8 @@
         </p:blipFill>
         <p:spPr>
           <a:xfrm>
-            <a:off x="1804987" y="1996281"/>
-            <a:ext cx="8582025" cy="4010025"/>
+            <a:off x="2642481" y="1005840"/>
+            <a:ext cx="5608010" cy="5545768"/>
           </a:xfrm>
         </p:spPr>
       </p:pic>
@@ -6032,10 +6040,10 @@
       </p:sp>
       <p:pic>
         <p:nvPicPr>
-          <p:cNvPr id="5" name="Segnaposto contenuto 4">
-            <a:extLst>
-              <a:ext uri="{FF2B5EF4-FFF2-40B4-BE49-F238E27FC236}">
-                <a16:creationId xmlns:a16="http://schemas.microsoft.com/office/drawing/2014/main" id="{A4789CFF-4FE8-4003-BBC5-F01FF82F5305}"/>
+          <p:cNvPr id="7" name="Segnaposto contenuto 6">
+            <a:extLst>
+              <a:ext uri="{FF2B5EF4-FFF2-40B4-BE49-F238E27FC236}">
+                <a16:creationId xmlns:a16="http://schemas.microsoft.com/office/drawing/2014/main" id="{FE40B666-A573-2C22-C817-551BDC91CEDA}"/>
               </a:ext>
             </a:extLst>
           </p:cNvPr>
@@ -8747,25 +8755,6 @@
             <a:endParaRPr lang="it-IT" sz="2400" dirty="0"/>
           </a:p>
           <a:p>
-            <a:pPr lvl="1"/>
-            <a:r>
-              <a:rPr lang="it-IT" sz="2000" dirty="0" err="1"/>
-              <a:t>Revision</a:t>
-            </a:r>
-            <a:r>
-              <a:rPr lang="it-IT" sz="2000" dirty="0"/>
-              <a:t> of the </a:t>
-            </a:r>
-            <a:r>
-              <a:rPr lang="it-IT" sz="2000" dirty="0" err="1"/>
-              <a:t>specifications</a:t>
-            </a:r>
-            <a:r>
-              <a:rPr lang="it-IT" sz="2000" dirty="0"/>
-              <a:t> </a:t>
-            </a:r>
-          </a:p>
-          <a:p>
             <a:r>
               <a:rPr lang="it-IT" sz="2400" dirty="0" err="1"/>
               <a:t>Conceptual</a:t>
@@ -8880,14 +8869,6 @@
             <a:r>
               <a:rPr lang="it-IT" sz="2400" dirty="0" err="1"/>
               <a:t>diagrams</a:t>
-            </a:r>
-            <a:r>
-              <a:rPr lang="it-IT" sz="2400" dirty="0"/>
-              <a:t> </a:t>
-            </a:r>
-            <a:r>
-              <a:rPr lang="it-IT" sz="2400" dirty="0" err="1"/>
-              <a:t>s</a:t>
             </a:r>
             <a:endParaRPr lang="it-IT" sz="2400" dirty="0"/>
           </a:p>
@@ -21738,7 +21719,7 @@
             </a:r>
             <a:r>
               <a:rPr lang="en-US" dirty="0"/>
-              <a:t>the user that has been acquired in a specific activation. Not implemented.</a:t>
+              <a:t>the user that has acquired a specific activation. Not implemented.</a:t>
             </a:r>
           </a:p>
           <a:p>
@@ -22041,7 +22022,7 @@
             </a:r>
             <a:r>
               <a:rPr lang="en-US" dirty="0"/>
-              <a:t>the service package been assigned by a specific package price.</a:t>
+              <a:t>the service package that has a specific package price.</a:t>
             </a:r>
           </a:p>
           <a:p>
@@ -22131,7 +22112,7 @@
           <a:p>
             <a:r>
               <a:rPr lang="en-US" dirty="0"/>
-              <a:t>Service Package -&gt; Order @OneToMany to access all the order that has been used by a service package. Not implemented.</a:t>
+              <a:t>Service Package -&gt; Order @OneToMany to access all the orders of a service package. Not implemented.</a:t>
             </a:r>
           </a:p>
           <a:p>
@@ -22145,7 +22126,7 @@
             </a:r>
             <a:r>
               <a:rPr lang="en-US" dirty="0"/>
-              <a:t>the service package that has been assigned to a specific order.</a:t>
+              <a:t>the service package that has been bought in a specific order.</a:t>
             </a:r>
           </a:p>
           <a:p>
@@ -22401,7 +22382,7 @@
           <a:p>
             <a:r>
               <a:rPr lang="en-US" dirty="0"/>
-              <a:t>Service Package -&gt; Activation @OneToMany to access all the activations inserted with a service package. Not implemented.</a:t>
+              <a:t>Service Package -&gt; Activation @OneToMany to access all the activations related to a service package. Not implemented.</a:t>
             </a:r>
           </a:p>
           <a:p>
@@ -22820,13 +22801,13 @@
           <a:p>
             <a:r>
               <a:rPr lang="en-US" dirty="0"/>
-              <a:t>Order -&gt; Activation @OneToMany to access the activation activated of the corresponding order. Not implemented.</a:t>
-            </a:r>
-          </a:p>
-          <a:p>
-            <a:r>
-              <a:rPr lang="en-US" dirty="0"/>
-              <a:t>Activation -&gt; Order @ManyToOne to access the order that correspondent to a specific activation.</a:t>
+              <a:t>Order -&gt; Activation @OneToMany to access the activation schedule related to the correspondent order. Not implemented.</a:t>
+            </a:r>
+          </a:p>
+          <a:p>
+            <a:r>
+              <a:rPr lang="en-US" dirty="0"/>
+              <a:t>Activation -&gt; Order @ManyToOne to access the order that corresponds to a specific activation.</a:t>
             </a:r>
           </a:p>
         </p:txBody>
@@ -26240,10 +26221,10 @@
       </p:sp>
       <p:pic>
         <p:nvPicPr>
-          <p:cNvPr id="9" name="Segnaposto contenuto 8">
-            <a:extLst>
-              <a:ext uri="{FF2B5EF4-FFF2-40B4-BE49-F238E27FC236}">
-                <a16:creationId xmlns:a16="http://schemas.microsoft.com/office/drawing/2014/main" id="{E18A1518-0BC9-450B-B282-786D4782B785}"/>
+          <p:cNvPr id="6" name="Segnaposto contenuto 5">
+            <a:extLst>
+              <a:ext uri="{FF2B5EF4-FFF2-40B4-BE49-F238E27FC236}">
+                <a16:creationId xmlns:a16="http://schemas.microsoft.com/office/drawing/2014/main" id="{3F70976B-BDD8-C303-1067-435FB93CEBEB}"/>
               </a:ext>
             </a:extLst>
           </p:cNvPr>
@@ -26268,8 +26249,8 @@
         </p:blipFill>
         <p:spPr>
           <a:xfrm>
-            <a:off x="1875572" y="1034473"/>
-            <a:ext cx="8440855" cy="5472781"/>
+            <a:off x="1688237" y="1016216"/>
+            <a:ext cx="8815525" cy="5541312"/>
           </a:xfrm>
         </p:spPr>
       </p:pic>
@@ -31613,7 +31594,7 @@
           <a:p>
             <a:r>
               <a:rPr lang="en-GB" dirty="0"/>
-              <a:t>In the home page a user can select a service package to buy it while, if he is logged in, he can also see the list of his rejected orders and confirm it again.</a:t>
+              <a:t>In the home page a user can select a service package to buy it; while, if he is logged in, he can also see the list of his rejected orders and confirms them again.</a:t>
             </a:r>
           </a:p>
         </p:txBody>
@@ -31741,7 +31722,7 @@
           <a:p>
             <a:r>
               <a:rPr lang="en-GB" dirty="0"/>
-              <a:t>The create order page has the same functionalities for a logged or an unlogged user. A user can change the selected service package and ha can also select optional products to buy with. On submit, the order is displayed in the confirmation page.</a:t>
+              <a:t>The create order page has the same functionalities for a logged or an unlogged user. A user can change the selected service package and he can also select optional products to buy with. On submit, the order is displayed in the confirmation page.</a:t>
             </a:r>
           </a:p>
         </p:txBody>

--- a/Documentation.pptx
+++ b/Documentation.pptx
@@ -632,7 +632,7 @@
           <a:p>
             <a:fld id="{008655FA-71D0-40E3-8412-38112021179B}" type="datetimeFigureOut">
               <a:rPr lang="it-IT" smtClean="0"/>
-              <a:t>02/05/2022</a:t>
+              <a:t>03/05/2022</a:t>
             </a:fld>
             <a:endParaRPr lang="it-IT"/>
           </a:p>
@@ -866,7 +866,7 @@
           <a:p>
             <a:fld id="{008655FA-71D0-40E3-8412-38112021179B}" type="datetimeFigureOut">
               <a:rPr lang="it-IT" smtClean="0"/>
-              <a:t>02/05/2022</a:t>
+              <a:t>03/05/2022</a:t>
             </a:fld>
             <a:endParaRPr lang="it-IT"/>
           </a:p>
@@ -1095,7 +1095,7 @@
           <a:p>
             <a:fld id="{008655FA-71D0-40E3-8412-38112021179B}" type="datetimeFigureOut">
               <a:rPr lang="it-IT" smtClean="0"/>
-              <a:t>02/05/2022</a:t>
+              <a:t>03/05/2022</a:t>
             </a:fld>
             <a:endParaRPr lang="it-IT"/>
           </a:p>
@@ -1395,7 +1395,7 @@
           <a:p>
             <a:fld id="{008655FA-71D0-40E3-8412-38112021179B}" type="datetimeFigureOut">
               <a:rPr lang="it-IT" smtClean="0"/>
-              <a:t>02/05/2022</a:t>
+              <a:t>03/05/2022</a:t>
             </a:fld>
             <a:endParaRPr lang="it-IT"/>
           </a:p>
@@ -1687,7 +1687,7 @@
           <a:p>
             <a:fld id="{008655FA-71D0-40E3-8412-38112021179B}" type="datetimeFigureOut">
               <a:rPr lang="it-IT" smtClean="0"/>
-              <a:t>02/05/2022</a:t>
+              <a:t>03/05/2022</a:t>
             </a:fld>
             <a:endParaRPr lang="it-IT"/>
           </a:p>
@@ -2126,7 +2126,7 @@
           <a:p>
             <a:fld id="{008655FA-71D0-40E3-8412-38112021179B}" type="datetimeFigureOut">
               <a:rPr lang="it-IT" smtClean="0"/>
-              <a:t>02/05/2022</a:t>
+              <a:t>03/05/2022</a:t>
             </a:fld>
             <a:endParaRPr lang="it-IT"/>
           </a:p>
@@ -2292,7 +2292,7 @@
           <a:p>
             <a:fld id="{008655FA-71D0-40E3-8412-38112021179B}" type="datetimeFigureOut">
               <a:rPr lang="it-IT" smtClean="0"/>
-              <a:t>02/05/2022</a:t>
+              <a:t>03/05/2022</a:t>
             </a:fld>
             <a:endParaRPr lang="it-IT"/>
           </a:p>
@@ -2429,7 +2429,7 @@
           <a:p>
             <a:fld id="{008655FA-71D0-40E3-8412-38112021179B}" type="datetimeFigureOut">
               <a:rPr lang="it-IT" smtClean="0"/>
-              <a:t>02/05/2022</a:t>
+              <a:t>03/05/2022</a:t>
             </a:fld>
             <a:endParaRPr lang="it-IT"/>
           </a:p>
@@ -2766,7 +2766,7 @@
           <a:p>
             <a:fld id="{008655FA-71D0-40E3-8412-38112021179B}" type="datetimeFigureOut">
               <a:rPr lang="it-IT" smtClean="0"/>
-              <a:t>02/05/2022</a:t>
+              <a:t>03/05/2022</a:t>
             </a:fld>
             <a:endParaRPr lang="it-IT"/>
           </a:p>
@@ -3079,7 +3079,7 @@
           <a:p>
             <a:fld id="{008655FA-71D0-40E3-8412-38112021179B}" type="datetimeFigureOut">
               <a:rPr lang="it-IT" smtClean="0"/>
-              <a:t>02/05/2022</a:t>
+              <a:t>03/05/2022</a:t>
             </a:fld>
             <a:endParaRPr lang="it-IT"/>
           </a:p>
@@ -5792,10 +5792,10 @@
       </p:sp>
       <p:pic>
         <p:nvPicPr>
-          <p:cNvPr id="9" name="Segnaposto contenuto 8">
-            <a:extLst>
-              <a:ext uri="{FF2B5EF4-FFF2-40B4-BE49-F238E27FC236}">
-                <a16:creationId xmlns:a16="http://schemas.microsoft.com/office/drawing/2014/main" id="{87F988A4-1E7A-4A20-BDD4-35338E37CD7B}"/>
+          <p:cNvPr id="6" name="Segnaposto contenuto 5">
+            <a:extLst>
+              <a:ext uri="{FF2B5EF4-FFF2-40B4-BE49-F238E27FC236}">
+                <a16:creationId xmlns:a16="http://schemas.microsoft.com/office/drawing/2014/main" id="{66DC57A0-FBD5-1833-A345-5A8EE3405F59}"/>
               </a:ext>
             </a:extLst>
           </p:cNvPr>
@@ -5820,8 +5820,8 @@
         </p:blipFill>
         <p:spPr>
           <a:xfrm>
-            <a:off x="1804987" y="2282031"/>
-            <a:ext cx="8582025" cy="3438525"/>
+            <a:off x="1804987" y="2277269"/>
+            <a:ext cx="8582025" cy="3448050"/>
           </a:xfrm>
         </p:spPr>
       </p:pic>
@@ -6040,10 +6040,10 @@
       </p:sp>
       <p:pic>
         <p:nvPicPr>
-          <p:cNvPr id="7" name="Segnaposto contenuto 6">
-            <a:extLst>
-              <a:ext uri="{FF2B5EF4-FFF2-40B4-BE49-F238E27FC236}">
-                <a16:creationId xmlns:a16="http://schemas.microsoft.com/office/drawing/2014/main" id="{FE40B666-A573-2C22-C817-551BDC91CEDA}"/>
+          <p:cNvPr id="15" name="Segnaposto contenuto 14">
+            <a:extLst>
+              <a:ext uri="{FF2B5EF4-FFF2-40B4-BE49-F238E27FC236}">
+                <a16:creationId xmlns:a16="http://schemas.microsoft.com/office/drawing/2014/main" id="{7EA285E1-D7AE-DCB3-8744-8BC279E326E3}"/>
               </a:ext>
             </a:extLst>
           </p:cNvPr>
@@ -6068,8 +6068,8 @@
         </p:blipFill>
         <p:spPr>
           <a:xfrm>
-            <a:off x="838200" y="2079132"/>
-            <a:ext cx="10515600" cy="3844323"/>
+            <a:off x="947074" y="1825625"/>
+            <a:ext cx="10297851" cy="4351338"/>
           </a:xfrm>
         </p:spPr>
       </p:pic>
